--- a/Documenti/OMA ASSIGNMENT 2014.pptx
+++ b/Documenti/OMA ASSIGNMENT 2014.pptx
@@ -4,11 +4,18 @@
   <p:sldMasterIdLst>
     <p:sldMasterId id="2147483720" r:id="rId1"/>
   </p:sldMasterIdLst>
+  <p:notesMasterIdLst>
+    <p:notesMasterId r:id="rId10"/>
+  </p:notesMasterIdLst>
   <p:sldIdLst>
     <p:sldId id="256" r:id="rId2"/>
     <p:sldId id="257" r:id="rId3"/>
     <p:sldId id="258" r:id="rId4"/>
     <p:sldId id="259" r:id="rId5"/>
+    <p:sldId id="260" r:id="rId6"/>
+    <p:sldId id="261" r:id="rId7"/>
+    <p:sldId id="262" r:id="rId8"/>
+    <p:sldId id="263" r:id="rId9"/>
   </p:sldIdLst>
   <p:sldSz cx="9144000" cy="6858000" type="screen4x3"/>
   <p:notesSz cx="6858000" cy="9144000"/>
@@ -107,7 +114,8188 @@
       </a:defRPr>
     </a:lvl9pPr>
   </p:defaultTextStyle>
+  <p:extLst>
+    <p:ext uri="{EFAFB233-063F-42B5-8137-9DF3F51BA10A}">
+      <p15:sldGuideLst xmlns:p15="http://schemas.microsoft.com/office/powerpoint/2012/main">
+        <p15:guide id="1" orient="horz" pos="2160">
+          <p15:clr>
+            <a:srgbClr val="A4A3A4"/>
+          </p15:clr>
+        </p15:guide>
+        <p15:guide id="2" pos="2880">
+          <p15:clr>
+            <a:srgbClr val="A4A3A4"/>
+          </p15:clr>
+        </p15:guide>
+      </p15:sldGuideLst>
+    </p:ext>
+  </p:extLst>
 </p:presentation>
+</file>
+
+<file path=ppt/diagrams/colors1.xml><?xml version="1.0" encoding="utf-8"?>
+<dgm:colorsDef xmlns:dgm="http://schemas.openxmlformats.org/drawingml/2006/diagram" xmlns:a="http://schemas.openxmlformats.org/drawingml/2006/main" uniqueId="urn:microsoft.com/office/officeart/2005/8/colors/accent1_2">
+  <dgm:title val=""/>
+  <dgm:desc val=""/>
+  <dgm:catLst>
+    <dgm:cat type="accent1" pri="11200"/>
+  </dgm:catLst>
+  <dgm:styleLbl name="node0">
+    <dgm:fillClrLst meth="repeat">
+      <a:schemeClr val="accent1"/>
+    </dgm:fillClrLst>
+    <dgm:linClrLst meth="repeat">
+      <a:schemeClr val="lt1"/>
+    </dgm:linClrLst>
+    <dgm:effectClrLst/>
+    <dgm:txLinClrLst/>
+    <dgm:txFillClrLst/>
+    <dgm:txEffectClrLst/>
+  </dgm:styleLbl>
+  <dgm:styleLbl name="alignNode1">
+    <dgm:fillClrLst meth="repeat">
+      <a:schemeClr val="accent1"/>
+    </dgm:fillClrLst>
+    <dgm:linClrLst meth="repeat">
+      <a:schemeClr val="accent1"/>
+    </dgm:linClrLst>
+    <dgm:effectClrLst/>
+    <dgm:txLinClrLst/>
+    <dgm:txFillClrLst/>
+    <dgm:txEffectClrLst/>
+  </dgm:styleLbl>
+  <dgm:styleLbl name="node1">
+    <dgm:fillClrLst meth="repeat">
+      <a:schemeClr val="accent1"/>
+    </dgm:fillClrLst>
+    <dgm:linClrLst meth="repeat">
+      <a:schemeClr val="lt1"/>
+    </dgm:linClrLst>
+    <dgm:effectClrLst/>
+    <dgm:txLinClrLst/>
+    <dgm:txFillClrLst/>
+    <dgm:txEffectClrLst/>
+  </dgm:styleLbl>
+  <dgm:styleLbl name="lnNode1">
+    <dgm:fillClrLst meth="repeat">
+      <a:schemeClr val="accent1"/>
+    </dgm:fillClrLst>
+    <dgm:linClrLst meth="repeat">
+      <a:schemeClr val="lt1"/>
+    </dgm:linClrLst>
+    <dgm:effectClrLst/>
+    <dgm:txLinClrLst/>
+    <dgm:txFillClrLst/>
+    <dgm:txEffectClrLst/>
+  </dgm:styleLbl>
+  <dgm:styleLbl name="vennNode1">
+    <dgm:fillClrLst meth="repeat">
+      <a:schemeClr val="accent1">
+        <a:alpha val="50000"/>
+      </a:schemeClr>
+    </dgm:fillClrLst>
+    <dgm:linClrLst meth="repeat">
+      <a:schemeClr val="lt1"/>
+    </dgm:linClrLst>
+    <dgm:effectClrLst/>
+    <dgm:txLinClrLst/>
+    <dgm:txFillClrLst/>
+    <dgm:txEffectClrLst/>
+  </dgm:styleLbl>
+  <dgm:styleLbl name="node2">
+    <dgm:fillClrLst meth="repeat">
+      <a:schemeClr val="accent1"/>
+    </dgm:fillClrLst>
+    <dgm:linClrLst meth="repeat">
+      <a:schemeClr val="lt1"/>
+    </dgm:linClrLst>
+    <dgm:effectClrLst/>
+    <dgm:txLinClrLst/>
+    <dgm:txFillClrLst/>
+    <dgm:txEffectClrLst/>
+  </dgm:styleLbl>
+  <dgm:styleLbl name="node3">
+    <dgm:fillClrLst meth="repeat">
+      <a:schemeClr val="accent1"/>
+    </dgm:fillClrLst>
+    <dgm:linClrLst meth="repeat">
+      <a:schemeClr val="lt1"/>
+    </dgm:linClrLst>
+    <dgm:effectClrLst/>
+    <dgm:txLinClrLst/>
+    <dgm:txFillClrLst/>
+    <dgm:txEffectClrLst/>
+  </dgm:styleLbl>
+  <dgm:styleLbl name="node4">
+    <dgm:fillClrLst meth="repeat">
+      <a:schemeClr val="accent1"/>
+    </dgm:fillClrLst>
+    <dgm:linClrLst meth="repeat">
+      <a:schemeClr val="lt1"/>
+    </dgm:linClrLst>
+    <dgm:effectClrLst/>
+    <dgm:txLinClrLst/>
+    <dgm:txFillClrLst/>
+    <dgm:txEffectClrLst/>
+  </dgm:styleLbl>
+  <dgm:styleLbl name="fgImgPlace1">
+    <dgm:fillClrLst meth="repeat">
+      <a:schemeClr val="accent1">
+        <a:tint val="50000"/>
+      </a:schemeClr>
+    </dgm:fillClrLst>
+    <dgm:linClrLst meth="repeat">
+      <a:schemeClr val="lt1"/>
+    </dgm:linClrLst>
+    <dgm:effectClrLst/>
+    <dgm:txLinClrLst/>
+    <dgm:txFillClrLst meth="repeat">
+      <a:schemeClr val="lt1"/>
+    </dgm:txFillClrLst>
+    <dgm:txEffectClrLst/>
+  </dgm:styleLbl>
+  <dgm:styleLbl name="alignImgPlace1">
+    <dgm:fillClrLst meth="repeat">
+      <a:schemeClr val="accent1">
+        <a:tint val="50000"/>
+      </a:schemeClr>
+    </dgm:fillClrLst>
+    <dgm:linClrLst meth="repeat">
+      <a:schemeClr val="lt1"/>
+    </dgm:linClrLst>
+    <dgm:effectClrLst/>
+    <dgm:txLinClrLst/>
+    <dgm:txFillClrLst meth="repeat">
+      <a:schemeClr val="lt1"/>
+    </dgm:txFillClrLst>
+    <dgm:txEffectClrLst/>
+  </dgm:styleLbl>
+  <dgm:styleLbl name="bgImgPlace1">
+    <dgm:fillClrLst meth="repeat">
+      <a:schemeClr val="accent1">
+        <a:tint val="50000"/>
+      </a:schemeClr>
+    </dgm:fillClrLst>
+    <dgm:linClrLst meth="repeat">
+      <a:schemeClr val="lt1"/>
+    </dgm:linClrLst>
+    <dgm:effectClrLst/>
+    <dgm:txLinClrLst/>
+    <dgm:txFillClrLst meth="repeat">
+      <a:schemeClr val="lt1"/>
+    </dgm:txFillClrLst>
+    <dgm:txEffectClrLst/>
+  </dgm:styleLbl>
+  <dgm:styleLbl name="sibTrans2D1">
+    <dgm:fillClrLst meth="repeat">
+      <a:schemeClr val="accent1">
+        <a:tint val="60000"/>
+      </a:schemeClr>
+    </dgm:fillClrLst>
+    <dgm:linClrLst meth="repeat">
+      <a:schemeClr val="accent1">
+        <a:tint val="60000"/>
+      </a:schemeClr>
+    </dgm:linClrLst>
+    <dgm:effectClrLst/>
+    <dgm:txLinClrLst/>
+    <dgm:txFillClrLst/>
+    <dgm:txEffectClrLst/>
+  </dgm:styleLbl>
+  <dgm:styleLbl name="fgSibTrans2D1">
+    <dgm:fillClrLst meth="repeat">
+      <a:schemeClr val="accent1">
+        <a:tint val="60000"/>
+      </a:schemeClr>
+    </dgm:fillClrLst>
+    <dgm:linClrLst meth="repeat">
+      <a:schemeClr val="accent1">
+        <a:tint val="60000"/>
+      </a:schemeClr>
+    </dgm:linClrLst>
+    <dgm:effectClrLst/>
+    <dgm:txLinClrLst/>
+    <dgm:txFillClrLst/>
+    <dgm:txEffectClrLst/>
+  </dgm:styleLbl>
+  <dgm:styleLbl name="bgSibTrans2D1">
+    <dgm:fillClrLst meth="repeat">
+      <a:schemeClr val="accent1">
+        <a:tint val="60000"/>
+      </a:schemeClr>
+    </dgm:fillClrLst>
+    <dgm:linClrLst meth="repeat">
+      <a:schemeClr val="accent1">
+        <a:tint val="60000"/>
+      </a:schemeClr>
+    </dgm:linClrLst>
+    <dgm:effectClrLst/>
+    <dgm:txLinClrLst/>
+    <dgm:txFillClrLst/>
+    <dgm:txEffectClrLst/>
+  </dgm:styleLbl>
+  <dgm:styleLbl name="sibTrans1D1">
+    <dgm:fillClrLst meth="repeat">
+      <a:schemeClr val="accent1"/>
+    </dgm:fillClrLst>
+    <dgm:linClrLst meth="repeat">
+      <a:schemeClr val="accent1"/>
+    </dgm:linClrLst>
+    <dgm:effectClrLst/>
+    <dgm:txLinClrLst/>
+    <dgm:txFillClrLst meth="repeat">
+      <a:schemeClr val="tx1"/>
+    </dgm:txFillClrLst>
+    <dgm:txEffectClrLst/>
+  </dgm:styleLbl>
+  <dgm:styleLbl name="callout">
+    <dgm:fillClrLst meth="repeat">
+      <a:schemeClr val="accent1"/>
+    </dgm:fillClrLst>
+    <dgm:linClrLst meth="repeat">
+      <a:schemeClr val="accent1">
+        <a:tint val="50000"/>
+      </a:schemeClr>
+    </dgm:linClrLst>
+    <dgm:effectClrLst/>
+    <dgm:txLinClrLst/>
+    <dgm:txFillClrLst meth="repeat">
+      <a:schemeClr val="tx1"/>
+    </dgm:txFillClrLst>
+    <dgm:txEffectClrLst/>
+  </dgm:styleLbl>
+  <dgm:styleLbl name="asst0">
+    <dgm:fillClrLst meth="repeat">
+      <a:schemeClr val="accent1"/>
+    </dgm:fillClrLst>
+    <dgm:linClrLst meth="repeat">
+      <a:schemeClr val="lt1"/>
+    </dgm:linClrLst>
+    <dgm:effectClrLst/>
+    <dgm:txLinClrLst/>
+    <dgm:txFillClrLst/>
+    <dgm:txEffectClrLst/>
+  </dgm:styleLbl>
+  <dgm:styleLbl name="asst1">
+    <dgm:fillClrLst meth="repeat">
+      <a:schemeClr val="accent1"/>
+    </dgm:fillClrLst>
+    <dgm:linClrLst meth="repeat">
+      <a:schemeClr val="lt1"/>
+    </dgm:linClrLst>
+    <dgm:effectClrLst/>
+    <dgm:txLinClrLst/>
+    <dgm:txFillClrLst/>
+    <dgm:txEffectClrLst/>
+  </dgm:styleLbl>
+  <dgm:styleLbl name="asst2">
+    <dgm:fillClrLst meth="repeat">
+      <a:schemeClr val="accent1"/>
+    </dgm:fillClrLst>
+    <dgm:linClrLst meth="repeat">
+      <a:schemeClr val="lt1"/>
+    </dgm:linClrLst>
+    <dgm:effectClrLst/>
+    <dgm:txLinClrLst/>
+    <dgm:txFillClrLst/>
+    <dgm:txEffectClrLst/>
+  </dgm:styleLbl>
+  <dgm:styleLbl name="asst3">
+    <dgm:fillClrLst meth="repeat">
+      <a:schemeClr val="accent1"/>
+    </dgm:fillClrLst>
+    <dgm:linClrLst meth="repeat">
+      <a:schemeClr val="lt1"/>
+    </dgm:linClrLst>
+    <dgm:effectClrLst/>
+    <dgm:txLinClrLst/>
+    <dgm:txFillClrLst/>
+    <dgm:txEffectClrLst/>
+  </dgm:styleLbl>
+  <dgm:styleLbl name="asst4">
+    <dgm:fillClrLst meth="repeat">
+      <a:schemeClr val="accent1"/>
+    </dgm:fillClrLst>
+    <dgm:linClrLst meth="repeat">
+      <a:schemeClr val="lt1"/>
+    </dgm:linClrLst>
+    <dgm:effectClrLst/>
+    <dgm:txLinClrLst/>
+    <dgm:txFillClrLst/>
+    <dgm:txEffectClrLst/>
+  </dgm:styleLbl>
+  <dgm:styleLbl name="parChTrans2D1">
+    <dgm:fillClrLst meth="repeat">
+      <a:schemeClr val="accent1">
+        <a:tint val="60000"/>
+      </a:schemeClr>
+    </dgm:fillClrLst>
+    <dgm:linClrLst meth="repeat">
+      <a:schemeClr val="accent1">
+        <a:tint val="60000"/>
+      </a:schemeClr>
+    </dgm:linClrLst>
+    <dgm:effectClrLst/>
+    <dgm:txLinClrLst/>
+    <dgm:txFillClrLst meth="repeat">
+      <a:schemeClr val="lt1"/>
+    </dgm:txFillClrLst>
+    <dgm:txEffectClrLst/>
+  </dgm:styleLbl>
+  <dgm:styleLbl name="parChTrans2D2">
+    <dgm:fillClrLst meth="repeat">
+      <a:schemeClr val="accent1"/>
+    </dgm:fillClrLst>
+    <dgm:linClrLst meth="repeat">
+      <a:schemeClr val="accent1"/>
+    </dgm:linClrLst>
+    <dgm:effectClrLst/>
+    <dgm:txLinClrLst/>
+    <dgm:txFillClrLst meth="repeat">
+      <a:schemeClr val="lt1"/>
+    </dgm:txFillClrLst>
+    <dgm:txEffectClrLst/>
+  </dgm:styleLbl>
+  <dgm:styleLbl name="parChTrans2D3">
+    <dgm:fillClrLst meth="repeat">
+      <a:schemeClr val="accent1"/>
+    </dgm:fillClrLst>
+    <dgm:linClrLst meth="repeat">
+      <a:schemeClr val="accent1"/>
+    </dgm:linClrLst>
+    <dgm:effectClrLst/>
+    <dgm:txLinClrLst/>
+    <dgm:txFillClrLst meth="repeat">
+      <a:schemeClr val="lt1"/>
+    </dgm:txFillClrLst>
+    <dgm:txEffectClrLst/>
+  </dgm:styleLbl>
+  <dgm:styleLbl name="parChTrans2D4">
+    <dgm:fillClrLst meth="repeat">
+      <a:schemeClr val="accent1"/>
+    </dgm:fillClrLst>
+    <dgm:linClrLst meth="repeat">
+      <a:schemeClr val="accent1"/>
+    </dgm:linClrLst>
+    <dgm:effectClrLst/>
+    <dgm:txLinClrLst/>
+    <dgm:txFillClrLst meth="repeat">
+      <a:schemeClr val="lt1"/>
+    </dgm:txFillClrLst>
+    <dgm:txEffectClrLst/>
+  </dgm:styleLbl>
+  <dgm:styleLbl name="parChTrans1D1">
+    <dgm:fillClrLst meth="repeat">
+      <a:schemeClr val="accent1"/>
+    </dgm:fillClrLst>
+    <dgm:linClrLst meth="repeat">
+      <a:schemeClr val="accent1">
+        <a:shade val="60000"/>
+      </a:schemeClr>
+    </dgm:linClrLst>
+    <dgm:effectClrLst/>
+    <dgm:txLinClrLst/>
+    <dgm:txFillClrLst meth="repeat">
+      <a:schemeClr val="tx1"/>
+    </dgm:txFillClrLst>
+    <dgm:txEffectClrLst/>
+  </dgm:styleLbl>
+  <dgm:styleLbl name="parChTrans1D2">
+    <dgm:fillClrLst meth="repeat">
+      <a:schemeClr val="accent1"/>
+    </dgm:fillClrLst>
+    <dgm:linClrLst meth="repeat">
+      <a:schemeClr val="accent1">
+        <a:shade val="60000"/>
+      </a:schemeClr>
+    </dgm:linClrLst>
+    <dgm:effectClrLst/>
+    <dgm:txLinClrLst/>
+    <dgm:txFillClrLst meth="repeat">
+      <a:schemeClr val="tx1"/>
+    </dgm:txFillClrLst>
+    <dgm:txEffectClrLst/>
+  </dgm:styleLbl>
+  <dgm:styleLbl name="parChTrans1D3">
+    <dgm:fillClrLst meth="repeat">
+      <a:schemeClr val="accent1"/>
+    </dgm:fillClrLst>
+    <dgm:linClrLst meth="repeat">
+      <a:schemeClr val="accent1">
+        <a:shade val="80000"/>
+      </a:schemeClr>
+    </dgm:linClrLst>
+    <dgm:effectClrLst/>
+    <dgm:txLinClrLst/>
+    <dgm:txFillClrLst meth="repeat">
+      <a:schemeClr val="tx1"/>
+    </dgm:txFillClrLst>
+    <dgm:txEffectClrLst/>
+  </dgm:styleLbl>
+  <dgm:styleLbl name="parChTrans1D4">
+    <dgm:fillClrLst meth="repeat">
+      <a:schemeClr val="accent1"/>
+    </dgm:fillClrLst>
+    <dgm:linClrLst meth="repeat">
+      <a:schemeClr val="accent1">
+        <a:shade val="80000"/>
+      </a:schemeClr>
+    </dgm:linClrLst>
+    <dgm:effectClrLst/>
+    <dgm:txLinClrLst/>
+    <dgm:txFillClrLst meth="repeat">
+      <a:schemeClr val="tx1"/>
+    </dgm:txFillClrLst>
+    <dgm:txEffectClrLst/>
+  </dgm:styleLbl>
+  <dgm:styleLbl name="fgAcc1">
+    <dgm:fillClrLst meth="repeat">
+      <a:schemeClr val="lt1">
+        <a:alpha val="90000"/>
+      </a:schemeClr>
+    </dgm:fillClrLst>
+    <dgm:linClrLst meth="repeat">
+      <a:schemeClr val="accent1"/>
+    </dgm:linClrLst>
+    <dgm:effectClrLst/>
+    <dgm:txLinClrLst/>
+    <dgm:txFillClrLst meth="repeat">
+      <a:schemeClr val="dk1"/>
+    </dgm:txFillClrLst>
+    <dgm:txEffectClrLst/>
+  </dgm:styleLbl>
+  <dgm:styleLbl name="conFgAcc1">
+    <dgm:fillClrLst meth="repeat">
+      <a:schemeClr val="lt1">
+        <a:alpha val="90000"/>
+      </a:schemeClr>
+    </dgm:fillClrLst>
+    <dgm:linClrLst meth="repeat">
+      <a:schemeClr val="accent1"/>
+    </dgm:linClrLst>
+    <dgm:effectClrLst/>
+    <dgm:txLinClrLst/>
+    <dgm:txFillClrLst meth="repeat">
+      <a:schemeClr val="dk1"/>
+    </dgm:txFillClrLst>
+    <dgm:txEffectClrLst/>
+  </dgm:styleLbl>
+  <dgm:styleLbl name="alignAcc1">
+    <dgm:fillClrLst meth="repeat">
+      <a:schemeClr val="lt1">
+        <a:alpha val="90000"/>
+      </a:schemeClr>
+    </dgm:fillClrLst>
+    <dgm:linClrLst meth="repeat">
+      <a:schemeClr val="accent1"/>
+    </dgm:linClrLst>
+    <dgm:effectClrLst/>
+    <dgm:txLinClrLst/>
+    <dgm:txFillClrLst meth="repeat">
+      <a:schemeClr val="dk1"/>
+    </dgm:txFillClrLst>
+    <dgm:txEffectClrLst/>
+  </dgm:styleLbl>
+  <dgm:styleLbl name="trAlignAcc1">
+    <dgm:fillClrLst meth="repeat">
+      <a:schemeClr val="lt1">
+        <a:alpha val="40000"/>
+      </a:schemeClr>
+    </dgm:fillClrLst>
+    <dgm:linClrLst meth="repeat">
+      <a:schemeClr val="accent1"/>
+    </dgm:linClrLst>
+    <dgm:effectClrLst/>
+    <dgm:txLinClrLst/>
+    <dgm:txFillClrLst meth="repeat">
+      <a:schemeClr val="dk1"/>
+    </dgm:txFillClrLst>
+    <dgm:txEffectClrLst/>
+  </dgm:styleLbl>
+  <dgm:styleLbl name="bgAcc1">
+    <dgm:fillClrLst meth="repeat">
+      <a:schemeClr val="lt1">
+        <a:alpha val="90000"/>
+      </a:schemeClr>
+    </dgm:fillClrLst>
+    <dgm:linClrLst meth="repeat">
+      <a:schemeClr val="accent1"/>
+    </dgm:linClrLst>
+    <dgm:effectClrLst/>
+    <dgm:txLinClrLst/>
+    <dgm:txFillClrLst meth="repeat">
+      <a:schemeClr val="dk1"/>
+    </dgm:txFillClrLst>
+    <dgm:txEffectClrLst/>
+  </dgm:styleLbl>
+  <dgm:styleLbl name="solidFgAcc1">
+    <dgm:fillClrLst meth="repeat">
+      <a:schemeClr val="lt1"/>
+    </dgm:fillClrLst>
+    <dgm:linClrLst meth="repeat">
+      <a:schemeClr val="accent1"/>
+    </dgm:linClrLst>
+    <dgm:effectClrLst/>
+    <dgm:txLinClrLst/>
+    <dgm:txFillClrLst meth="repeat">
+      <a:schemeClr val="dk1"/>
+    </dgm:txFillClrLst>
+    <dgm:txEffectClrLst/>
+  </dgm:styleLbl>
+  <dgm:styleLbl name="solidAlignAcc1">
+    <dgm:fillClrLst meth="repeat">
+      <a:schemeClr val="lt1"/>
+    </dgm:fillClrLst>
+    <dgm:linClrLst meth="repeat">
+      <a:schemeClr val="accent1"/>
+    </dgm:linClrLst>
+    <dgm:effectClrLst/>
+    <dgm:txLinClrLst/>
+    <dgm:txFillClrLst meth="repeat">
+      <a:schemeClr val="dk1"/>
+    </dgm:txFillClrLst>
+    <dgm:txEffectClrLst/>
+  </dgm:styleLbl>
+  <dgm:styleLbl name="solidBgAcc1">
+    <dgm:fillClrLst meth="repeat">
+      <a:schemeClr val="lt1"/>
+    </dgm:fillClrLst>
+    <dgm:linClrLst meth="repeat">
+      <a:schemeClr val="accent1"/>
+    </dgm:linClrLst>
+    <dgm:effectClrLst/>
+    <dgm:txLinClrLst/>
+    <dgm:txFillClrLst meth="repeat">
+      <a:schemeClr val="dk1"/>
+    </dgm:txFillClrLst>
+    <dgm:txEffectClrLst/>
+  </dgm:styleLbl>
+  <dgm:styleLbl name="fgAccFollowNode1">
+    <dgm:fillClrLst meth="repeat">
+      <a:schemeClr val="accent1">
+        <a:alpha val="90000"/>
+        <a:tint val="40000"/>
+      </a:schemeClr>
+    </dgm:fillClrLst>
+    <dgm:linClrLst meth="repeat">
+      <a:schemeClr val="accent1">
+        <a:alpha val="90000"/>
+        <a:tint val="40000"/>
+      </a:schemeClr>
+    </dgm:linClrLst>
+    <dgm:effectClrLst/>
+    <dgm:txLinClrLst/>
+    <dgm:txFillClrLst meth="repeat">
+      <a:schemeClr val="dk1"/>
+    </dgm:txFillClrLst>
+    <dgm:txEffectClrLst/>
+  </dgm:styleLbl>
+  <dgm:styleLbl name="alignAccFollowNode1">
+    <dgm:fillClrLst meth="repeat">
+      <a:schemeClr val="accent1">
+        <a:alpha val="90000"/>
+        <a:tint val="40000"/>
+      </a:schemeClr>
+    </dgm:fillClrLst>
+    <dgm:linClrLst meth="repeat">
+      <a:schemeClr val="accent1">
+        <a:alpha val="90000"/>
+        <a:tint val="40000"/>
+      </a:schemeClr>
+    </dgm:linClrLst>
+    <dgm:effectClrLst/>
+    <dgm:txLinClrLst/>
+    <dgm:txFillClrLst meth="repeat">
+      <a:schemeClr val="dk1"/>
+    </dgm:txFillClrLst>
+    <dgm:txEffectClrLst/>
+  </dgm:styleLbl>
+  <dgm:styleLbl name="bgAccFollowNode1">
+    <dgm:fillClrLst meth="repeat">
+      <a:schemeClr val="accent1">
+        <a:alpha val="90000"/>
+        <a:tint val="40000"/>
+      </a:schemeClr>
+    </dgm:fillClrLst>
+    <dgm:linClrLst meth="repeat">
+      <a:schemeClr val="accent1">
+        <a:alpha val="90000"/>
+        <a:tint val="40000"/>
+      </a:schemeClr>
+    </dgm:linClrLst>
+    <dgm:effectClrLst/>
+    <dgm:txLinClrLst/>
+    <dgm:txFillClrLst meth="repeat">
+      <a:schemeClr val="dk1"/>
+    </dgm:txFillClrLst>
+    <dgm:txEffectClrLst/>
+  </dgm:styleLbl>
+  <dgm:styleLbl name="fgAcc0">
+    <dgm:fillClrLst meth="repeat">
+      <a:schemeClr val="lt1">
+        <a:alpha val="90000"/>
+      </a:schemeClr>
+    </dgm:fillClrLst>
+    <dgm:linClrLst meth="repeat">
+      <a:schemeClr val="accent1"/>
+    </dgm:linClrLst>
+    <dgm:effectClrLst/>
+    <dgm:txLinClrLst/>
+    <dgm:txFillClrLst meth="repeat">
+      <a:schemeClr val="dk1"/>
+    </dgm:txFillClrLst>
+    <dgm:txEffectClrLst/>
+  </dgm:styleLbl>
+  <dgm:styleLbl name="fgAcc2">
+    <dgm:fillClrLst meth="repeat">
+      <a:schemeClr val="lt1">
+        <a:alpha val="90000"/>
+      </a:schemeClr>
+    </dgm:fillClrLst>
+    <dgm:linClrLst meth="repeat">
+      <a:schemeClr val="accent1"/>
+    </dgm:linClrLst>
+    <dgm:effectClrLst/>
+    <dgm:txLinClrLst/>
+    <dgm:txFillClrLst meth="repeat">
+      <a:schemeClr val="dk1"/>
+    </dgm:txFillClrLst>
+    <dgm:txEffectClrLst/>
+  </dgm:styleLbl>
+  <dgm:styleLbl name="fgAcc3">
+    <dgm:fillClrLst meth="repeat">
+      <a:schemeClr val="lt1">
+        <a:alpha val="90000"/>
+      </a:schemeClr>
+    </dgm:fillClrLst>
+    <dgm:linClrLst meth="repeat">
+      <a:schemeClr val="accent1"/>
+    </dgm:linClrLst>
+    <dgm:effectClrLst/>
+    <dgm:txLinClrLst/>
+    <dgm:txFillClrLst meth="repeat">
+      <a:schemeClr val="dk1"/>
+    </dgm:txFillClrLst>
+    <dgm:txEffectClrLst/>
+  </dgm:styleLbl>
+  <dgm:styleLbl name="fgAcc4">
+    <dgm:fillClrLst meth="repeat">
+      <a:schemeClr val="lt1">
+        <a:alpha val="90000"/>
+      </a:schemeClr>
+    </dgm:fillClrLst>
+    <dgm:linClrLst meth="repeat">
+      <a:schemeClr val="accent1"/>
+    </dgm:linClrLst>
+    <dgm:effectClrLst/>
+    <dgm:txLinClrLst/>
+    <dgm:txFillClrLst meth="repeat">
+      <a:schemeClr val="dk1"/>
+    </dgm:txFillClrLst>
+    <dgm:txEffectClrLst/>
+  </dgm:styleLbl>
+  <dgm:styleLbl name="bgShp">
+    <dgm:fillClrLst meth="repeat">
+      <a:schemeClr val="accent1">
+        <a:tint val="40000"/>
+      </a:schemeClr>
+    </dgm:fillClrLst>
+    <dgm:linClrLst meth="repeat">
+      <a:schemeClr val="accent1"/>
+    </dgm:linClrLst>
+    <dgm:effectClrLst/>
+    <dgm:txLinClrLst/>
+    <dgm:txFillClrLst meth="repeat">
+      <a:schemeClr val="dk1"/>
+    </dgm:txFillClrLst>
+    <dgm:txEffectClrLst/>
+  </dgm:styleLbl>
+  <dgm:styleLbl name="dkBgShp">
+    <dgm:fillClrLst meth="repeat">
+      <a:schemeClr val="accent1">
+        <a:shade val="80000"/>
+      </a:schemeClr>
+    </dgm:fillClrLst>
+    <dgm:linClrLst meth="repeat">
+      <a:schemeClr val="accent1"/>
+    </dgm:linClrLst>
+    <dgm:effectClrLst/>
+    <dgm:txLinClrLst/>
+    <dgm:txFillClrLst meth="repeat">
+      <a:schemeClr val="lt1"/>
+    </dgm:txFillClrLst>
+    <dgm:txEffectClrLst/>
+  </dgm:styleLbl>
+  <dgm:styleLbl name="trBgShp">
+    <dgm:fillClrLst meth="repeat">
+      <a:schemeClr val="accent1">
+        <a:tint val="50000"/>
+        <a:alpha val="40000"/>
+      </a:schemeClr>
+    </dgm:fillClrLst>
+    <dgm:linClrLst meth="repeat">
+      <a:schemeClr val="accent1"/>
+    </dgm:linClrLst>
+    <dgm:effectClrLst/>
+    <dgm:txLinClrLst/>
+    <dgm:txFillClrLst meth="repeat">
+      <a:schemeClr val="lt1"/>
+    </dgm:txFillClrLst>
+    <dgm:txEffectClrLst/>
+  </dgm:styleLbl>
+  <dgm:styleLbl name="fgShp">
+    <dgm:fillClrLst meth="repeat">
+      <a:schemeClr val="accent1">
+        <a:tint val="60000"/>
+      </a:schemeClr>
+    </dgm:fillClrLst>
+    <dgm:linClrLst meth="repeat">
+      <a:schemeClr val="lt1"/>
+    </dgm:linClrLst>
+    <dgm:effectClrLst/>
+    <dgm:txLinClrLst/>
+    <dgm:txFillClrLst meth="repeat">
+      <a:schemeClr val="dk1"/>
+    </dgm:txFillClrLst>
+    <dgm:txEffectClrLst/>
+  </dgm:styleLbl>
+  <dgm:styleLbl name="revTx">
+    <dgm:fillClrLst meth="repeat">
+      <a:schemeClr val="lt1">
+        <a:alpha val="0"/>
+      </a:schemeClr>
+    </dgm:fillClrLst>
+    <dgm:linClrLst meth="repeat">
+      <a:schemeClr val="dk1">
+        <a:alpha val="0"/>
+      </a:schemeClr>
+    </dgm:linClrLst>
+    <dgm:effectClrLst/>
+    <dgm:txLinClrLst/>
+    <dgm:txFillClrLst meth="repeat">
+      <a:schemeClr val="tx1"/>
+    </dgm:txFillClrLst>
+    <dgm:txEffectClrLst/>
+  </dgm:styleLbl>
+</dgm:colorsDef>
+</file>
+
+<file path=ppt/diagrams/colors2.xml><?xml version="1.0" encoding="utf-8"?>
+<dgm:colorsDef xmlns:dgm="http://schemas.openxmlformats.org/drawingml/2006/diagram" xmlns:a="http://schemas.openxmlformats.org/drawingml/2006/main" uniqueId="urn:microsoft.com/office/officeart/2005/8/colors/accent1_2">
+  <dgm:title val=""/>
+  <dgm:desc val=""/>
+  <dgm:catLst>
+    <dgm:cat type="accent1" pri="11200"/>
+  </dgm:catLst>
+  <dgm:styleLbl name="node0">
+    <dgm:fillClrLst meth="repeat">
+      <a:schemeClr val="accent1"/>
+    </dgm:fillClrLst>
+    <dgm:linClrLst meth="repeat">
+      <a:schemeClr val="lt1"/>
+    </dgm:linClrLst>
+    <dgm:effectClrLst/>
+    <dgm:txLinClrLst/>
+    <dgm:txFillClrLst/>
+    <dgm:txEffectClrLst/>
+  </dgm:styleLbl>
+  <dgm:styleLbl name="alignNode1">
+    <dgm:fillClrLst meth="repeat">
+      <a:schemeClr val="accent1"/>
+    </dgm:fillClrLst>
+    <dgm:linClrLst meth="repeat">
+      <a:schemeClr val="accent1"/>
+    </dgm:linClrLst>
+    <dgm:effectClrLst/>
+    <dgm:txLinClrLst/>
+    <dgm:txFillClrLst/>
+    <dgm:txEffectClrLst/>
+  </dgm:styleLbl>
+  <dgm:styleLbl name="node1">
+    <dgm:fillClrLst meth="repeat">
+      <a:schemeClr val="accent1"/>
+    </dgm:fillClrLst>
+    <dgm:linClrLst meth="repeat">
+      <a:schemeClr val="lt1"/>
+    </dgm:linClrLst>
+    <dgm:effectClrLst/>
+    <dgm:txLinClrLst/>
+    <dgm:txFillClrLst/>
+    <dgm:txEffectClrLst/>
+  </dgm:styleLbl>
+  <dgm:styleLbl name="lnNode1">
+    <dgm:fillClrLst meth="repeat">
+      <a:schemeClr val="accent1"/>
+    </dgm:fillClrLst>
+    <dgm:linClrLst meth="repeat">
+      <a:schemeClr val="lt1"/>
+    </dgm:linClrLst>
+    <dgm:effectClrLst/>
+    <dgm:txLinClrLst/>
+    <dgm:txFillClrLst/>
+    <dgm:txEffectClrLst/>
+  </dgm:styleLbl>
+  <dgm:styleLbl name="vennNode1">
+    <dgm:fillClrLst meth="repeat">
+      <a:schemeClr val="accent1">
+        <a:alpha val="50000"/>
+      </a:schemeClr>
+    </dgm:fillClrLst>
+    <dgm:linClrLst meth="repeat">
+      <a:schemeClr val="lt1"/>
+    </dgm:linClrLst>
+    <dgm:effectClrLst/>
+    <dgm:txLinClrLst/>
+    <dgm:txFillClrLst/>
+    <dgm:txEffectClrLst/>
+  </dgm:styleLbl>
+  <dgm:styleLbl name="node2">
+    <dgm:fillClrLst meth="repeat">
+      <a:schemeClr val="accent1"/>
+    </dgm:fillClrLst>
+    <dgm:linClrLst meth="repeat">
+      <a:schemeClr val="lt1"/>
+    </dgm:linClrLst>
+    <dgm:effectClrLst/>
+    <dgm:txLinClrLst/>
+    <dgm:txFillClrLst/>
+    <dgm:txEffectClrLst/>
+  </dgm:styleLbl>
+  <dgm:styleLbl name="node3">
+    <dgm:fillClrLst meth="repeat">
+      <a:schemeClr val="accent1"/>
+    </dgm:fillClrLst>
+    <dgm:linClrLst meth="repeat">
+      <a:schemeClr val="lt1"/>
+    </dgm:linClrLst>
+    <dgm:effectClrLst/>
+    <dgm:txLinClrLst/>
+    <dgm:txFillClrLst/>
+    <dgm:txEffectClrLst/>
+  </dgm:styleLbl>
+  <dgm:styleLbl name="node4">
+    <dgm:fillClrLst meth="repeat">
+      <a:schemeClr val="accent1"/>
+    </dgm:fillClrLst>
+    <dgm:linClrLst meth="repeat">
+      <a:schemeClr val="lt1"/>
+    </dgm:linClrLst>
+    <dgm:effectClrLst/>
+    <dgm:txLinClrLst/>
+    <dgm:txFillClrLst/>
+    <dgm:txEffectClrLst/>
+  </dgm:styleLbl>
+  <dgm:styleLbl name="fgImgPlace1">
+    <dgm:fillClrLst meth="repeat">
+      <a:schemeClr val="accent1">
+        <a:tint val="50000"/>
+      </a:schemeClr>
+    </dgm:fillClrLst>
+    <dgm:linClrLst meth="repeat">
+      <a:schemeClr val="lt1"/>
+    </dgm:linClrLst>
+    <dgm:effectClrLst/>
+    <dgm:txLinClrLst/>
+    <dgm:txFillClrLst meth="repeat">
+      <a:schemeClr val="lt1"/>
+    </dgm:txFillClrLst>
+    <dgm:txEffectClrLst/>
+  </dgm:styleLbl>
+  <dgm:styleLbl name="alignImgPlace1">
+    <dgm:fillClrLst meth="repeat">
+      <a:schemeClr val="accent1">
+        <a:tint val="50000"/>
+      </a:schemeClr>
+    </dgm:fillClrLst>
+    <dgm:linClrLst meth="repeat">
+      <a:schemeClr val="lt1"/>
+    </dgm:linClrLst>
+    <dgm:effectClrLst/>
+    <dgm:txLinClrLst/>
+    <dgm:txFillClrLst meth="repeat">
+      <a:schemeClr val="lt1"/>
+    </dgm:txFillClrLst>
+    <dgm:txEffectClrLst/>
+  </dgm:styleLbl>
+  <dgm:styleLbl name="bgImgPlace1">
+    <dgm:fillClrLst meth="repeat">
+      <a:schemeClr val="accent1">
+        <a:tint val="50000"/>
+      </a:schemeClr>
+    </dgm:fillClrLst>
+    <dgm:linClrLst meth="repeat">
+      <a:schemeClr val="lt1"/>
+    </dgm:linClrLst>
+    <dgm:effectClrLst/>
+    <dgm:txLinClrLst/>
+    <dgm:txFillClrLst meth="repeat">
+      <a:schemeClr val="lt1"/>
+    </dgm:txFillClrLst>
+    <dgm:txEffectClrLst/>
+  </dgm:styleLbl>
+  <dgm:styleLbl name="sibTrans2D1">
+    <dgm:fillClrLst meth="repeat">
+      <a:schemeClr val="accent1">
+        <a:tint val="60000"/>
+      </a:schemeClr>
+    </dgm:fillClrLst>
+    <dgm:linClrLst meth="repeat">
+      <a:schemeClr val="accent1">
+        <a:tint val="60000"/>
+      </a:schemeClr>
+    </dgm:linClrLst>
+    <dgm:effectClrLst/>
+    <dgm:txLinClrLst/>
+    <dgm:txFillClrLst/>
+    <dgm:txEffectClrLst/>
+  </dgm:styleLbl>
+  <dgm:styleLbl name="fgSibTrans2D1">
+    <dgm:fillClrLst meth="repeat">
+      <a:schemeClr val="accent1">
+        <a:tint val="60000"/>
+      </a:schemeClr>
+    </dgm:fillClrLst>
+    <dgm:linClrLst meth="repeat">
+      <a:schemeClr val="accent1">
+        <a:tint val="60000"/>
+      </a:schemeClr>
+    </dgm:linClrLst>
+    <dgm:effectClrLst/>
+    <dgm:txLinClrLst/>
+    <dgm:txFillClrLst/>
+    <dgm:txEffectClrLst/>
+  </dgm:styleLbl>
+  <dgm:styleLbl name="bgSibTrans2D1">
+    <dgm:fillClrLst meth="repeat">
+      <a:schemeClr val="accent1">
+        <a:tint val="60000"/>
+      </a:schemeClr>
+    </dgm:fillClrLst>
+    <dgm:linClrLst meth="repeat">
+      <a:schemeClr val="accent1">
+        <a:tint val="60000"/>
+      </a:schemeClr>
+    </dgm:linClrLst>
+    <dgm:effectClrLst/>
+    <dgm:txLinClrLst/>
+    <dgm:txFillClrLst/>
+    <dgm:txEffectClrLst/>
+  </dgm:styleLbl>
+  <dgm:styleLbl name="sibTrans1D1">
+    <dgm:fillClrLst meth="repeat">
+      <a:schemeClr val="accent1"/>
+    </dgm:fillClrLst>
+    <dgm:linClrLst meth="repeat">
+      <a:schemeClr val="accent1"/>
+    </dgm:linClrLst>
+    <dgm:effectClrLst/>
+    <dgm:txLinClrLst/>
+    <dgm:txFillClrLst meth="repeat">
+      <a:schemeClr val="tx1"/>
+    </dgm:txFillClrLst>
+    <dgm:txEffectClrLst/>
+  </dgm:styleLbl>
+  <dgm:styleLbl name="callout">
+    <dgm:fillClrLst meth="repeat">
+      <a:schemeClr val="accent1"/>
+    </dgm:fillClrLst>
+    <dgm:linClrLst meth="repeat">
+      <a:schemeClr val="accent1">
+        <a:tint val="50000"/>
+      </a:schemeClr>
+    </dgm:linClrLst>
+    <dgm:effectClrLst/>
+    <dgm:txLinClrLst/>
+    <dgm:txFillClrLst meth="repeat">
+      <a:schemeClr val="tx1"/>
+    </dgm:txFillClrLst>
+    <dgm:txEffectClrLst/>
+  </dgm:styleLbl>
+  <dgm:styleLbl name="asst0">
+    <dgm:fillClrLst meth="repeat">
+      <a:schemeClr val="accent1"/>
+    </dgm:fillClrLst>
+    <dgm:linClrLst meth="repeat">
+      <a:schemeClr val="lt1"/>
+    </dgm:linClrLst>
+    <dgm:effectClrLst/>
+    <dgm:txLinClrLst/>
+    <dgm:txFillClrLst/>
+    <dgm:txEffectClrLst/>
+  </dgm:styleLbl>
+  <dgm:styleLbl name="asst1">
+    <dgm:fillClrLst meth="repeat">
+      <a:schemeClr val="accent1"/>
+    </dgm:fillClrLst>
+    <dgm:linClrLst meth="repeat">
+      <a:schemeClr val="lt1"/>
+    </dgm:linClrLst>
+    <dgm:effectClrLst/>
+    <dgm:txLinClrLst/>
+    <dgm:txFillClrLst/>
+    <dgm:txEffectClrLst/>
+  </dgm:styleLbl>
+  <dgm:styleLbl name="asst2">
+    <dgm:fillClrLst meth="repeat">
+      <a:schemeClr val="accent1"/>
+    </dgm:fillClrLst>
+    <dgm:linClrLst meth="repeat">
+      <a:schemeClr val="lt1"/>
+    </dgm:linClrLst>
+    <dgm:effectClrLst/>
+    <dgm:txLinClrLst/>
+    <dgm:txFillClrLst/>
+    <dgm:txEffectClrLst/>
+  </dgm:styleLbl>
+  <dgm:styleLbl name="asst3">
+    <dgm:fillClrLst meth="repeat">
+      <a:schemeClr val="accent1"/>
+    </dgm:fillClrLst>
+    <dgm:linClrLst meth="repeat">
+      <a:schemeClr val="lt1"/>
+    </dgm:linClrLst>
+    <dgm:effectClrLst/>
+    <dgm:txLinClrLst/>
+    <dgm:txFillClrLst/>
+    <dgm:txEffectClrLst/>
+  </dgm:styleLbl>
+  <dgm:styleLbl name="asst4">
+    <dgm:fillClrLst meth="repeat">
+      <a:schemeClr val="accent1"/>
+    </dgm:fillClrLst>
+    <dgm:linClrLst meth="repeat">
+      <a:schemeClr val="lt1"/>
+    </dgm:linClrLst>
+    <dgm:effectClrLst/>
+    <dgm:txLinClrLst/>
+    <dgm:txFillClrLst/>
+    <dgm:txEffectClrLst/>
+  </dgm:styleLbl>
+  <dgm:styleLbl name="parChTrans2D1">
+    <dgm:fillClrLst meth="repeat">
+      <a:schemeClr val="accent1">
+        <a:tint val="60000"/>
+      </a:schemeClr>
+    </dgm:fillClrLst>
+    <dgm:linClrLst meth="repeat">
+      <a:schemeClr val="accent1">
+        <a:tint val="60000"/>
+      </a:schemeClr>
+    </dgm:linClrLst>
+    <dgm:effectClrLst/>
+    <dgm:txLinClrLst/>
+    <dgm:txFillClrLst meth="repeat">
+      <a:schemeClr val="lt1"/>
+    </dgm:txFillClrLst>
+    <dgm:txEffectClrLst/>
+  </dgm:styleLbl>
+  <dgm:styleLbl name="parChTrans2D2">
+    <dgm:fillClrLst meth="repeat">
+      <a:schemeClr val="accent1"/>
+    </dgm:fillClrLst>
+    <dgm:linClrLst meth="repeat">
+      <a:schemeClr val="accent1"/>
+    </dgm:linClrLst>
+    <dgm:effectClrLst/>
+    <dgm:txLinClrLst/>
+    <dgm:txFillClrLst meth="repeat">
+      <a:schemeClr val="lt1"/>
+    </dgm:txFillClrLst>
+    <dgm:txEffectClrLst/>
+  </dgm:styleLbl>
+  <dgm:styleLbl name="parChTrans2D3">
+    <dgm:fillClrLst meth="repeat">
+      <a:schemeClr val="accent1"/>
+    </dgm:fillClrLst>
+    <dgm:linClrLst meth="repeat">
+      <a:schemeClr val="accent1"/>
+    </dgm:linClrLst>
+    <dgm:effectClrLst/>
+    <dgm:txLinClrLst/>
+    <dgm:txFillClrLst meth="repeat">
+      <a:schemeClr val="lt1"/>
+    </dgm:txFillClrLst>
+    <dgm:txEffectClrLst/>
+  </dgm:styleLbl>
+  <dgm:styleLbl name="parChTrans2D4">
+    <dgm:fillClrLst meth="repeat">
+      <a:schemeClr val="accent1"/>
+    </dgm:fillClrLst>
+    <dgm:linClrLst meth="repeat">
+      <a:schemeClr val="accent1"/>
+    </dgm:linClrLst>
+    <dgm:effectClrLst/>
+    <dgm:txLinClrLst/>
+    <dgm:txFillClrLst meth="repeat">
+      <a:schemeClr val="lt1"/>
+    </dgm:txFillClrLst>
+    <dgm:txEffectClrLst/>
+  </dgm:styleLbl>
+  <dgm:styleLbl name="parChTrans1D1">
+    <dgm:fillClrLst meth="repeat">
+      <a:schemeClr val="accent1"/>
+    </dgm:fillClrLst>
+    <dgm:linClrLst meth="repeat">
+      <a:schemeClr val="accent1">
+        <a:shade val="60000"/>
+      </a:schemeClr>
+    </dgm:linClrLst>
+    <dgm:effectClrLst/>
+    <dgm:txLinClrLst/>
+    <dgm:txFillClrLst meth="repeat">
+      <a:schemeClr val="tx1"/>
+    </dgm:txFillClrLst>
+    <dgm:txEffectClrLst/>
+  </dgm:styleLbl>
+  <dgm:styleLbl name="parChTrans1D2">
+    <dgm:fillClrLst meth="repeat">
+      <a:schemeClr val="accent1"/>
+    </dgm:fillClrLst>
+    <dgm:linClrLst meth="repeat">
+      <a:schemeClr val="accent1">
+        <a:shade val="60000"/>
+      </a:schemeClr>
+    </dgm:linClrLst>
+    <dgm:effectClrLst/>
+    <dgm:txLinClrLst/>
+    <dgm:txFillClrLst meth="repeat">
+      <a:schemeClr val="tx1"/>
+    </dgm:txFillClrLst>
+    <dgm:txEffectClrLst/>
+  </dgm:styleLbl>
+  <dgm:styleLbl name="parChTrans1D3">
+    <dgm:fillClrLst meth="repeat">
+      <a:schemeClr val="accent1"/>
+    </dgm:fillClrLst>
+    <dgm:linClrLst meth="repeat">
+      <a:schemeClr val="accent1">
+        <a:shade val="80000"/>
+      </a:schemeClr>
+    </dgm:linClrLst>
+    <dgm:effectClrLst/>
+    <dgm:txLinClrLst/>
+    <dgm:txFillClrLst meth="repeat">
+      <a:schemeClr val="tx1"/>
+    </dgm:txFillClrLst>
+    <dgm:txEffectClrLst/>
+  </dgm:styleLbl>
+  <dgm:styleLbl name="parChTrans1D4">
+    <dgm:fillClrLst meth="repeat">
+      <a:schemeClr val="accent1"/>
+    </dgm:fillClrLst>
+    <dgm:linClrLst meth="repeat">
+      <a:schemeClr val="accent1">
+        <a:shade val="80000"/>
+      </a:schemeClr>
+    </dgm:linClrLst>
+    <dgm:effectClrLst/>
+    <dgm:txLinClrLst/>
+    <dgm:txFillClrLst meth="repeat">
+      <a:schemeClr val="tx1"/>
+    </dgm:txFillClrLst>
+    <dgm:txEffectClrLst/>
+  </dgm:styleLbl>
+  <dgm:styleLbl name="fgAcc1">
+    <dgm:fillClrLst meth="repeat">
+      <a:schemeClr val="lt1">
+        <a:alpha val="90000"/>
+      </a:schemeClr>
+    </dgm:fillClrLst>
+    <dgm:linClrLst meth="repeat">
+      <a:schemeClr val="accent1"/>
+    </dgm:linClrLst>
+    <dgm:effectClrLst/>
+    <dgm:txLinClrLst/>
+    <dgm:txFillClrLst meth="repeat">
+      <a:schemeClr val="dk1"/>
+    </dgm:txFillClrLst>
+    <dgm:txEffectClrLst/>
+  </dgm:styleLbl>
+  <dgm:styleLbl name="conFgAcc1">
+    <dgm:fillClrLst meth="repeat">
+      <a:schemeClr val="lt1">
+        <a:alpha val="90000"/>
+      </a:schemeClr>
+    </dgm:fillClrLst>
+    <dgm:linClrLst meth="repeat">
+      <a:schemeClr val="accent1"/>
+    </dgm:linClrLst>
+    <dgm:effectClrLst/>
+    <dgm:txLinClrLst/>
+    <dgm:txFillClrLst meth="repeat">
+      <a:schemeClr val="dk1"/>
+    </dgm:txFillClrLst>
+    <dgm:txEffectClrLst/>
+  </dgm:styleLbl>
+  <dgm:styleLbl name="alignAcc1">
+    <dgm:fillClrLst meth="repeat">
+      <a:schemeClr val="lt1">
+        <a:alpha val="90000"/>
+      </a:schemeClr>
+    </dgm:fillClrLst>
+    <dgm:linClrLst meth="repeat">
+      <a:schemeClr val="accent1"/>
+    </dgm:linClrLst>
+    <dgm:effectClrLst/>
+    <dgm:txLinClrLst/>
+    <dgm:txFillClrLst meth="repeat">
+      <a:schemeClr val="dk1"/>
+    </dgm:txFillClrLst>
+    <dgm:txEffectClrLst/>
+  </dgm:styleLbl>
+  <dgm:styleLbl name="trAlignAcc1">
+    <dgm:fillClrLst meth="repeat">
+      <a:schemeClr val="lt1">
+        <a:alpha val="40000"/>
+      </a:schemeClr>
+    </dgm:fillClrLst>
+    <dgm:linClrLst meth="repeat">
+      <a:schemeClr val="accent1"/>
+    </dgm:linClrLst>
+    <dgm:effectClrLst/>
+    <dgm:txLinClrLst/>
+    <dgm:txFillClrLst meth="repeat">
+      <a:schemeClr val="dk1"/>
+    </dgm:txFillClrLst>
+    <dgm:txEffectClrLst/>
+  </dgm:styleLbl>
+  <dgm:styleLbl name="bgAcc1">
+    <dgm:fillClrLst meth="repeat">
+      <a:schemeClr val="lt1">
+        <a:alpha val="90000"/>
+      </a:schemeClr>
+    </dgm:fillClrLst>
+    <dgm:linClrLst meth="repeat">
+      <a:schemeClr val="accent1"/>
+    </dgm:linClrLst>
+    <dgm:effectClrLst/>
+    <dgm:txLinClrLst/>
+    <dgm:txFillClrLst meth="repeat">
+      <a:schemeClr val="dk1"/>
+    </dgm:txFillClrLst>
+    <dgm:txEffectClrLst/>
+  </dgm:styleLbl>
+  <dgm:styleLbl name="solidFgAcc1">
+    <dgm:fillClrLst meth="repeat">
+      <a:schemeClr val="lt1"/>
+    </dgm:fillClrLst>
+    <dgm:linClrLst meth="repeat">
+      <a:schemeClr val="accent1"/>
+    </dgm:linClrLst>
+    <dgm:effectClrLst/>
+    <dgm:txLinClrLst/>
+    <dgm:txFillClrLst meth="repeat">
+      <a:schemeClr val="dk1"/>
+    </dgm:txFillClrLst>
+    <dgm:txEffectClrLst/>
+  </dgm:styleLbl>
+  <dgm:styleLbl name="solidAlignAcc1">
+    <dgm:fillClrLst meth="repeat">
+      <a:schemeClr val="lt1"/>
+    </dgm:fillClrLst>
+    <dgm:linClrLst meth="repeat">
+      <a:schemeClr val="accent1"/>
+    </dgm:linClrLst>
+    <dgm:effectClrLst/>
+    <dgm:txLinClrLst/>
+    <dgm:txFillClrLst meth="repeat">
+      <a:schemeClr val="dk1"/>
+    </dgm:txFillClrLst>
+    <dgm:txEffectClrLst/>
+  </dgm:styleLbl>
+  <dgm:styleLbl name="solidBgAcc1">
+    <dgm:fillClrLst meth="repeat">
+      <a:schemeClr val="lt1"/>
+    </dgm:fillClrLst>
+    <dgm:linClrLst meth="repeat">
+      <a:schemeClr val="accent1"/>
+    </dgm:linClrLst>
+    <dgm:effectClrLst/>
+    <dgm:txLinClrLst/>
+    <dgm:txFillClrLst meth="repeat">
+      <a:schemeClr val="dk1"/>
+    </dgm:txFillClrLst>
+    <dgm:txEffectClrLst/>
+  </dgm:styleLbl>
+  <dgm:styleLbl name="fgAccFollowNode1">
+    <dgm:fillClrLst meth="repeat">
+      <a:schemeClr val="accent1">
+        <a:alpha val="90000"/>
+        <a:tint val="40000"/>
+      </a:schemeClr>
+    </dgm:fillClrLst>
+    <dgm:linClrLst meth="repeat">
+      <a:schemeClr val="accent1">
+        <a:alpha val="90000"/>
+        <a:tint val="40000"/>
+      </a:schemeClr>
+    </dgm:linClrLst>
+    <dgm:effectClrLst/>
+    <dgm:txLinClrLst/>
+    <dgm:txFillClrLst meth="repeat">
+      <a:schemeClr val="dk1"/>
+    </dgm:txFillClrLst>
+    <dgm:txEffectClrLst/>
+  </dgm:styleLbl>
+  <dgm:styleLbl name="alignAccFollowNode1">
+    <dgm:fillClrLst meth="repeat">
+      <a:schemeClr val="accent1">
+        <a:alpha val="90000"/>
+        <a:tint val="40000"/>
+      </a:schemeClr>
+    </dgm:fillClrLst>
+    <dgm:linClrLst meth="repeat">
+      <a:schemeClr val="accent1">
+        <a:alpha val="90000"/>
+        <a:tint val="40000"/>
+      </a:schemeClr>
+    </dgm:linClrLst>
+    <dgm:effectClrLst/>
+    <dgm:txLinClrLst/>
+    <dgm:txFillClrLst meth="repeat">
+      <a:schemeClr val="dk1"/>
+    </dgm:txFillClrLst>
+    <dgm:txEffectClrLst/>
+  </dgm:styleLbl>
+  <dgm:styleLbl name="bgAccFollowNode1">
+    <dgm:fillClrLst meth="repeat">
+      <a:schemeClr val="accent1">
+        <a:alpha val="90000"/>
+        <a:tint val="40000"/>
+      </a:schemeClr>
+    </dgm:fillClrLst>
+    <dgm:linClrLst meth="repeat">
+      <a:schemeClr val="accent1">
+        <a:alpha val="90000"/>
+        <a:tint val="40000"/>
+      </a:schemeClr>
+    </dgm:linClrLst>
+    <dgm:effectClrLst/>
+    <dgm:txLinClrLst/>
+    <dgm:txFillClrLst meth="repeat">
+      <a:schemeClr val="dk1"/>
+    </dgm:txFillClrLst>
+    <dgm:txEffectClrLst/>
+  </dgm:styleLbl>
+  <dgm:styleLbl name="fgAcc0">
+    <dgm:fillClrLst meth="repeat">
+      <a:schemeClr val="lt1">
+        <a:alpha val="90000"/>
+      </a:schemeClr>
+    </dgm:fillClrLst>
+    <dgm:linClrLst meth="repeat">
+      <a:schemeClr val="accent1"/>
+    </dgm:linClrLst>
+    <dgm:effectClrLst/>
+    <dgm:txLinClrLst/>
+    <dgm:txFillClrLst meth="repeat">
+      <a:schemeClr val="dk1"/>
+    </dgm:txFillClrLst>
+    <dgm:txEffectClrLst/>
+  </dgm:styleLbl>
+  <dgm:styleLbl name="fgAcc2">
+    <dgm:fillClrLst meth="repeat">
+      <a:schemeClr val="lt1">
+        <a:alpha val="90000"/>
+      </a:schemeClr>
+    </dgm:fillClrLst>
+    <dgm:linClrLst meth="repeat">
+      <a:schemeClr val="accent1"/>
+    </dgm:linClrLst>
+    <dgm:effectClrLst/>
+    <dgm:txLinClrLst/>
+    <dgm:txFillClrLst meth="repeat">
+      <a:schemeClr val="dk1"/>
+    </dgm:txFillClrLst>
+    <dgm:txEffectClrLst/>
+  </dgm:styleLbl>
+  <dgm:styleLbl name="fgAcc3">
+    <dgm:fillClrLst meth="repeat">
+      <a:schemeClr val="lt1">
+        <a:alpha val="90000"/>
+      </a:schemeClr>
+    </dgm:fillClrLst>
+    <dgm:linClrLst meth="repeat">
+      <a:schemeClr val="accent1"/>
+    </dgm:linClrLst>
+    <dgm:effectClrLst/>
+    <dgm:txLinClrLst/>
+    <dgm:txFillClrLst meth="repeat">
+      <a:schemeClr val="dk1"/>
+    </dgm:txFillClrLst>
+    <dgm:txEffectClrLst/>
+  </dgm:styleLbl>
+  <dgm:styleLbl name="fgAcc4">
+    <dgm:fillClrLst meth="repeat">
+      <a:schemeClr val="lt1">
+        <a:alpha val="90000"/>
+      </a:schemeClr>
+    </dgm:fillClrLst>
+    <dgm:linClrLst meth="repeat">
+      <a:schemeClr val="accent1"/>
+    </dgm:linClrLst>
+    <dgm:effectClrLst/>
+    <dgm:txLinClrLst/>
+    <dgm:txFillClrLst meth="repeat">
+      <a:schemeClr val="dk1"/>
+    </dgm:txFillClrLst>
+    <dgm:txEffectClrLst/>
+  </dgm:styleLbl>
+  <dgm:styleLbl name="bgShp">
+    <dgm:fillClrLst meth="repeat">
+      <a:schemeClr val="accent1">
+        <a:tint val="40000"/>
+      </a:schemeClr>
+    </dgm:fillClrLst>
+    <dgm:linClrLst meth="repeat">
+      <a:schemeClr val="accent1"/>
+    </dgm:linClrLst>
+    <dgm:effectClrLst/>
+    <dgm:txLinClrLst/>
+    <dgm:txFillClrLst meth="repeat">
+      <a:schemeClr val="dk1"/>
+    </dgm:txFillClrLst>
+    <dgm:txEffectClrLst/>
+  </dgm:styleLbl>
+  <dgm:styleLbl name="dkBgShp">
+    <dgm:fillClrLst meth="repeat">
+      <a:schemeClr val="accent1">
+        <a:shade val="80000"/>
+      </a:schemeClr>
+    </dgm:fillClrLst>
+    <dgm:linClrLst meth="repeat">
+      <a:schemeClr val="accent1"/>
+    </dgm:linClrLst>
+    <dgm:effectClrLst/>
+    <dgm:txLinClrLst/>
+    <dgm:txFillClrLst meth="repeat">
+      <a:schemeClr val="lt1"/>
+    </dgm:txFillClrLst>
+    <dgm:txEffectClrLst/>
+  </dgm:styleLbl>
+  <dgm:styleLbl name="trBgShp">
+    <dgm:fillClrLst meth="repeat">
+      <a:schemeClr val="accent1">
+        <a:tint val="50000"/>
+        <a:alpha val="40000"/>
+      </a:schemeClr>
+    </dgm:fillClrLst>
+    <dgm:linClrLst meth="repeat">
+      <a:schemeClr val="accent1"/>
+    </dgm:linClrLst>
+    <dgm:effectClrLst/>
+    <dgm:txLinClrLst/>
+    <dgm:txFillClrLst meth="repeat">
+      <a:schemeClr val="lt1"/>
+    </dgm:txFillClrLst>
+    <dgm:txEffectClrLst/>
+  </dgm:styleLbl>
+  <dgm:styleLbl name="fgShp">
+    <dgm:fillClrLst meth="repeat">
+      <a:schemeClr val="accent1">
+        <a:tint val="60000"/>
+      </a:schemeClr>
+    </dgm:fillClrLst>
+    <dgm:linClrLst meth="repeat">
+      <a:schemeClr val="lt1"/>
+    </dgm:linClrLst>
+    <dgm:effectClrLst/>
+    <dgm:txLinClrLst/>
+    <dgm:txFillClrLst meth="repeat">
+      <a:schemeClr val="dk1"/>
+    </dgm:txFillClrLst>
+    <dgm:txEffectClrLst/>
+  </dgm:styleLbl>
+  <dgm:styleLbl name="revTx">
+    <dgm:fillClrLst meth="repeat">
+      <a:schemeClr val="lt1">
+        <a:alpha val="0"/>
+      </a:schemeClr>
+    </dgm:fillClrLst>
+    <dgm:linClrLst meth="repeat">
+      <a:schemeClr val="dk1">
+        <a:alpha val="0"/>
+      </a:schemeClr>
+    </dgm:linClrLst>
+    <dgm:effectClrLst/>
+    <dgm:txLinClrLst/>
+    <dgm:txFillClrLst meth="repeat">
+      <a:schemeClr val="tx1"/>
+    </dgm:txFillClrLst>
+    <dgm:txEffectClrLst/>
+  </dgm:styleLbl>
+</dgm:colorsDef>
+</file>
+
+<file path=ppt/diagrams/data1.xml><?xml version="1.0" encoding="utf-8"?>
+<dgm:dataModel xmlns:dgm="http://schemas.openxmlformats.org/drawingml/2006/diagram" xmlns:a="http://schemas.openxmlformats.org/drawingml/2006/main">
+  <dgm:ptLst>
+    <dgm:pt modelId="{6878AC9A-1D9D-4BE6-8006-EABC96EFB990}" type="doc">
+      <dgm:prSet loTypeId="urn:microsoft.com/office/officeart/2005/8/layout/StepDownProcess" loCatId="process" qsTypeId="urn:microsoft.com/office/officeart/2005/8/quickstyle/simple1" qsCatId="simple" csTypeId="urn:microsoft.com/office/officeart/2005/8/colors/accent1_2" csCatId="accent1" phldr="1"/>
+      <dgm:spPr/>
+      <dgm:t>
+        <a:bodyPr/>
+        <a:lstStyle/>
+        <a:p>
+          <a:endParaRPr lang="en-GB"/>
+        </a:p>
+      </dgm:t>
+    </dgm:pt>
+    <dgm:pt modelId="{33B0873A-D885-4325-961B-F1D834ADB0F7}">
+      <dgm:prSet phldrT="[Testo]"/>
+      <dgm:spPr/>
+      <dgm:t>
+        <a:bodyPr/>
+        <a:lstStyle/>
+        <a:p>
+          <a:r>
+            <a:rPr lang="en-GB" dirty="0" smtClean="0"/>
+            <a:t>Initial Solution</a:t>
+          </a:r>
+          <a:endParaRPr lang="en-GB" dirty="0"/>
+        </a:p>
+      </dgm:t>
+    </dgm:pt>
+    <dgm:pt modelId="{8B9276F0-1F5A-4062-899F-051B3E217F58}" type="parTrans" cxnId="{3CDFAAC2-7E1D-447B-9C97-82BB3FC28BA3}">
+      <dgm:prSet/>
+      <dgm:spPr/>
+      <dgm:t>
+        <a:bodyPr/>
+        <a:lstStyle/>
+        <a:p>
+          <a:endParaRPr lang="en-GB"/>
+        </a:p>
+      </dgm:t>
+    </dgm:pt>
+    <dgm:pt modelId="{3101EE30-E6D0-490B-8891-2A0CA6ADCFAB}" type="sibTrans" cxnId="{3CDFAAC2-7E1D-447B-9C97-82BB3FC28BA3}">
+      <dgm:prSet/>
+      <dgm:spPr/>
+      <dgm:t>
+        <a:bodyPr/>
+        <a:lstStyle/>
+        <a:p>
+          <a:endParaRPr lang="en-GB"/>
+        </a:p>
+      </dgm:t>
+    </dgm:pt>
+    <dgm:pt modelId="{4E3FFA6E-9A69-43E0-BD11-4258453DB72D}">
+      <dgm:prSet phldrT="[Testo]" custT="1"/>
+      <dgm:spPr/>
+      <dgm:t>
+        <a:bodyPr/>
+        <a:lstStyle/>
+        <a:p>
+          <a:r>
+            <a:rPr lang="en-GB" sz="1800" dirty="0" smtClean="0"/>
+            <a:t>The initial solution is generated by a pseudo-random algorithm, and is generally quite poor</a:t>
+          </a:r>
+          <a:endParaRPr lang="en-GB" sz="1800" dirty="0"/>
+        </a:p>
+      </dgm:t>
+    </dgm:pt>
+    <dgm:pt modelId="{1FBF0958-59DB-412C-AB9A-C5C1ADB8C9E7}" type="parTrans" cxnId="{D6DE90E8-E391-4007-A5D8-85A288F99E46}">
+      <dgm:prSet/>
+      <dgm:spPr/>
+      <dgm:t>
+        <a:bodyPr/>
+        <a:lstStyle/>
+        <a:p>
+          <a:endParaRPr lang="en-GB"/>
+        </a:p>
+      </dgm:t>
+    </dgm:pt>
+    <dgm:pt modelId="{6C9671FF-E1CC-4915-871F-0A7704DB1F39}" type="sibTrans" cxnId="{D6DE90E8-E391-4007-A5D8-85A288F99E46}">
+      <dgm:prSet/>
+      <dgm:spPr/>
+      <dgm:t>
+        <a:bodyPr/>
+        <a:lstStyle/>
+        <a:p>
+          <a:endParaRPr lang="en-GB"/>
+        </a:p>
+      </dgm:t>
+    </dgm:pt>
+    <dgm:pt modelId="{79462E9F-3A79-427F-A85D-BA736E49A4FE}">
+      <dgm:prSet phldrT="[Testo]"/>
+      <dgm:spPr/>
+      <dgm:t>
+        <a:bodyPr/>
+        <a:lstStyle/>
+        <a:p>
+          <a:r>
+            <a:rPr lang="en-GB" dirty="0" err="1" smtClean="0"/>
+            <a:t>Tabu</a:t>
+          </a:r>
+          <a:r>
+            <a:rPr lang="en-GB" dirty="0" smtClean="0"/>
+            <a:t> Search</a:t>
+          </a:r>
+          <a:endParaRPr lang="en-GB" dirty="0"/>
+        </a:p>
+      </dgm:t>
+    </dgm:pt>
+    <dgm:pt modelId="{A1FEAE77-C20C-4243-8864-1A6955D160B0}" type="parTrans" cxnId="{0A300970-B89D-4753-A2AE-36135F52E1B6}">
+      <dgm:prSet/>
+      <dgm:spPr/>
+      <dgm:t>
+        <a:bodyPr/>
+        <a:lstStyle/>
+        <a:p>
+          <a:endParaRPr lang="en-GB"/>
+        </a:p>
+      </dgm:t>
+    </dgm:pt>
+    <dgm:pt modelId="{06CF495E-3BA4-42D9-BA2C-70F8044CC436}" type="sibTrans" cxnId="{0A300970-B89D-4753-A2AE-36135F52E1B6}">
+      <dgm:prSet/>
+      <dgm:spPr/>
+      <dgm:t>
+        <a:bodyPr/>
+        <a:lstStyle/>
+        <a:p>
+          <a:endParaRPr lang="en-GB"/>
+        </a:p>
+      </dgm:t>
+    </dgm:pt>
+    <dgm:pt modelId="{455E78D1-C148-40F1-B6D8-70124E976DBF}">
+      <dgm:prSet phldrT="[Testo]" custT="1"/>
+      <dgm:spPr/>
+      <dgm:t>
+        <a:bodyPr/>
+        <a:lstStyle/>
+        <a:p>
+          <a:r>
+            <a:rPr lang="en-GB" sz="1800" dirty="0" smtClean="0"/>
+            <a:t>The original </a:t>
+          </a:r>
+          <a:r>
+            <a:rPr lang="en-GB" sz="1800" dirty="0" err="1" smtClean="0"/>
+            <a:t>Tabu</a:t>
+          </a:r>
+          <a:r>
+            <a:rPr lang="en-GB" sz="1800" dirty="0" smtClean="0"/>
+            <a:t> Search algorithm</a:t>
+          </a:r>
+          <a:endParaRPr lang="en-GB" sz="1800" dirty="0"/>
+        </a:p>
+      </dgm:t>
+    </dgm:pt>
+    <dgm:pt modelId="{4EDECBC4-1AD6-4DBD-A79F-637AF51E2FC1}" type="parTrans" cxnId="{DE9D12ED-6FE1-4426-9900-422D3373B3DE}">
+      <dgm:prSet/>
+      <dgm:spPr/>
+      <dgm:t>
+        <a:bodyPr/>
+        <a:lstStyle/>
+        <a:p>
+          <a:endParaRPr lang="en-GB"/>
+        </a:p>
+      </dgm:t>
+    </dgm:pt>
+    <dgm:pt modelId="{B5815144-3919-47D1-BE10-3819624B6774}" type="sibTrans" cxnId="{DE9D12ED-6FE1-4426-9900-422D3373B3DE}">
+      <dgm:prSet/>
+      <dgm:spPr/>
+      <dgm:t>
+        <a:bodyPr/>
+        <a:lstStyle/>
+        <a:p>
+          <a:endParaRPr lang="en-GB"/>
+        </a:p>
+      </dgm:t>
+    </dgm:pt>
+    <dgm:pt modelId="{1AF360A8-881C-4035-BA91-7780773AD6B7}">
+      <dgm:prSet phldrT="[Testo]"/>
+      <dgm:spPr/>
+      <dgm:t>
+        <a:bodyPr/>
+        <a:lstStyle/>
+        <a:p>
+          <a:r>
+            <a:rPr lang="en-GB" dirty="0" smtClean="0"/>
+            <a:t>Final Solution</a:t>
+          </a:r>
+          <a:endParaRPr lang="en-GB" dirty="0"/>
+        </a:p>
+      </dgm:t>
+    </dgm:pt>
+    <dgm:pt modelId="{3BA72812-3781-4AC0-A393-8560CBB5F1F1}" type="parTrans" cxnId="{E2BA1AE3-D6D7-46DE-9435-30EEA554E7DC}">
+      <dgm:prSet/>
+      <dgm:spPr/>
+      <dgm:t>
+        <a:bodyPr/>
+        <a:lstStyle/>
+        <a:p>
+          <a:endParaRPr lang="en-GB"/>
+        </a:p>
+      </dgm:t>
+    </dgm:pt>
+    <dgm:pt modelId="{3E728E87-5A21-49F2-ADA4-2E33FBFBFC39}" type="sibTrans" cxnId="{E2BA1AE3-D6D7-46DE-9435-30EEA554E7DC}">
+      <dgm:prSet/>
+      <dgm:spPr/>
+      <dgm:t>
+        <a:bodyPr/>
+        <a:lstStyle/>
+        <a:p>
+          <a:endParaRPr lang="en-GB"/>
+        </a:p>
+      </dgm:t>
+    </dgm:pt>
+    <dgm:pt modelId="{BD2FDEAF-CA8B-4AC0-9760-58083F76BE9E}">
+      <dgm:prSet phldrT="[Testo]" custT="1"/>
+      <dgm:spPr/>
+      <dgm:t>
+        <a:bodyPr/>
+        <a:lstStyle/>
+        <a:p>
+          <a:r>
+            <a:rPr lang="en-GB" sz="1800" dirty="0" smtClean="0"/>
+            <a:t>The final solution</a:t>
+          </a:r>
+          <a:endParaRPr lang="en-GB" sz="1800" dirty="0"/>
+        </a:p>
+      </dgm:t>
+    </dgm:pt>
+    <dgm:pt modelId="{B5554B28-43E1-406E-B647-5FBC4C16ED3C}" type="parTrans" cxnId="{8CE9FE2E-5F91-44A6-A6F2-0D3E612735B8}">
+      <dgm:prSet/>
+      <dgm:spPr/>
+      <dgm:t>
+        <a:bodyPr/>
+        <a:lstStyle/>
+        <a:p>
+          <a:endParaRPr lang="en-GB"/>
+        </a:p>
+      </dgm:t>
+    </dgm:pt>
+    <dgm:pt modelId="{DA94FAD8-231B-4A73-9BBB-8FE4A2F2C4D1}" type="sibTrans" cxnId="{8CE9FE2E-5F91-44A6-A6F2-0D3E612735B8}">
+      <dgm:prSet/>
+      <dgm:spPr/>
+      <dgm:t>
+        <a:bodyPr/>
+        <a:lstStyle/>
+        <a:p>
+          <a:endParaRPr lang="en-GB"/>
+        </a:p>
+      </dgm:t>
+    </dgm:pt>
+    <dgm:pt modelId="{EE52A728-2F26-442B-BCBA-78C642797D2D}" type="pres">
+      <dgm:prSet presAssocID="{6878AC9A-1D9D-4BE6-8006-EABC96EFB990}" presName="rootnode" presStyleCnt="0">
+        <dgm:presLayoutVars>
+          <dgm:chMax/>
+          <dgm:chPref/>
+          <dgm:dir/>
+          <dgm:animLvl val="lvl"/>
+        </dgm:presLayoutVars>
+      </dgm:prSet>
+      <dgm:spPr/>
+    </dgm:pt>
+    <dgm:pt modelId="{24FA96D1-ACBC-41B2-96A4-2CAFC5082563}" type="pres">
+      <dgm:prSet presAssocID="{33B0873A-D885-4325-961B-F1D834ADB0F7}" presName="composite" presStyleCnt="0"/>
+      <dgm:spPr/>
+    </dgm:pt>
+    <dgm:pt modelId="{E534EAE4-7B7B-48C0-8ACF-3229FB9AF393}" type="pres">
+      <dgm:prSet presAssocID="{33B0873A-D885-4325-961B-F1D834ADB0F7}" presName="bentUpArrow1" presStyleLbl="alignImgPlace1" presStyleIdx="0" presStyleCnt="2"/>
+      <dgm:spPr/>
+    </dgm:pt>
+    <dgm:pt modelId="{1A209AD7-3D5B-4242-9335-5340A7004D7A}" type="pres">
+      <dgm:prSet presAssocID="{33B0873A-D885-4325-961B-F1D834ADB0F7}" presName="ParentText" presStyleLbl="node1" presStyleIdx="0" presStyleCnt="3">
+        <dgm:presLayoutVars>
+          <dgm:chMax val="1"/>
+          <dgm:chPref val="1"/>
+          <dgm:bulletEnabled val="1"/>
+        </dgm:presLayoutVars>
+      </dgm:prSet>
+      <dgm:spPr/>
+    </dgm:pt>
+    <dgm:pt modelId="{E2EA7465-332E-43A0-B525-87E18862AAB7}" type="pres">
+      <dgm:prSet presAssocID="{33B0873A-D885-4325-961B-F1D834ADB0F7}" presName="ChildText" presStyleLbl="revTx" presStyleIdx="0" presStyleCnt="3" custScaleX="458721" custLinFactX="90457" custLinFactNeighborX="100000" custLinFactNeighborY="399">
+        <dgm:presLayoutVars>
+          <dgm:chMax val="0"/>
+          <dgm:chPref val="0"/>
+          <dgm:bulletEnabled val="1"/>
+        </dgm:presLayoutVars>
+      </dgm:prSet>
+      <dgm:spPr/>
+      <dgm:t>
+        <a:bodyPr/>
+        <a:lstStyle/>
+        <a:p>
+          <a:endParaRPr lang="en-GB"/>
+        </a:p>
+      </dgm:t>
+    </dgm:pt>
+    <dgm:pt modelId="{E2E28E5C-80D4-4D5F-9198-48A6609879EF}" type="pres">
+      <dgm:prSet presAssocID="{3101EE30-E6D0-490B-8891-2A0CA6ADCFAB}" presName="sibTrans" presStyleCnt="0"/>
+      <dgm:spPr/>
+    </dgm:pt>
+    <dgm:pt modelId="{9D4AB2BF-60A9-4EE9-A257-986EE9EFE2B3}" type="pres">
+      <dgm:prSet presAssocID="{79462E9F-3A79-427F-A85D-BA736E49A4FE}" presName="composite" presStyleCnt="0"/>
+      <dgm:spPr/>
+    </dgm:pt>
+    <dgm:pt modelId="{7586998F-137F-47FA-B2D9-3BF7DD31C7C7}" type="pres">
+      <dgm:prSet presAssocID="{79462E9F-3A79-427F-A85D-BA736E49A4FE}" presName="bentUpArrow1" presStyleLbl="alignImgPlace1" presStyleIdx="1" presStyleCnt="2"/>
+      <dgm:spPr/>
+    </dgm:pt>
+    <dgm:pt modelId="{193C99C1-12B3-4BF5-8B6C-9C0685ECC15D}" type="pres">
+      <dgm:prSet presAssocID="{79462E9F-3A79-427F-A85D-BA736E49A4FE}" presName="ParentText" presStyleLbl="node1" presStyleIdx="1" presStyleCnt="3">
+        <dgm:presLayoutVars>
+          <dgm:chMax val="1"/>
+          <dgm:chPref val="1"/>
+          <dgm:bulletEnabled val="1"/>
+        </dgm:presLayoutVars>
+      </dgm:prSet>
+      <dgm:spPr/>
+    </dgm:pt>
+    <dgm:pt modelId="{42BC6418-9390-4DBB-B8A4-FECC20CDFAA2}" type="pres">
+      <dgm:prSet presAssocID="{79462E9F-3A79-427F-A85D-BA736E49A4FE}" presName="ChildText" presStyleLbl="revTx" presStyleIdx="1" presStyleCnt="3" custScaleX="264452" custLinFactNeighborX="91535" custLinFactNeighborY="4306">
+        <dgm:presLayoutVars>
+          <dgm:chMax val="0"/>
+          <dgm:chPref val="0"/>
+          <dgm:bulletEnabled val="1"/>
+        </dgm:presLayoutVars>
+      </dgm:prSet>
+      <dgm:spPr/>
+    </dgm:pt>
+    <dgm:pt modelId="{B3C7EBF0-F6E1-4681-A414-9C908048731A}" type="pres">
+      <dgm:prSet presAssocID="{06CF495E-3BA4-42D9-BA2C-70F8044CC436}" presName="sibTrans" presStyleCnt="0"/>
+      <dgm:spPr/>
+    </dgm:pt>
+    <dgm:pt modelId="{921E872B-78FF-4EC1-B2E5-AC5D2104A51E}" type="pres">
+      <dgm:prSet presAssocID="{1AF360A8-881C-4035-BA91-7780773AD6B7}" presName="composite" presStyleCnt="0"/>
+      <dgm:spPr/>
+    </dgm:pt>
+    <dgm:pt modelId="{A64621D6-C1E6-48E4-9570-FB11E734164E}" type="pres">
+      <dgm:prSet presAssocID="{1AF360A8-881C-4035-BA91-7780773AD6B7}" presName="ParentText" presStyleLbl="node1" presStyleIdx="2" presStyleCnt="3">
+        <dgm:presLayoutVars>
+          <dgm:chMax val="1"/>
+          <dgm:chPref val="1"/>
+          <dgm:bulletEnabled val="1"/>
+        </dgm:presLayoutVars>
+      </dgm:prSet>
+      <dgm:spPr/>
+    </dgm:pt>
+    <dgm:pt modelId="{3BE3B7D4-392F-432B-B794-D470CC2C8CC7}" type="pres">
+      <dgm:prSet presAssocID="{1AF360A8-881C-4035-BA91-7780773AD6B7}" presName="FinalChildText" presStyleLbl="revTx" presStyleIdx="2" presStyleCnt="3" custScaleX="119084">
+        <dgm:presLayoutVars>
+          <dgm:chMax val="0"/>
+          <dgm:chPref val="0"/>
+          <dgm:bulletEnabled val="1"/>
+        </dgm:presLayoutVars>
+      </dgm:prSet>
+      <dgm:spPr/>
+    </dgm:pt>
+  </dgm:ptLst>
+  <dgm:cxnLst>
+    <dgm:cxn modelId="{772EE394-E4B1-4914-8CB0-99ED199E998B}" type="presOf" srcId="{BD2FDEAF-CA8B-4AC0-9760-58083F76BE9E}" destId="{3BE3B7D4-392F-432B-B794-D470CC2C8CC7}" srcOrd="0" destOrd="0" presId="urn:microsoft.com/office/officeart/2005/8/layout/StepDownProcess"/>
+    <dgm:cxn modelId="{D6DB3B39-4724-47AC-964E-6C432AAF434D}" type="presOf" srcId="{33B0873A-D885-4325-961B-F1D834ADB0F7}" destId="{1A209AD7-3D5B-4242-9335-5340A7004D7A}" srcOrd="0" destOrd="0" presId="urn:microsoft.com/office/officeart/2005/8/layout/StepDownProcess"/>
+    <dgm:cxn modelId="{3CDFAAC2-7E1D-447B-9C97-82BB3FC28BA3}" srcId="{6878AC9A-1D9D-4BE6-8006-EABC96EFB990}" destId="{33B0873A-D885-4325-961B-F1D834ADB0F7}" srcOrd="0" destOrd="0" parTransId="{8B9276F0-1F5A-4062-899F-051B3E217F58}" sibTransId="{3101EE30-E6D0-490B-8891-2A0CA6ADCFAB}"/>
+    <dgm:cxn modelId="{9662B99A-AB17-43AA-B13A-C979001310D2}" type="presOf" srcId="{4E3FFA6E-9A69-43E0-BD11-4258453DB72D}" destId="{E2EA7465-332E-43A0-B525-87E18862AAB7}" srcOrd="0" destOrd="0" presId="urn:microsoft.com/office/officeart/2005/8/layout/StepDownProcess"/>
+    <dgm:cxn modelId="{E2BA1AE3-D6D7-46DE-9435-30EEA554E7DC}" srcId="{6878AC9A-1D9D-4BE6-8006-EABC96EFB990}" destId="{1AF360A8-881C-4035-BA91-7780773AD6B7}" srcOrd="2" destOrd="0" parTransId="{3BA72812-3781-4AC0-A393-8560CBB5F1F1}" sibTransId="{3E728E87-5A21-49F2-ADA4-2E33FBFBFC39}"/>
+    <dgm:cxn modelId="{A6595706-9074-4C90-B646-09E8EA157863}" type="presOf" srcId="{455E78D1-C148-40F1-B6D8-70124E976DBF}" destId="{42BC6418-9390-4DBB-B8A4-FECC20CDFAA2}" srcOrd="0" destOrd="0" presId="urn:microsoft.com/office/officeart/2005/8/layout/StepDownProcess"/>
+    <dgm:cxn modelId="{D6DE90E8-E391-4007-A5D8-85A288F99E46}" srcId="{33B0873A-D885-4325-961B-F1D834ADB0F7}" destId="{4E3FFA6E-9A69-43E0-BD11-4258453DB72D}" srcOrd="0" destOrd="0" parTransId="{1FBF0958-59DB-412C-AB9A-C5C1ADB8C9E7}" sibTransId="{6C9671FF-E1CC-4915-871F-0A7704DB1F39}"/>
+    <dgm:cxn modelId="{82843250-DDD2-4D4B-A5BD-6E68F89BCECF}" type="presOf" srcId="{6878AC9A-1D9D-4BE6-8006-EABC96EFB990}" destId="{EE52A728-2F26-442B-BCBA-78C642797D2D}" srcOrd="0" destOrd="0" presId="urn:microsoft.com/office/officeart/2005/8/layout/StepDownProcess"/>
+    <dgm:cxn modelId="{62DFBE2C-DD4C-4415-B4D7-D8BD040293AB}" type="presOf" srcId="{79462E9F-3A79-427F-A85D-BA736E49A4FE}" destId="{193C99C1-12B3-4BF5-8B6C-9C0685ECC15D}" srcOrd="0" destOrd="0" presId="urn:microsoft.com/office/officeart/2005/8/layout/StepDownProcess"/>
+    <dgm:cxn modelId="{0A300970-B89D-4753-A2AE-36135F52E1B6}" srcId="{6878AC9A-1D9D-4BE6-8006-EABC96EFB990}" destId="{79462E9F-3A79-427F-A85D-BA736E49A4FE}" srcOrd="1" destOrd="0" parTransId="{A1FEAE77-C20C-4243-8864-1A6955D160B0}" sibTransId="{06CF495E-3BA4-42D9-BA2C-70F8044CC436}"/>
+    <dgm:cxn modelId="{03F4A6EA-59F3-4405-8EC2-3253F90A005B}" type="presOf" srcId="{1AF360A8-881C-4035-BA91-7780773AD6B7}" destId="{A64621D6-C1E6-48E4-9570-FB11E734164E}" srcOrd="0" destOrd="0" presId="urn:microsoft.com/office/officeart/2005/8/layout/StepDownProcess"/>
+    <dgm:cxn modelId="{8CE9FE2E-5F91-44A6-A6F2-0D3E612735B8}" srcId="{1AF360A8-881C-4035-BA91-7780773AD6B7}" destId="{BD2FDEAF-CA8B-4AC0-9760-58083F76BE9E}" srcOrd="0" destOrd="0" parTransId="{B5554B28-43E1-406E-B647-5FBC4C16ED3C}" sibTransId="{DA94FAD8-231B-4A73-9BBB-8FE4A2F2C4D1}"/>
+    <dgm:cxn modelId="{DE9D12ED-6FE1-4426-9900-422D3373B3DE}" srcId="{79462E9F-3A79-427F-A85D-BA736E49A4FE}" destId="{455E78D1-C148-40F1-B6D8-70124E976DBF}" srcOrd="0" destOrd="0" parTransId="{4EDECBC4-1AD6-4DBD-A79F-637AF51E2FC1}" sibTransId="{B5815144-3919-47D1-BE10-3819624B6774}"/>
+    <dgm:cxn modelId="{15A79F11-A4E3-4FBD-BE43-4BD337C2E1B8}" type="presParOf" srcId="{EE52A728-2F26-442B-BCBA-78C642797D2D}" destId="{24FA96D1-ACBC-41B2-96A4-2CAFC5082563}" srcOrd="0" destOrd="0" presId="urn:microsoft.com/office/officeart/2005/8/layout/StepDownProcess"/>
+    <dgm:cxn modelId="{EB8CDC4F-1F61-4D2F-9CF1-F11E053FB354}" type="presParOf" srcId="{24FA96D1-ACBC-41B2-96A4-2CAFC5082563}" destId="{E534EAE4-7B7B-48C0-8ACF-3229FB9AF393}" srcOrd="0" destOrd="0" presId="urn:microsoft.com/office/officeart/2005/8/layout/StepDownProcess"/>
+    <dgm:cxn modelId="{DC23B908-7E13-424E-B142-150714336970}" type="presParOf" srcId="{24FA96D1-ACBC-41B2-96A4-2CAFC5082563}" destId="{1A209AD7-3D5B-4242-9335-5340A7004D7A}" srcOrd="1" destOrd="0" presId="urn:microsoft.com/office/officeart/2005/8/layout/StepDownProcess"/>
+    <dgm:cxn modelId="{8855D1C1-517F-44F0-B98A-A82C4138B778}" type="presParOf" srcId="{24FA96D1-ACBC-41B2-96A4-2CAFC5082563}" destId="{E2EA7465-332E-43A0-B525-87E18862AAB7}" srcOrd="2" destOrd="0" presId="urn:microsoft.com/office/officeart/2005/8/layout/StepDownProcess"/>
+    <dgm:cxn modelId="{8B0C3D08-0167-4043-AB37-E351E0D1AA17}" type="presParOf" srcId="{EE52A728-2F26-442B-BCBA-78C642797D2D}" destId="{E2E28E5C-80D4-4D5F-9198-48A6609879EF}" srcOrd="1" destOrd="0" presId="urn:microsoft.com/office/officeart/2005/8/layout/StepDownProcess"/>
+    <dgm:cxn modelId="{471BC67A-C9B8-48DB-91F9-AADC0E872723}" type="presParOf" srcId="{EE52A728-2F26-442B-BCBA-78C642797D2D}" destId="{9D4AB2BF-60A9-4EE9-A257-986EE9EFE2B3}" srcOrd="2" destOrd="0" presId="urn:microsoft.com/office/officeart/2005/8/layout/StepDownProcess"/>
+    <dgm:cxn modelId="{0FBC04F7-C739-49D2-9B21-3390F254712A}" type="presParOf" srcId="{9D4AB2BF-60A9-4EE9-A257-986EE9EFE2B3}" destId="{7586998F-137F-47FA-B2D9-3BF7DD31C7C7}" srcOrd="0" destOrd="0" presId="urn:microsoft.com/office/officeart/2005/8/layout/StepDownProcess"/>
+    <dgm:cxn modelId="{EE1D3287-6282-4789-A9E0-24530847D0CE}" type="presParOf" srcId="{9D4AB2BF-60A9-4EE9-A257-986EE9EFE2B3}" destId="{193C99C1-12B3-4BF5-8B6C-9C0685ECC15D}" srcOrd="1" destOrd="0" presId="urn:microsoft.com/office/officeart/2005/8/layout/StepDownProcess"/>
+    <dgm:cxn modelId="{78B08C26-6CAB-4822-B993-A1A096389596}" type="presParOf" srcId="{9D4AB2BF-60A9-4EE9-A257-986EE9EFE2B3}" destId="{42BC6418-9390-4DBB-B8A4-FECC20CDFAA2}" srcOrd="2" destOrd="0" presId="urn:microsoft.com/office/officeart/2005/8/layout/StepDownProcess"/>
+    <dgm:cxn modelId="{67D6144F-58B4-4587-B24D-F669AFEFF3D8}" type="presParOf" srcId="{EE52A728-2F26-442B-BCBA-78C642797D2D}" destId="{B3C7EBF0-F6E1-4681-A414-9C908048731A}" srcOrd="3" destOrd="0" presId="urn:microsoft.com/office/officeart/2005/8/layout/StepDownProcess"/>
+    <dgm:cxn modelId="{DC3C1BB7-2B6C-4C48-AB65-605FDA5E72CD}" type="presParOf" srcId="{EE52A728-2F26-442B-BCBA-78C642797D2D}" destId="{921E872B-78FF-4EC1-B2E5-AC5D2104A51E}" srcOrd="4" destOrd="0" presId="urn:microsoft.com/office/officeart/2005/8/layout/StepDownProcess"/>
+    <dgm:cxn modelId="{ED8FC538-2800-4FE4-93EE-D592140699EC}" type="presParOf" srcId="{921E872B-78FF-4EC1-B2E5-AC5D2104A51E}" destId="{A64621D6-C1E6-48E4-9570-FB11E734164E}" srcOrd="0" destOrd="0" presId="urn:microsoft.com/office/officeart/2005/8/layout/StepDownProcess"/>
+    <dgm:cxn modelId="{75C8E9F6-1564-452A-BA29-06EBED2FE0EA}" type="presParOf" srcId="{921E872B-78FF-4EC1-B2E5-AC5D2104A51E}" destId="{3BE3B7D4-392F-432B-B794-D470CC2C8CC7}" srcOrd="1" destOrd="0" presId="urn:microsoft.com/office/officeart/2005/8/layout/StepDownProcess"/>
+  </dgm:cxnLst>
+  <dgm:bg/>
+  <dgm:whole/>
+  <dgm:extLst>
+    <a:ext uri="http://schemas.microsoft.com/office/drawing/2008/diagram">
+      <dsp:dataModelExt xmlns:dsp="http://schemas.microsoft.com/office/drawing/2008/diagram" relId="rId7" minVer="http://schemas.openxmlformats.org/drawingml/2006/diagram"/>
+    </a:ext>
+  </dgm:extLst>
+</dgm:dataModel>
+</file>
+
+<file path=ppt/diagrams/data2.xml><?xml version="1.0" encoding="utf-8"?>
+<dgm:dataModel xmlns:dgm="http://schemas.openxmlformats.org/drawingml/2006/diagram" xmlns:a="http://schemas.openxmlformats.org/drawingml/2006/main">
+  <dgm:ptLst>
+    <dgm:pt modelId="{BE485E1F-F886-4F26-ACDF-2DFA36BB7733}" type="doc">
+      <dgm:prSet loTypeId="urn:microsoft.com/office/officeart/2005/8/layout/vProcess5" loCatId="process" qsTypeId="urn:microsoft.com/office/officeart/2005/8/quickstyle/simple1" qsCatId="simple" csTypeId="urn:microsoft.com/office/officeart/2005/8/colors/accent1_2" csCatId="accent1" phldr="1"/>
+      <dgm:spPr/>
+      <dgm:t>
+        <a:bodyPr/>
+        <a:lstStyle/>
+        <a:p>
+          <a:endParaRPr lang="en-GB"/>
+        </a:p>
+      </dgm:t>
+    </dgm:pt>
+    <dgm:pt modelId="{97957167-7886-4D65-846C-E2595B498110}">
+      <dgm:prSet phldrT="[Testo]"/>
+      <dgm:spPr/>
+      <dgm:t>
+        <a:bodyPr/>
+        <a:lstStyle/>
+        <a:p>
+          <a:r>
+            <a:rPr lang="en-GB" dirty="0" smtClean="0"/>
+            <a:t>Our initial solution</a:t>
+          </a:r>
+          <a:endParaRPr lang="en-GB" dirty="0"/>
+        </a:p>
+      </dgm:t>
+    </dgm:pt>
+    <dgm:pt modelId="{E34430E1-D457-42F4-B7B2-B7F8D24B864F}" type="parTrans" cxnId="{E48B5462-6545-4DC6-89C1-36B5D4A82986}">
+      <dgm:prSet/>
+      <dgm:spPr/>
+      <dgm:t>
+        <a:bodyPr/>
+        <a:lstStyle/>
+        <a:p>
+          <a:endParaRPr lang="en-GB"/>
+        </a:p>
+      </dgm:t>
+    </dgm:pt>
+    <dgm:pt modelId="{F76CD24A-3E43-41B4-9885-CA558F9DB00A}" type="sibTrans" cxnId="{E48B5462-6545-4DC6-89C1-36B5D4A82986}">
+      <dgm:prSet/>
+      <dgm:spPr/>
+      <dgm:t>
+        <a:bodyPr/>
+        <a:lstStyle/>
+        <a:p>
+          <a:endParaRPr lang="en-GB"/>
+        </a:p>
+      </dgm:t>
+    </dgm:pt>
+    <dgm:pt modelId="{3FABE830-E235-4C02-9E45-7C3F529D6900}">
+      <dgm:prSet phldrT="[Testo]"/>
+      <dgm:spPr/>
+      <dgm:t>
+        <a:bodyPr/>
+        <a:lstStyle/>
+        <a:p>
+          <a:r>
+            <a:rPr lang="en-GB" dirty="0" smtClean="0"/>
+            <a:t>Genetic Algorithm</a:t>
+          </a:r>
+          <a:endParaRPr lang="en-GB" dirty="0"/>
+        </a:p>
+      </dgm:t>
+    </dgm:pt>
+    <dgm:pt modelId="{423DA3A5-58CE-4814-8AC8-8634A59A5A12}" type="parTrans" cxnId="{6C8B9469-F342-425D-AD1A-2CE8A95AFF0C}">
+      <dgm:prSet/>
+      <dgm:spPr/>
+      <dgm:t>
+        <a:bodyPr/>
+        <a:lstStyle/>
+        <a:p>
+          <a:endParaRPr lang="en-GB"/>
+        </a:p>
+      </dgm:t>
+    </dgm:pt>
+    <dgm:pt modelId="{DDB7A745-BCB6-411B-8ED1-AD37E95B5D22}" type="sibTrans" cxnId="{6C8B9469-F342-425D-AD1A-2CE8A95AFF0C}">
+      <dgm:prSet/>
+      <dgm:spPr/>
+      <dgm:t>
+        <a:bodyPr/>
+        <a:lstStyle/>
+        <a:p>
+          <a:endParaRPr lang="en-GB"/>
+        </a:p>
+      </dgm:t>
+    </dgm:pt>
+    <dgm:pt modelId="{6158E161-7435-4A74-BF08-FA9F23065C71}">
+      <dgm:prSet phldrT="[Testo]"/>
+      <dgm:spPr/>
+      <dgm:t>
+        <a:bodyPr/>
+        <a:lstStyle/>
+        <a:p>
+          <a:r>
+            <a:rPr lang="en-GB" dirty="0" smtClean="0"/>
+            <a:t>Genetic Algorithm’s best solution</a:t>
+          </a:r>
+          <a:endParaRPr lang="en-GB" dirty="0"/>
+        </a:p>
+      </dgm:t>
+    </dgm:pt>
+    <dgm:pt modelId="{B410838C-D402-4AA7-9149-B5CAB148FE0E}" type="parTrans" cxnId="{A489954F-919C-4CBA-A0C7-AB3B583F3BDF}">
+      <dgm:prSet/>
+      <dgm:spPr/>
+      <dgm:t>
+        <a:bodyPr/>
+        <a:lstStyle/>
+        <a:p>
+          <a:endParaRPr lang="en-GB"/>
+        </a:p>
+      </dgm:t>
+    </dgm:pt>
+    <dgm:pt modelId="{D0B3B1A4-01C5-45CB-BF57-C362245F5F62}" type="sibTrans" cxnId="{A489954F-919C-4CBA-A0C7-AB3B583F3BDF}">
+      <dgm:prSet/>
+      <dgm:spPr/>
+      <dgm:t>
+        <a:bodyPr/>
+        <a:lstStyle/>
+        <a:p>
+          <a:endParaRPr lang="en-GB"/>
+        </a:p>
+      </dgm:t>
+    </dgm:pt>
+    <dgm:pt modelId="{FDFBB22A-0836-4E19-9435-AD6F3CEBF772}">
+      <dgm:prSet/>
+      <dgm:spPr/>
+      <dgm:t>
+        <a:bodyPr/>
+        <a:lstStyle/>
+        <a:p>
+          <a:r>
+            <a:rPr lang="en-GB" dirty="0" smtClean="0"/>
+            <a:t>Original </a:t>
+          </a:r>
+          <a:r>
+            <a:rPr lang="en-GB" dirty="0" err="1" smtClean="0"/>
+            <a:t>Tabu</a:t>
+          </a:r>
+          <a:r>
+            <a:rPr lang="en-GB" dirty="0" smtClean="0"/>
+            <a:t> Search Algorithm</a:t>
+          </a:r>
+          <a:endParaRPr lang="en-GB" dirty="0"/>
+        </a:p>
+      </dgm:t>
+    </dgm:pt>
+    <dgm:pt modelId="{1747BC5D-6EC8-48A3-BC21-59FA00653999}" type="parTrans" cxnId="{55551DAC-3E8A-4DB0-9C1D-E125E15F29C6}">
+      <dgm:prSet/>
+      <dgm:spPr/>
+      <dgm:t>
+        <a:bodyPr/>
+        <a:lstStyle/>
+        <a:p>
+          <a:endParaRPr lang="en-GB"/>
+        </a:p>
+      </dgm:t>
+    </dgm:pt>
+    <dgm:pt modelId="{0915E0BA-0762-4FDB-B3EE-105168C26BA3}" type="sibTrans" cxnId="{55551DAC-3E8A-4DB0-9C1D-E125E15F29C6}">
+      <dgm:prSet/>
+      <dgm:spPr/>
+      <dgm:t>
+        <a:bodyPr/>
+        <a:lstStyle/>
+        <a:p>
+          <a:endParaRPr lang="en-GB"/>
+        </a:p>
+      </dgm:t>
+    </dgm:pt>
+    <dgm:pt modelId="{0CB8CDE1-D7BA-4493-823D-ED129D6A5AD9}">
+      <dgm:prSet/>
+      <dgm:spPr/>
+      <dgm:t>
+        <a:bodyPr/>
+        <a:lstStyle/>
+        <a:p>
+          <a:r>
+            <a:rPr lang="en-GB" dirty="0" smtClean="0"/>
+            <a:t>Final solution</a:t>
+          </a:r>
+          <a:endParaRPr lang="en-GB" dirty="0"/>
+        </a:p>
+      </dgm:t>
+    </dgm:pt>
+    <dgm:pt modelId="{D040C11A-5548-4CAF-9063-5359D79522C9}" type="parTrans" cxnId="{F836BC22-338F-4D93-B6C7-8EE614B213B1}">
+      <dgm:prSet/>
+      <dgm:spPr/>
+      <dgm:t>
+        <a:bodyPr/>
+        <a:lstStyle/>
+        <a:p>
+          <a:endParaRPr lang="en-GB"/>
+        </a:p>
+      </dgm:t>
+    </dgm:pt>
+    <dgm:pt modelId="{A6491558-0F83-491B-BC35-515761A6BC1D}" type="sibTrans" cxnId="{F836BC22-338F-4D93-B6C7-8EE614B213B1}">
+      <dgm:prSet/>
+      <dgm:spPr/>
+      <dgm:t>
+        <a:bodyPr/>
+        <a:lstStyle/>
+        <a:p>
+          <a:endParaRPr lang="en-GB"/>
+        </a:p>
+      </dgm:t>
+    </dgm:pt>
+    <dgm:pt modelId="{E18ED1D9-9DB5-4826-9D2D-64E25E707FD7}" type="pres">
+      <dgm:prSet presAssocID="{BE485E1F-F886-4F26-ACDF-2DFA36BB7733}" presName="outerComposite" presStyleCnt="0">
+        <dgm:presLayoutVars>
+          <dgm:chMax val="5"/>
+          <dgm:dir/>
+          <dgm:resizeHandles val="exact"/>
+        </dgm:presLayoutVars>
+      </dgm:prSet>
+      <dgm:spPr/>
+    </dgm:pt>
+    <dgm:pt modelId="{CFEBA8CE-91C8-4314-A0C5-8EC89B5BC4C4}" type="pres">
+      <dgm:prSet presAssocID="{BE485E1F-F886-4F26-ACDF-2DFA36BB7733}" presName="dummyMaxCanvas" presStyleCnt="0">
+        <dgm:presLayoutVars/>
+      </dgm:prSet>
+      <dgm:spPr/>
+    </dgm:pt>
+    <dgm:pt modelId="{76FE4E92-AAF9-42F0-B6F2-E76B437DC092}" type="pres">
+      <dgm:prSet presAssocID="{BE485E1F-F886-4F26-ACDF-2DFA36BB7733}" presName="FiveNodes_1" presStyleLbl="node1" presStyleIdx="0" presStyleCnt="5">
+        <dgm:presLayoutVars>
+          <dgm:bulletEnabled val="1"/>
+        </dgm:presLayoutVars>
+      </dgm:prSet>
+      <dgm:spPr/>
+    </dgm:pt>
+    <dgm:pt modelId="{92AF59CF-48F8-4268-A79E-CC79582F4969}" type="pres">
+      <dgm:prSet presAssocID="{BE485E1F-F886-4F26-ACDF-2DFA36BB7733}" presName="FiveNodes_2" presStyleLbl="node1" presStyleIdx="1" presStyleCnt="5">
+        <dgm:presLayoutVars>
+          <dgm:bulletEnabled val="1"/>
+        </dgm:presLayoutVars>
+      </dgm:prSet>
+      <dgm:spPr/>
+    </dgm:pt>
+    <dgm:pt modelId="{FF7D625B-094E-47B2-AC42-C63EB26F8A41}" type="pres">
+      <dgm:prSet presAssocID="{BE485E1F-F886-4F26-ACDF-2DFA36BB7733}" presName="FiveNodes_3" presStyleLbl="node1" presStyleIdx="2" presStyleCnt="5">
+        <dgm:presLayoutVars>
+          <dgm:bulletEnabled val="1"/>
+        </dgm:presLayoutVars>
+      </dgm:prSet>
+      <dgm:spPr/>
+    </dgm:pt>
+    <dgm:pt modelId="{4FAB4D36-5479-4F26-B89E-4280791CA0D6}" type="pres">
+      <dgm:prSet presAssocID="{BE485E1F-F886-4F26-ACDF-2DFA36BB7733}" presName="FiveNodes_4" presStyleLbl="node1" presStyleIdx="3" presStyleCnt="5">
+        <dgm:presLayoutVars>
+          <dgm:bulletEnabled val="1"/>
+        </dgm:presLayoutVars>
+      </dgm:prSet>
+      <dgm:spPr/>
+    </dgm:pt>
+    <dgm:pt modelId="{E2DDE62C-6449-4F97-BFE3-AD8BBC91A48E}" type="pres">
+      <dgm:prSet presAssocID="{BE485E1F-F886-4F26-ACDF-2DFA36BB7733}" presName="FiveNodes_5" presStyleLbl="node1" presStyleIdx="4" presStyleCnt="5">
+        <dgm:presLayoutVars>
+          <dgm:bulletEnabled val="1"/>
+        </dgm:presLayoutVars>
+      </dgm:prSet>
+      <dgm:spPr/>
+    </dgm:pt>
+    <dgm:pt modelId="{EA8B9983-0FD4-43FD-8218-7F6BE9F193B4}" type="pres">
+      <dgm:prSet presAssocID="{BE485E1F-F886-4F26-ACDF-2DFA36BB7733}" presName="FiveConn_1-2" presStyleLbl="fgAccFollowNode1" presStyleIdx="0" presStyleCnt="4">
+        <dgm:presLayoutVars>
+          <dgm:bulletEnabled val="1"/>
+        </dgm:presLayoutVars>
+      </dgm:prSet>
+      <dgm:spPr/>
+    </dgm:pt>
+    <dgm:pt modelId="{FCD10D03-9EAF-4D23-82BF-B80666E9DC6B}" type="pres">
+      <dgm:prSet presAssocID="{BE485E1F-F886-4F26-ACDF-2DFA36BB7733}" presName="FiveConn_2-3" presStyleLbl="fgAccFollowNode1" presStyleIdx="1" presStyleCnt="4">
+        <dgm:presLayoutVars>
+          <dgm:bulletEnabled val="1"/>
+        </dgm:presLayoutVars>
+      </dgm:prSet>
+      <dgm:spPr/>
+    </dgm:pt>
+    <dgm:pt modelId="{2FB51C4A-999E-4D33-B563-183F6B3E6840}" type="pres">
+      <dgm:prSet presAssocID="{BE485E1F-F886-4F26-ACDF-2DFA36BB7733}" presName="FiveConn_3-4" presStyleLbl="fgAccFollowNode1" presStyleIdx="2" presStyleCnt="4">
+        <dgm:presLayoutVars>
+          <dgm:bulletEnabled val="1"/>
+        </dgm:presLayoutVars>
+      </dgm:prSet>
+      <dgm:spPr/>
+    </dgm:pt>
+    <dgm:pt modelId="{EE172B0B-ACBD-41B7-86E2-6B7178EB9238}" type="pres">
+      <dgm:prSet presAssocID="{BE485E1F-F886-4F26-ACDF-2DFA36BB7733}" presName="FiveConn_4-5" presStyleLbl="fgAccFollowNode1" presStyleIdx="3" presStyleCnt="4">
+        <dgm:presLayoutVars>
+          <dgm:bulletEnabled val="1"/>
+        </dgm:presLayoutVars>
+      </dgm:prSet>
+      <dgm:spPr/>
+    </dgm:pt>
+    <dgm:pt modelId="{D7492366-550F-4223-A7F3-B4B2B56F5DD4}" type="pres">
+      <dgm:prSet presAssocID="{BE485E1F-F886-4F26-ACDF-2DFA36BB7733}" presName="FiveNodes_1_text" presStyleLbl="node1" presStyleIdx="4" presStyleCnt="5">
+        <dgm:presLayoutVars>
+          <dgm:bulletEnabled val="1"/>
+        </dgm:presLayoutVars>
+      </dgm:prSet>
+      <dgm:spPr/>
+    </dgm:pt>
+    <dgm:pt modelId="{86392F22-E787-4698-9F59-E29A1C32BC96}" type="pres">
+      <dgm:prSet presAssocID="{BE485E1F-F886-4F26-ACDF-2DFA36BB7733}" presName="FiveNodes_2_text" presStyleLbl="node1" presStyleIdx="4" presStyleCnt="5">
+        <dgm:presLayoutVars>
+          <dgm:bulletEnabled val="1"/>
+        </dgm:presLayoutVars>
+      </dgm:prSet>
+      <dgm:spPr/>
+    </dgm:pt>
+    <dgm:pt modelId="{A42E2180-F200-45A5-AB75-CAF51EE6C5B0}" type="pres">
+      <dgm:prSet presAssocID="{BE485E1F-F886-4F26-ACDF-2DFA36BB7733}" presName="FiveNodes_3_text" presStyleLbl="node1" presStyleIdx="4" presStyleCnt="5">
+        <dgm:presLayoutVars>
+          <dgm:bulletEnabled val="1"/>
+        </dgm:presLayoutVars>
+      </dgm:prSet>
+      <dgm:spPr/>
+    </dgm:pt>
+    <dgm:pt modelId="{7D06ECCE-5888-4DDC-98BC-3D6CA712E43E}" type="pres">
+      <dgm:prSet presAssocID="{BE485E1F-F886-4F26-ACDF-2DFA36BB7733}" presName="FiveNodes_4_text" presStyleLbl="node1" presStyleIdx="4" presStyleCnt="5">
+        <dgm:presLayoutVars>
+          <dgm:bulletEnabled val="1"/>
+        </dgm:presLayoutVars>
+      </dgm:prSet>
+      <dgm:spPr/>
+    </dgm:pt>
+    <dgm:pt modelId="{6F43AEE5-4C71-4632-9E5C-DC511C475EF7}" type="pres">
+      <dgm:prSet presAssocID="{BE485E1F-F886-4F26-ACDF-2DFA36BB7733}" presName="FiveNodes_5_text" presStyleLbl="node1" presStyleIdx="4" presStyleCnt="5">
+        <dgm:presLayoutVars>
+          <dgm:bulletEnabled val="1"/>
+        </dgm:presLayoutVars>
+      </dgm:prSet>
+      <dgm:spPr/>
+    </dgm:pt>
+  </dgm:ptLst>
+  <dgm:cxnLst>
+    <dgm:cxn modelId="{55551DAC-3E8A-4DB0-9C1D-E125E15F29C6}" srcId="{BE485E1F-F886-4F26-ACDF-2DFA36BB7733}" destId="{FDFBB22A-0836-4E19-9435-AD6F3CEBF772}" srcOrd="3" destOrd="0" parTransId="{1747BC5D-6EC8-48A3-BC21-59FA00653999}" sibTransId="{0915E0BA-0762-4FDB-B3EE-105168C26BA3}"/>
+    <dgm:cxn modelId="{5FC2B1DA-DBDD-4FDD-8BAA-4B51FA782E22}" type="presOf" srcId="{BE485E1F-F886-4F26-ACDF-2DFA36BB7733}" destId="{E18ED1D9-9DB5-4826-9D2D-64E25E707FD7}" srcOrd="0" destOrd="0" presId="urn:microsoft.com/office/officeart/2005/8/layout/vProcess5"/>
+    <dgm:cxn modelId="{A489954F-919C-4CBA-A0C7-AB3B583F3BDF}" srcId="{BE485E1F-F886-4F26-ACDF-2DFA36BB7733}" destId="{6158E161-7435-4A74-BF08-FA9F23065C71}" srcOrd="2" destOrd="0" parTransId="{B410838C-D402-4AA7-9149-B5CAB148FE0E}" sibTransId="{D0B3B1A4-01C5-45CB-BF57-C362245F5F62}"/>
+    <dgm:cxn modelId="{37F06924-22AD-4987-8345-6D8BF9DE57D9}" type="presOf" srcId="{D0B3B1A4-01C5-45CB-BF57-C362245F5F62}" destId="{2FB51C4A-999E-4D33-B563-183F6B3E6840}" srcOrd="0" destOrd="0" presId="urn:microsoft.com/office/officeart/2005/8/layout/vProcess5"/>
+    <dgm:cxn modelId="{C501E6CF-D05B-499E-84CD-C3048F212F40}" type="presOf" srcId="{0CB8CDE1-D7BA-4493-823D-ED129D6A5AD9}" destId="{6F43AEE5-4C71-4632-9E5C-DC511C475EF7}" srcOrd="1" destOrd="0" presId="urn:microsoft.com/office/officeart/2005/8/layout/vProcess5"/>
+    <dgm:cxn modelId="{6C8B9469-F342-425D-AD1A-2CE8A95AFF0C}" srcId="{BE485E1F-F886-4F26-ACDF-2DFA36BB7733}" destId="{3FABE830-E235-4C02-9E45-7C3F529D6900}" srcOrd="1" destOrd="0" parTransId="{423DA3A5-58CE-4814-8AC8-8634A59A5A12}" sibTransId="{DDB7A745-BCB6-411B-8ED1-AD37E95B5D22}"/>
+    <dgm:cxn modelId="{F836BC22-338F-4D93-B6C7-8EE614B213B1}" srcId="{BE485E1F-F886-4F26-ACDF-2DFA36BB7733}" destId="{0CB8CDE1-D7BA-4493-823D-ED129D6A5AD9}" srcOrd="4" destOrd="0" parTransId="{D040C11A-5548-4CAF-9063-5359D79522C9}" sibTransId="{A6491558-0F83-491B-BC35-515761A6BC1D}"/>
+    <dgm:cxn modelId="{C71A344F-37C9-4E4E-8AC5-60DFB78E7351}" type="presOf" srcId="{6158E161-7435-4A74-BF08-FA9F23065C71}" destId="{A42E2180-F200-45A5-AB75-CAF51EE6C5B0}" srcOrd="1" destOrd="0" presId="urn:microsoft.com/office/officeart/2005/8/layout/vProcess5"/>
+    <dgm:cxn modelId="{E57583D0-6809-466E-997B-744E2B77655E}" type="presOf" srcId="{97957167-7886-4D65-846C-E2595B498110}" destId="{76FE4E92-AAF9-42F0-B6F2-E76B437DC092}" srcOrd="0" destOrd="0" presId="urn:microsoft.com/office/officeart/2005/8/layout/vProcess5"/>
+    <dgm:cxn modelId="{21E92FDC-1FF6-48E6-AA7E-6CCF0D7A04A7}" type="presOf" srcId="{FDFBB22A-0836-4E19-9435-AD6F3CEBF772}" destId="{7D06ECCE-5888-4DDC-98BC-3D6CA712E43E}" srcOrd="1" destOrd="0" presId="urn:microsoft.com/office/officeart/2005/8/layout/vProcess5"/>
+    <dgm:cxn modelId="{E48B5462-6545-4DC6-89C1-36B5D4A82986}" srcId="{BE485E1F-F886-4F26-ACDF-2DFA36BB7733}" destId="{97957167-7886-4D65-846C-E2595B498110}" srcOrd="0" destOrd="0" parTransId="{E34430E1-D457-42F4-B7B2-B7F8D24B864F}" sibTransId="{F76CD24A-3E43-41B4-9885-CA558F9DB00A}"/>
+    <dgm:cxn modelId="{125250D2-8783-4E07-B2D4-2A30AC7F01C9}" type="presOf" srcId="{FDFBB22A-0836-4E19-9435-AD6F3CEBF772}" destId="{4FAB4D36-5479-4F26-B89E-4280791CA0D6}" srcOrd="0" destOrd="0" presId="urn:microsoft.com/office/officeart/2005/8/layout/vProcess5"/>
+    <dgm:cxn modelId="{A29471BC-7C92-42BF-ABDF-724704F00D57}" type="presOf" srcId="{6158E161-7435-4A74-BF08-FA9F23065C71}" destId="{FF7D625B-094E-47B2-AC42-C63EB26F8A41}" srcOrd="0" destOrd="0" presId="urn:microsoft.com/office/officeart/2005/8/layout/vProcess5"/>
+    <dgm:cxn modelId="{EE704841-F39C-4266-ACE4-BF3CA602F5D0}" type="presOf" srcId="{0915E0BA-0762-4FDB-B3EE-105168C26BA3}" destId="{EE172B0B-ACBD-41B7-86E2-6B7178EB9238}" srcOrd="0" destOrd="0" presId="urn:microsoft.com/office/officeart/2005/8/layout/vProcess5"/>
+    <dgm:cxn modelId="{0BEA4781-AB39-4E49-9799-91370AF9CF5C}" type="presOf" srcId="{97957167-7886-4D65-846C-E2595B498110}" destId="{D7492366-550F-4223-A7F3-B4B2B56F5DD4}" srcOrd="1" destOrd="0" presId="urn:microsoft.com/office/officeart/2005/8/layout/vProcess5"/>
+    <dgm:cxn modelId="{91C34DFB-E600-4851-9FFE-1C8CBE0A1BF8}" type="presOf" srcId="{0CB8CDE1-D7BA-4493-823D-ED129D6A5AD9}" destId="{E2DDE62C-6449-4F97-BFE3-AD8BBC91A48E}" srcOrd="0" destOrd="0" presId="urn:microsoft.com/office/officeart/2005/8/layout/vProcess5"/>
+    <dgm:cxn modelId="{7779FD5E-B1CE-4B52-B1B1-BD75DDD2C2F7}" type="presOf" srcId="{3FABE830-E235-4C02-9E45-7C3F529D6900}" destId="{86392F22-E787-4698-9F59-E29A1C32BC96}" srcOrd="1" destOrd="0" presId="urn:microsoft.com/office/officeart/2005/8/layout/vProcess5"/>
+    <dgm:cxn modelId="{29E74C71-F6FD-4BCA-A79E-6A8F9010C649}" type="presOf" srcId="{F76CD24A-3E43-41B4-9885-CA558F9DB00A}" destId="{EA8B9983-0FD4-43FD-8218-7F6BE9F193B4}" srcOrd="0" destOrd="0" presId="urn:microsoft.com/office/officeart/2005/8/layout/vProcess5"/>
+    <dgm:cxn modelId="{90AA7DEF-A8D1-441D-BDA9-2CF20D6B432A}" type="presOf" srcId="{DDB7A745-BCB6-411B-8ED1-AD37E95B5D22}" destId="{FCD10D03-9EAF-4D23-82BF-B80666E9DC6B}" srcOrd="0" destOrd="0" presId="urn:microsoft.com/office/officeart/2005/8/layout/vProcess5"/>
+    <dgm:cxn modelId="{FC028CE6-17E2-4150-933C-607E601F9C08}" type="presOf" srcId="{3FABE830-E235-4C02-9E45-7C3F529D6900}" destId="{92AF59CF-48F8-4268-A79E-CC79582F4969}" srcOrd="0" destOrd="0" presId="urn:microsoft.com/office/officeart/2005/8/layout/vProcess5"/>
+    <dgm:cxn modelId="{22C452D8-4F0D-46A0-81F1-7D8DA498487F}" type="presParOf" srcId="{E18ED1D9-9DB5-4826-9D2D-64E25E707FD7}" destId="{CFEBA8CE-91C8-4314-A0C5-8EC89B5BC4C4}" srcOrd="0" destOrd="0" presId="urn:microsoft.com/office/officeart/2005/8/layout/vProcess5"/>
+    <dgm:cxn modelId="{215F3F75-5C02-4399-90DD-DA807918C4E0}" type="presParOf" srcId="{E18ED1D9-9DB5-4826-9D2D-64E25E707FD7}" destId="{76FE4E92-AAF9-42F0-B6F2-E76B437DC092}" srcOrd="1" destOrd="0" presId="urn:microsoft.com/office/officeart/2005/8/layout/vProcess5"/>
+    <dgm:cxn modelId="{51104484-1B74-4F0C-94FC-D0995730C084}" type="presParOf" srcId="{E18ED1D9-9DB5-4826-9D2D-64E25E707FD7}" destId="{92AF59CF-48F8-4268-A79E-CC79582F4969}" srcOrd="2" destOrd="0" presId="urn:microsoft.com/office/officeart/2005/8/layout/vProcess5"/>
+    <dgm:cxn modelId="{87E183EB-7BA3-44DF-82D7-10CEDC11079B}" type="presParOf" srcId="{E18ED1D9-9DB5-4826-9D2D-64E25E707FD7}" destId="{FF7D625B-094E-47B2-AC42-C63EB26F8A41}" srcOrd="3" destOrd="0" presId="urn:microsoft.com/office/officeart/2005/8/layout/vProcess5"/>
+    <dgm:cxn modelId="{8CFE075D-3869-4373-BCD7-04F00A7BE486}" type="presParOf" srcId="{E18ED1D9-9DB5-4826-9D2D-64E25E707FD7}" destId="{4FAB4D36-5479-4F26-B89E-4280791CA0D6}" srcOrd="4" destOrd="0" presId="urn:microsoft.com/office/officeart/2005/8/layout/vProcess5"/>
+    <dgm:cxn modelId="{8EFC90DF-3C93-43CB-A360-ABE72C1C8554}" type="presParOf" srcId="{E18ED1D9-9DB5-4826-9D2D-64E25E707FD7}" destId="{E2DDE62C-6449-4F97-BFE3-AD8BBC91A48E}" srcOrd="5" destOrd="0" presId="urn:microsoft.com/office/officeart/2005/8/layout/vProcess5"/>
+    <dgm:cxn modelId="{909FF3EA-5BA7-4572-A1F4-61AA2494B241}" type="presParOf" srcId="{E18ED1D9-9DB5-4826-9D2D-64E25E707FD7}" destId="{EA8B9983-0FD4-43FD-8218-7F6BE9F193B4}" srcOrd="6" destOrd="0" presId="urn:microsoft.com/office/officeart/2005/8/layout/vProcess5"/>
+    <dgm:cxn modelId="{94FB8C5A-AB41-43D2-A1BF-51D87E049FF0}" type="presParOf" srcId="{E18ED1D9-9DB5-4826-9D2D-64E25E707FD7}" destId="{FCD10D03-9EAF-4D23-82BF-B80666E9DC6B}" srcOrd="7" destOrd="0" presId="urn:microsoft.com/office/officeart/2005/8/layout/vProcess5"/>
+    <dgm:cxn modelId="{64D109E1-9545-4C4D-A9E1-4EB14DBC5D21}" type="presParOf" srcId="{E18ED1D9-9DB5-4826-9D2D-64E25E707FD7}" destId="{2FB51C4A-999E-4D33-B563-183F6B3E6840}" srcOrd="8" destOrd="0" presId="urn:microsoft.com/office/officeart/2005/8/layout/vProcess5"/>
+    <dgm:cxn modelId="{891920D7-9FD3-47B4-882F-CF571574FBC1}" type="presParOf" srcId="{E18ED1D9-9DB5-4826-9D2D-64E25E707FD7}" destId="{EE172B0B-ACBD-41B7-86E2-6B7178EB9238}" srcOrd="9" destOrd="0" presId="urn:microsoft.com/office/officeart/2005/8/layout/vProcess5"/>
+    <dgm:cxn modelId="{D985E900-F579-451C-A8CC-6A98D5577CBA}" type="presParOf" srcId="{E18ED1D9-9DB5-4826-9D2D-64E25E707FD7}" destId="{D7492366-550F-4223-A7F3-B4B2B56F5DD4}" srcOrd="10" destOrd="0" presId="urn:microsoft.com/office/officeart/2005/8/layout/vProcess5"/>
+    <dgm:cxn modelId="{6C2578B2-B378-425C-97EB-8C60DE96DDF5}" type="presParOf" srcId="{E18ED1D9-9DB5-4826-9D2D-64E25E707FD7}" destId="{86392F22-E787-4698-9F59-E29A1C32BC96}" srcOrd="11" destOrd="0" presId="urn:microsoft.com/office/officeart/2005/8/layout/vProcess5"/>
+    <dgm:cxn modelId="{127D4C45-D63A-4235-B5C5-764952EE75A9}" type="presParOf" srcId="{E18ED1D9-9DB5-4826-9D2D-64E25E707FD7}" destId="{A42E2180-F200-45A5-AB75-CAF51EE6C5B0}" srcOrd="12" destOrd="0" presId="urn:microsoft.com/office/officeart/2005/8/layout/vProcess5"/>
+    <dgm:cxn modelId="{34AFF305-7420-4C44-B679-31B41F3E476C}" type="presParOf" srcId="{E18ED1D9-9DB5-4826-9D2D-64E25E707FD7}" destId="{7D06ECCE-5888-4DDC-98BC-3D6CA712E43E}" srcOrd="13" destOrd="0" presId="urn:microsoft.com/office/officeart/2005/8/layout/vProcess5"/>
+    <dgm:cxn modelId="{97EE0F98-FA8A-4015-8346-D3C05F96A292}" type="presParOf" srcId="{E18ED1D9-9DB5-4826-9D2D-64E25E707FD7}" destId="{6F43AEE5-4C71-4632-9E5C-DC511C475EF7}" srcOrd="14" destOrd="0" presId="urn:microsoft.com/office/officeart/2005/8/layout/vProcess5"/>
+  </dgm:cxnLst>
+  <dgm:bg/>
+  <dgm:whole/>
+  <dgm:extLst>
+    <a:ext uri="http://schemas.microsoft.com/office/drawing/2008/diagram">
+      <dsp:dataModelExt xmlns:dsp="http://schemas.microsoft.com/office/drawing/2008/diagram" relId="rId7" minVer="http://schemas.openxmlformats.org/drawingml/2006/diagram"/>
+    </a:ext>
+  </dgm:extLst>
+</dgm:dataModel>
+</file>
+
+<file path=ppt/diagrams/drawing1.xml><?xml version="1.0" encoding="utf-8"?>
+<dsp:drawing xmlns:dgm="http://schemas.openxmlformats.org/drawingml/2006/diagram" xmlns:dsp="http://schemas.microsoft.com/office/drawing/2008/diagram" xmlns:a="http://schemas.openxmlformats.org/drawingml/2006/main">
+  <dsp:spTree>
+    <dsp:nvGrpSpPr>
+      <dsp:cNvPr id="0" name=""/>
+      <dsp:cNvGrpSpPr/>
+    </dsp:nvGrpSpPr>
+    <dsp:grpSpPr/>
+    <dsp:sp modelId="{E534EAE4-7B7B-48C0-8ACF-3229FB9AF393}">
+      <dsp:nvSpPr>
+        <dsp:cNvPr id="0" name=""/>
+        <dsp:cNvSpPr/>
+      </dsp:nvSpPr>
+      <dsp:spPr>
+        <a:xfrm rot="5400000">
+          <a:off x="692443" y="1723770"/>
+          <a:ext cx="886533" cy="1009286"/>
+        </a:xfrm>
+        <a:prstGeom prst="bentUpArrow">
+          <a:avLst>
+            <a:gd name="adj1" fmla="val 32840"/>
+            <a:gd name="adj2" fmla="val 25000"/>
+            <a:gd name="adj3" fmla="val 35780"/>
+          </a:avLst>
+        </a:prstGeom>
+        <a:solidFill>
+          <a:schemeClr val="accent1">
+            <a:tint val="50000"/>
+            <a:hueOff val="0"/>
+            <a:satOff val="0"/>
+            <a:lumOff val="0"/>
+            <a:alphaOff val="0"/>
+          </a:schemeClr>
+        </a:solidFill>
+        <a:ln w="25400" cap="flat" cmpd="sng" algn="ctr">
+          <a:solidFill>
+            <a:schemeClr val="lt1">
+              <a:hueOff val="0"/>
+              <a:satOff val="0"/>
+              <a:lumOff val="0"/>
+              <a:alphaOff val="0"/>
+            </a:schemeClr>
+          </a:solidFill>
+          <a:prstDash val="solid"/>
+        </a:ln>
+        <a:effectLst/>
+      </dsp:spPr>
+      <dsp:style>
+        <a:lnRef idx="2">
+          <a:scrgbClr r="0" g="0" b="0"/>
+        </a:lnRef>
+        <a:fillRef idx="1">
+          <a:scrgbClr r="0" g="0" b="0"/>
+        </a:fillRef>
+        <a:effectRef idx="0">
+          <a:scrgbClr r="0" g="0" b="0"/>
+        </a:effectRef>
+        <a:fontRef idx="minor"/>
+      </dsp:style>
+    </dsp:sp>
+    <dsp:sp modelId="{1A209AD7-3D5B-4242-9335-5340A7004D7A}">
+      <dsp:nvSpPr>
+        <dsp:cNvPr id="0" name=""/>
+        <dsp:cNvSpPr/>
+      </dsp:nvSpPr>
+      <dsp:spPr>
+        <a:xfrm>
+          <a:off x="457565" y="741030"/>
+          <a:ext cx="1492400" cy="1044631"/>
+        </a:xfrm>
+        <a:prstGeom prst="roundRect">
+          <a:avLst>
+            <a:gd name="adj" fmla="val 16670"/>
+          </a:avLst>
+        </a:prstGeom>
+        <a:solidFill>
+          <a:schemeClr val="accent1">
+            <a:hueOff val="0"/>
+            <a:satOff val="0"/>
+            <a:lumOff val="0"/>
+            <a:alphaOff val="0"/>
+          </a:schemeClr>
+        </a:solidFill>
+        <a:ln w="25400" cap="flat" cmpd="sng" algn="ctr">
+          <a:solidFill>
+            <a:schemeClr val="lt1">
+              <a:hueOff val="0"/>
+              <a:satOff val="0"/>
+              <a:lumOff val="0"/>
+              <a:alphaOff val="0"/>
+            </a:schemeClr>
+          </a:solidFill>
+          <a:prstDash val="solid"/>
+        </a:ln>
+        <a:effectLst/>
+      </dsp:spPr>
+      <dsp:style>
+        <a:lnRef idx="2">
+          <a:scrgbClr r="0" g="0" b="0"/>
+        </a:lnRef>
+        <a:fillRef idx="1">
+          <a:scrgbClr r="0" g="0" b="0"/>
+        </a:fillRef>
+        <a:effectRef idx="0">
+          <a:scrgbClr r="0" g="0" b="0"/>
+        </a:effectRef>
+        <a:fontRef idx="minor">
+          <a:schemeClr val="lt1"/>
+        </a:fontRef>
+      </dsp:style>
+      <dsp:txBody>
+        <a:bodyPr spcFirstLastPara="0" vert="horz" wrap="square" lIns="91440" tIns="91440" rIns="91440" bIns="91440" numCol="1" spcCol="1270" anchor="ctr" anchorCtr="0">
+          <a:noAutofit/>
+        </a:bodyPr>
+        <a:lstStyle/>
+        <a:p>
+          <a:pPr lvl="0" algn="ctr" defTabSz="1066800">
+            <a:lnSpc>
+              <a:spcPct val="90000"/>
+            </a:lnSpc>
+            <a:spcBef>
+              <a:spcPct val="0"/>
+            </a:spcBef>
+            <a:spcAft>
+              <a:spcPct val="35000"/>
+            </a:spcAft>
+          </a:pPr>
+          <a:r>
+            <a:rPr lang="en-GB" sz="2400" kern="1200" dirty="0" smtClean="0"/>
+            <a:t>Initial Solution</a:t>
+          </a:r>
+          <a:endParaRPr lang="en-GB" sz="2400" kern="1200" dirty="0"/>
+        </a:p>
+      </dsp:txBody>
+      <dsp:txXfrm>
+        <a:off x="508569" y="792034"/>
+        <a:ext cx="1390392" cy="942623"/>
+      </dsp:txXfrm>
+    </dsp:sp>
+    <dsp:sp modelId="{E2EA7465-332E-43A0-B525-87E18862AAB7}">
+      <dsp:nvSpPr>
+        <dsp:cNvPr id="0" name=""/>
+        <dsp:cNvSpPr/>
+      </dsp:nvSpPr>
+      <dsp:spPr>
+        <a:xfrm>
+          <a:off x="2070410" y="844028"/>
+          <a:ext cx="4979094" cy="844317"/>
+        </a:xfrm>
+        <a:prstGeom prst="rect">
+          <a:avLst/>
+        </a:prstGeom>
+        <a:noFill/>
+        <a:ln>
+          <a:noFill/>
+        </a:ln>
+        <a:effectLst/>
+      </dsp:spPr>
+      <dsp:style>
+        <a:lnRef idx="0">
+          <a:scrgbClr r="0" g="0" b="0"/>
+        </a:lnRef>
+        <a:fillRef idx="0">
+          <a:scrgbClr r="0" g="0" b="0"/>
+        </a:fillRef>
+        <a:effectRef idx="0">
+          <a:scrgbClr r="0" g="0" b="0"/>
+        </a:effectRef>
+        <a:fontRef idx="minor"/>
+      </dsp:style>
+      <dsp:txBody>
+        <a:bodyPr spcFirstLastPara="0" vert="horz" wrap="square" lIns="68580" tIns="68580" rIns="68580" bIns="68580" numCol="1" spcCol="1270" anchor="ctr" anchorCtr="0">
+          <a:noAutofit/>
+        </a:bodyPr>
+        <a:lstStyle/>
+        <a:p>
+          <a:pPr marL="171450" lvl="1" indent="-171450" algn="l" defTabSz="800100">
+            <a:lnSpc>
+              <a:spcPct val="90000"/>
+            </a:lnSpc>
+            <a:spcBef>
+              <a:spcPct val="0"/>
+            </a:spcBef>
+            <a:spcAft>
+              <a:spcPct val="15000"/>
+            </a:spcAft>
+            <a:buChar char="••"/>
+          </a:pPr>
+          <a:r>
+            <a:rPr lang="en-GB" sz="1800" kern="1200" dirty="0" smtClean="0"/>
+            <a:t>The initial solution is generated by a pseudo-random algorithm, and is generally quite poor</a:t>
+          </a:r>
+          <a:endParaRPr lang="en-GB" sz="1800" kern="1200" dirty="0"/>
+        </a:p>
+      </dsp:txBody>
+      <dsp:txXfrm>
+        <a:off x="2070410" y="844028"/>
+        <a:ext cx="4979094" cy="844317"/>
+      </dsp:txXfrm>
+    </dsp:sp>
+    <dsp:sp modelId="{7586998F-137F-47FA-B2D9-3BF7DD31C7C7}">
+      <dsp:nvSpPr>
+        <dsp:cNvPr id="0" name=""/>
+        <dsp:cNvSpPr/>
+      </dsp:nvSpPr>
+      <dsp:spPr>
+        <a:xfrm rot="5400000">
+          <a:off x="2627976" y="2897236"/>
+          <a:ext cx="886533" cy="1009286"/>
+        </a:xfrm>
+        <a:prstGeom prst="bentUpArrow">
+          <a:avLst>
+            <a:gd name="adj1" fmla="val 32840"/>
+            <a:gd name="adj2" fmla="val 25000"/>
+            <a:gd name="adj3" fmla="val 35780"/>
+          </a:avLst>
+        </a:prstGeom>
+        <a:solidFill>
+          <a:schemeClr val="accent1">
+            <a:tint val="50000"/>
+            <a:hueOff val="0"/>
+            <a:satOff val="0"/>
+            <a:lumOff val="0"/>
+            <a:alphaOff val="0"/>
+          </a:schemeClr>
+        </a:solidFill>
+        <a:ln w="25400" cap="flat" cmpd="sng" algn="ctr">
+          <a:solidFill>
+            <a:schemeClr val="lt1">
+              <a:hueOff val="0"/>
+              <a:satOff val="0"/>
+              <a:lumOff val="0"/>
+              <a:alphaOff val="0"/>
+            </a:schemeClr>
+          </a:solidFill>
+          <a:prstDash val="solid"/>
+        </a:ln>
+        <a:effectLst/>
+      </dsp:spPr>
+      <dsp:style>
+        <a:lnRef idx="2">
+          <a:scrgbClr r="0" g="0" b="0"/>
+        </a:lnRef>
+        <a:fillRef idx="1">
+          <a:scrgbClr r="0" g="0" b="0"/>
+        </a:fillRef>
+        <a:effectRef idx="0">
+          <a:scrgbClr r="0" g="0" b="0"/>
+        </a:effectRef>
+        <a:fontRef idx="minor"/>
+      </dsp:style>
+    </dsp:sp>
+    <dsp:sp modelId="{193C99C1-12B3-4BF5-8B6C-9C0685ECC15D}">
+      <dsp:nvSpPr>
+        <dsp:cNvPr id="0" name=""/>
+        <dsp:cNvSpPr/>
+      </dsp:nvSpPr>
+      <dsp:spPr>
+        <a:xfrm>
+          <a:off x="2393099" y="1914496"/>
+          <a:ext cx="1492400" cy="1044631"/>
+        </a:xfrm>
+        <a:prstGeom prst="roundRect">
+          <a:avLst>
+            <a:gd name="adj" fmla="val 16670"/>
+          </a:avLst>
+        </a:prstGeom>
+        <a:solidFill>
+          <a:schemeClr val="accent1">
+            <a:hueOff val="0"/>
+            <a:satOff val="0"/>
+            <a:lumOff val="0"/>
+            <a:alphaOff val="0"/>
+          </a:schemeClr>
+        </a:solidFill>
+        <a:ln w="25400" cap="flat" cmpd="sng" algn="ctr">
+          <a:solidFill>
+            <a:schemeClr val="lt1">
+              <a:hueOff val="0"/>
+              <a:satOff val="0"/>
+              <a:lumOff val="0"/>
+              <a:alphaOff val="0"/>
+            </a:schemeClr>
+          </a:solidFill>
+          <a:prstDash val="solid"/>
+        </a:ln>
+        <a:effectLst/>
+      </dsp:spPr>
+      <dsp:style>
+        <a:lnRef idx="2">
+          <a:scrgbClr r="0" g="0" b="0"/>
+        </a:lnRef>
+        <a:fillRef idx="1">
+          <a:scrgbClr r="0" g="0" b="0"/>
+        </a:fillRef>
+        <a:effectRef idx="0">
+          <a:scrgbClr r="0" g="0" b="0"/>
+        </a:effectRef>
+        <a:fontRef idx="minor">
+          <a:schemeClr val="lt1"/>
+        </a:fontRef>
+      </dsp:style>
+      <dsp:txBody>
+        <a:bodyPr spcFirstLastPara="0" vert="horz" wrap="square" lIns="91440" tIns="91440" rIns="91440" bIns="91440" numCol="1" spcCol="1270" anchor="ctr" anchorCtr="0">
+          <a:noAutofit/>
+        </a:bodyPr>
+        <a:lstStyle/>
+        <a:p>
+          <a:pPr lvl="0" algn="ctr" defTabSz="1066800">
+            <a:lnSpc>
+              <a:spcPct val="90000"/>
+            </a:lnSpc>
+            <a:spcBef>
+              <a:spcPct val="0"/>
+            </a:spcBef>
+            <a:spcAft>
+              <a:spcPct val="35000"/>
+            </a:spcAft>
+          </a:pPr>
+          <a:r>
+            <a:rPr lang="en-GB" sz="2400" kern="1200" dirty="0" err="1" smtClean="0"/>
+            <a:t>Tabu</a:t>
+          </a:r>
+          <a:r>
+            <a:rPr lang="en-GB" sz="2400" kern="1200" dirty="0" smtClean="0"/>
+            <a:t> Search</a:t>
+          </a:r>
+          <a:endParaRPr lang="en-GB" sz="2400" kern="1200" dirty="0"/>
+        </a:p>
+      </dsp:txBody>
+      <dsp:txXfrm>
+        <a:off x="2444103" y="1965500"/>
+        <a:ext cx="1390392" cy="942623"/>
+      </dsp:txXfrm>
+    </dsp:sp>
+    <dsp:sp modelId="{42BC6418-9390-4DBB-B8A4-FECC20CDFAA2}">
+      <dsp:nvSpPr>
+        <dsp:cNvPr id="0" name=""/>
+        <dsp:cNvSpPr/>
+      </dsp:nvSpPr>
+      <dsp:spPr>
+        <a:xfrm>
+          <a:off x="3986542" y="2050482"/>
+          <a:ext cx="2870440" cy="844317"/>
+        </a:xfrm>
+        <a:prstGeom prst="rect">
+          <a:avLst/>
+        </a:prstGeom>
+        <a:noFill/>
+        <a:ln>
+          <a:noFill/>
+        </a:ln>
+        <a:effectLst/>
+      </dsp:spPr>
+      <dsp:style>
+        <a:lnRef idx="0">
+          <a:scrgbClr r="0" g="0" b="0"/>
+        </a:lnRef>
+        <a:fillRef idx="0">
+          <a:scrgbClr r="0" g="0" b="0"/>
+        </a:fillRef>
+        <a:effectRef idx="0">
+          <a:scrgbClr r="0" g="0" b="0"/>
+        </a:effectRef>
+        <a:fontRef idx="minor"/>
+      </dsp:style>
+      <dsp:txBody>
+        <a:bodyPr spcFirstLastPara="0" vert="horz" wrap="square" lIns="68580" tIns="68580" rIns="68580" bIns="68580" numCol="1" spcCol="1270" anchor="ctr" anchorCtr="0">
+          <a:noAutofit/>
+        </a:bodyPr>
+        <a:lstStyle/>
+        <a:p>
+          <a:pPr marL="171450" lvl="1" indent="-171450" algn="l" defTabSz="800100">
+            <a:lnSpc>
+              <a:spcPct val="90000"/>
+            </a:lnSpc>
+            <a:spcBef>
+              <a:spcPct val="0"/>
+            </a:spcBef>
+            <a:spcAft>
+              <a:spcPct val="15000"/>
+            </a:spcAft>
+            <a:buChar char="••"/>
+          </a:pPr>
+          <a:r>
+            <a:rPr lang="en-GB" sz="1800" kern="1200" dirty="0" smtClean="0"/>
+            <a:t>The original </a:t>
+          </a:r>
+          <a:r>
+            <a:rPr lang="en-GB" sz="1800" kern="1200" dirty="0" err="1" smtClean="0"/>
+            <a:t>Tabu</a:t>
+          </a:r>
+          <a:r>
+            <a:rPr lang="en-GB" sz="1800" kern="1200" dirty="0" smtClean="0"/>
+            <a:t> Search algorithm</a:t>
+          </a:r>
+          <a:endParaRPr lang="en-GB" sz="1800" kern="1200" dirty="0"/>
+        </a:p>
+      </dsp:txBody>
+      <dsp:txXfrm>
+        <a:off x="3986542" y="2050482"/>
+        <a:ext cx="2870440" cy="844317"/>
+      </dsp:txXfrm>
+    </dsp:sp>
+    <dsp:sp modelId="{A64621D6-C1E6-48E4-9570-FB11E734164E}">
+      <dsp:nvSpPr>
+        <dsp:cNvPr id="0" name=""/>
+        <dsp:cNvSpPr/>
+      </dsp:nvSpPr>
+      <dsp:spPr>
+        <a:xfrm>
+          <a:off x="4783064" y="3087962"/>
+          <a:ext cx="1492400" cy="1044631"/>
+        </a:xfrm>
+        <a:prstGeom prst="roundRect">
+          <a:avLst>
+            <a:gd name="adj" fmla="val 16670"/>
+          </a:avLst>
+        </a:prstGeom>
+        <a:solidFill>
+          <a:schemeClr val="accent1">
+            <a:hueOff val="0"/>
+            <a:satOff val="0"/>
+            <a:lumOff val="0"/>
+            <a:alphaOff val="0"/>
+          </a:schemeClr>
+        </a:solidFill>
+        <a:ln w="25400" cap="flat" cmpd="sng" algn="ctr">
+          <a:solidFill>
+            <a:schemeClr val="lt1">
+              <a:hueOff val="0"/>
+              <a:satOff val="0"/>
+              <a:lumOff val="0"/>
+              <a:alphaOff val="0"/>
+            </a:schemeClr>
+          </a:solidFill>
+          <a:prstDash val="solid"/>
+        </a:ln>
+        <a:effectLst/>
+      </dsp:spPr>
+      <dsp:style>
+        <a:lnRef idx="2">
+          <a:scrgbClr r="0" g="0" b="0"/>
+        </a:lnRef>
+        <a:fillRef idx="1">
+          <a:scrgbClr r="0" g="0" b="0"/>
+        </a:fillRef>
+        <a:effectRef idx="0">
+          <a:scrgbClr r="0" g="0" b="0"/>
+        </a:effectRef>
+        <a:fontRef idx="minor">
+          <a:schemeClr val="lt1"/>
+        </a:fontRef>
+      </dsp:style>
+      <dsp:txBody>
+        <a:bodyPr spcFirstLastPara="0" vert="horz" wrap="square" lIns="91440" tIns="91440" rIns="91440" bIns="91440" numCol="1" spcCol="1270" anchor="ctr" anchorCtr="0">
+          <a:noAutofit/>
+        </a:bodyPr>
+        <a:lstStyle/>
+        <a:p>
+          <a:pPr lvl="0" algn="ctr" defTabSz="1066800">
+            <a:lnSpc>
+              <a:spcPct val="90000"/>
+            </a:lnSpc>
+            <a:spcBef>
+              <a:spcPct val="0"/>
+            </a:spcBef>
+            <a:spcAft>
+              <a:spcPct val="35000"/>
+            </a:spcAft>
+          </a:pPr>
+          <a:r>
+            <a:rPr lang="en-GB" sz="2400" kern="1200" dirty="0" smtClean="0"/>
+            <a:t>Final Solution</a:t>
+          </a:r>
+          <a:endParaRPr lang="en-GB" sz="2400" kern="1200" dirty="0"/>
+        </a:p>
+      </dsp:txBody>
+      <dsp:txXfrm>
+        <a:off x="4834068" y="3138966"/>
+        <a:ext cx="1390392" cy="942623"/>
+      </dsp:txXfrm>
+    </dsp:sp>
+    <dsp:sp modelId="{3BE3B7D4-392F-432B-B794-D470CC2C8CC7}">
+      <dsp:nvSpPr>
+        <dsp:cNvPr id="0" name=""/>
+        <dsp:cNvSpPr/>
+      </dsp:nvSpPr>
+      <dsp:spPr>
+        <a:xfrm>
+          <a:off x="6171892" y="3187592"/>
+          <a:ext cx="1292573" cy="844317"/>
+        </a:xfrm>
+        <a:prstGeom prst="rect">
+          <a:avLst/>
+        </a:prstGeom>
+        <a:noFill/>
+        <a:ln>
+          <a:noFill/>
+        </a:ln>
+        <a:effectLst/>
+      </dsp:spPr>
+      <dsp:style>
+        <a:lnRef idx="0">
+          <a:scrgbClr r="0" g="0" b="0"/>
+        </a:lnRef>
+        <a:fillRef idx="0">
+          <a:scrgbClr r="0" g="0" b="0"/>
+        </a:fillRef>
+        <a:effectRef idx="0">
+          <a:scrgbClr r="0" g="0" b="0"/>
+        </a:effectRef>
+        <a:fontRef idx="minor"/>
+      </dsp:style>
+      <dsp:txBody>
+        <a:bodyPr spcFirstLastPara="0" vert="horz" wrap="square" lIns="68580" tIns="68580" rIns="68580" bIns="68580" numCol="1" spcCol="1270" anchor="ctr" anchorCtr="0">
+          <a:noAutofit/>
+        </a:bodyPr>
+        <a:lstStyle/>
+        <a:p>
+          <a:pPr marL="171450" lvl="1" indent="-171450" algn="l" defTabSz="800100">
+            <a:lnSpc>
+              <a:spcPct val="90000"/>
+            </a:lnSpc>
+            <a:spcBef>
+              <a:spcPct val="0"/>
+            </a:spcBef>
+            <a:spcAft>
+              <a:spcPct val="15000"/>
+            </a:spcAft>
+            <a:buChar char="••"/>
+          </a:pPr>
+          <a:r>
+            <a:rPr lang="en-GB" sz="1800" kern="1200" dirty="0" smtClean="0"/>
+            <a:t>The final solution</a:t>
+          </a:r>
+          <a:endParaRPr lang="en-GB" sz="1800" kern="1200" dirty="0"/>
+        </a:p>
+      </dsp:txBody>
+      <dsp:txXfrm>
+        <a:off x="6171892" y="3187592"/>
+        <a:ext cx="1292573" cy="844317"/>
+      </dsp:txXfrm>
+    </dsp:sp>
+  </dsp:spTree>
+</dsp:drawing>
+</file>
+
+<file path=ppt/diagrams/drawing2.xml><?xml version="1.0" encoding="utf-8"?>
+<dsp:drawing xmlns:dgm="http://schemas.openxmlformats.org/drawingml/2006/diagram" xmlns:dsp="http://schemas.microsoft.com/office/drawing/2008/diagram" xmlns:a="http://schemas.openxmlformats.org/drawingml/2006/main">
+  <dsp:spTree>
+    <dsp:nvGrpSpPr>
+      <dsp:cNvPr id="0" name=""/>
+      <dsp:cNvGrpSpPr/>
+    </dsp:nvGrpSpPr>
+    <dsp:grpSpPr/>
+    <dsp:sp modelId="{76FE4E92-AAF9-42F0-B6F2-E76B437DC092}">
+      <dsp:nvSpPr>
+        <dsp:cNvPr id="0" name=""/>
+        <dsp:cNvSpPr/>
+      </dsp:nvSpPr>
+      <dsp:spPr>
+        <a:xfrm>
+          <a:off x="0" y="0"/>
+          <a:ext cx="5750052" cy="877252"/>
+        </a:xfrm>
+        <a:prstGeom prst="roundRect">
+          <a:avLst>
+            <a:gd name="adj" fmla="val 10000"/>
+          </a:avLst>
+        </a:prstGeom>
+        <a:solidFill>
+          <a:schemeClr val="accent1">
+            <a:hueOff val="0"/>
+            <a:satOff val="0"/>
+            <a:lumOff val="0"/>
+            <a:alphaOff val="0"/>
+          </a:schemeClr>
+        </a:solidFill>
+        <a:ln w="25400" cap="flat" cmpd="sng" algn="ctr">
+          <a:solidFill>
+            <a:schemeClr val="lt1">
+              <a:hueOff val="0"/>
+              <a:satOff val="0"/>
+              <a:lumOff val="0"/>
+              <a:alphaOff val="0"/>
+            </a:schemeClr>
+          </a:solidFill>
+          <a:prstDash val="solid"/>
+        </a:ln>
+        <a:effectLst/>
+      </dsp:spPr>
+      <dsp:style>
+        <a:lnRef idx="2">
+          <a:scrgbClr r="0" g="0" b="0"/>
+        </a:lnRef>
+        <a:fillRef idx="1">
+          <a:scrgbClr r="0" g="0" b="0"/>
+        </a:fillRef>
+        <a:effectRef idx="0">
+          <a:scrgbClr r="0" g="0" b="0"/>
+        </a:effectRef>
+        <a:fontRef idx="minor">
+          <a:schemeClr val="lt1"/>
+        </a:fontRef>
+      </dsp:style>
+      <dsp:txBody>
+        <a:bodyPr spcFirstLastPara="0" vert="horz" wrap="square" lIns="87630" tIns="87630" rIns="87630" bIns="87630" numCol="1" spcCol="1270" anchor="ctr" anchorCtr="0">
+          <a:noAutofit/>
+        </a:bodyPr>
+        <a:lstStyle/>
+        <a:p>
+          <a:pPr lvl="0" algn="l" defTabSz="1022350">
+            <a:lnSpc>
+              <a:spcPct val="90000"/>
+            </a:lnSpc>
+            <a:spcBef>
+              <a:spcPct val="0"/>
+            </a:spcBef>
+            <a:spcAft>
+              <a:spcPct val="35000"/>
+            </a:spcAft>
+          </a:pPr>
+          <a:r>
+            <a:rPr lang="en-GB" sz="2300" kern="1200" dirty="0" smtClean="0"/>
+            <a:t>Our initial solution</a:t>
+          </a:r>
+          <a:endParaRPr lang="en-GB" sz="2300" kern="1200" dirty="0"/>
+        </a:p>
+      </dsp:txBody>
+      <dsp:txXfrm>
+        <a:off x="25694" y="25694"/>
+        <a:ext cx="4700789" cy="825864"/>
+      </dsp:txXfrm>
+    </dsp:sp>
+    <dsp:sp modelId="{92AF59CF-48F8-4268-A79E-CC79582F4969}">
+      <dsp:nvSpPr>
+        <dsp:cNvPr id="0" name=""/>
+        <dsp:cNvSpPr/>
+      </dsp:nvSpPr>
+      <dsp:spPr>
+        <a:xfrm>
+          <a:off x="429387" y="999093"/>
+          <a:ext cx="5750052" cy="877252"/>
+        </a:xfrm>
+        <a:prstGeom prst="roundRect">
+          <a:avLst>
+            <a:gd name="adj" fmla="val 10000"/>
+          </a:avLst>
+        </a:prstGeom>
+        <a:solidFill>
+          <a:schemeClr val="accent1">
+            <a:hueOff val="0"/>
+            <a:satOff val="0"/>
+            <a:lumOff val="0"/>
+            <a:alphaOff val="0"/>
+          </a:schemeClr>
+        </a:solidFill>
+        <a:ln w="25400" cap="flat" cmpd="sng" algn="ctr">
+          <a:solidFill>
+            <a:schemeClr val="lt1">
+              <a:hueOff val="0"/>
+              <a:satOff val="0"/>
+              <a:lumOff val="0"/>
+              <a:alphaOff val="0"/>
+            </a:schemeClr>
+          </a:solidFill>
+          <a:prstDash val="solid"/>
+        </a:ln>
+        <a:effectLst/>
+      </dsp:spPr>
+      <dsp:style>
+        <a:lnRef idx="2">
+          <a:scrgbClr r="0" g="0" b="0"/>
+        </a:lnRef>
+        <a:fillRef idx="1">
+          <a:scrgbClr r="0" g="0" b="0"/>
+        </a:fillRef>
+        <a:effectRef idx="0">
+          <a:scrgbClr r="0" g="0" b="0"/>
+        </a:effectRef>
+        <a:fontRef idx="minor">
+          <a:schemeClr val="lt1"/>
+        </a:fontRef>
+      </dsp:style>
+      <dsp:txBody>
+        <a:bodyPr spcFirstLastPara="0" vert="horz" wrap="square" lIns="87630" tIns="87630" rIns="87630" bIns="87630" numCol="1" spcCol="1270" anchor="ctr" anchorCtr="0">
+          <a:noAutofit/>
+        </a:bodyPr>
+        <a:lstStyle/>
+        <a:p>
+          <a:pPr lvl="0" algn="l" defTabSz="1022350">
+            <a:lnSpc>
+              <a:spcPct val="90000"/>
+            </a:lnSpc>
+            <a:spcBef>
+              <a:spcPct val="0"/>
+            </a:spcBef>
+            <a:spcAft>
+              <a:spcPct val="35000"/>
+            </a:spcAft>
+          </a:pPr>
+          <a:r>
+            <a:rPr lang="en-GB" sz="2300" kern="1200" dirty="0" smtClean="0"/>
+            <a:t>Genetic Algorithm</a:t>
+          </a:r>
+          <a:endParaRPr lang="en-GB" sz="2300" kern="1200" dirty="0"/>
+        </a:p>
+      </dsp:txBody>
+      <dsp:txXfrm>
+        <a:off x="455081" y="1024787"/>
+        <a:ext cx="4699062" cy="825864"/>
+      </dsp:txXfrm>
+    </dsp:sp>
+    <dsp:sp modelId="{FF7D625B-094E-47B2-AC42-C63EB26F8A41}">
+      <dsp:nvSpPr>
+        <dsp:cNvPr id="0" name=""/>
+        <dsp:cNvSpPr/>
+      </dsp:nvSpPr>
+      <dsp:spPr>
+        <a:xfrm>
+          <a:off x="858774" y="1998186"/>
+          <a:ext cx="5750052" cy="877252"/>
+        </a:xfrm>
+        <a:prstGeom prst="roundRect">
+          <a:avLst>
+            <a:gd name="adj" fmla="val 10000"/>
+          </a:avLst>
+        </a:prstGeom>
+        <a:solidFill>
+          <a:schemeClr val="accent1">
+            <a:hueOff val="0"/>
+            <a:satOff val="0"/>
+            <a:lumOff val="0"/>
+            <a:alphaOff val="0"/>
+          </a:schemeClr>
+        </a:solidFill>
+        <a:ln w="25400" cap="flat" cmpd="sng" algn="ctr">
+          <a:solidFill>
+            <a:schemeClr val="lt1">
+              <a:hueOff val="0"/>
+              <a:satOff val="0"/>
+              <a:lumOff val="0"/>
+              <a:alphaOff val="0"/>
+            </a:schemeClr>
+          </a:solidFill>
+          <a:prstDash val="solid"/>
+        </a:ln>
+        <a:effectLst/>
+      </dsp:spPr>
+      <dsp:style>
+        <a:lnRef idx="2">
+          <a:scrgbClr r="0" g="0" b="0"/>
+        </a:lnRef>
+        <a:fillRef idx="1">
+          <a:scrgbClr r="0" g="0" b="0"/>
+        </a:fillRef>
+        <a:effectRef idx="0">
+          <a:scrgbClr r="0" g="0" b="0"/>
+        </a:effectRef>
+        <a:fontRef idx="minor">
+          <a:schemeClr val="lt1"/>
+        </a:fontRef>
+      </dsp:style>
+      <dsp:txBody>
+        <a:bodyPr spcFirstLastPara="0" vert="horz" wrap="square" lIns="87630" tIns="87630" rIns="87630" bIns="87630" numCol="1" spcCol="1270" anchor="ctr" anchorCtr="0">
+          <a:noAutofit/>
+        </a:bodyPr>
+        <a:lstStyle/>
+        <a:p>
+          <a:pPr lvl="0" algn="l" defTabSz="1022350">
+            <a:lnSpc>
+              <a:spcPct val="90000"/>
+            </a:lnSpc>
+            <a:spcBef>
+              <a:spcPct val="0"/>
+            </a:spcBef>
+            <a:spcAft>
+              <a:spcPct val="35000"/>
+            </a:spcAft>
+          </a:pPr>
+          <a:r>
+            <a:rPr lang="en-GB" sz="2300" kern="1200" dirty="0" smtClean="0"/>
+            <a:t>Genetic Algorithm’s best solution</a:t>
+          </a:r>
+          <a:endParaRPr lang="en-GB" sz="2300" kern="1200" dirty="0"/>
+        </a:p>
+      </dsp:txBody>
+      <dsp:txXfrm>
+        <a:off x="884468" y="2023880"/>
+        <a:ext cx="4699062" cy="825864"/>
+      </dsp:txXfrm>
+    </dsp:sp>
+    <dsp:sp modelId="{4FAB4D36-5479-4F26-B89E-4280791CA0D6}">
+      <dsp:nvSpPr>
+        <dsp:cNvPr id="0" name=""/>
+        <dsp:cNvSpPr/>
+      </dsp:nvSpPr>
+      <dsp:spPr>
+        <a:xfrm>
+          <a:off x="1288161" y="2997279"/>
+          <a:ext cx="5750052" cy="877252"/>
+        </a:xfrm>
+        <a:prstGeom prst="roundRect">
+          <a:avLst>
+            <a:gd name="adj" fmla="val 10000"/>
+          </a:avLst>
+        </a:prstGeom>
+        <a:solidFill>
+          <a:schemeClr val="accent1">
+            <a:hueOff val="0"/>
+            <a:satOff val="0"/>
+            <a:lumOff val="0"/>
+            <a:alphaOff val="0"/>
+          </a:schemeClr>
+        </a:solidFill>
+        <a:ln w="25400" cap="flat" cmpd="sng" algn="ctr">
+          <a:solidFill>
+            <a:schemeClr val="lt1">
+              <a:hueOff val="0"/>
+              <a:satOff val="0"/>
+              <a:lumOff val="0"/>
+              <a:alphaOff val="0"/>
+            </a:schemeClr>
+          </a:solidFill>
+          <a:prstDash val="solid"/>
+        </a:ln>
+        <a:effectLst/>
+      </dsp:spPr>
+      <dsp:style>
+        <a:lnRef idx="2">
+          <a:scrgbClr r="0" g="0" b="0"/>
+        </a:lnRef>
+        <a:fillRef idx="1">
+          <a:scrgbClr r="0" g="0" b="0"/>
+        </a:fillRef>
+        <a:effectRef idx="0">
+          <a:scrgbClr r="0" g="0" b="0"/>
+        </a:effectRef>
+        <a:fontRef idx="minor">
+          <a:schemeClr val="lt1"/>
+        </a:fontRef>
+      </dsp:style>
+      <dsp:txBody>
+        <a:bodyPr spcFirstLastPara="0" vert="horz" wrap="square" lIns="87630" tIns="87630" rIns="87630" bIns="87630" numCol="1" spcCol="1270" anchor="ctr" anchorCtr="0">
+          <a:noAutofit/>
+        </a:bodyPr>
+        <a:lstStyle/>
+        <a:p>
+          <a:pPr lvl="0" algn="l" defTabSz="1022350">
+            <a:lnSpc>
+              <a:spcPct val="90000"/>
+            </a:lnSpc>
+            <a:spcBef>
+              <a:spcPct val="0"/>
+            </a:spcBef>
+            <a:spcAft>
+              <a:spcPct val="35000"/>
+            </a:spcAft>
+          </a:pPr>
+          <a:r>
+            <a:rPr lang="en-GB" sz="2300" kern="1200" dirty="0" smtClean="0"/>
+            <a:t>Original </a:t>
+          </a:r>
+          <a:r>
+            <a:rPr lang="en-GB" sz="2300" kern="1200" dirty="0" err="1" smtClean="0"/>
+            <a:t>Tabu</a:t>
+          </a:r>
+          <a:r>
+            <a:rPr lang="en-GB" sz="2300" kern="1200" dirty="0" smtClean="0"/>
+            <a:t> Search Algorithm</a:t>
+          </a:r>
+          <a:endParaRPr lang="en-GB" sz="2300" kern="1200" dirty="0"/>
+        </a:p>
+      </dsp:txBody>
+      <dsp:txXfrm>
+        <a:off x="1313855" y="3022973"/>
+        <a:ext cx="4699062" cy="825864"/>
+      </dsp:txXfrm>
+    </dsp:sp>
+    <dsp:sp modelId="{E2DDE62C-6449-4F97-BFE3-AD8BBC91A48E}">
+      <dsp:nvSpPr>
+        <dsp:cNvPr id="0" name=""/>
+        <dsp:cNvSpPr/>
+      </dsp:nvSpPr>
+      <dsp:spPr>
+        <a:xfrm>
+          <a:off x="1717548" y="3996372"/>
+          <a:ext cx="5750052" cy="877252"/>
+        </a:xfrm>
+        <a:prstGeom prst="roundRect">
+          <a:avLst>
+            <a:gd name="adj" fmla="val 10000"/>
+          </a:avLst>
+        </a:prstGeom>
+        <a:solidFill>
+          <a:schemeClr val="accent1">
+            <a:hueOff val="0"/>
+            <a:satOff val="0"/>
+            <a:lumOff val="0"/>
+            <a:alphaOff val="0"/>
+          </a:schemeClr>
+        </a:solidFill>
+        <a:ln w="25400" cap="flat" cmpd="sng" algn="ctr">
+          <a:solidFill>
+            <a:schemeClr val="lt1">
+              <a:hueOff val="0"/>
+              <a:satOff val="0"/>
+              <a:lumOff val="0"/>
+              <a:alphaOff val="0"/>
+            </a:schemeClr>
+          </a:solidFill>
+          <a:prstDash val="solid"/>
+        </a:ln>
+        <a:effectLst/>
+      </dsp:spPr>
+      <dsp:style>
+        <a:lnRef idx="2">
+          <a:scrgbClr r="0" g="0" b="0"/>
+        </a:lnRef>
+        <a:fillRef idx="1">
+          <a:scrgbClr r="0" g="0" b="0"/>
+        </a:fillRef>
+        <a:effectRef idx="0">
+          <a:scrgbClr r="0" g="0" b="0"/>
+        </a:effectRef>
+        <a:fontRef idx="minor">
+          <a:schemeClr val="lt1"/>
+        </a:fontRef>
+      </dsp:style>
+      <dsp:txBody>
+        <a:bodyPr spcFirstLastPara="0" vert="horz" wrap="square" lIns="87630" tIns="87630" rIns="87630" bIns="87630" numCol="1" spcCol="1270" anchor="ctr" anchorCtr="0">
+          <a:noAutofit/>
+        </a:bodyPr>
+        <a:lstStyle/>
+        <a:p>
+          <a:pPr lvl="0" algn="l" defTabSz="1022350">
+            <a:lnSpc>
+              <a:spcPct val="90000"/>
+            </a:lnSpc>
+            <a:spcBef>
+              <a:spcPct val="0"/>
+            </a:spcBef>
+            <a:spcAft>
+              <a:spcPct val="35000"/>
+            </a:spcAft>
+          </a:pPr>
+          <a:r>
+            <a:rPr lang="en-GB" sz="2300" kern="1200" dirty="0" smtClean="0"/>
+            <a:t>Final solution</a:t>
+          </a:r>
+          <a:endParaRPr lang="en-GB" sz="2300" kern="1200" dirty="0"/>
+        </a:p>
+      </dsp:txBody>
+      <dsp:txXfrm>
+        <a:off x="1743242" y="4022066"/>
+        <a:ext cx="4699062" cy="825864"/>
+      </dsp:txXfrm>
+    </dsp:sp>
+    <dsp:sp modelId="{EA8B9983-0FD4-43FD-8218-7F6BE9F193B4}">
+      <dsp:nvSpPr>
+        <dsp:cNvPr id="0" name=""/>
+        <dsp:cNvSpPr/>
+      </dsp:nvSpPr>
+      <dsp:spPr>
+        <a:xfrm>
+          <a:off x="5179837" y="640881"/>
+          <a:ext cx="570214" cy="570214"/>
+        </a:xfrm>
+        <a:prstGeom prst="downArrow">
+          <a:avLst>
+            <a:gd name="adj1" fmla="val 55000"/>
+            <a:gd name="adj2" fmla="val 45000"/>
+          </a:avLst>
+        </a:prstGeom>
+        <a:solidFill>
+          <a:schemeClr val="accent1">
+            <a:alpha val="90000"/>
+            <a:tint val="40000"/>
+            <a:hueOff val="0"/>
+            <a:satOff val="0"/>
+            <a:lumOff val="0"/>
+            <a:alphaOff val="0"/>
+          </a:schemeClr>
+        </a:solidFill>
+        <a:ln w="25400" cap="flat" cmpd="sng" algn="ctr">
+          <a:solidFill>
+            <a:schemeClr val="accent1">
+              <a:alpha val="90000"/>
+              <a:tint val="40000"/>
+              <a:hueOff val="0"/>
+              <a:satOff val="0"/>
+              <a:lumOff val="0"/>
+              <a:alphaOff val="0"/>
+            </a:schemeClr>
+          </a:solidFill>
+          <a:prstDash val="solid"/>
+        </a:ln>
+        <a:effectLst/>
+      </dsp:spPr>
+      <dsp:style>
+        <a:lnRef idx="2">
+          <a:scrgbClr r="0" g="0" b="0"/>
+        </a:lnRef>
+        <a:fillRef idx="1">
+          <a:scrgbClr r="0" g="0" b="0"/>
+        </a:fillRef>
+        <a:effectRef idx="0">
+          <a:scrgbClr r="0" g="0" b="0"/>
+        </a:effectRef>
+        <a:fontRef idx="minor"/>
+      </dsp:style>
+      <dsp:txBody>
+        <a:bodyPr spcFirstLastPara="0" vert="horz" wrap="square" lIns="33020" tIns="33020" rIns="33020" bIns="33020" numCol="1" spcCol="1270" anchor="ctr" anchorCtr="0">
+          <a:noAutofit/>
+        </a:bodyPr>
+        <a:lstStyle/>
+        <a:p>
+          <a:pPr lvl="0" algn="ctr" defTabSz="1155700">
+            <a:lnSpc>
+              <a:spcPct val="90000"/>
+            </a:lnSpc>
+            <a:spcBef>
+              <a:spcPct val="0"/>
+            </a:spcBef>
+            <a:spcAft>
+              <a:spcPct val="35000"/>
+            </a:spcAft>
+          </a:pPr>
+          <a:endParaRPr lang="en-GB" sz="2600" kern="1200"/>
+        </a:p>
+      </dsp:txBody>
+      <dsp:txXfrm>
+        <a:off x="5308135" y="640881"/>
+        <a:ext cx="313618" cy="429086"/>
+      </dsp:txXfrm>
+    </dsp:sp>
+    <dsp:sp modelId="{FCD10D03-9EAF-4D23-82BF-B80666E9DC6B}">
+      <dsp:nvSpPr>
+        <dsp:cNvPr id="0" name=""/>
+        <dsp:cNvSpPr/>
+      </dsp:nvSpPr>
+      <dsp:spPr>
+        <a:xfrm>
+          <a:off x="5609224" y="1639974"/>
+          <a:ext cx="570214" cy="570214"/>
+        </a:xfrm>
+        <a:prstGeom prst="downArrow">
+          <a:avLst>
+            <a:gd name="adj1" fmla="val 55000"/>
+            <a:gd name="adj2" fmla="val 45000"/>
+          </a:avLst>
+        </a:prstGeom>
+        <a:solidFill>
+          <a:schemeClr val="accent1">
+            <a:alpha val="90000"/>
+            <a:tint val="40000"/>
+            <a:hueOff val="0"/>
+            <a:satOff val="0"/>
+            <a:lumOff val="0"/>
+            <a:alphaOff val="0"/>
+          </a:schemeClr>
+        </a:solidFill>
+        <a:ln w="25400" cap="flat" cmpd="sng" algn="ctr">
+          <a:solidFill>
+            <a:schemeClr val="accent1">
+              <a:alpha val="90000"/>
+              <a:tint val="40000"/>
+              <a:hueOff val="0"/>
+              <a:satOff val="0"/>
+              <a:lumOff val="0"/>
+              <a:alphaOff val="0"/>
+            </a:schemeClr>
+          </a:solidFill>
+          <a:prstDash val="solid"/>
+        </a:ln>
+        <a:effectLst/>
+      </dsp:spPr>
+      <dsp:style>
+        <a:lnRef idx="2">
+          <a:scrgbClr r="0" g="0" b="0"/>
+        </a:lnRef>
+        <a:fillRef idx="1">
+          <a:scrgbClr r="0" g="0" b="0"/>
+        </a:fillRef>
+        <a:effectRef idx="0">
+          <a:scrgbClr r="0" g="0" b="0"/>
+        </a:effectRef>
+        <a:fontRef idx="minor"/>
+      </dsp:style>
+      <dsp:txBody>
+        <a:bodyPr spcFirstLastPara="0" vert="horz" wrap="square" lIns="33020" tIns="33020" rIns="33020" bIns="33020" numCol="1" spcCol="1270" anchor="ctr" anchorCtr="0">
+          <a:noAutofit/>
+        </a:bodyPr>
+        <a:lstStyle/>
+        <a:p>
+          <a:pPr lvl="0" algn="ctr" defTabSz="1155700">
+            <a:lnSpc>
+              <a:spcPct val="90000"/>
+            </a:lnSpc>
+            <a:spcBef>
+              <a:spcPct val="0"/>
+            </a:spcBef>
+            <a:spcAft>
+              <a:spcPct val="35000"/>
+            </a:spcAft>
+          </a:pPr>
+          <a:endParaRPr lang="en-GB" sz="2600" kern="1200"/>
+        </a:p>
+      </dsp:txBody>
+      <dsp:txXfrm>
+        <a:off x="5737522" y="1639974"/>
+        <a:ext cx="313618" cy="429086"/>
+      </dsp:txXfrm>
+    </dsp:sp>
+    <dsp:sp modelId="{2FB51C4A-999E-4D33-B563-183F6B3E6840}">
+      <dsp:nvSpPr>
+        <dsp:cNvPr id="0" name=""/>
+        <dsp:cNvSpPr/>
+      </dsp:nvSpPr>
+      <dsp:spPr>
+        <a:xfrm>
+          <a:off x="6038611" y="2624447"/>
+          <a:ext cx="570214" cy="570214"/>
+        </a:xfrm>
+        <a:prstGeom prst="downArrow">
+          <a:avLst>
+            <a:gd name="adj1" fmla="val 55000"/>
+            <a:gd name="adj2" fmla="val 45000"/>
+          </a:avLst>
+        </a:prstGeom>
+        <a:solidFill>
+          <a:schemeClr val="accent1">
+            <a:alpha val="90000"/>
+            <a:tint val="40000"/>
+            <a:hueOff val="0"/>
+            <a:satOff val="0"/>
+            <a:lumOff val="0"/>
+            <a:alphaOff val="0"/>
+          </a:schemeClr>
+        </a:solidFill>
+        <a:ln w="25400" cap="flat" cmpd="sng" algn="ctr">
+          <a:solidFill>
+            <a:schemeClr val="accent1">
+              <a:alpha val="90000"/>
+              <a:tint val="40000"/>
+              <a:hueOff val="0"/>
+              <a:satOff val="0"/>
+              <a:lumOff val="0"/>
+              <a:alphaOff val="0"/>
+            </a:schemeClr>
+          </a:solidFill>
+          <a:prstDash val="solid"/>
+        </a:ln>
+        <a:effectLst/>
+      </dsp:spPr>
+      <dsp:style>
+        <a:lnRef idx="2">
+          <a:scrgbClr r="0" g="0" b="0"/>
+        </a:lnRef>
+        <a:fillRef idx="1">
+          <a:scrgbClr r="0" g="0" b="0"/>
+        </a:fillRef>
+        <a:effectRef idx="0">
+          <a:scrgbClr r="0" g="0" b="0"/>
+        </a:effectRef>
+        <a:fontRef idx="minor"/>
+      </dsp:style>
+      <dsp:txBody>
+        <a:bodyPr spcFirstLastPara="0" vert="horz" wrap="square" lIns="33020" tIns="33020" rIns="33020" bIns="33020" numCol="1" spcCol="1270" anchor="ctr" anchorCtr="0">
+          <a:noAutofit/>
+        </a:bodyPr>
+        <a:lstStyle/>
+        <a:p>
+          <a:pPr lvl="0" algn="ctr" defTabSz="1155700">
+            <a:lnSpc>
+              <a:spcPct val="90000"/>
+            </a:lnSpc>
+            <a:spcBef>
+              <a:spcPct val="0"/>
+            </a:spcBef>
+            <a:spcAft>
+              <a:spcPct val="35000"/>
+            </a:spcAft>
+          </a:pPr>
+          <a:endParaRPr lang="en-GB" sz="2600" kern="1200"/>
+        </a:p>
+      </dsp:txBody>
+      <dsp:txXfrm>
+        <a:off x="6166909" y="2624447"/>
+        <a:ext cx="313618" cy="429086"/>
+      </dsp:txXfrm>
+    </dsp:sp>
+    <dsp:sp modelId="{EE172B0B-ACBD-41B7-86E2-6B7178EB9238}">
+      <dsp:nvSpPr>
+        <dsp:cNvPr id="0" name=""/>
+        <dsp:cNvSpPr/>
+      </dsp:nvSpPr>
+      <dsp:spPr>
+        <a:xfrm>
+          <a:off x="6467998" y="3633287"/>
+          <a:ext cx="570214" cy="570214"/>
+        </a:xfrm>
+        <a:prstGeom prst="downArrow">
+          <a:avLst>
+            <a:gd name="adj1" fmla="val 55000"/>
+            <a:gd name="adj2" fmla="val 45000"/>
+          </a:avLst>
+        </a:prstGeom>
+        <a:solidFill>
+          <a:schemeClr val="accent1">
+            <a:alpha val="90000"/>
+            <a:tint val="40000"/>
+            <a:hueOff val="0"/>
+            <a:satOff val="0"/>
+            <a:lumOff val="0"/>
+            <a:alphaOff val="0"/>
+          </a:schemeClr>
+        </a:solidFill>
+        <a:ln w="25400" cap="flat" cmpd="sng" algn="ctr">
+          <a:solidFill>
+            <a:schemeClr val="accent1">
+              <a:alpha val="90000"/>
+              <a:tint val="40000"/>
+              <a:hueOff val="0"/>
+              <a:satOff val="0"/>
+              <a:lumOff val="0"/>
+              <a:alphaOff val="0"/>
+            </a:schemeClr>
+          </a:solidFill>
+          <a:prstDash val="solid"/>
+        </a:ln>
+        <a:effectLst/>
+      </dsp:spPr>
+      <dsp:style>
+        <a:lnRef idx="2">
+          <a:scrgbClr r="0" g="0" b="0"/>
+        </a:lnRef>
+        <a:fillRef idx="1">
+          <a:scrgbClr r="0" g="0" b="0"/>
+        </a:fillRef>
+        <a:effectRef idx="0">
+          <a:scrgbClr r="0" g="0" b="0"/>
+        </a:effectRef>
+        <a:fontRef idx="minor"/>
+      </dsp:style>
+      <dsp:txBody>
+        <a:bodyPr spcFirstLastPara="0" vert="horz" wrap="square" lIns="33020" tIns="33020" rIns="33020" bIns="33020" numCol="1" spcCol="1270" anchor="ctr" anchorCtr="0">
+          <a:noAutofit/>
+        </a:bodyPr>
+        <a:lstStyle/>
+        <a:p>
+          <a:pPr lvl="0" algn="ctr" defTabSz="1155700">
+            <a:lnSpc>
+              <a:spcPct val="90000"/>
+            </a:lnSpc>
+            <a:spcBef>
+              <a:spcPct val="0"/>
+            </a:spcBef>
+            <a:spcAft>
+              <a:spcPct val="35000"/>
+            </a:spcAft>
+          </a:pPr>
+          <a:endParaRPr lang="en-GB" sz="2600" kern="1200"/>
+        </a:p>
+      </dsp:txBody>
+      <dsp:txXfrm>
+        <a:off x="6596296" y="3633287"/>
+        <a:ext cx="313618" cy="429086"/>
+      </dsp:txXfrm>
+    </dsp:sp>
+  </dsp:spTree>
+</dsp:drawing>
+</file>
+
+<file path=ppt/diagrams/layout1.xml><?xml version="1.0" encoding="utf-8"?>
+<dgm:layoutDef xmlns:dgm="http://schemas.openxmlformats.org/drawingml/2006/diagram" xmlns:a="http://schemas.openxmlformats.org/drawingml/2006/main" uniqueId="urn:microsoft.com/office/officeart/2005/8/layout/StepDownProcess">
+  <dgm:title val=""/>
+  <dgm:desc val=""/>
+  <dgm:catLst>
+    <dgm:cat type="process" pri="1600"/>
+  </dgm:catLst>
+  <dgm:sampData>
+    <dgm:dataModel>
+      <dgm:ptLst>
+        <dgm:pt modelId="0" type="doc"/>
+        <dgm:pt modelId="10">
+          <dgm:prSet phldr="1"/>
+        </dgm:pt>
+        <dgm:pt modelId="11">
+          <dgm:prSet phldr="1"/>
+        </dgm:pt>
+        <dgm:pt modelId="20">
+          <dgm:prSet phldr="1"/>
+        </dgm:pt>
+        <dgm:pt modelId="21">
+          <dgm:prSet phldr="1"/>
+        </dgm:pt>
+        <dgm:pt modelId="30">
+          <dgm:prSet phldr="1"/>
+        </dgm:pt>
+        <dgm:pt modelId="31">
+          <dgm:prSet phldr="1"/>
+        </dgm:pt>
+      </dgm:ptLst>
+      <dgm:cxnLst>
+        <dgm:cxn modelId="60" srcId="0" destId="10" srcOrd="0" destOrd="0"/>
+        <dgm:cxn modelId="12" srcId="10" destId="11" srcOrd="0" destOrd="0"/>
+        <dgm:cxn modelId="70" srcId="0" destId="20" srcOrd="1" destOrd="0"/>
+        <dgm:cxn modelId="22" srcId="20" destId="21" srcOrd="0" destOrd="0"/>
+        <dgm:cxn modelId="80" srcId="0" destId="30" srcOrd="2" destOrd="0"/>
+        <dgm:cxn modelId="32" srcId="30" destId="31" srcOrd="0" destOrd="0"/>
+      </dgm:cxnLst>
+      <dgm:bg/>
+      <dgm:whole/>
+    </dgm:dataModel>
+  </dgm:sampData>
+  <dgm:styleData>
+    <dgm:dataModel>
+      <dgm:ptLst>
+        <dgm:pt modelId="0" type="doc"/>
+        <dgm:pt modelId="10">
+          <dgm:prSet phldr="1"/>
+        </dgm:pt>
+        <dgm:pt modelId="20">
+          <dgm:prSet phldr="1"/>
+        </dgm:pt>
+      </dgm:ptLst>
+      <dgm:cxnLst>
+        <dgm:cxn modelId="60" srcId="0" destId="10" srcOrd="0" destOrd="0"/>
+        <dgm:cxn modelId="70" srcId="0" destId="20" srcOrd="1" destOrd="0"/>
+      </dgm:cxnLst>
+      <dgm:bg/>
+      <dgm:whole/>
+    </dgm:dataModel>
+  </dgm:styleData>
+  <dgm:clrData>
+    <dgm:dataModel>
+      <dgm:ptLst>
+        <dgm:pt modelId="0" type="doc"/>
+        <dgm:pt modelId="10">
+          <dgm:prSet phldr="1"/>
+        </dgm:pt>
+        <dgm:pt modelId="20">
+          <dgm:prSet phldr="1"/>
+        </dgm:pt>
+        <dgm:pt modelId="30">
+          <dgm:prSet phldr="1"/>
+        </dgm:pt>
+        <dgm:pt modelId="40">
+          <dgm:prSet phldr="1"/>
+        </dgm:pt>
+      </dgm:ptLst>
+      <dgm:cxnLst>
+        <dgm:cxn modelId="60" srcId="0" destId="10" srcOrd="0" destOrd="0"/>
+        <dgm:cxn modelId="70" srcId="0" destId="20" srcOrd="1" destOrd="0"/>
+        <dgm:cxn modelId="80" srcId="0" destId="30" srcOrd="2" destOrd="0"/>
+        <dgm:cxn modelId="90" srcId="0" destId="40" srcOrd="3" destOrd="0"/>
+      </dgm:cxnLst>
+      <dgm:bg/>
+      <dgm:whole/>
+    </dgm:dataModel>
+  </dgm:clrData>
+  <dgm:layoutNode name="rootnode">
+    <dgm:varLst>
+      <dgm:chMax/>
+      <dgm:chPref/>
+      <dgm:dir/>
+      <dgm:animLvl val="lvl"/>
+    </dgm:varLst>
+    <dgm:choose name="Name0">
+      <dgm:if name="Name1" func="var" arg="dir" op="equ" val="norm">
+        <dgm:alg type="snake">
+          <dgm:param type="grDir" val="tL"/>
+          <dgm:param type="flowDir" val="row"/>
+          <dgm:param type="off" val="off"/>
+          <dgm:param type="bkpt" val="fixed"/>
+          <dgm:param type="bkPtFixedVal" val="1"/>
+        </dgm:alg>
+      </dgm:if>
+      <dgm:else name="Name2">
+        <dgm:alg type="snake">
+          <dgm:param type="grDir" val="tR"/>
+          <dgm:param type="flowDir" val="row"/>
+          <dgm:param type="off" val="off"/>
+          <dgm:param type="bkpt" val="fixed"/>
+          <dgm:param type="bkPtFixedVal" val="1"/>
+        </dgm:alg>
+      </dgm:else>
+    </dgm:choose>
+    <dgm:shape xmlns:r="http://schemas.openxmlformats.org/officeDocument/2006/relationships" r:blip="">
+      <dgm:adjLst/>
+    </dgm:shape>
+    <dgm:choose name="Name3">
+      <dgm:if name="Name4" func="var" arg="dir" op="equ" val="norm">
+        <dgm:constrLst>
+          <dgm:constr type="alignOff" forName="rootnode" val="0.48"/>
+          <dgm:constr type="primFontSz" for="des" forName="ParentText" val="65"/>
+          <dgm:constr type="primFontSz" for="des" forName="ChildText" refType="primFontSz" refFor="des" refForName="ParentText" op="lte"/>
+          <dgm:constr type="w" for="ch" forName="composite" refType="w"/>
+          <dgm:constr type="h" for="ch" forName="composite" refType="h"/>
+          <dgm:constr type="sp" refType="h" refFor="ch" refForName="composite" op="equ" fact="-0.38"/>
+        </dgm:constrLst>
+      </dgm:if>
+      <dgm:else name="Name5">
+        <dgm:constrLst>
+          <dgm:constr type="alignOff" forName="rootnode" val="0.48"/>
+          <dgm:constr type="primFontSz" for="des" forName="ParentText" val="65"/>
+          <dgm:constr type="primFontSz" for="des" forName="ChildText" refType="primFontSz" refFor="des" refForName="ParentText" op="lte"/>
+          <dgm:constr type="w" for="ch" forName="composite" refType="w"/>
+          <dgm:constr type="h" for="ch" forName="composite" refType="h"/>
+          <dgm:constr type="sp" refType="h" refFor="ch" refForName="composite" op="equ" fact="-0.38"/>
+        </dgm:constrLst>
+      </dgm:else>
+    </dgm:choose>
+    <dgm:forEach name="nodesForEach" axis="ch" ptType="node">
+      <dgm:layoutNode name="composite">
+        <dgm:alg type="composite">
+          <dgm:param type="ar" val="1.2439"/>
+        </dgm:alg>
+        <dgm:shape xmlns:r="http://schemas.openxmlformats.org/officeDocument/2006/relationships" r:blip="">
+          <dgm:adjLst/>
+        </dgm:shape>
+        <dgm:choose name="Name6">
+          <dgm:if name="Name7" func="var" arg="dir" op="equ" val="norm">
+            <dgm:constrLst>
+              <dgm:constr type="l" for="ch" forName="bentUpArrow1" refType="w" fact="0.07"/>
+              <dgm:constr type="t" for="ch" forName="bentUpArrow1" refType="h" fact="0.524"/>
+              <dgm:constr type="w" for="ch" forName="bentUpArrow1" refType="w" fact="0.3844"/>
+              <dgm:constr type="h" for="ch" forName="bentUpArrow1" refType="h" fact="0.42"/>
+              <dgm:constr type="l" for="ch" forName="ParentText" refType="w" fact="0"/>
+              <dgm:constr type="t" for="ch" forName="ParentText" refType="h" fact="0"/>
+              <dgm:constr type="w" for="ch" forName="ParentText" refType="w" fact="0.5684"/>
+              <dgm:constr type="h" for="ch" forName="ParentText" refType="h" fact="0.4949"/>
+              <dgm:constr type="l" for="ch" forName="ChildText" refType="w" refFor="ch" refForName="ParentText"/>
+              <dgm:constr type="t" for="ch" forName="ChildText" refType="h" fact="0.05"/>
+              <dgm:constr type="w" for="ch" forName="ChildText" refType="w" fact="0.4134"/>
+              <dgm:constr type="h" for="ch" forName="ChildText" refType="h" fact="0.4"/>
+              <dgm:constr type="l" for="ch" forName="FinalChildText" refType="w" refFor="ch" refForName="ParentText"/>
+              <dgm:constr type="t" for="ch" forName="FinalChildText" refType="h" fact="0.05"/>
+              <dgm:constr type="w" for="ch" forName="FinalChildText" refType="w" fact="0.4134"/>
+              <dgm:constr type="h" for="ch" forName="FinalChildText" refType="h" fact="0.4"/>
+            </dgm:constrLst>
+          </dgm:if>
+          <dgm:else name="Name8">
+            <dgm:constrLst>
+              <dgm:constr type="r" for="ch" forName="bentUpArrow1" refType="w" fact="0.97"/>
+              <dgm:constr type="t" for="ch" forName="bentUpArrow1" refType="h" fact="0.524"/>
+              <dgm:constr type="w" for="ch" forName="bentUpArrow1" refType="w" fact="0.3844"/>
+              <dgm:constr type="h" for="ch" forName="bentUpArrow1" refType="h" fact="0.42"/>
+              <dgm:constr type="l" for="ch" forName="ParentText" refType="w" fact="0.4316"/>
+              <dgm:constr type="t" for="ch" forName="ParentText" refType="h" fact="0"/>
+              <dgm:constr type="w" for="ch" forName="ParentText" refType="w" fact="0.5684"/>
+              <dgm:constr type="h" for="ch" forName="ParentText" refType="h" fact="0.4949"/>
+              <dgm:constr type="l" for="ch" forName="ChildText" refType="w" fact="0"/>
+              <dgm:constr type="t" for="ch" forName="ChildText" refType="h" fact="0.05"/>
+              <dgm:constr type="w" for="ch" forName="ChildText" refType="w" fact="0.4134"/>
+              <dgm:constr type="h" for="ch" forName="ChildText" refType="h" fact="0.4"/>
+              <dgm:constr type="l" for="ch" forName="FinalChildText" refType="w" fact="0"/>
+              <dgm:constr type="t" for="ch" forName="FinalChildText" refType="h" fact="0.05"/>
+              <dgm:constr type="w" for="ch" forName="FinalChildText" refType="w" fact="0.4134"/>
+              <dgm:constr type="h" for="ch" forName="FinalChildText" refType="h" fact="0.4"/>
+            </dgm:constrLst>
+          </dgm:else>
+        </dgm:choose>
+        <dgm:choose name="Name9">
+          <dgm:if name="Name10" axis="followSib" ptType="node" func="cnt" op="gte" val="1">
+            <dgm:layoutNode name="bentUpArrow1" styleLbl="alignImgPlace1">
+              <dgm:alg type="sp"/>
+              <dgm:choose name="Name11">
+                <dgm:if name="Name12" func="var" arg="dir" op="equ" val="norm">
+                  <dgm:shape xmlns:r="http://schemas.openxmlformats.org/officeDocument/2006/relationships" rot="90" type="bentUpArrow" r:blip="">
+                    <dgm:adjLst>
+                      <dgm:adj idx="1" val="0.3284"/>
+                      <dgm:adj idx="2" val="0.25"/>
+                      <dgm:adj idx="3" val="0.3578"/>
+                    </dgm:adjLst>
+                  </dgm:shape>
+                </dgm:if>
+                <dgm:else name="Name13">
+                  <dgm:shape xmlns:r="http://schemas.openxmlformats.org/officeDocument/2006/relationships" rot="180" type="bentArrow" r:blip="">
+                    <dgm:adjLst>
+                      <dgm:adj idx="1" val="0.3284"/>
+                      <dgm:adj idx="2" val="0.25"/>
+                      <dgm:adj idx="3" val="0.3578"/>
+                      <dgm:adj idx="4" val="0"/>
+                    </dgm:adjLst>
+                  </dgm:shape>
+                </dgm:else>
+              </dgm:choose>
+              <dgm:presOf/>
+            </dgm:layoutNode>
+          </dgm:if>
+          <dgm:else name="Name14"/>
+        </dgm:choose>
+        <dgm:layoutNode name="ParentText" styleLbl="node1">
+          <dgm:varLst>
+            <dgm:chMax val="1"/>
+            <dgm:chPref val="1"/>
+            <dgm:bulletEnabled val="1"/>
+          </dgm:varLst>
+          <dgm:alg type="tx"/>
+          <dgm:shape xmlns:r="http://schemas.openxmlformats.org/officeDocument/2006/relationships" type="roundRect" r:blip="">
+            <dgm:adjLst>
+              <dgm:adj idx="1" val="0.1667"/>
+            </dgm:adjLst>
+          </dgm:shape>
+          <dgm:presOf axis="self" ptType="node"/>
+          <dgm:constrLst>
+            <dgm:constr type="lMarg" refType="primFontSz" fact="0.3"/>
+            <dgm:constr type="rMarg" refType="primFontSz" fact="0.3"/>
+            <dgm:constr type="tMarg" refType="primFontSz" fact="0.3"/>
+            <dgm:constr type="bMarg" refType="primFontSz" fact="0.3"/>
+          </dgm:constrLst>
+          <dgm:ruleLst>
+            <dgm:rule type="primFontSz" val="5" fact="NaN" max="NaN"/>
+          </dgm:ruleLst>
+        </dgm:layoutNode>
+        <dgm:choose name="Name15">
+          <dgm:if name="Name16" axis="followSib" ptType="node" func="cnt" op="equ" val="0">
+            <dgm:choose name="Name17">
+              <dgm:if name="Name18" axis="ch" ptType="node" func="cnt" op="gte" val="1">
+                <dgm:layoutNode name="FinalChildText" styleLbl="revTx">
+                  <dgm:varLst>
+                    <dgm:chMax val="0"/>
+                    <dgm:chPref val="0"/>
+                    <dgm:bulletEnabled val="1"/>
+                  </dgm:varLst>
+                  <dgm:alg type="tx">
+                    <dgm:param type="stBulletLvl" val="1"/>
+                    <dgm:param type="txAnchorVertCh" val="mid"/>
+                    <dgm:param type="parTxLTRAlign" val="l"/>
+                  </dgm:alg>
+                  <dgm:shape xmlns:r="http://schemas.openxmlformats.org/officeDocument/2006/relationships" type="rect" r:blip="">
+                    <dgm:adjLst/>
+                  </dgm:shape>
+                  <dgm:presOf axis="des" ptType="node"/>
+                  <dgm:constrLst>
+                    <dgm:constr type="lMarg" refType="primFontSz" fact="0.3"/>
+                    <dgm:constr type="rMarg" refType="primFontSz" fact="0.3"/>
+                    <dgm:constr type="tMarg" refType="primFontSz" fact="0.3"/>
+                    <dgm:constr type="bMarg" refType="primFontSz" fact="0.3"/>
+                  </dgm:constrLst>
+                  <dgm:ruleLst>
+                    <dgm:rule type="primFontSz" val="5" fact="NaN" max="NaN"/>
+                  </dgm:ruleLst>
+                </dgm:layoutNode>
+              </dgm:if>
+              <dgm:else name="Name19"/>
+            </dgm:choose>
+          </dgm:if>
+          <dgm:else name="Name20">
+            <dgm:layoutNode name="ChildText" styleLbl="revTx">
+              <dgm:varLst>
+                <dgm:chMax val="0"/>
+                <dgm:chPref val="0"/>
+                <dgm:bulletEnabled val="1"/>
+              </dgm:varLst>
+              <dgm:alg type="tx">
+                <dgm:param type="stBulletLvl" val="1"/>
+                <dgm:param type="txAnchorVertCh" val="mid"/>
+                <dgm:param type="parTxLTRAlign" val="l"/>
+              </dgm:alg>
+              <dgm:shape xmlns:r="http://schemas.openxmlformats.org/officeDocument/2006/relationships" type="rect" r:blip="">
+                <dgm:adjLst/>
+              </dgm:shape>
+              <dgm:presOf axis="des" ptType="node"/>
+              <dgm:constrLst>
+                <dgm:constr type="lMarg" refType="primFontSz" fact="0.3"/>
+                <dgm:constr type="rMarg" refType="primFontSz" fact="0.3"/>
+                <dgm:constr type="tMarg" refType="primFontSz" fact="0.3"/>
+                <dgm:constr type="bMarg" refType="primFontSz" fact="0.3"/>
+              </dgm:constrLst>
+              <dgm:ruleLst>
+                <dgm:rule type="primFontSz" val="5" fact="NaN" max="NaN"/>
+              </dgm:ruleLst>
+            </dgm:layoutNode>
+          </dgm:else>
+        </dgm:choose>
+      </dgm:layoutNode>
+      <dgm:forEach name="sibTransForEach" axis="followSib" ptType="sibTrans" cnt="1">
+        <dgm:layoutNode name="sibTrans">
+          <dgm:alg type="sp"/>
+          <dgm:shape xmlns:r="http://schemas.openxmlformats.org/officeDocument/2006/relationships" r:blip="">
+            <dgm:adjLst/>
+          </dgm:shape>
+        </dgm:layoutNode>
+      </dgm:forEach>
+    </dgm:forEach>
+  </dgm:layoutNode>
+</dgm:layoutDef>
+</file>
+
+<file path=ppt/diagrams/layout2.xml><?xml version="1.0" encoding="utf-8"?>
+<dgm:layoutDef xmlns:dgm="http://schemas.openxmlformats.org/drawingml/2006/diagram" xmlns:a="http://schemas.openxmlformats.org/drawingml/2006/main" uniqueId="urn:microsoft.com/office/officeart/2005/8/layout/vProcess5">
+  <dgm:title val=""/>
+  <dgm:desc val=""/>
+  <dgm:catLst>
+    <dgm:cat type="process" pri="14000"/>
+  </dgm:catLst>
+  <dgm:sampData>
+    <dgm:dataModel>
+      <dgm:ptLst>
+        <dgm:pt modelId="0" type="doc"/>
+        <dgm:pt modelId="1">
+          <dgm:prSet phldr="1"/>
+        </dgm:pt>
+        <dgm:pt modelId="2">
+          <dgm:prSet phldr="1"/>
+        </dgm:pt>
+        <dgm:pt modelId="3">
+          <dgm:prSet phldr="1"/>
+        </dgm:pt>
+      </dgm:ptLst>
+      <dgm:cxnLst>
+        <dgm:cxn modelId="5" srcId="0" destId="1" srcOrd="0" destOrd="0"/>
+        <dgm:cxn modelId="6" srcId="0" destId="2" srcOrd="1" destOrd="0"/>
+        <dgm:cxn modelId="7" srcId="0" destId="3" srcOrd="2" destOrd="0"/>
+      </dgm:cxnLst>
+      <dgm:bg/>
+      <dgm:whole/>
+    </dgm:dataModel>
+  </dgm:sampData>
+  <dgm:styleData>
+    <dgm:dataModel>
+      <dgm:ptLst>
+        <dgm:pt modelId="0" type="doc"/>
+        <dgm:pt modelId="1"/>
+        <dgm:pt modelId="2"/>
+      </dgm:ptLst>
+      <dgm:cxnLst>
+        <dgm:cxn modelId="3" srcId="0" destId="1" srcOrd="0" destOrd="0"/>
+        <dgm:cxn modelId="4" srcId="0" destId="2" srcOrd="1" destOrd="0"/>
+      </dgm:cxnLst>
+      <dgm:bg/>
+      <dgm:whole/>
+    </dgm:dataModel>
+  </dgm:styleData>
+  <dgm:clrData>
+    <dgm:dataModel>
+      <dgm:ptLst>
+        <dgm:pt modelId="0" type="doc"/>
+        <dgm:pt modelId="1"/>
+        <dgm:pt modelId="2"/>
+        <dgm:pt modelId="3"/>
+        <dgm:pt modelId="4"/>
+      </dgm:ptLst>
+      <dgm:cxnLst>
+        <dgm:cxn modelId="6" srcId="0" destId="1" srcOrd="0" destOrd="0"/>
+        <dgm:cxn modelId="7" srcId="0" destId="2" srcOrd="1" destOrd="0"/>
+        <dgm:cxn modelId="8" srcId="0" destId="3" srcOrd="2" destOrd="0"/>
+        <dgm:cxn modelId="9" srcId="0" destId="4" srcOrd="3" destOrd="0"/>
+      </dgm:cxnLst>
+      <dgm:bg/>
+      <dgm:whole/>
+    </dgm:dataModel>
+  </dgm:clrData>
+  <dgm:layoutNode name="outerComposite">
+    <dgm:varLst>
+      <dgm:chMax val="5"/>
+      <dgm:dir/>
+      <dgm:resizeHandles val="exact"/>
+    </dgm:varLst>
+    <dgm:alg type="composite"/>
+    <dgm:shape xmlns:r="http://schemas.openxmlformats.org/officeDocument/2006/relationships" r:blip="">
+      <dgm:adjLst/>
+    </dgm:shape>
+    <dgm:presOf/>
+    <dgm:choose name="Name0">
+      <dgm:if name="Name1" func="var" arg="dir" op="equ" val="norm">
+        <dgm:constrLst>
+          <dgm:constr type="primFontSz" for="ch" ptType="node" op="equ" val="65"/>
+          <dgm:constr type="w" for="ch" forName="dummyMaxCanvas" refType="w"/>
+          <dgm:constr type="h" for="ch" forName="dummyMaxCanvas" refType="h"/>
+          <dgm:constr type="w" for="ch" forName="OneNode_1" refType="w"/>
+          <dgm:constr type="h" for="ch" forName="OneNode_1" refType="h" fact="0.5"/>
+          <dgm:constr type="ctrY" for="ch" forName="OneNode_1" refType="h" fact="0.5"/>
+          <dgm:constr type="w" for="ch" forName="TwoNodes_1" refType="w" fact="0.85"/>
+          <dgm:constr type="h" for="ch" forName="TwoNodes_1" refType="h" fact="0.45"/>
+          <dgm:constr type="t" for="ch" forName="TwoNodes_1"/>
+          <dgm:constr type="l" for="ch" forName="TwoNodes_1"/>
+          <dgm:constr type="w" for="ch" forName="TwoNodes_2" refType="w" fact="0.85"/>
+          <dgm:constr type="h" for="ch" forName="TwoNodes_2" refType="h" fact="0.45"/>
+          <dgm:constr type="b" for="ch" forName="TwoNodes_2" refType="h"/>
+          <dgm:constr type="r" for="ch" forName="TwoNodes_2" refType="w"/>
+          <dgm:constr type="w" for="ch" forName="TwoConn_1-2" refType="h" refFor="ch" refForName="TwoNodes_1" fact="0.65"/>
+          <dgm:constr type="h" for="ch" forName="TwoConn_1-2" refType="h" refFor="ch" refForName="TwoNodes_1" fact="0.65"/>
+          <dgm:constr type="ctrY" for="ch" forName="TwoConn_1-2" refType="h" fact="0.5"/>
+          <dgm:constr type="r" for="ch" forName="TwoConn_1-2" refType="r" refFor="ch" refForName="TwoNodes_1"/>
+          <dgm:constr type="r" for="ch" forName="TwoNodes_1_text" refType="l" refFor="ch" refForName="TwoConn_1-2"/>
+          <dgm:constr type="rOff" for="ch" forName="TwoNodes_1_text" refType="w" refFor="ch" refForName="TwoConn_1-2" fact="-0.5"/>
+          <dgm:constr type="t" for="ch" forName="TwoNodes_1_text" refType="t" refFor="ch" refForName="TwoNodes_1"/>
+          <dgm:constr type="b" for="ch" forName="TwoNodes_1_text" refType="b" refFor="ch" refForName="TwoNodes_1"/>
+          <dgm:constr type="l" for="ch" forName="TwoNodes_1_text" refType="l" refFor="ch" refForName="TwoNodes_1"/>
+          <dgm:constr type="r" for="ch" forName="TwoNodes_2_text" refType="l" refFor="ch" refForName="TwoConn_1-2"/>
+          <dgm:constr type="t" for="ch" forName="TwoNodes_2_text" refType="t" refFor="ch" refForName="TwoNodes_2"/>
+          <dgm:constr type="b" for="ch" forName="TwoNodes_2_text" refType="b" refFor="ch" refForName="TwoNodes_2"/>
+          <dgm:constr type="l" for="ch" forName="TwoNodes_2_text" refType="l" refFor="ch" refForName="TwoNodes_2"/>
+          <dgm:constr type="w" for="ch" forName="ThreeNodes_1" refType="w" fact="0.85"/>
+          <dgm:constr type="h" for="ch" forName="ThreeNodes_1" refType="h" fact="0.3"/>
+          <dgm:constr type="t" for="ch" forName="ThreeNodes_1"/>
+          <dgm:constr type="l" for="ch" forName="ThreeNodes_1"/>
+          <dgm:constr type="w" for="ch" forName="ThreeNodes_2" refType="w" fact="0.85"/>
+          <dgm:constr type="h" for="ch" forName="ThreeNodes_2" refType="h" fact="0.3"/>
+          <dgm:constr type="ctrY" for="ch" forName="ThreeNodes_2" refType="h" fact="0.5"/>
+          <dgm:constr type="ctrX" for="ch" forName="ThreeNodes_2" refType="w" fact="0.5"/>
+          <dgm:constr type="w" for="ch" forName="ThreeNodes_3" refType="w" fact="0.85"/>
+          <dgm:constr type="h" for="ch" forName="ThreeNodes_3" refType="h" fact="0.3"/>
+          <dgm:constr type="b" for="ch" forName="ThreeNodes_3" refType="h"/>
+          <dgm:constr type="r" for="ch" forName="ThreeNodes_3" refType="w"/>
+          <dgm:constr type="w" for="ch" forName="ThreeConn_1-2" refType="h" refFor="ch" refForName="ThreeNodes_1" fact="0.65"/>
+          <dgm:constr type="h" for="ch" forName="ThreeConn_1-2" refType="h" refFor="ch" refForName="ThreeNodes_1" fact="0.65"/>
+          <dgm:constr type="ctrY" for="ch" forName="ThreeConn_1-2" refType="h" fact="0.325"/>
+          <dgm:constr type="r" for="ch" forName="ThreeConn_1-2" refType="r" refFor="ch" refForName="ThreeNodes_1"/>
+          <dgm:constr type="w" for="ch" forName="ThreeConn_2-3" refType="h" refFor="ch" refForName="ThreeNodes_2" fact="0.65"/>
+          <dgm:constr type="h" for="ch" forName="ThreeConn_2-3" refType="h" refFor="ch" refForName="ThreeNodes_2" fact="0.65"/>
+          <dgm:constr type="ctrY" for="ch" forName="ThreeConn_2-3" refType="h" fact="0.673"/>
+          <dgm:constr type="r" for="ch" forName="ThreeConn_2-3" refType="r" refFor="ch" refForName="ThreeNodes_2"/>
+          <dgm:constr type="r" for="ch" forName="ThreeNodes_1_text" refType="l" refFor="ch" refForName="ThreeConn_1-2"/>
+          <dgm:constr type="rOff" for="ch" forName="ThreeNodes_1_text" refType="w" refFor="ch" refForName="ThreeConn_1-2" fact="-0.57"/>
+          <dgm:constr type="t" for="ch" forName="ThreeNodes_1_text" refType="t" refFor="ch" refForName="ThreeNodes_1"/>
+          <dgm:constr type="b" for="ch" forName="ThreeNodes_1_text" refType="b" refFor="ch" refForName="ThreeNodes_1"/>
+          <dgm:constr type="l" for="ch" forName="ThreeNodes_1_text" refType="l" refFor="ch" refForName="ThreeNodes_1"/>
+          <dgm:constr type="r" for="ch" forName="ThreeNodes_2_text" refType="l" refFor="ch" refForName="ThreeConn_1-2"/>
+          <dgm:constr type="t" for="ch" forName="ThreeNodes_2_text" refType="t" refFor="ch" refForName="ThreeNodes_2"/>
+          <dgm:constr type="b" for="ch" forName="ThreeNodes_2_text" refType="b" refFor="ch" refForName="ThreeNodes_2"/>
+          <dgm:constr type="l" for="ch" forName="ThreeNodes_2_text" refType="l" refFor="ch" refForName="ThreeNodes_2"/>
+          <dgm:constr type="r" for="ch" forName="ThreeNodes_3_text" refType="l" refFor="ch" refForName="ThreeConn_2-3"/>
+          <dgm:constr type="t" for="ch" forName="ThreeNodes_3_text" refType="t" refFor="ch" refForName="ThreeNodes_3"/>
+          <dgm:constr type="b" for="ch" forName="ThreeNodes_3_text" refType="b" refFor="ch" refForName="ThreeNodes_3"/>
+          <dgm:constr type="l" for="ch" forName="ThreeNodes_3_text" refType="l" refFor="ch" refForName="ThreeNodes_3"/>
+          <dgm:constr type="w" for="ch" forName="FourNodes_1" refType="w" fact="0.8"/>
+          <dgm:constr type="h" for="ch" forName="FourNodes_1" refType="h" fact="0.22"/>
+          <dgm:constr type="t" for="ch" forName="FourNodes_1"/>
+          <dgm:constr type="l" for="ch" forName="FourNodes_1"/>
+          <dgm:constr type="w" for="ch" forName="FourNodes_2" refType="w" fact="0.8"/>
+          <dgm:constr type="h" for="ch" forName="FourNodes_2" refType="h" fact="0.22"/>
+          <dgm:constr type="ctrY" for="ch" forName="FourNodes_2" refType="h" fact="0.37"/>
+          <dgm:constr type="ctrX" for="ch" forName="FourNodes_2" refType="w" fact="0.467"/>
+          <dgm:constr type="w" for="ch" forName="FourNodes_3" refType="w" fact="0.8"/>
+          <dgm:constr type="h" for="ch" forName="FourNodes_3" refType="h" fact="0.22"/>
+          <dgm:constr type="ctrY" for="ch" forName="FourNodes_3" refType="h" fact="0.63"/>
+          <dgm:constr type="ctrX" for="ch" forName="FourNodes_3" refType="w" fact="0.533"/>
+          <dgm:constr type="w" for="ch" forName="FourNodes_4" refType="w" fact="0.8"/>
+          <dgm:constr type="h" for="ch" forName="FourNodes_4" refType="h" fact="0.22"/>
+          <dgm:constr type="b" for="ch" forName="FourNodes_4" refType="h"/>
+          <dgm:constr type="r" for="ch" forName="FourNodes_4" refType="w"/>
+          <dgm:constr type="w" for="ch" forName="FourConn_1-2" refType="h" refFor="ch" refForName="FourNodes_1" fact="0.65"/>
+          <dgm:constr type="h" for="ch" forName="FourConn_1-2" refType="h" refFor="ch" refForName="FourNodes_1" fact="0.65"/>
+          <dgm:constr type="ctrY" for="ch" forName="FourConn_1-2" refType="h" fact="0.24"/>
+          <dgm:constr type="r" for="ch" forName="FourConn_1-2" refType="r" refFor="ch" refForName="FourNodes_1"/>
+          <dgm:constr type="w" for="ch" forName="FourConn_2-3" refType="h" refFor="ch" refForName="FourNodes_2" fact="0.65"/>
+          <dgm:constr type="h" for="ch" forName="FourConn_2-3" refType="h" refFor="ch" refForName="FourNodes_2" fact="0.65"/>
+          <dgm:constr type="ctrY" for="ch" forName="FourConn_2-3" refType="h" fact="0.5"/>
+          <dgm:constr type="r" for="ch" forName="FourConn_2-3" refType="r" refFor="ch" refForName="FourNodes_2"/>
+          <dgm:constr type="w" for="ch" forName="FourConn_3-4" refType="h" refFor="ch" refForName="FourNodes_3" fact="0.65"/>
+          <dgm:constr type="h" for="ch" forName="FourConn_3-4" refType="h" refFor="ch" refForName="FourNodes_3" fact="0.65"/>
+          <dgm:constr type="ctrY" for="ch" forName="FourConn_3-4" refType="h" fact="0.76"/>
+          <dgm:constr type="r" for="ch" forName="FourConn_3-4" refType="r" refFor="ch" refForName="FourNodes_3"/>
+          <dgm:constr type="r" for="ch" forName="FourNodes_1_text" refType="l" refFor="ch" refForName="FourConn_1-2"/>
+          <dgm:constr type="rOff" for="ch" forName="FourNodes_1_text" refType="w" refFor="ch" refForName="FourConn_1-2" fact="-0.7"/>
+          <dgm:constr type="t" for="ch" forName="FourNodes_1_text" refType="t" refFor="ch" refForName="FourNodes_1"/>
+          <dgm:constr type="b" for="ch" forName="FourNodes_1_text" refType="b" refFor="ch" refForName="FourNodes_1"/>
+          <dgm:constr type="l" for="ch" forName="FourNodes_1_text" refType="l" refFor="ch" refForName="FourNodes_1"/>
+          <dgm:constr type="r" for="ch" forName="FourNodes_2_text" refType="l" refFor="ch" refForName="FourConn_1-2"/>
+          <dgm:constr type="t" for="ch" forName="FourNodes_2_text" refType="t" refFor="ch" refForName="FourNodes_2"/>
+          <dgm:constr type="b" for="ch" forName="FourNodes_2_text" refType="b" refFor="ch" refForName="FourNodes_2"/>
+          <dgm:constr type="l" for="ch" forName="FourNodes_2_text" refType="l" refFor="ch" refForName="FourNodes_2"/>
+          <dgm:constr type="r" for="ch" forName="FourNodes_3_text" refType="l" refFor="ch" refForName="FourConn_2-3"/>
+          <dgm:constr type="t" for="ch" forName="FourNodes_3_text" refType="t" refFor="ch" refForName="FourNodes_3"/>
+          <dgm:constr type="b" for="ch" forName="FourNodes_3_text" refType="b" refFor="ch" refForName="FourNodes_3"/>
+          <dgm:constr type="l" for="ch" forName="FourNodes_3_text" refType="l" refFor="ch" refForName="FourNodes_3"/>
+          <dgm:constr type="r" for="ch" forName="FourNodes_4_text" refType="l" refFor="ch" refForName="FourConn_3-4"/>
+          <dgm:constr type="t" for="ch" forName="FourNodes_4_text" refType="t" refFor="ch" refForName="FourNodes_4"/>
+          <dgm:constr type="b" for="ch" forName="FourNodes_4_text" refType="b" refFor="ch" refForName="FourNodes_4"/>
+          <dgm:constr type="l" for="ch" forName="FourNodes_4_text" refType="l" refFor="ch" refForName="FourNodes_4"/>
+          <dgm:constr type="w" for="ch" forName="FiveNodes_1" refType="w" fact="0.77"/>
+          <dgm:constr type="h" for="ch" forName="FiveNodes_1" refType="h" fact="0.18"/>
+          <dgm:constr type="t" for="ch" forName="FiveNodes_1"/>
+          <dgm:constr type="l" for="ch" forName="FiveNodes_1"/>
+          <dgm:constr type="w" for="ch" forName="FiveNodes_2" refType="w" fact="0.77"/>
+          <dgm:constr type="h" for="ch" forName="FiveNodes_2" refType="h" fact="0.18"/>
+          <dgm:constr type="ctrY" for="ch" forName="FiveNodes_2" refType="h" fact="0.295"/>
+          <dgm:constr type="ctrX" for="ch" forName="FiveNodes_2" refType="w" fact="0.4425"/>
+          <dgm:constr type="w" for="ch" forName="FiveNodes_3" refType="w" fact="0.77"/>
+          <dgm:constr type="h" for="ch" forName="FiveNodes_3" refType="h" fact="0.18"/>
+          <dgm:constr type="ctrY" for="ch" forName="FiveNodes_3" refType="h" fact="0.5"/>
+          <dgm:constr type="ctrX" for="ch" forName="FiveNodes_3" refType="w" fact="0.5"/>
+          <dgm:constr type="w" for="ch" forName="FiveNodes_4" refType="w" fact="0.77"/>
+          <dgm:constr type="h" for="ch" forName="FiveNodes_4" refType="h" fact="0.18"/>
+          <dgm:constr type="ctrY" for="ch" forName="FiveNodes_4" refType="h" fact="0.705"/>
+          <dgm:constr type="ctrX" for="ch" forName="FiveNodes_4" refType="w" fact="0.5575"/>
+          <dgm:constr type="w" for="ch" forName="FiveNodes_5" refType="w" fact="0.77"/>
+          <dgm:constr type="h" for="ch" forName="FiveNodes_5" refType="h" fact="0.18"/>
+          <dgm:constr type="b" for="ch" forName="FiveNodes_5" refType="h"/>
+          <dgm:constr type="r" for="ch" forName="FiveNodes_5" refType="w"/>
+          <dgm:constr type="w" for="ch" forName="FiveConn_1-2" refType="h" refFor="ch" refForName="FiveNodes_1" fact="0.65"/>
+          <dgm:constr type="h" for="ch" forName="FiveConn_1-2" refType="h" refFor="ch" refForName="FiveNodes_1" fact="0.65"/>
+          <dgm:constr type="ctrY" for="ch" forName="FiveConn_1-2" refType="h" fact="0.19"/>
+          <dgm:constr type="r" for="ch" forName="FiveConn_1-2" refType="r" refFor="ch" refForName="FiveNodes_1"/>
+          <dgm:constr type="w" for="ch" forName="FiveConn_2-3" refType="h" refFor="ch" refForName="FiveNodes_2" fact="0.65"/>
+          <dgm:constr type="h" for="ch" forName="FiveConn_2-3" refType="h" refFor="ch" refForName="FiveNodes_2" fact="0.65"/>
+          <dgm:constr type="ctrY" for="ch" forName="FiveConn_2-3" refType="h" fact="0.395"/>
+          <dgm:constr type="r" for="ch" forName="FiveConn_2-3" refType="r" refFor="ch" refForName="FiveNodes_2"/>
+          <dgm:constr type="w" for="ch" forName="FiveConn_3-4" refType="h" refFor="ch" refForName="FiveNodes_3" fact="0.65"/>
+          <dgm:constr type="h" for="ch" forName="FiveConn_3-4" refType="h" refFor="ch" refForName="FiveNodes_3" fact="0.65"/>
+          <dgm:constr type="ctrY" for="ch" forName="FiveConn_3-4" refType="h" fact="0.597"/>
+          <dgm:constr type="r" for="ch" forName="FiveConn_3-4" refType="r" refFor="ch" refForName="FiveNodes_3"/>
+          <dgm:constr type="w" for="ch" forName="FiveConn_4-5" refType="h" refFor="ch" refForName="FiveNodes_4" fact="0.65"/>
+          <dgm:constr type="h" for="ch" forName="FiveConn_4-5" refType="h" refFor="ch" refForName="FiveNodes_4" fact="0.65"/>
+          <dgm:constr type="ctrY" for="ch" forName="FiveConn_4-5" refType="h" fact="0.804"/>
+          <dgm:constr type="r" for="ch" forName="FiveConn_4-5" refType="r" refFor="ch" refForName="FiveNodes_4"/>
+          <dgm:constr type="r" for="ch" forName="FiveNodes_1_text" refType="l" refFor="ch" refForName="FiveConn_1-2"/>
+          <dgm:constr type="rOff" for="ch" forName="FiveNodes_1_text" refType="w" refFor="ch" refForName="FiveConn_1-2" fact="-0.75"/>
+          <dgm:constr type="t" for="ch" forName="FiveNodes_1_text" refType="t" refFor="ch" refForName="FiveNodes_1"/>
+          <dgm:constr type="b" for="ch" forName="FiveNodes_1_text" refType="b" refFor="ch" refForName="FiveNodes_1"/>
+          <dgm:constr type="l" for="ch" forName="FiveNodes_1_text" refType="l" refFor="ch" refForName="FiveNodes_1"/>
+          <dgm:constr type="r" for="ch" forName="FiveNodes_2_text" refType="l" refFor="ch" refForName="FiveConn_1-2"/>
+          <dgm:constr type="t" for="ch" forName="FiveNodes_2_text" refType="t" refFor="ch" refForName="FiveNodes_2"/>
+          <dgm:constr type="b" for="ch" forName="FiveNodes_2_text" refType="b" refFor="ch" refForName="FiveNodes_2"/>
+          <dgm:constr type="l" for="ch" forName="FiveNodes_2_text" refType="l" refFor="ch" refForName="FiveNodes_2"/>
+          <dgm:constr type="r" for="ch" forName="FiveNodes_3_text" refType="l" refFor="ch" refForName="FiveConn_2-3"/>
+          <dgm:constr type="t" for="ch" forName="FiveNodes_3_text" refType="t" refFor="ch" refForName="FiveNodes_3"/>
+          <dgm:constr type="b" for="ch" forName="FiveNodes_3_text" refType="b" refFor="ch" refForName="FiveNodes_3"/>
+          <dgm:constr type="l" for="ch" forName="FiveNodes_3_text" refType="l" refFor="ch" refForName="FiveNodes_3"/>
+          <dgm:constr type="r" for="ch" forName="FiveNodes_4_text" refType="l" refFor="ch" refForName="FiveConn_3-4"/>
+          <dgm:constr type="t" for="ch" forName="FiveNodes_4_text" refType="t" refFor="ch" refForName="FiveNodes_4"/>
+          <dgm:constr type="b" for="ch" forName="FiveNodes_4_text" refType="b" refFor="ch" refForName="FiveNodes_4"/>
+          <dgm:constr type="l" for="ch" forName="FiveNodes_4_text" refType="l" refFor="ch" refForName="FiveNodes_4"/>
+          <dgm:constr type="r" for="ch" forName="FiveNodes_5_text" refType="l" refFor="ch" refForName="FiveConn_4-5"/>
+          <dgm:constr type="t" for="ch" forName="FiveNodes_5_text" refType="t" refFor="ch" refForName="FiveNodes_5"/>
+          <dgm:constr type="b" for="ch" forName="FiveNodes_5_text" refType="b" refFor="ch" refForName="FiveNodes_5"/>
+          <dgm:constr type="l" for="ch" forName="FiveNodes_5_text" refType="l" refFor="ch" refForName="FiveNodes_5"/>
+        </dgm:constrLst>
+      </dgm:if>
+      <dgm:else name="Name2">
+        <dgm:constrLst>
+          <dgm:constr type="primFontSz" for="ch" ptType="node" op="equ" val="65"/>
+          <dgm:constr type="w" for="ch" forName="dummyMaxCanvas" refType="w"/>
+          <dgm:constr type="h" for="ch" forName="dummyMaxCanvas" refType="h"/>
+          <dgm:constr type="w" for="ch" forName="OneNode_1" refType="w"/>
+          <dgm:constr type="h" for="ch" forName="OneNode_1" refType="h" fact="0.5"/>
+          <dgm:constr type="ctrY" for="ch" forName="OneNode_1" refType="h" fact="0.5"/>
+          <dgm:constr type="w" for="ch" forName="TwoNodes_1" refType="w" fact="0.85"/>
+          <dgm:constr type="h" for="ch" forName="TwoNodes_1" refType="h" fact="0.45"/>
+          <dgm:constr type="t" for="ch" forName="TwoNodes_1"/>
+          <dgm:constr type="r" for="ch" forName="TwoNodes_1" refType="w"/>
+          <dgm:constr type="w" for="ch" forName="TwoNodes_2" refType="w" fact="0.85"/>
+          <dgm:constr type="h" for="ch" forName="TwoNodes_2" refType="h" fact="0.45"/>
+          <dgm:constr type="b" for="ch" forName="TwoNodes_2" refType="h"/>
+          <dgm:constr type="l" for="ch" forName="TwoNodes_2"/>
+          <dgm:constr type="w" for="ch" forName="TwoConn_1-2" refType="h" refFor="ch" refForName="TwoNodes_1" fact="0.65"/>
+          <dgm:constr type="h" for="ch" forName="TwoConn_1-2" refType="h" refFor="ch" refForName="TwoNodes_1" fact="0.65"/>
+          <dgm:constr type="ctrY" for="ch" forName="TwoConn_1-2" refType="h" fact="0.5"/>
+          <dgm:constr type="l" for="ch" forName="TwoConn_1-2" refType="l" refFor="ch" refForName="TwoNodes_1"/>
+          <dgm:constr type="l" for="ch" forName="TwoNodes_1_text" refType="r" refFor="ch" refForName="TwoConn_1-2"/>
+          <dgm:constr type="lOff" for="ch" forName="TwoNodes_1_text" refType="w" refFor="ch" refForName="TwoConn_1-2" fact="0.5"/>
+          <dgm:constr type="t" for="ch" forName="TwoNodes_1_text" refType="t" refFor="ch" refForName="TwoNodes_1"/>
+          <dgm:constr type="b" for="ch" forName="TwoNodes_1_text" refType="b" refFor="ch" refForName="TwoNodes_1"/>
+          <dgm:constr type="r" for="ch" forName="TwoNodes_1_text" refType="r" refFor="ch" refForName="TwoNodes_1"/>
+          <dgm:constr type="l" for="ch" forName="TwoNodes_2_text" refType="r" refFor="ch" refForName="TwoConn_1-2"/>
+          <dgm:constr type="t" for="ch" forName="TwoNodes_2_text" refType="t" refFor="ch" refForName="TwoNodes_2"/>
+          <dgm:constr type="b" for="ch" forName="TwoNodes_2_text" refType="b" refFor="ch" refForName="TwoNodes_2"/>
+          <dgm:constr type="r" for="ch" forName="TwoNodes_2_text" refType="r" refFor="ch" refForName="TwoNodes_2"/>
+          <dgm:constr type="w" for="ch" forName="ThreeNodes_1" refType="w" fact="0.85"/>
+          <dgm:constr type="h" for="ch" forName="ThreeNodes_1" refType="h" fact="0.3"/>
+          <dgm:constr type="t" for="ch" forName="ThreeNodes_1"/>
+          <dgm:constr type="r" for="ch" forName="ThreeNodes_1" refType="w"/>
+          <dgm:constr type="w" for="ch" forName="ThreeNodes_2" refType="w" fact="0.85"/>
+          <dgm:constr type="h" for="ch" forName="ThreeNodes_2" refType="h" fact="0.3"/>
+          <dgm:constr type="ctrY" for="ch" forName="ThreeNodes_2" refType="h" fact="0.5"/>
+          <dgm:constr type="ctrX" for="ch" forName="ThreeNodes_2" refType="w" fact="0.5"/>
+          <dgm:constr type="w" for="ch" forName="ThreeNodes_3" refType="w" fact="0.85"/>
+          <dgm:constr type="h" for="ch" forName="ThreeNodes_3" refType="h" fact="0.3"/>
+          <dgm:constr type="b" for="ch" forName="ThreeNodes_3" refType="h"/>
+          <dgm:constr type="l" for="ch" forName="ThreeNodes_3"/>
+          <dgm:constr type="w" for="ch" forName="ThreeConn_1-2" refType="h" refFor="ch" refForName="ThreeNodes_1" fact="0.65"/>
+          <dgm:constr type="h" for="ch" forName="ThreeConn_1-2" refType="h" refFor="ch" refForName="ThreeNodes_1" fact="0.65"/>
+          <dgm:constr type="ctrY" for="ch" forName="ThreeConn_1-2" refType="h" fact="0.325"/>
+          <dgm:constr type="l" for="ch" forName="ThreeConn_1-2" refType="l" refFor="ch" refForName="ThreeNodes_1"/>
+          <dgm:constr type="w" for="ch" forName="ThreeConn_2-3" refType="h" refFor="ch" refForName="ThreeNodes_2" fact="0.65"/>
+          <dgm:constr type="h" for="ch" forName="ThreeConn_2-3" refType="h" refFor="ch" refForName="ThreeNodes_2" fact="0.65"/>
+          <dgm:constr type="ctrY" for="ch" forName="ThreeConn_2-3" refType="h" fact="0.673"/>
+          <dgm:constr type="l" for="ch" forName="ThreeConn_2-3" refType="l" refFor="ch" refForName="ThreeNodes_2"/>
+          <dgm:constr type="l" for="ch" forName="ThreeNodes_1_text" refType="r" refFor="ch" refForName="ThreeConn_1-2"/>
+          <dgm:constr type="lOff" for="ch" forName="ThreeNodes_1_text" refType="w" refFor="ch" refForName="ThreeConn_1-2" fact="0.55"/>
+          <dgm:constr type="t" for="ch" forName="ThreeNodes_1_text" refType="t" refFor="ch" refForName="ThreeNodes_1"/>
+          <dgm:constr type="b" for="ch" forName="ThreeNodes_1_text" refType="b" refFor="ch" refForName="ThreeNodes_1"/>
+          <dgm:constr type="r" for="ch" forName="ThreeNodes_1_text" refType="r" refFor="ch" refForName="ThreeNodes_1"/>
+          <dgm:constr type="l" for="ch" forName="ThreeNodes_2_text" refType="r" refFor="ch" refForName="ThreeConn_1-2"/>
+          <dgm:constr type="t" for="ch" forName="ThreeNodes_2_text" refType="t" refFor="ch" refForName="ThreeNodes_2"/>
+          <dgm:constr type="b" for="ch" forName="ThreeNodes_2_text" refType="b" refFor="ch" refForName="ThreeNodes_2"/>
+          <dgm:constr type="r" for="ch" forName="ThreeNodes_2_text" refType="r" refFor="ch" refForName="ThreeNodes_2"/>
+          <dgm:constr type="l" for="ch" forName="ThreeNodes_3_text" refType="r" refFor="ch" refForName="ThreeConn_2-3"/>
+          <dgm:constr type="t" for="ch" forName="ThreeNodes_3_text" refType="t" refFor="ch" refForName="ThreeNodes_3"/>
+          <dgm:constr type="b" for="ch" forName="ThreeNodes_3_text" refType="b" refFor="ch" refForName="ThreeNodes_3"/>
+          <dgm:constr type="r" for="ch" forName="ThreeNodes_3_text" refType="r" refFor="ch" refForName="ThreeNodes_3"/>
+          <dgm:constr type="w" for="ch" forName="FourNodes_1" refType="w" fact="0.8"/>
+          <dgm:constr type="h" for="ch" forName="FourNodes_1" refType="h" fact="0.22"/>
+          <dgm:constr type="t" for="ch" forName="FourNodes_1"/>
+          <dgm:constr type="r" for="ch" forName="FourNodes_1" refType="w"/>
+          <dgm:constr type="w" for="ch" forName="FourNodes_2" refType="w" fact="0.8"/>
+          <dgm:constr type="h" for="ch" forName="FourNodes_2" refType="h" fact="0.22"/>
+          <dgm:constr type="ctrY" for="ch" forName="FourNodes_2" refType="h" fact="0.37"/>
+          <dgm:constr type="ctrX" for="ch" forName="FourNodes_2" refType="w" fact="0.533"/>
+          <dgm:constr type="w" for="ch" forName="FourNodes_3" refType="w" fact="0.8"/>
+          <dgm:constr type="h" for="ch" forName="FourNodes_3" refType="h" fact="0.22"/>
+          <dgm:constr type="ctrY" for="ch" forName="FourNodes_3" refType="h" fact="0.63"/>
+          <dgm:constr type="ctrX" for="ch" forName="FourNodes_3" refType="w" fact="0.467"/>
+          <dgm:constr type="w" for="ch" forName="FourNodes_4" refType="w" fact="0.8"/>
+          <dgm:constr type="h" for="ch" forName="FourNodes_4" refType="h" fact="0.22"/>
+          <dgm:constr type="b" for="ch" forName="FourNodes_4" refType="h"/>
+          <dgm:constr type="l" for="ch" forName="FourNodes_4"/>
+          <dgm:constr type="w" for="ch" forName="FourConn_1-2" refType="h" refFor="ch" refForName="FourNodes_1" fact="0.65"/>
+          <dgm:constr type="h" for="ch" forName="FourConn_1-2" refType="h" refFor="ch" refForName="FourNodes_1" fact="0.65"/>
+          <dgm:constr type="ctrY" for="ch" forName="FourConn_1-2" refType="h" fact="0.24"/>
+          <dgm:constr type="l" for="ch" forName="FourConn_1-2" refType="l" refFor="ch" refForName="FourNodes_1"/>
+          <dgm:constr type="w" for="ch" forName="FourConn_2-3" refType="h" refFor="ch" refForName="FourNodes_2" fact="0.65"/>
+          <dgm:constr type="h" for="ch" forName="FourConn_2-3" refType="h" refFor="ch" refForName="FourNodes_2" fact="0.65"/>
+          <dgm:constr type="ctrY" for="ch" forName="FourConn_2-3" refType="h" fact="0.5"/>
+          <dgm:constr type="l" for="ch" forName="FourConn_2-3" refType="l" refFor="ch" refForName="FourNodes_2"/>
+          <dgm:constr type="w" for="ch" forName="FourConn_3-4" refType="h" refFor="ch" refForName="FourNodes_3" fact="0.65"/>
+          <dgm:constr type="h" for="ch" forName="FourConn_3-4" refType="h" refFor="ch" refForName="FourNodes_3" fact="0.65"/>
+          <dgm:constr type="ctrY" for="ch" forName="FourConn_3-4" refType="h" fact="0.76"/>
+          <dgm:constr type="l" for="ch" forName="FourConn_3-4" refType="l" refFor="ch" refForName="FourNodes_3"/>
+          <dgm:constr type="l" for="ch" forName="FourNodes_1_text" refType="r" refFor="ch" refForName="FourConn_1-2"/>
+          <dgm:constr type="lOff" for="ch" forName="FourNodes_1_text" refType="w" refFor="ch" refForName="FourConn_1-2" fact="0.69"/>
+          <dgm:constr type="t" for="ch" forName="FourNodes_1_text" refType="t" refFor="ch" refForName="FourNodes_1"/>
+          <dgm:constr type="b" for="ch" forName="FourNodes_1_text" refType="b" refFor="ch" refForName="FourNodes_1"/>
+          <dgm:constr type="r" for="ch" forName="FourNodes_1_text" refType="r" refFor="ch" refForName="FourNodes_1"/>
+          <dgm:constr type="l" for="ch" forName="FourNodes_2_text" refType="r" refFor="ch" refForName="FourConn_1-2"/>
+          <dgm:constr type="t" for="ch" forName="FourNodes_2_text" refType="t" refFor="ch" refForName="FourNodes_2"/>
+          <dgm:constr type="b" for="ch" forName="FourNodes_2_text" refType="b" refFor="ch" refForName="FourNodes_2"/>
+          <dgm:constr type="r" for="ch" forName="FourNodes_2_text" refType="r" refFor="ch" refForName="FourNodes_2"/>
+          <dgm:constr type="l" for="ch" forName="FourNodes_3_text" refType="r" refFor="ch" refForName="FourConn_2-3"/>
+          <dgm:constr type="t" for="ch" forName="FourNodes_3_text" refType="t" refFor="ch" refForName="FourNodes_3"/>
+          <dgm:constr type="b" for="ch" forName="FourNodes_3_text" refType="b" refFor="ch" refForName="FourNodes_3"/>
+          <dgm:constr type="r" for="ch" forName="FourNodes_3_text" refType="r" refFor="ch" refForName="FourNodes_3"/>
+          <dgm:constr type="l" for="ch" forName="FourNodes_4_text" refType="r" refFor="ch" refForName="FourConn_3-4"/>
+          <dgm:constr type="t" for="ch" forName="FourNodes_4_text" refType="t" refFor="ch" refForName="FourNodes_4"/>
+          <dgm:constr type="b" for="ch" forName="FourNodes_4_text" refType="b" refFor="ch" refForName="FourNodes_4"/>
+          <dgm:constr type="r" for="ch" forName="FourNodes_4_text" refType="r" refFor="ch" refForName="FourNodes_4"/>
+          <dgm:constr type="w" for="ch" forName="FiveNodes_1" refType="w" fact="0.77"/>
+          <dgm:constr type="h" for="ch" forName="FiveNodes_1" refType="h" fact="0.18"/>
+          <dgm:constr type="t" for="ch" forName="FiveNodes_1"/>
+          <dgm:constr type="r" for="ch" forName="FiveNodes_1" refType="w"/>
+          <dgm:constr type="w" for="ch" forName="FiveNodes_2" refType="w" fact="0.77"/>
+          <dgm:constr type="h" for="ch" forName="FiveNodes_2" refType="h" fact="0.18"/>
+          <dgm:constr type="ctrY" for="ch" forName="FiveNodes_2" refType="h" fact="0.295"/>
+          <dgm:constr type="ctrX" for="ch" forName="FiveNodes_2" refType="w" fact="0.5575"/>
+          <dgm:constr type="w" for="ch" forName="FiveNodes_3" refType="w" fact="0.77"/>
+          <dgm:constr type="h" for="ch" forName="FiveNodes_3" refType="h" fact="0.18"/>
+          <dgm:constr type="ctrY" for="ch" forName="FiveNodes_3" refType="h" fact="0.5"/>
+          <dgm:constr type="ctrX" for="ch" forName="FiveNodes_3" refType="w" fact="0.5"/>
+          <dgm:constr type="w" for="ch" forName="FiveNodes_4" refType="w" fact="0.77"/>
+          <dgm:constr type="h" for="ch" forName="FiveNodes_4" refType="h" fact="0.18"/>
+          <dgm:constr type="ctrY" for="ch" forName="FiveNodes_4" refType="h" fact="0.705"/>
+          <dgm:constr type="ctrX" for="ch" forName="FiveNodes_4" refType="w" fact="0.4425"/>
+          <dgm:constr type="w" for="ch" forName="FiveNodes_5" refType="w" fact="0.77"/>
+          <dgm:constr type="h" for="ch" forName="FiveNodes_5" refType="h" fact="0.18"/>
+          <dgm:constr type="b" for="ch" forName="FiveNodes_5" refType="h"/>
+          <dgm:constr type="l" for="ch" forName="FiveNodes_5"/>
+          <dgm:constr type="w" for="ch" forName="FiveConn_1-2" refType="h" refFor="ch" refForName="FiveNodes_1" fact="0.65"/>
+          <dgm:constr type="h" for="ch" forName="FiveConn_1-2" refType="h" refFor="ch" refForName="FiveNodes_1" fact="0.65"/>
+          <dgm:constr type="ctrY" for="ch" forName="FiveConn_1-2" refType="h" fact="0.19"/>
+          <dgm:constr type="l" for="ch" forName="FiveConn_1-2" refType="l" refFor="ch" refForName="FiveNodes_1"/>
+          <dgm:constr type="w" for="ch" forName="FiveConn_2-3" refType="h" refFor="ch" refForName="FiveNodes_2" fact="0.65"/>
+          <dgm:constr type="h" for="ch" forName="FiveConn_2-3" refType="h" refFor="ch" refForName="FiveNodes_2" fact="0.65"/>
+          <dgm:constr type="ctrY" for="ch" forName="FiveConn_2-3" refType="h" fact="0.395"/>
+          <dgm:constr type="l" for="ch" forName="FiveConn_2-3" refType="l" refFor="ch" refForName="FiveNodes_2"/>
+          <dgm:constr type="w" for="ch" forName="FiveConn_3-4" refType="h" refFor="ch" refForName="FiveNodes_3" fact="0.65"/>
+          <dgm:constr type="h" for="ch" forName="FiveConn_3-4" refType="h" refFor="ch" refForName="FiveNodes_3" fact="0.65"/>
+          <dgm:constr type="ctrY" for="ch" forName="FiveConn_3-4" refType="h" fact="0.597"/>
+          <dgm:constr type="l" for="ch" forName="FiveConn_3-4" refType="l" refFor="ch" refForName="FiveNodes_3"/>
+          <dgm:constr type="w" for="ch" forName="FiveConn_4-5" refType="h" refFor="ch" refForName="FiveNodes_4" fact="0.65"/>
+          <dgm:constr type="h" for="ch" forName="FiveConn_4-5" refType="h" refFor="ch" refForName="FiveNodes_4" fact="0.65"/>
+          <dgm:constr type="ctrY" for="ch" forName="FiveConn_4-5" refType="h" fact="0.804"/>
+          <dgm:constr type="l" for="ch" forName="FiveConn_4-5" refType="l" refFor="ch" refForName="FiveNodes_4"/>
+          <dgm:constr type="l" for="ch" forName="FiveNodes_1_text" refType="r" refFor="ch" refForName="FiveConn_1-2"/>
+          <dgm:constr type="lOff" for="ch" forName="FiveNodes_1_text" refType="w" refFor="ch" refForName="FiveConn_1-2" fact="0.73"/>
+          <dgm:constr type="t" for="ch" forName="FiveNodes_1_text" refType="t" refFor="ch" refForName="FiveNodes_1"/>
+          <dgm:constr type="b" for="ch" forName="FiveNodes_1_text" refType="b" refFor="ch" refForName="FiveNodes_1"/>
+          <dgm:constr type="r" for="ch" forName="FiveNodes_1_text" refType="r" refFor="ch" refForName="FiveNodes_1"/>
+          <dgm:constr type="l" for="ch" forName="FiveNodes_2_text" refType="r" refFor="ch" refForName="FiveConn_1-2"/>
+          <dgm:constr type="t" for="ch" forName="FiveNodes_2_text" refType="t" refFor="ch" refForName="FiveNodes_2"/>
+          <dgm:constr type="b" for="ch" forName="FiveNodes_2_text" refType="b" refFor="ch" refForName="FiveNodes_2"/>
+          <dgm:constr type="r" for="ch" forName="FiveNodes_2_text" refType="r" refFor="ch" refForName="FiveNodes_2"/>
+          <dgm:constr type="l" for="ch" forName="FiveNodes_3_text" refType="r" refFor="ch" refForName="FiveConn_2-3"/>
+          <dgm:constr type="t" for="ch" forName="FiveNodes_3_text" refType="t" refFor="ch" refForName="FiveNodes_3"/>
+          <dgm:constr type="b" for="ch" forName="FiveNodes_3_text" refType="b" refFor="ch" refForName="FiveNodes_3"/>
+          <dgm:constr type="r" for="ch" forName="FiveNodes_3_text" refType="r" refFor="ch" refForName="FiveNodes_3"/>
+          <dgm:constr type="l" for="ch" forName="FiveNodes_4_text" refType="r" refFor="ch" refForName="FiveConn_3-4"/>
+          <dgm:constr type="t" for="ch" forName="FiveNodes_4_text" refType="t" refFor="ch" refForName="FiveNodes_4"/>
+          <dgm:constr type="b" for="ch" forName="FiveNodes_4_text" refType="b" refFor="ch" refForName="FiveNodes_4"/>
+          <dgm:constr type="r" for="ch" forName="FiveNodes_4_text" refType="r" refFor="ch" refForName="FiveNodes_4"/>
+          <dgm:constr type="l" for="ch" forName="FiveNodes_5_text" refType="r" refFor="ch" refForName="FiveConn_4-5"/>
+          <dgm:constr type="t" for="ch" forName="FiveNodes_5_text" refType="t" refFor="ch" refForName="FiveNodes_5"/>
+          <dgm:constr type="b" for="ch" forName="FiveNodes_5_text" refType="b" refFor="ch" refForName="FiveNodes_5"/>
+          <dgm:constr type="r" for="ch" forName="FiveNodes_5_text" refType="r" refFor="ch" refForName="FiveNodes_5"/>
+        </dgm:constrLst>
+      </dgm:else>
+    </dgm:choose>
+    <dgm:ruleLst/>
+    <dgm:layoutNode name="dummyMaxCanvas">
+      <dgm:varLst/>
+      <dgm:alg type="sp"/>
+      <dgm:shape xmlns:r="http://schemas.openxmlformats.org/officeDocument/2006/relationships" r:blip="">
+        <dgm:adjLst/>
+      </dgm:shape>
+      <dgm:presOf/>
+      <dgm:constrLst/>
+      <dgm:ruleLst/>
+    </dgm:layoutNode>
+    <dgm:choose name="Name3">
+      <dgm:if name="Name4" axis="ch" ptType="node" func="cnt" op="equ" val="1">
+        <dgm:layoutNode name="OneNode_1">
+          <dgm:varLst>
+            <dgm:bulletEnabled val="1"/>
+          </dgm:varLst>
+          <dgm:alg type="tx"/>
+          <dgm:shape xmlns:r="http://schemas.openxmlformats.org/officeDocument/2006/relationships" type="roundRect" r:blip="">
+            <dgm:adjLst>
+              <dgm:adj idx="1" val="0.1"/>
+            </dgm:adjLst>
+          </dgm:shape>
+          <dgm:presOf axis="ch desOrSelf" ptType="node node" st="1 1" cnt="1 0"/>
+          <dgm:constrLst>
+            <dgm:constr type="lMarg" refType="primFontSz" fact="0.3"/>
+            <dgm:constr type="rMarg" refType="primFontSz" fact="0.3"/>
+            <dgm:constr type="tMarg" refType="primFontSz" fact="0.3"/>
+            <dgm:constr type="bMarg" refType="primFontSz" fact="0.3"/>
+          </dgm:constrLst>
+          <dgm:ruleLst>
+            <dgm:rule type="primFontSz" val="5" fact="NaN" max="NaN"/>
+          </dgm:ruleLst>
+        </dgm:layoutNode>
+      </dgm:if>
+      <dgm:else name="Name5">
+        <dgm:choose name="Name6">
+          <dgm:if name="Name7" axis="ch" ptType="node" func="cnt" op="equ" val="2">
+            <dgm:layoutNode name="TwoNodes_1">
+              <dgm:varLst>
+                <dgm:bulletEnabled val="1"/>
+              </dgm:varLst>
+              <dgm:alg type="sp"/>
+              <dgm:shape xmlns:r="http://schemas.openxmlformats.org/officeDocument/2006/relationships" type="roundRect" r:blip="">
+                <dgm:adjLst>
+                  <dgm:adj idx="1" val="0.1"/>
+                </dgm:adjLst>
+              </dgm:shape>
+              <dgm:presOf axis="ch desOrSelf" ptType="node node" st="1 1" cnt="1 0"/>
+              <dgm:constrLst/>
+              <dgm:ruleLst/>
+            </dgm:layoutNode>
+            <dgm:layoutNode name="TwoNodes_2">
+              <dgm:varLst>
+                <dgm:bulletEnabled val="1"/>
+              </dgm:varLst>
+              <dgm:alg type="sp"/>
+              <dgm:shape xmlns:r="http://schemas.openxmlformats.org/officeDocument/2006/relationships" type="roundRect" r:blip="">
+                <dgm:adjLst>
+                  <dgm:adj idx="1" val="0.1"/>
+                </dgm:adjLst>
+              </dgm:shape>
+              <dgm:presOf axis="ch desOrSelf" ptType="node node" st="2 1" cnt="1 0"/>
+              <dgm:constrLst/>
+              <dgm:ruleLst/>
+            </dgm:layoutNode>
+            <dgm:layoutNode name="TwoConn_1-2" styleLbl="fgAccFollowNode1">
+              <dgm:varLst>
+                <dgm:bulletEnabled val="1"/>
+              </dgm:varLst>
+              <dgm:alg type="tx"/>
+              <dgm:shape xmlns:r="http://schemas.openxmlformats.org/officeDocument/2006/relationships" type="downArrow" r:blip="">
+                <dgm:adjLst>
+                  <dgm:adj idx="1" val="0.55"/>
+                  <dgm:adj idx="2" val="0.45"/>
+                </dgm:adjLst>
+              </dgm:shape>
+              <dgm:presOf axis="ch" ptType="sibTrans" cnt="1"/>
+              <dgm:constrLst>
+                <dgm:constr type="lMarg" refType="primFontSz" fact="0.1"/>
+                <dgm:constr type="rMarg" refType="primFontSz" fact="0.1"/>
+                <dgm:constr type="tMarg" refType="primFontSz" fact="0.1"/>
+                <dgm:constr type="bMarg" refType="primFontSz" fact="0.1"/>
+              </dgm:constrLst>
+              <dgm:ruleLst>
+                <dgm:rule type="primFontSz" val="5" fact="NaN" max="NaN"/>
+              </dgm:ruleLst>
+            </dgm:layoutNode>
+            <dgm:layoutNode name="TwoNodes_1_text">
+              <dgm:varLst>
+                <dgm:bulletEnabled val="1"/>
+              </dgm:varLst>
+              <dgm:alg type="tx">
+                <dgm:param type="parTxLTRAlign" val="l"/>
+                <dgm:param type="txAnchorVertCh" val="mid"/>
+              </dgm:alg>
+              <dgm:shape xmlns:r="http://schemas.openxmlformats.org/officeDocument/2006/relationships" type="roundRect" r:blip="" hideGeom="1">
+                <dgm:adjLst>
+                  <dgm:adj idx="1" val="0.1"/>
+                </dgm:adjLst>
+              </dgm:shape>
+              <dgm:presOf axis="ch desOrSelf" ptType="node node" st="1 1" cnt="1 0"/>
+              <dgm:constrLst>
+                <dgm:constr type="lMarg" refType="primFontSz" fact="0.3"/>
+                <dgm:constr type="rMarg" refType="primFontSz" fact="0.3"/>
+                <dgm:constr type="tMarg" refType="primFontSz" fact="0.3"/>
+                <dgm:constr type="bMarg" refType="primFontSz" fact="0.3"/>
+              </dgm:constrLst>
+              <dgm:ruleLst>
+                <dgm:rule type="primFontSz" val="5" fact="NaN" max="NaN"/>
+              </dgm:ruleLst>
+            </dgm:layoutNode>
+            <dgm:layoutNode name="TwoNodes_2_text">
+              <dgm:varLst>
+                <dgm:bulletEnabled val="1"/>
+              </dgm:varLst>
+              <dgm:alg type="tx">
+                <dgm:param type="parTxLTRAlign" val="l"/>
+                <dgm:param type="txAnchorVertCh" val="mid"/>
+              </dgm:alg>
+              <dgm:shape xmlns:r="http://schemas.openxmlformats.org/officeDocument/2006/relationships" type="roundRect" r:blip="" hideGeom="1">
+                <dgm:adjLst>
+                  <dgm:adj idx="1" val="0.1"/>
+                </dgm:adjLst>
+              </dgm:shape>
+              <dgm:presOf axis="ch desOrSelf" ptType="node node" st="2 1" cnt="1 0"/>
+              <dgm:constrLst>
+                <dgm:constr type="lMarg" refType="primFontSz" fact="0.3"/>
+                <dgm:constr type="rMarg" refType="primFontSz" fact="0.3"/>
+                <dgm:constr type="tMarg" refType="primFontSz" fact="0.3"/>
+                <dgm:constr type="bMarg" refType="primFontSz" fact="0.3"/>
+              </dgm:constrLst>
+              <dgm:ruleLst>
+                <dgm:rule type="primFontSz" val="5" fact="NaN" max="NaN"/>
+              </dgm:ruleLst>
+            </dgm:layoutNode>
+          </dgm:if>
+          <dgm:else name="Name8">
+            <dgm:choose name="Name9">
+              <dgm:if name="Name10" axis="ch" ptType="node" func="cnt" op="equ" val="3">
+                <dgm:layoutNode name="ThreeNodes_1">
+                  <dgm:varLst>
+                    <dgm:bulletEnabled val="1"/>
+                  </dgm:varLst>
+                  <dgm:alg type="sp"/>
+                  <dgm:shape xmlns:r="http://schemas.openxmlformats.org/officeDocument/2006/relationships" type="roundRect" r:blip="">
+                    <dgm:adjLst>
+                      <dgm:adj idx="1" val="0.1"/>
+                    </dgm:adjLst>
+                  </dgm:shape>
+                  <dgm:presOf axis="ch desOrSelf" ptType="node node" st="1 1" cnt="1 0"/>
+                  <dgm:constrLst/>
+                  <dgm:ruleLst/>
+                </dgm:layoutNode>
+                <dgm:layoutNode name="ThreeNodes_2">
+                  <dgm:varLst>
+                    <dgm:bulletEnabled val="1"/>
+                  </dgm:varLst>
+                  <dgm:alg type="sp"/>
+                  <dgm:shape xmlns:r="http://schemas.openxmlformats.org/officeDocument/2006/relationships" type="roundRect" r:blip="">
+                    <dgm:adjLst>
+                      <dgm:adj idx="1" val="0.1"/>
+                    </dgm:adjLst>
+                  </dgm:shape>
+                  <dgm:presOf axis="ch desOrSelf" ptType="node node" st="2 1" cnt="1 0"/>
+                  <dgm:constrLst/>
+                  <dgm:ruleLst/>
+                </dgm:layoutNode>
+                <dgm:layoutNode name="ThreeNodes_3">
+                  <dgm:varLst>
+                    <dgm:bulletEnabled val="1"/>
+                  </dgm:varLst>
+                  <dgm:alg type="sp"/>
+                  <dgm:shape xmlns:r="http://schemas.openxmlformats.org/officeDocument/2006/relationships" type="roundRect" r:blip="">
+                    <dgm:adjLst>
+                      <dgm:adj idx="1" val="0.1"/>
+                    </dgm:adjLst>
+                  </dgm:shape>
+                  <dgm:presOf axis="ch desOrSelf" ptType="node node" st="3 1" cnt="1 0"/>
+                  <dgm:constrLst/>
+                  <dgm:ruleLst/>
+                </dgm:layoutNode>
+                <dgm:layoutNode name="ThreeConn_1-2" styleLbl="fgAccFollowNode1">
+                  <dgm:varLst>
+                    <dgm:bulletEnabled val="1"/>
+                  </dgm:varLst>
+                  <dgm:alg type="tx"/>
+                  <dgm:shape xmlns:r="http://schemas.openxmlformats.org/officeDocument/2006/relationships" type="downArrow" r:blip="">
+                    <dgm:adjLst>
+                      <dgm:adj idx="1" val="0.55"/>
+                      <dgm:adj idx="2" val="0.45"/>
+                    </dgm:adjLst>
+                  </dgm:shape>
+                  <dgm:presOf axis="ch" ptType="sibTrans" cnt="1"/>
+                  <dgm:constrLst>
+                    <dgm:constr type="lMarg" refType="primFontSz" fact="0.1"/>
+                    <dgm:constr type="rMarg" refType="primFontSz" fact="0.1"/>
+                    <dgm:constr type="tMarg" refType="primFontSz" fact="0.1"/>
+                    <dgm:constr type="bMarg" refType="primFontSz" fact="0.1"/>
+                  </dgm:constrLst>
+                  <dgm:ruleLst>
+                    <dgm:rule type="primFontSz" val="5" fact="NaN" max="NaN"/>
+                  </dgm:ruleLst>
+                </dgm:layoutNode>
+                <dgm:layoutNode name="ThreeConn_2-3" styleLbl="fgAccFollowNode1">
+                  <dgm:varLst>
+                    <dgm:bulletEnabled val="1"/>
+                  </dgm:varLst>
+                  <dgm:alg type="tx"/>
+                  <dgm:shape xmlns:r="http://schemas.openxmlformats.org/officeDocument/2006/relationships" type="downArrow" r:blip="">
+                    <dgm:adjLst>
+                      <dgm:adj idx="1" val="0.55"/>
+                      <dgm:adj idx="2" val="0.45"/>
+                    </dgm:adjLst>
+                  </dgm:shape>
+                  <dgm:presOf axis="ch" ptType="sibTrans" st="2" cnt="1"/>
+                  <dgm:constrLst>
+                    <dgm:constr type="lMarg" refType="primFontSz" fact="0.1"/>
+                    <dgm:constr type="rMarg" refType="primFontSz" fact="0.1"/>
+                    <dgm:constr type="tMarg" refType="primFontSz" fact="0.1"/>
+                    <dgm:constr type="bMarg" refType="primFontSz" fact="0.1"/>
+                  </dgm:constrLst>
+                  <dgm:ruleLst>
+                    <dgm:rule type="primFontSz" val="5" fact="NaN" max="NaN"/>
+                  </dgm:ruleLst>
+                </dgm:layoutNode>
+                <dgm:layoutNode name="ThreeNodes_1_text">
+                  <dgm:varLst>
+                    <dgm:bulletEnabled val="1"/>
+                  </dgm:varLst>
+                  <dgm:alg type="tx">
+                    <dgm:param type="parTxLTRAlign" val="l"/>
+                    <dgm:param type="txAnchorVertCh" val="mid"/>
+                  </dgm:alg>
+                  <dgm:shape xmlns:r="http://schemas.openxmlformats.org/officeDocument/2006/relationships" type="roundRect" r:blip="" hideGeom="1">
+                    <dgm:adjLst>
+                      <dgm:adj idx="1" val="0.1"/>
+                    </dgm:adjLst>
+                  </dgm:shape>
+                  <dgm:presOf axis="ch desOrSelf" ptType="node node" st="1 1" cnt="1 0"/>
+                  <dgm:constrLst>
+                    <dgm:constr type="lMarg" refType="primFontSz" fact="0.3"/>
+                    <dgm:constr type="rMarg" refType="primFontSz" fact="0.3"/>
+                    <dgm:constr type="tMarg" refType="primFontSz" fact="0.3"/>
+                    <dgm:constr type="bMarg" refType="primFontSz" fact="0.3"/>
+                  </dgm:constrLst>
+                  <dgm:ruleLst>
+                    <dgm:rule type="primFontSz" val="5" fact="NaN" max="NaN"/>
+                  </dgm:ruleLst>
+                </dgm:layoutNode>
+                <dgm:layoutNode name="ThreeNodes_2_text">
+                  <dgm:varLst>
+                    <dgm:bulletEnabled val="1"/>
+                  </dgm:varLst>
+                  <dgm:alg type="tx">
+                    <dgm:param type="parTxLTRAlign" val="l"/>
+                    <dgm:param type="txAnchorVertCh" val="mid"/>
+                  </dgm:alg>
+                  <dgm:shape xmlns:r="http://schemas.openxmlformats.org/officeDocument/2006/relationships" type="roundRect" r:blip="" hideGeom="1">
+                    <dgm:adjLst>
+                      <dgm:adj idx="1" val="0.1"/>
+                    </dgm:adjLst>
+                  </dgm:shape>
+                  <dgm:presOf axis="ch desOrSelf" ptType="node node" st="2 1" cnt="1 0"/>
+                  <dgm:constrLst>
+                    <dgm:constr type="lMarg" refType="primFontSz" fact="0.3"/>
+                    <dgm:constr type="rMarg" refType="primFontSz" fact="0.3"/>
+                    <dgm:constr type="tMarg" refType="primFontSz" fact="0.3"/>
+                    <dgm:constr type="bMarg" refType="primFontSz" fact="0.3"/>
+                  </dgm:constrLst>
+                  <dgm:ruleLst>
+                    <dgm:rule type="primFontSz" val="5" fact="NaN" max="NaN"/>
+                  </dgm:ruleLst>
+                </dgm:layoutNode>
+                <dgm:layoutNode name="ThreeNodes_3_text">
+                  <dgm:varLst>
+                    <dgm:bulletEnabled val="1"/>
+                  </dgm:varLst>
+                  <dgm:alg type="tx">
+                    <dgm:param type="parTxLTRAlign" val="l"/>
+                    <dgm:param type="txAnchorVertCh" val="mid"/>
+                  </dgm:alg>
+                  <dgm:shape xmlns:r="http://schemas.openxmlformats.org/officeDocument/2006/relationships" type="roundRect" r:blip="" hideGeom="1">
+                    <dgm:adjLst>
+                      <dgm:adj idx="1" val="0.1"/>
+                    </dgm:adjLst>
+                  </dgm:shape>
+                  <dgm:presOf axis="ch desOrSelf" ptType="node node" st="3 1" cnt="1 0"/>
+                  <dgm:constrLst>
+                    <dgm:constr type="lMarg" refType="primFontSz" fact="0.3"/>
+                    <dgm:constr type="rMarg" refType="primFontSz" fact="0.3"/>
+                    <dgm:constr type="tMarg" refType="primFontSz" fact="0.3"/>
+                    <dgm:constr type="bMarg" refType="primFontSz" fact="0.3"/>
+                  </dgm:constrLst>
+                  <dgm:ruleLst>
+                    <dgm:rule type="primFontSz" val="5" fact="NaN" max="NaN"/>
+                  </dgm:ruleLst>
+                </dgm:layoutNode>
+              </dgm:if>
+              <dgm:else name="Name11">
+                <dgm:choose name="Name12">
+                  <dgm:if name="Name13" axis="ch" ptType="node" func="cnt" op="equ" val="4">
+                    <dgm:layoutNode name="FourNodes_1">
+                      <dgm:varLst>
+                        <dgm:bulletEnabled val="1"/>
+                      </dgm:varLst>
+                      <dgm:alg type="sp"/>
+                      <dgm:shape xmlns:r="http://schemas.openxmlformats.org/officeDocument/2006/relationships" type="roundRect" r:blip="">
+                        <dgm:adjLst>
+                          <dgm:adj idx="1" val="0.1"/>
+                        </dgm:adjLst>
+                      </dgm:shape>
+                      <dgm:presOf axis="ch desOrSelf" ptType="node node" st="1 1" cnt="1 0"/>
+                      <dgm:constrLst/>
+                      <dgm:ruleLst/>
+                    </dgm:layoutNode>
+                    <dgm:layoutNode name="FourNodes_2">
+                      <dgm:varLst>
+                        <dgm:bulletEnabled val="1"/>
+                      </dgm:varLst>
+                      <dgm:alg type="sp"/>
+                      <dgm:shape xmlns:r="http://schemas.openxmlformats.org/officeDocument/2006/relationships" type="roundRect" r:blip="">
+                        <dgm:adjLst>
+                          <dgm:adj idx="1" val="0.1"/>
+                        </dgm:adjLst>
+                      </dgm:shape>
+                      <dgm:presOf axis="ch desOrSelf" ptType="node node" st="2 1" cnt="1 0"/>
+                      <dgm:constrLst/>
+                      <dgm:ruleLst/>
+                    </dgm:layoutNode>
+                    <dgm:layoutNode name="FourNodes_3">
+                      <dgm:varLst>
+                        <dgm:bulletEnabled val="1"/>
+                      </dgm:varLst>
+                      <dgm:alg type="sp"/>
+                      <dgm:shape xmlns:r="http://schemas.openxmlformats.org/officeDocument/2006/relationships" type="roundRect" r:blip="">
+                        <dgm:adjLst>
+                          <dgm:adj idx="1" val="0.1"/>
+                        </dgm:adjLst>
+                      </dgm:shape>
+                      <dgm:presOf axis="ch desOrSelf" ptType="node node" st="3 1" cnt="1 0"/>
+                      <dgm:constrLst/>
+                      <dgm:ruleLst/>
+                    </dgm:layoutNode>
+                    <dgm:layoutNode name="FourNodes_4">
+                      <dgm:varLst>
+                        <dgm:bulletEnabled val="1"/>
+                      </dgm:varLst>
+                      <dgm:alg type="sp"/>
+                      <dgm:shape xmlns:r="http://schemas.openxmlformats.org/officeDocument/2006/relationships" type="roundRect" r:blip="">
+                        <dgm:adjLst>
+                          <dgm:adj idx="1" val="0.1"/>
+                        </dgm:adjLst>
+                      </dgm:shape>
+                      <dgm:presOf axis="ch desOrSelf" ptType="node node" st="4 1" cnt="1 0"/>
+                      <dgm:constrLst/>
+                      <dgm:ruleLst/>
+                    </dgm:layoutNode>
+                    <dgm:layoutNode name="FourConn_1-2" styleLbl="fgAccFollowNode1">
+                      <dgm:varLst>
+                        <dgm:bulletEnabled val="1"/>
+                      </dgm:varLst>
+                      <dgm:alg type="tx"/>
+                      <dgm:shape xmlns:r="http://schemas.openxmlformats.org/officeDocument/2006/relationships" type="downArrow" r:blip="">
+                        <dgm:adjLst>
+                          <dgm:adj idx="1" val="0.55"/>
+                          <dgm:adj idx="2" val="0.45"/>
+                        </dgm:adjLst>
+                      </dgm:shape>
+                      <dgm:presOf axis="ch" ptType="sibTrans" cnt="1"/>
+                      <dgm:constrLst>
+                        <dgm:constr type="lMarg" refType="primFontSz" fact="0.1"/>
+                        <dgm:constr type="rMarg" refType="primFontSz" fact="0.1"/>
+                        <dgm:constr type="tMarg" refType="primFontSz" fact="0.1"/>
+                        <dgm:constr type="bMarg" refType="primFontSz" fact="0.1"/>
+                      </dgm:constrLst>
+                      <dgm:ruleLst>
+                        <dgm:rule type="primFontSz" val="5" fact="NaN" max="NaN"/>
+                      </dgm:ruleLst>
+                    </dgm:layoutNode>
+                    <dgm:layoutNode name="FourConn_2-3" styleLbl="fgAccFollowNode1">
+                      <dgm:varLst>
+                        <dgm:bulletEnabled val="1"/>
+                      </dgm:varLst>
+                      <dgm:alg type="tx"/>
+                      <dgm:shape xmlns:r="http://schemas.openxmlformats.org/officeDocument/2006/relationships" type="downArrow" r:blip="">
+                        <dgm:adjLst>
+                          <dgm:adj idx="1" val="0.55"/>
+                          <dgm:adj idx="2" val="0.45"/>
+                        </dgm:adjLst>
+                      </dgm:shape>
+                      <dgm:presOf axis="ch" ptType="sibTrans" st="2" cnt="1"/>
+                      <dgm:constrLst>
+                        <dgm:constr type="lMarg" refType="primFontSz" fact="0.1"/>
+                        <dgm:constr type="rMarg" refType="primFontSz" fact="0.1"/>
+                        <dgm:constr type="tMarg" refType="primFontSz" fact="0.1"/>
+                        <dgm:constr type="bMarg" refType="primFontSz" fact="0.1"/>
+                      </dgm:constrLst>
+                      <dgm:ruleLst>
+                        <dgm:rule type="primFontSz" val="5" fact="NaN" max="NaN"/>
+                      </dgm:ruleLst>
+                    </dgm:layoutNode>
+                    <dgm:layoutNode name="FourConn_3-4" styleLbl="fgAccFollowNode1">
+                      <dgm:varLst>
+                        <dgm:bulletEnabled val="1"/>
+                      </dgm:varLst>
+                      <dgm:alg type="tx"/>
+                      <dgm:shape xmlns:r="http://schemas.openxmlformats.org/officeDocument/2006/relationships" type="downArrow" r:blip="">
+                        <dgm:adjLst>
+                          <dgm:adj idx="1" val="0.55"/>
+                          <dgm:adj idx="2" val="0.45"/>
+                        </dgm:adjLst>
+                      </dgm:shape>
+                      <dgm:presOf axis="ch" ptType="sibTrans" st="3" cnt="1"/>
+                      <dgm:constrLst>
+                        <dgm:constr type="lMarg" refType="primFontSz" fact="0.1"/>
+                        <dgm:constr type="rMarg" refType="primFontSz" fact="0.1"/>
+                        <dgm:constr type="tMarg" refType="primFontSz" fact="0.1"/>
+                        <dgm:constr type="bMarg" refType="primFontSz" fact="0.1"/>
+                      </dgm:constrLst>
+                      <dgm:ruleLst>
+                        <dgm:rule type="primFontSz" val="5" fact="NaN" max="NaN"/>
+                      </dgm:ruleLst>
+                    </dgm:layoutNode>
+                    <dgm:layoutNode name="FourNodes_1_text">
+                      <dgm:varLst>
+                        <dgm:bulletEnabled val="1"/>
+                      </dgm:varLst>
+                      <dgm:alg type="tx">
+                        <dgm:param type="parTxLTRAlign" val="l"/>
+                        <dgm:param type="txAnchorVertCh" val="mid"/>
+                      </dgm:alg>
+                      <dgm:shape xmlns:r="http://schemas.openxmlformats.org/officeDocument/2006/relationships" type="roundRect" r:blip="" hideGeom="1">
+                        <dgm:adjLst>
+                          <dgm:adj idx="1" val="0.1"/>
+                        </dgm:adjLst>
+                      </dgm:shape>
+                      <dgm:presOf axis="ch desOrSelf" ptType="node node" st="1 1" cnt="1 0"/>
+                      <dgm:constrLst>
+                        <dgm:constr type="lMarg" refType="primFontSz" fact="0.3"/>
+                        <dgm:constr type="rMarg" refType="primFontSz" fact="0.3"/>
+                        <dgm:constr type="tMarg" refType="primFontSz" fact="0.3"/>
+                        <dgm:constr type="bMarg" refType="primFontSz" fact="0.3"/>
+                      </dgm:constrLst>
+                      <dgm:ruleLst>
+                        <dgm:rule type="primFontSz" val="5" fact="NaN" max="NaN"/>
+                      </dgm:ruleLst>
+                    </dgm:layoutNode>
+                    <dgm:layoutNode name="FourNodes_2_text">
+                      <dgm:varLst>
+                        <dgm:bulletEnabled val="1"/>
+                      </dgm:varLst>
+                      <dgm:alg type="tx">
+                        <dgm:param type="parTxLTRAlign" val="l"/>
+                        <dgm:param type="txAnchorVertCh" val="mid"/>
+                      </dgm:alg>
+                      <dgm:shape xmlns:r="http://schemas.openxmlformats.org/officeDocument/2006/relationships" type="roundRect" r:blip="" hideGeom="1">
+                        <dgm:adjLst>
+                          <dgm:adj idx="1" val="0.1"/>
+                        </dgm:adjLst>
+                      </dgm:shape>
+                      <dgm:presOf axis="ch desOrSelf" ptType="node node" st="2 1" cnt="1 0"/>
+                      <dgm:constrLst>
+                        <dgm:constr type="lMarg" refType="primFontSz" fact="0.3"/>
+                        <dgm:constr type="rMarg" refType="primFontSz" fact="0.3"/>
+                        <dgm:constr type="tMarg" refType="primFontSz" fact="0.3"/>
+                        <dgm:constr type="bMarg" refType="primFontSz" fact="0.3"/>
+                      </dgm:constrLst>
+                      <dgm:ruleLst>
+                        <dgm:rule type="primFontSz" val="5" fact="NaN" max="NaN"/>
+                      </dgm:ruleLst>
+                    </dgm:layoutNode>
+                    <dgm:layoutNode name="FourNodes_3_text">
+                      <dgm:varLst>
+                        <dgm:bulletEnabled val="1"/>
+                      </dgm:varLst>
+                      <dgm:alg type="tx">
+                        <dgm:param type="parTxLTRAlign" val="l"/>
+                        <dgm:param type="txAnchorVertCh" val="mid"/>
+                      </dgm:alg>
+                      <dgm:shape xmlns:r="http://schemas.openxmlformats.org/officeDocument/2006/relationships" type="roundRect" r:blip="" hideGeom="1">
+                        <dgm:adjLst>
+                          <dgm:adj idx="1" val="0.1"/>
+                        </dgm:adjLst>
+                      </dgm:shape>
+                      <dgm:presOf axis="ch desOrSelf" ptType="node node" st="3 1" cnt="1 0"/>
+                      <dgm:constrLst>
+                        <dgm:constr type="lMarg" refType="primFontSz" fact="0.3"/>
+                        <dgm:constr type="rMarg" refType="primFontSz" fact="0.3"/>
+                        <dgm:constr type="tMarg" refType="primFontSz" fact="0.3"/>
+                        <dgm:constr type="bMarg" refType="primFontSz" fact="0.3"/>
+                      </dgm:constrLst>
+                      <dgm:ruleLst>
+                        <dgm:rule type="primFontSz" val="5" fact="NaN" max="NaN"/>
+                      </dgm:ruleLst>
+                    </dgm:layoutNode>
+                    <dgm:layoutNode name="FourNodes_4_text">
+                      <dgm:varLst>
+                        <dgm:bulletEnabled val="1"/>
+                      </dgm:varLst>
+                      <dgm:alg type="tx">
+                        <dgm:param type="parTxLTRAlign" val="l"/>
+                        <dgm:param type="txAnchorVertCh" val="mid"/>
+                      </dgm:alg>
+                      <dgm:shape xmlns:r="http://schemas.openxmlformats.org/officeDocument/2006/relationships" type="roundRect" r:blip="" hideGeom="1">
+                        <dgm:adjLst>
+                          <dgm:adj idx="1" val="0.1"/>
+                        </dgm:adjLst>
+                      </dgm:shape>
+                      <dgm:presOf axis="ch desOrSelf" ptType="node node" st="4 1" cnt="1 0"/>
+                      <dgm:constrLst>
+                        <dgm:constr type="lMarg" refType="primFontSz" fact="0.3"/>
+                        <dgm:constr type="rMarg" refType="primFontSz" fact="0.3"/>
+                        <dgm:constr type="tMarg" refType="primFontSz" fact="0.3"/>
+                        <dgm:constr type="bMarg" refType="primFontSz" fact="0.3"/>
+                      </dgm:constrLst>
+                      <dgm:ruleLst>
+                        <dgm:rule type="primFontSz" val="5" fact="NaN" max="NaN"/>
+                      </dgm:ruleLst>
+                    </dgm:layoutNode>
+                  </dgm:if>
+                  <dgm:else name="Name14">
+                    <dgm:choose name="Name15">
+                      <dgm:if name="Name16" axis="ch" ptType="node" func="cnt" op="gte" val="5">
+                        <dgm:layoutNode name="FiveNodes_1">
+                          <dgm:varLst>
+                            <dgm:bulletEnabled val="1"/>
+                          </dgm:varLst>
+                          <dgm:alg type="sp"/>
+                          <dgm:shape xmlns:r="http://schemas.openxmlformats.org/officeDocument/2006/relationships" type="roundRect" r:blip="">
+                            <dgm:adjLst>
+                              <dgm:adj idx="1" val="0.1"/>
+                            </dgm:adjLst>
+                          </dgm:shape>
+                          <dgm:presOf axis="ch desOrSelf" ptType="node node" st="1 1" cnt="1 0"/>
+                          <dgm:constrLst/>
+                          <dgm:ruleLst/>
+                        </dgm:layoutNode>
+                        <dgm:layoutNode name="FiveNodes_2">
+                          <dgm:varLst>
+                            <dgm:bulletEnabled val="1"/>
+                          </dgm:varLst>
+                          <dgm:alg type="sp"/>
+                          <dgm:shape xmlns:r="http://schemas.openxmlformats.org/officeDocument/2006/relationships" type="roundRect" r:blip="">
+                            <dgm:adjLst>
+                              <dgm:adj idx="1" val="0.1"/>
+                            </dgm:adjLst>
+                          </dgm:shape>
+                          <dgm:presOf axis="ch desOrSelf" ptType="node node" st="2 1" cnt="1 0"/>
+                          <dgm:constrLst/>
+                          <dgm:ruleLst/>
+                        </dgm:layoutNode>
+                        <dgm:layoutNode name="FiveNodes_3">
+                          <dgm:varLst>
+                            <dgm:bulletEnabled val="1"/>
+                          </dgm:varLst>
+                          <dgm:alg type="sp"/>
+                          <dgm:shape xmlns:r="http://schemas.openxmlformats.org/officeDocument/2006/relationships" type="roundRect" r:blip="">
+                            <dgm:adjLst>
+                              <dgm:adj idx="1" val="0.1"/>
+                            </dgm:adjLst>
+                          </dgm:shape>
+                          <dgm:presOf axis="ch desOrSelf" ptType="node node" st="3 1" cnt="1 0"/>
+                          <dgm:constrLst/>
+                          <dgm:ruleLst/>
+                        </dgm:layoutNode>
+                        <dgm:layoutNode name="FiveNodes_4">
+                          <dgm:varLst>
+                            <dgm:bulletEnabled val="1"/>
+                          </dgm:varLst>
+                          <dgm:alg type="sp"/>
+                          <dgm:shape xmlns:r="http://schemas.openxmlformats.org/officeDocument/2006/relationships" type="roundRect" r:blip="">
+                            <dgm:adjLst>
+                              <dgm:adj idx="1" val="0.1"/>
+                            </dgm:adjLst>
+                          </dgm:shape>
+                          <dgm:presOf axis="ch desOrSelf" ptType="node node" st="4 1" cnt="1 0"/>
+                          <dgm:constrLst/>
+                          <dgm:ruleLst/>
+                        </dgm:layoutNode>
+                        <dgm:layoutNode name="FiveNodes_5">
+                          <dgm:varLst>
+                            <dgm:bulletEnabled val="1"/>
+                          </dgm:varLst>
+                          <dgm:alg type="sp"/>
+                          <dgm:shape xmlns:r="http://schemas.openxmlformats.org/officeDocument/2006/relationships" type="roundRect" r:blip="">
+                            <dgm:adjLst>
+                              <dgm:adj idx="1" val="0.1"/>
+                            </dgm:adjLst>
+                          </dgm:shape>
+                          <dgm:presOf axis="ch desOrSelf" ptType="node node" st="5 1" cnt="1 0"/>
+                          <dgm:constrLst/>
+                          <dgm:ruleLst/>
+                        </dgm:layoutNode>
+                        <dgm:layoutNode name="FiveConn_1-2" styleLbl="fgAccFollowNode1">
+                          <dgm:varLst>
+                            <dgm:bulletEnabled val="1"/>
+                          </dgm:varLst>
+                          <dgm:alg type="tx"/>
+                          <dgm:shape xmlns:r="http://schemas.openxmlformats.org/officeDocument/2006/relationships" type="downArrow" r:blip="">
+                            <dgm:adjLst>
+                              <dgm:adj idx="1" val="0.55"/>
+                              <dgm:adj idx="2" val="0.45"/>
+                            </dgm:adjLst>
+                          </dgm:shape>
+                          <dgm:presOf axis="ch" ptType="sibTrans" cnt="1"/>
+                          <dgm:constrLst>
+                            <dgm:constr type="lMarg" refType="primFontSz" fact="0.1"/>
+                            <dgm:constr type="rMarg" refType="primFontSz" fact="0.1"/>
+                            <dgm:constr type="tMarg" refType="primFontSz" fact="0.1"/>
+                            <dgm:constr type="bMarg" refType="primFontSz" fact="0.1"/>
+                          </dgm:constrLst>
+                          <dgm:ruleLst>
+                            <dgm:rule type="primFontSz" val="5" fact="NaN" max="NaN"/>
+                          </dgm:ruleLst>
+                        </dgm:layoutNode>
+                        <dgm:layoutNode name="FiveConn_2-3" styleLbl="fgAccFollowNode1">
+                          <dgm:varLst>
+                            <dgm:bulletEnabled val="1"/>
+                          </dgm:varLst>
+                          <dgm:alg type="tx"/>
+                          <dgm:shape xmlns:r="http://schemas.openxmlformats.org/officeDocument/2006/relationships" type="downArrow" r:blip="">
+                            <dgm:adjLst>
+                              <dgm:adj idx="1" val="0.55"/>
+                              <dgm:adj idx="2" val="0.45"/>
+                            </dgm:adjLst>
+                          </dgm:shape>
+                          <dgm:presOf axis="ch" ptType="sibTrans" st="2" cnt="1"/>
+                          <dgm:constrLst>
+                            <dgm:constr type="lMarg" refType="primFontSz" fact="0.1"/>
+                            <dgm:constr type="rMarg" refType="primFontSz" fact="0.1"/>
+                            <dgm:constr type="tMarg" refType="primFontSz" fact="0.1"/>
+                            <dgm:constr type="bMarg" refType="primFontSz" fact="0.1"/>
+                          </dgm:constrLst>
+                          <dgm:ruleLst>
+                            <dgm:rule type="primFontSz" val="5" fact="NaN" max="NaN"/>
+                          </dgm:ruleLst>
+                        </dgm:layoutNode>
+                        <dgm:layoutNode name="FiveConn_3-4" styleLbl="fgAccFollowNode1">
+                          <dgm:varLst>
+                            <dgm:bulletEnabled val="1"/>
+                          </dgm:varLst>
+                          <dgm:alg type="tx"/>
+                          <dgm:shape xmlns:r="http://schemas.openxmlformats.org/officeDocument/2006/relationships" type="downArrow" r:blip="">
+                            <dgm:adjLst>
+                              <dgm:adj idx="1" val="0.55"/>
+                              <dgm:adj idx="2" val="0.45"/>
+                            </dgm:adjLst>
+                          </dgm:shape>
+                          <dgm:presOf axis="ch" ptType="sibTrans" st="3" cnt="1"/>
+                          <dgm:constrLst>
+                            <dgm:constr type="lMarg" refType="primFontSz" fact="0.1"/>
+                            <dgm:constr type="rMarg" refType="primFontSz" fact="0.1"/>
+                            <dgm:constr type="tMarg" refType="primFontSz" fact="0.1"/>
+                            <dgm:constr type="bMarg" refType="primFontSz" fact="0.1"/>
+                          </dgm:constrLst>
+                          <dgm:ruleLst>
+                            <dgm:rule type="primFontSz" val="5" fact="NaN" max="NaN"/>
+                          </dgm:ruleLst>
+                        </dgm:layoutNode>
+                        <dgm:layoutNode name="FiveConn_4-5" styleLbl="fgAccFollowNode1">
+                          <dgm:varLst>
+                            <dgm:bulletEnabled val="1"/>
+                          </dgm:varLst>
+                          <dgm:alg type="tx"/>
+                          <dgm:shape xmlns:r="http://schemas.openxmlformats.org/officeDocument/2006/relationships" type="downArrow" r:blip="">
+                            <dgm:adjLst>
+                              <dgm:adj idx="1" val="0.55"/>
+                              <dgm:adj idx="2" val="0.45"/>
+                            </dgm:adjLst>
+                          </dgm:shape>
+                          <dgm:presOf axis="ch" ptType="sibTrans" st="4" cnt="1"/>
+                          <dgm:constrLst>
+                            <dgm:constr type="lMarg" refType="primFontSz" fact="0.1"/>
+                            <dgm:constr type="rMarg" refType="primFontSz" fact="0.1"/>
+                            <dgm:constr type="tMarg" refType="primFontSz" fact="0.1"/>
+                            <dgm:constr type="bMarg" refType="primFontSz" fact="0.1"/>
+                          </dgm:constrLst>
+                          <dgm:ruleLst>
+                            <dgm:rule type="primFontSz" val="5" fact="NaN" max="NaN"/>
+                          </dgm:ruleLst>
+                        </dgm:layoutNode>
+                        <dgm:layoutNode name="FiveNodes_1_text">
+                          <dgm:varLst>
+                            <dgm:bulletEnabled val="1"/>
+                          </dgm:varLst>
+                          <dgm:alg type="tx">
+                            <dgm:param type="parTxLTRAlign" val="l"/>
+                            <dgm:param type="txAnchorVertCh" val="mid"/>
+                          </dgm:alg>
+                          <dgm:shape xmlns:r="http://schemas.openxmlformats.org/officeDocument/2006/relationships" type="roundRect" r:blip="" hideGeom="1">
+                            <dgm:adjLst>
+                              <dgm:adj idx="1" val="0.1"/>
+                            </dgm:adjLst>
+                          </dgm:shape>
+                          <dgm:presOf axis="ch desOrSelf" ptType="node node" st="1 1" cnt="1 0"/>
+                          <dgm:constrLst>
+                            <dgm:constr type="lMarg" refType="primFontSz" fact="0.3"/>
+                            <dgm:constr type="rMarg" refType="primFontSz" fact="0.3"/>
+                            <dgm:constr type="tMarg" refType="primFontSz" fact="0.3"/>
+                            <dgm:constr type="bMarg" refType="primFontSz" fact="0.3"/>
+                          </dgm:constrLst>
+                          <dgm:ruleLst>
+                            <dgm:rule type="primFontSz" val="5" fact="NaN" max="NaN"/>
+                          </dgm:ruleLst>
+                        </dgm:layoutNode>
+                        <dgm:layoutNode name="FiveNodes_2_text">
+                          <dgm:varLst>
+                            <dgm:bulletEnabled val="1"/>
+                          </dgm:varLst>
+                          <dgm:alg type="tx">
+                            <dgm:param type="parTxLTRAlign" val="l"/>
+                            <dgm:param type="txAnchorVertCh" val="mid"/>
+                          </dgm:alg>
+                          <dgm:shape xmlns:r="http://schemas.openxmlformats.org/officeDocument/2006/relationships" type="roundRect" r:blip="" hideGeom="1">
+                            <dgm:adjLst>
+                              <dgm:adj idx="1" val="0.1"/>
+                            </dgm:adjLst>
+                          </dgm:shape>
+                          <dgm:presOf axis="ch desOrSelf" ptType="node node" st="2 1" cnt="1 0"/>
+                          <dgm:constrLst>
+                            <dgm:constr type="lMarg" refType="primFontSz" fact="0.3"/>
+                            <dgm:constr type="rMarg" refType="primFontSz" fact="0.3"/>
+                            <dgm:constr type="tMarg" refType="primFontSz" fact="0.3"/>
+                            <dgm:constr type="bMarg" refType="primFontSz" fact="0.3"/>
+                          </dgm:constrLst>
+                          <dgm:ruleLst>
+                            <dgm:rule type="primFontSz" val="5" fact="NaN" max="NaN"/>
+                          </dgm:ruleLst>
+                        </dgm:layoutNode>
+                        <dgm:layoutNode name="FiveNodes_3_text">
+                          <dgm:varLst>
+                            <dgm:bulletEnabled val="1"/>
+                          </dgm:varLst>
+                          <dgm:alg type="tx">
+                            <dgm:param type="parTxLTRAlign" val="l"/>
+                            <dgm:param type="txAnchorVertCh" val="mid"/>
+                          </dgm:alg>
+                          <dgm:shape xmlns:r="http://schemas.openxmlformats.org/officeDocument/2006/relationships" type="roundRect" r:blip="" hideGeom="1">
+                            <dgm:adjLst>
+                              <dgm:adj idx="1" val="0.1"/>
+                            </dgm:adjLst>
+                          </dgm:shape>
+                          <dgm:presOf axis="ch desOrSelf" ptType="node node" st="3 1" cnt="1 0"/>
+                          <dgm:constrLst>
+                            <dgm:constr type="lMarg" refType="primFontSz" fact="0.3"/>
+                            <dgm:constr type="rMarg" refType="primFontSz" fact="0.3"/>
+                            <dgm:constr type="tMarg" refType="primFontSz" fact="0.3"/>
+                            <dgm:constr type="bMarg" refType="primFontSz" fact="0.3"/>
+                          </dgm:constrLst>
+                          <dgm:ruleLst>
+                            <dgm:rule type="primFontSz" val="5" fact="NaN" max="NaN"/>
+                          </dgm:ruleLst>
+                        </dgm:layoutNode>
+                        <dgm:layoutNode name="FiveNodes_4_text">
+                          <dgm:varLst>
+                            <dgm:bulletEnabled val="1"/>
+                          </dgm:varLst>
+                          <dgm:alg type="tx">
+                            <dgm:param type="parTxLTRAlign" val="l"/>
+                            <dgm:param type="txAnchorVertCh" val="mid"/>
+                          </dgm:alg>
+                          <dgm:shape xmlns:r="http://schemas.openxmlformats.org/officeDocument/2006/relationships" type="roundRect" r:blip="" hideGeom="1">
+                            <dgm:adjLst>
+                              <dgm:adj idx="1" val="0.1"/>
+                            </dgm:adjLst>
+                          </dgm:shape>
+                          <dgm:presOf axis="ch desOrSelf" ptType="node node" st="4 1" cnt="1 0"/>
+                          <dgm:constrLst>
+                            <dgm:constr type="lMarg" refType="primFontSz" fact="0.3"/>
+                            <dgm:constr type="rMarg" refType="primFontSz" fact="0.3"/>
+                            <dgm:constr type="tMarg" refType="primFontSz" fact="0.3"/>
+                            <dgm:constr type="bMarg" refType="primFontSz" fact="0.3"/>
+                          </dgm:constrLst>
+                          <dgm:ruleLst>
+                            <dgm:rule type="primFontSz" val="5" fact="NaN" max="NaN"/>
+                          </dgm:ruleLst>
+                        </dgm:layoutNode>
+                        <dgm:layoutNode name="FiveNodes_5_text">
+                          <dgm:varLst>
+                            <dgm:bulletEnabled val="1"/>
+                          </dgm:varLst>
+                          <dgm:alg type="tx">
+                            <dgm:param type="parTxLTRAlign" val="l"/>
+                            <dgm:param type="txAnchorVertCh" val="mid"/>
+                          </dgm:alg>
+                          <dgm:shape xmlns:r="http://schemas.openxmlformats.org/officeDocument/2006/relationships" type="roundRect" r:blip="" hideGeom="1">
+                            <dgm:adjLst>
+                              <dgm:adj idx="1" val="0.1"/>
+                            </dgm:adjLst>
+                          </dgm:shape>
+                          <dgm:presOf axis="ch desOrSelf" ptType="node node" st="5 1" cnt="1 0"/>
+                          <dgm:constrLst>
+                            <dgm:constr type="lMarg" refType="primFontSz" fact="0.3"/>
+                            <dgm:constr type="rMarg" refType="primFontSz" fact="0.3"/>
+                            <dgm:constr type="tMarg" refType="primFontSz" fact="0.3"/>
+                            <dgm:constr type="bMarg" refType="primFontSz" fact="0.3"/>
+                          </dgm:constrLst>
+                          <dgm:ruleLst>
+                            <dgm:rule type="primFontSz" val="5" fact="NaN" max="NaN"/>
+                          </dgm:ruleLst>
+                        </dgm:layoutNode>
+                      </dgm:if>
+                      <dgm:else name="Name17"/>
+                    </dgm:choose>
+                  </dgm:else>
+                </dgm:choose>
+              </dgm:else>
+            </dgm:choose>
+          </dgm:else>
+        </dgm:choose>
+      </dgm:else>
+    </dgm:choose>
+  </dgm:layoutNode>
+</dgm:layoutDef>
+</file>
+
+<file path=ppt/diagrams/quickStyle1.xml><?xml version="1.0" encoding="utf-8"?>
+<dgm:styleDef xmlns:dgm="http://schemas.openxmlformats.org/drawingml/2006/diagram" xmlns:a="http://schemas.openxmlformats.org/drawingml/2006/main" uniqueId="urn:microsoft.com/office/officeart/2005/8/quickstyle/simple1">
+  <dgm:title val=""/>
+  <dgm:desc val=""/>
+  <dgm:catLst>
+    <dgm:cat type="simple" pri="10100"/>
+  </dgm:catLst>
+  <dgm:scene3d>
+    <a:camera prst="orthographicFront"/>
+    <a:lightRig rig="threePt" dir="t"/>
+  </dgm:scene3d>
+  <dgm:styleLbl name="node0">
+    <dgm:scene3d>
+      <a:camera prst="orthographicFront"/>
+      <a:lightRig rig="threePt" dir="t"/>
+    </dgm:scene3d>
+    <dgm:sp3d/>
+    <dgm:txPr/>
+    <dgm:style>
+      <a:lnRef idx="2">
+        <a:scrgbClr r="0" g="0" b="0"/>
+      </a:lnRef>
+      <a:fillRef idx="1">
+        <a:scrgbClr r="0" g="0" b="0"/>
+      </a:fillRef>
+      <a:effectRef idx="0">
+        <a:scrgbClr r="0" g="0" b="0"/>
+      </a:effectRef>
+      <a:fontRef idx="minor">
+        <a:schemeClr val="lt1"/>
+      </a:fontRef>
+    </dgm:style>
+  </dgm:styleLbl>
+  <dgm:styleLbl name="lnNode1">
+    <dgm:scene3d>
+      <a:camera prst="orthographicFront"/>
+      <a:lightRig rig="threePt" dir="t"/>
+    </dgm:scene3d>
+    <dgm:sp3d/>
+    <dgm:txPr/>
+    <dgm:style>
+      <a:lnRef idx="2">
+        <a:scrgbClr r="0" g="0" b="0"/>
+      </a:lnRef>
+      <a:fillRef idx="1">
+        <a:scrgbClr r="0" g="0" b="0"/>
+      </a:fillRef>
+      <a:effectRef idx="0">
+        <a:scrgbClr r="0" g="0" b="0"/>
+      </a:effectRef>
+      <a:fontRef idx="minor">
+        <a:schemeClr val="lt1"/>
+      </a:fontRef>
+    </dgm:style>
+  </dgm:styleLbl>
+  <dgm:styleLbl name="vennNode1">
+    <dgm:scene3d>
+      <a:camera prst="orthographicFront"/>
+      <a:lightRig rig="threePt" dir="t"/>
+    </dgm:scene3d>
+    <dgm:sp3d/>
+    <dgm:txPr/>
+    <dgm:style>
+      <a:lnRef idx="2">
+        <a:scrgbClr r="0" g="0" b="0"/>
+      </a:lnRef>
+      <a:fillRef idx="1">
+        <a:scrgbClr r="0" g="0" b="0"/>
+      </a:fillRef>
+      <a:effectRef idx="0">
+        <a:scrgbClr r="0" g="0" b="0"/>
+      </a:effectRef>
+      <a:fontRef idx="minor">
+        <a:schemeClr val="tx1"/>
+      </a:fontRef>
+    </dgm:style>
+  </dgm:styleLbl>
+  <dgm:styleLbl name="alignNode1">
+    <dgm:scene3d>
+      <a:camera prst="orthographicFront"/>
+      <a:lightRig rig="threePt" dir="t"/>
+    </dgm:scene3d>
+    <dgm:sp3d/>
+    <dgm:txPr/>
+    <dgm:style>
+      <a:lnRef idx="2">
+        <a:scrgbClr r="0" g="0" b="0"/>
+      </a:lnRef>
+      <a:fillRef idx="1">
+        <a:scrgbClr r="0" g="0" b="0"/>
+      </a:fillRef>
+      <a:effectRef idx="0">
+        <a:scrgbClr r="0" g="0" b="0"/>
+      </a:effectRef>
+      <a:fontRef idx="minor">
+        <a:schemeClr val="lt1"/>
+      </a:fontRef>
+    </dgm:style>
+  </dgm:styleLbl>
+  <dgm:styleLbl name="node1">
+    <dgm:scene3d>
+      <a:camera prst="orthographicFront"/>
+      <a:lightRig rig="threePt" dir="t"/>
+    </dgm:scene3d>
+    <dgm:sp3d/>
+    <dgm:txPr/>
+    <dgm:style>
+      <a:lnRef idx="2">
+        <a:scrgbClr r="0" g="0" b="0"/>
+      </a:lnRef>
+      <a:fillRef idx="1">
+        <a:scrgbClr r="0" g="0" b="0"/>
+      </a:fillRef>
+      <a:effectRef idx="0">
+        <a:scrgbClr r="0" g="0" b="0"/>
+      </a:effectRef>
+      <a:fontRef idx="minor">
+        <a:schemeClr val="lt1"/>
+      </a:fontRef>
+    </dgm:style>
+  </dgm:styleLbl>
+  <dgm:styleLbl name="node2">
+    <dgm:scene3d>
+      <a:camera prst="orthographicFront"/>
+      <a:lightRig rig="threePt" dir="t"/>
+    </dgm:scene3d>
+    <dgm:sp3d/>
+    <dgm:txPr/>
+    <dgm:style>
+      <a:lnRef idx="2">
+        <a:scrgbClr r="0" g="0" b="0"/>
+      </a:lnRef>
+      <a:fillRef idx="1">
+        <a:scrgbClr r="0" g="0" b="0"/>
+      </a:fillRef>
+      <a:effectRef idx="0">
+        <a:scrgbClr r="0" g="0" b="0"/>
+      </a:effectRef>
+      <a:fontRef idx="minor">
+        <a:schemeClr val="lt1"/>
+      </a:fontRef>
+    </dgm:style>
+  </dgm:styleLbl>
+  <dgm:styleLbl name="node3">
+    <dgm:scene3d>
+      <a:camera prst="orthographicFront"/>
+      <a:lightRig rig="threePt" dir="t"/>
+    </dgm:scene3d>
+    <dgm:sp3d/>
+    <dgm:txPr/>
+    <dgm:style>
+      <a:lnRef idx="2">
+        <a:scrgbClr r="0" g="0" b="0"/>
+      </a:lnRef>
+      <a:fillRef idx="1">
+        <a:scrgbClr r="0" g="0" b="0"/>
+      </a:fillRef>
+      <a:effectRef idx="0">
+        <a:scrgbClr r="0" g="0" b="0"/>
+      </a:effectRef>
+      <a:fontRef idx="minor">
+        <a:schemeClr val="lt1"/>
+      </a:fontRef>
+    </dgm:style>
+  </dgm:styleLbl>
+  <dgm:styleLbl name="node4">
+    <dgm:scene3d>
+      <a:camera prst="orthographicFront"/>
+      <a:lightRig rig="threePt" dir="t"/>
+    </dgm:scene3d>
+    <dgm:sp3d/>
+    <dgm:txPr/>
+    <dgm:style>
+      <a:lnRef idx="2">
+        <a:scrgbClr r="0" g="0" b="0"/>
+      </a:lnRef>
+      <a:fillRef idx="1">
+        <a:scrgbClr r="0" g="0" b="0"/>
+      </a:fillRef>
+      <a:effectRef idx="0">
+        <a:scrgbClr r="0" g="0" b="0"/>
+      </a:effectRef>
+      <a:fontRef idx="minor">
+        <a:schemeClr val="lt1"/>
+      </a:fontRef>
+    </dgm:style>
+  </dgm:styleLbl>
+  <dgm:styleLbl name="fgImgPlace1">
+    <dgm:scene3d>
+      <a:camera prst="orthographicFront"/>
+      <a:lightRig rig="threePt" dir="t"/>
+    </dgm:scene3d>
+    <dgm:sp3d/>
+    <dgm:txPr/>
+    <dgm:style>
+      <a:lnRef idx="2">
+        <a:scrgbClr r="0" g="0" b="0"/>
+      </a:lnRef>
+      <a:fillRef idx="1">
+        <a:scrgbClr r="0" g="0" b="0"/>
+      </a:fillRef>
+      <a:effectRef idx="0">
+        <a:scrgbClr r="0" g="0" b="0"/>
+      </a:effectRef>
+      <a:fontRef idx="minor"/>
+    </dgm:style>
+  </dgm:styleLbl>
+  <dgm:styleLbl name="alignImgPlace1">
+    <dgm:scene3d>
+      <a:camera prst="orthographicFront"/>
+      <a:lightRig rig="threePt" dir="t"/>
+    </dgm:scene3d>
+    <dgm:sp3d/>
+    <dgm:txPr/>
+    <dgm:style>
+      <a:lnRef idx="2">
+        <a:scrgbClr r="0" g="0" b="0"/>
+      </a:lnRef>
+      <a:fillRef idx="1">
+        <a:scrgbClr r="0" g="0" b="0"/>
+      </a:fillRef>
+      <a:effectRef idx="0">
+        <a:scrgbClr r="0" g="0" b="0"/>
+      </a:effectRef>
+      <a:fontRef idx="minor"/>
+    </dgm:style>
+  </dgm:styleLbl>
+  <dgm:styleLbl name="bgImgPlace1">
+    <dgm:scene3d>
+      <a:camera prst="orthographicFront"/>
+      <a:lightRig rig="threePt" dir="t"/>
+    </dgm:scene3d>
+    <dgm:sp3d/>
+    <dgm:txPr/>
+    <dgm:style>
+      <a:lnRef idx="2">
+        <a:scrgbClr r="0" g="0" b="0"/>
+      </a:lnRef>
+      <a:fillRef idx="1">
+        <a:scrgbClr r="0" g="0" b="0"/>
+      </a:fillRef>
+      <a:effectRef idx="0">
+        <a:scrgbClr r="0" g="0" b="0"/>
+      </a:effectRef>
+      <a:fontRef idx="minor"/>
+    </dgm:style>
+  </dgm:styleLbl>
+  <dgm:styleLbl name="sibTrans2D1">
+    <dgm:scene3d>
+      <a:camera prst="orthographicFront"/>
+      <a:lightRig rig="threePt" dir="t"/>
+    </dgm:scene3d>
+    <dgm:sp3d/>
+    <dgm:txPr/>
+    <dgm:style>
+      <a:lnRef idx="0">
+        <a:scrgbClr r="0" g="0" b="0"/>
+      </a:lnRef>
+      <a:fillRef idx="1">
+        <a:scrgbClr r="0" g="0" b="0"/>
+      </a:fillRef>
+      <a:effectRef idx="0">
+        <a:scrgbClr r="0" g="0" b="0"/>
+      </a:effectRef>
+      <a:fontRef idx="minor">
+        <a:schemeClr val="lt1"/>
+      </a:fontRef>
+    </dgm:style>
+  </dgm:styleLbl>
+  <dgm:styleLbl name="fgSibTrans2D1">
+    <dgm:scene3d>
+      <a:camera prst="orthographicFront"/>
+      <a:lightRig rig="threePt" dir="t"/>
+    </dgm:scene3d>
+    <dgm:sp3d/>
+    <dgm:txPr/>
+    <dgm:style>
+      <a:lnRef idx="0">
+        <a:scrgbClr r="0" g="0" b="0"/>
+      </a:lnRef>
+      <a:fillRef idx="1">
+        <a:scrgbClr r="0" g="0" b="0"/>
+      </a:fillRef>
+      <a:effectRef idx="0">
+        <a:scrgbClr r="0" g="0" b="0"/>
+      </a:effectRef>
+      <a:fontRef idx="minor">
+        <a:schemeClr val="lt1"/>
+      </a:fontRef>
+    </dgm:style>
+  </dgm:styleLbl>
+  <dgm:styleLbl name="bgSibTrans2D1">
+    <dgm:scene3d>
+      <a:camera prst="orthographicFront"/>
+      <a:lightRig rig="threePt" dir="t"/>
+    </dgm:scene3d>
+    <dgm:sp3d/>
+    <dgm:txPr/>
+    <dgm:style>
+      <a:lnRef idx="0">
+        <a:scrgbClr r="0" g="0" b="0"/>
+      </a:lnRef>
+      <a:fillRef idx="1">
+        <a:scrgbClr r="0" g="0" b="0"/>
+      </a:fillRef>
+      <a:effectRef idx="0">
+        <a:scrgbClr r="0" g="0" b="0"/>
+      </a:effectRef>
+      <a:fontRef idx="minor">
+        <a:schemeClr val="lt1"/>
+      </a:fontRef>
+    </dgm:style>
+  </dgm:styleLbl>
+  <dgm:styleLbl name="sibTrans1D1">
+    <dgm:scene3d>
+      <a:camera prst="orthographicFront"/>
+      <a:lightRig rig="threePt" dir="t"/>
+    </dgm:scene3d>
+    <dgm:sp3d/>
+    <dgm:txPr/>
+    <dgm:style>
+      <a:lnRef idx="1">
+        <a:scrgbClr r="0" g="0" b="0"/>
+      </a:lnRef>
+      <a:fillRef idx="0">
+        <a:scrgbClr r="0" g="0" b="0"/>
+      </a:fillRef>
+      <a:effectRef idx="0">
+        <a:scrgbClr r="0" g="0" b="0"/>
+      </a:effectRef>
+      <a:fontRef idx="minor"/>
+    </dgm:style>
+  </dgm:styleLbl>
+  <dgm:styleLbl name="callout">
+    <dgm:scene3d>
+      <a:camera prst="orthographicFront"/>
+      <a:lightRig rig="threePt" dir="t"/>
+    </dgm:scene3d>
+    <dgm:sp3d/>
+    <dgm:txPr/>
+    <dgm:style>
+      <a:lnRef idx="2">
+        <a:scrgbClr r="0" g="0" b="0"/>
+      </a:lnRef>
+      <a:fillRef idx="1">
+        <a:scrgbClr r="0" g="0" b="0"/>
+      </a:fillRef>
+      <a:effectRef idx="0">
+        <a:scrgbClr r="0" g="0" b="0"/>
+      </a:effectRef>
+      <a:fontRef idx="minor"/>
+    </dgm:style>
+  </dgm:styleLbl>
+  <dgm:styleLbl name="asst0">
+    <dgm:scene3d>
+      <a:camera prst="orthographicFront"/>
+      <a:lightRig rig="threePt" dir="t"/>
+    </dgm:scene3d>
+    <dgm:sp3d/>
+    <dgm:txPr/>
+    <dgm:style>
+      <a:lnRef idx="2">
+        <a:scrgbClr r="0" g="0" b="0"/>
+      </a:lnRef>
+      <a:fillRef idx="1">
+        <a:scrgbClr r="0" g="0" b="0"/>
+      </a:fillRef>
+      <a:effectRef idx="0">
+        <a:scrgbClr r="0" g="0" b="0"/>
+      </a:effectRef>
+      <a:fontRef idx="minor">
+        <a:schemeClr val="lt1"/>
+      </a:fontRef>
+    </dgm:style>
+  </dgm:styleLbl>
+  <dgm:styleLbl name="asst1">
+    <dgm:scene3d>
+      <a:camera prst="orthographicFront"/>
+      <a:lightRig rig="threePt" dir="t"/>
+    </dgm:scene3d>
+    <dgm:sp3d/>
+    <dgm:txPr/>
+    <dgm:style>
+      <a:lnRef idx="2">
+        <a:scrgbClr r="0" g="0" b="0"/>
+      </a:lnRef>
+      <a:fillRef idx="1">
+        <a:scrgbClr r="0" g="0" b="0"/>
+      </a:fillRef>
+      <a:effectRef idx="0">
+        <a:scrgbClr r="0" g="0" b="0"/>
+      </a:effectRef>
+      <a:fontRef idx="minor">
+        <a:schemeClr val="lt1"/>
+      </a:fontRef>
+    </dgm:style>
+  </dgm:styleLbl>
+  <dgm:styleLbl name="asst2">
+    <dgm:scene3d>
+      <a:camera prst="orthographicFront"/>
+      <a:lightRig rig="threePt" dir="t"/>
+    </dgm:scene3d>
+    <dgm:sp3d/>
+    <dgm:txPr/>
+    <dgm:style>
+      <a:lnRef idx="2">
+        <a:scrgbClr r="0" g="0" b="0"/>
+      </a:lnRef>
+      <a:fillRef idx="1">
+        <a:scrgbClr r="0" g="0" b="0"/>
+      </a:fillRef>
+      <a:effectRef idx="0">
+        <a:scrgbClr r="0" g="0" b="0"/>
+      </a:effectRef>
+      <a:fontRef idx="minor">
+        <a:schemeClr val="lt1"/>
+      </a:fontRef>
+    </dgm:style>
+  </dgm:styleLbl>
+  <dgm:styleLbl name="asst3">
+    <dgm:scene3d>
+      <a:camera prst="orthographicFront"/>
+      <a:lightRig rig="threePt" dir="t"/>
+    </dgm:scene3d>
+    <dgm:sp3d/>
+    <dgm:txPr/>
+    <dgm:style>
+      <a:lnRef idx="2">
+        <a:scrgbClr r="0" g="0" b="0"/>
+      </a:lnRef>
+      <a:fillRef idx="1">
+        <a:scrgbClr r="0" g="0" b="0"/>
+      </a:fillRef>
+      <a:effectRef idx="0">
+        <a:scrgbClr r="0" g="0" b="0"/>
+      </a:effectRef>
+      <a:fontRef idx="minor">
+        <a:schemeClr val="lt1"/>
+      </a:fontRef>
+    </dgm:style>
+  </dgm:styleLbl>
+  <dgm:styleLbl name="asst4">
+    <dgm:scene3d>
+      <a:camera prst="orthographicFront"/>
+      <a:lightRig rig="threePt" dir="t"/>
+    </dgm:scene3d>
+    <dgm:sp3d/>
+    <dgm:txPr/>
+    <dgm:style>
+      <a:lnRef idx="2">
+        <a:scrgbClr r="0" g="0" b="0"/>
+      </a:lnRef>
+      <a:fillRef idx="1">
+        <a:scrgbClr r="0" g="0" b="0"/>
+      </a:fillRef>
+      <a:effectRef idx="0">
+        <a:scrgbClr r="0" g="0" b="0"/>
+      </a:effectRef>
+      <a:fontRef idx="minor">
+        <a:schemeClr val="lt1"/>
+      </a:fontRef>
+    </dgm:style>
+  </dgm:styleLbl>
+  <dgm:styleLbl name="parChTrans2D1">
+    <dgm:scene3d>
+      <a:camera prst="orthographicFront"/>
+      <a:lightRig rig="threePt" dir="t"/>
+    </dgm:scene3d>
+    <dgm:sp3d/>
+    <dgm:txPr/>
+    <dgm:style>
+      <a:lnRef idx="2">
+        <a:scrgbClr r="0" g="0" b="0"/>
+      </a:lnRef>
+      <a:fillRef idx="1">
+        <a:scrgbClr r="0" g="0" b="0"/>
+      </a:fillRef>
+      <a:effectRef idx="0">
+        <a:scrgbClr r="0" g="0" b="0"/>
+      </a:effectRef>
+      <a:fontRef idx="minor">
+        <a:schemeClr val="lt1"/>
+      </a:fontRef>
+    </dgm:style>
+  </dgm:styleLbl>
+  <dgm:styleLbl name="parChTrans2D2">
+    <dgm:scene3d>
+      <a:camera prst="orthographicFront"/>
+      <a:lightRig rig="threePt" dir="t"/>
+    </dgm:scene3d>
+    <dgm:sp3d/>
+    <dgm:txPr/>
+    <dgm:style>
+      <a:lnRef idx="2">
+        <a:scrgbClr r="0" g="0" b="0"/>
+      </a:lnRef>
+      <a:fillRef idx="1">
+        <a:scrgbClr r="0" g="0" b="0"/>
+      </a:fillRef>
+      <a:effectRef idx="0">
+        <a:scrgbClr r="0" g="0" b="0"/>
+      </a:effectRef>
+      <a:fontRef idx="minor">
+        <a:schemeClr val="lt1"/>
+      </a:fontRef>
+    </dgm:style>
+  </dgm:styleLbl>
+  <dgm:styleLbl name="parChTrans2D3">
+    <dgm:scene3d>
+      <a:camera prst="orthographicFront"/>
+      <a:lightRig rig="threePt" dir="t"/>
+    </dgm:scene3d>
+    <dgm:sp3d/>
+    <dgm:txPr/>
+    <dgm:style>
+      <a:lnRef idx="2">
+        <a:scrgbClr r="0" g="0" b="0"/>
+      </a:lnRef>
+      <a:fillRef idx="1">
+        <a:scrgbClr r="0" g="0" b="0"/>
+      </a:fillRef>
+      <a:effectRef idx="0">
+        <a:scrgbClr r="0" g="0" b="0"/>
+      </a:effectRef>
+      <a:fontRef idx="minor">
+        <a:schemeClr val="lt1"/>
+      </a:fontRef>
+    </dgm:style>
+  </dgm:styleLbl>
+  <dgm:styleLbl name="parChTrans2D4">
+    <dgm:scene3d>
+      <a:camera prst="orthographicFront"/>
+      <a:lightRig rig="threePt" dir="t"/>
+    </dgm:scene3d>
+    <dgm:sp3d/>
+    <dgm:txPr/>
+    <dgm:style>
+      <a:lnRef idx="2">
+        <a:scrgbClr r="0" g="0" b="0"/>
+      </a:lnRef>
+      <a:fillRef idx="1">
+        <a:scrgbClr r="0" g="0" b="0"/>
+      </a:fillRef>
+      <a:effectRef idx="0">
+        <a:scrgbClr r="0" g="0" b="0"/>
+      </a:effectRef>
+      <a:fontRef idx="minor">
+        <a:schemeClr val="lt1"/>
+      </a:fontRef>
+    </dgm:style>
+  </dgm:styleLbl>
+  <dgm:styleLbl name="parChTrans1D1">
+    <dgm:scene3d>
+      <a:camera prst="orthographicFront"/>
+      <a:lightRig rig="threePt" dir="t"/>
+    </dgm:scene3d>
+    <dgm:sp3d/>
+    <dgm:txPr/>
+    <dgm:style>
+      <a:lnRef idx="2">
+        <a:scrgbClr r="0" g="0" b="0"/>
+      </a:lnRef>
+      <a:fillRef idx="0">
+        <a:scrgbClr r="0" g="0" b="0"/>
+      </a:fillRef>
+      <a:effectRef idx="0">
+        <a:scrgbClr r="0" g="0" b="0"/>
+      </a:effectRef>
+      <a:fontRef idx="minor"/>
+    </dgm:style>
+  </dgm:styleLbl>
+  <dgm:styleLbl name="parChTrans1D2">
+    <dgm:scene3d>
+      <a:camera prst="orthographicFront"/>
+      <a:lightRig rig="threePt" dir="t"/>
+    </dgm:scene3d>
+    <dgm:sp3d/>
+    <dgm:txPr/>
+    <dgm:style>
+      <a:lnRef idx="2">
+        <a:scrgbClr r="0" g="0" b="0"/>
+      </a:lnRef>
+      <a:fillRef idx="0">
+        <a:scrgbClr r="0" g="0" b="0"/>
+      </a:fillRef>
+      <a:effectRef idx="0">
+        <a:scrgbClr r="0" g="0" b="0"/>
+      </a:effectRef>
+      <a:fontRef idx="minor"/>
+    </dgm:style>
+  </dgm:styleLbl>
+  <dgm:styleLbl name="parChTrans1D3">
+    <dgm:scene3d>
+      <a:camera prst="orthographicFront"/>
+      <a:lightRig rig="threePt" dir="t"/>
+    </dgm:scene3d>
+    <dgm:sp3d/>
+    <dgm:txPr/>
+    <dgm:style>
+      <a:lnRef idx="2">
+        <a:scrgbClr r="0" g="0" b="0"/>
+      </a:lnRef>
+      <a:fillRef idx="0">
+        <a:scrgbClr r="0" g="0" b="0"/>
+      </a:fillRef>
+      <a:effectRef idx="0">
+        <a:scrgbClr r="0" g="0" b="0"/>
+      </a:effectRef>
+      <a:fontRef idx="minor"/>
+    </dgm:style>
+  </dgm:styleLbl>
+  <dgm:styleLbl name="parChTrans1D4">
+    <dgm:scene3d>
+      <a:camera prst="orthographicFront"/>
+      <a:lightRig rig="threePt" dir="t"/>
+    </dgm:scene3d>
+    <dgm:sp3d/>
+    <dgm:txPr/>
+    <dgm:style>
+      <a:lnRef idx="2">
+        <a:scrgbClr r="0" g="0" b="0"/>
+      </a:lnRef>
+      <a:fillRef idx="0">
+        <a:scrgbClr r="0" g="0" b="0"/>
+      </a:fillRef>
+      <a:effectRef idx="0">
+        <a:scrgbClr r="0" g="0" b="0"/>
+      </a:effectRef>
+      <a:fontRef idx="minor"/>
+    </dgm:style>
+  </dgm:styleLbl>
+  <dgm:styleLbl name="fgAcc1">
+    <dgm:scene3d>
+      <a:camera prst="orthographicFront"/>
+      <a:lightRig rig="threePt" dir="t"/>
+    </dgm:scene3d>
+    <dgm:sp3d/>
+    <dgm:txPr/>
+    <dgm:style>
+      <a:lnRef idx="2">
+        <a:scrgbClr r="0" g="0" b="0"/>
+      </a:lnRef>
+      <a:fillRef idx="1">
+        <a:scrgbClr r="0" g="0" b="0"/>
+      </a:fillRef>
+      <a:effectRef idx="0">
+        <a:scrgbClr r="0" g="0" b="0"/>
+      </a:effectRef>
+      <a:fontRef idx="minor"/>
+    </dgm:style>
+  </dgm:styleLbl>
+  <dgm:styleLbl name="conFgAcc1">
+    <dgm:scene3d>
+      <a:camera prst="orthographicFront"/>
+      <a:lightRig rig="threePt" dir="t"/>
+    </dgm:scene3d>
+    <dgm:sp3d/>
+    <dgm:txPr/>
+    <dgm:style>
+      <a:lnRef idx="2">
+        <a:scrgbClr r="0" g="0" b="0"/>
+      </a:lnRef>
+      <a:fillRef idx="1">
+        <a:scrgbClr r="0" g="0" b="0"/>
+      </a:fillRef>
+      <a:effectRef idx="0">
+        <a:scrgbClr r="0" g="0" b="0"/>
+      </a:effectRef>
+      <a:fontRef idx="minor"/>
+    </dgm:style>
+  </dgm:styleLbl>
+  <dgm:styleLbl name="alignAcc1">
+    <dgm:scene3d>
+      <a:camera prst="orthographicFront"/>
+      <a:lightRig rig="threePt" dir="t"/>
+    </dgm:scene3d>
+    <dgm:sp3d/>
+    <dgm:txPr/>
+    <dgm:style>
+      <a:lnRef idx="2">
+        <a:scrgbClr r="0" g="0" b="0"/>
+      </a:lnRef>
+      <a:fillRef idx="1">
+        <a:scrgbClr r="0" g="0" b="0"/>
+      </a:fillRef>
+      <a:effectRef idx="0">
+        <a:scrgbClr r="0" g="0" b="0"/>
+      </a:effectRef>
+      <a:fontRef idx="minor"/>
+    </dgm:style>
+  </dgm:styleLbl>
+  <dgm:styleLbl name="trAlignAcc1">
+    <dgm:scene3d>
+      <a:camera prst="orthographicFront"/>
+      <a:lightRig rig="threePt" dir="t"/>
+    </dgm:scene3d>
+    <dgm:sp3d/>
+    <dgm:txPr/>
+    <dgm:style>
+      <a:lnRef idx="1">
+        <a:scrgbClr r="0" g="0" b="0"/>
+      </a:lnRef>
+      <a:fillRef idx="1">
+        <a:scrgbClr r="0" g="0" b="0"/>
+      </a:fillRef>
+      <a:effectRef idx="0">
+        <a:scrgbClr r="0" g="0" b="0"/>
+      </a:effectRef>
+      <a:fontRef idx="minor"/>
+    </dgm:style>
+  </dgm:styleLbl>
+  <dgm:styleLbl name="bgAcc1">
+    <dgm:scene3d>
+      <a:camera prst="orthographicFront"/>
+      <a:lightRig rig="threePt" dir="t"/>
+    </dgm:scene3d>
+    <dgm:sp3d/>
+    <dgm:txPr/>
+    <dgm:style>
+      <a:lnRef idx="2">
+        <a:scrgbClr r="0" g="0" b="0"/>
+      </a:lnRef>
+      <a:fillRef idx="1">
+        <a:scrgbClr r="0" g="0" b="0"/>
+      </a:fillRef>
+      <a:effectRef idx="0">
+        <a:scrgbClr r="0" g="0" b="0"/>
+      </a:effectRef>
+      <a:fontRef idx="minor"/>
+    </dgm:style>
+  </dgm:styleLbl>
+  <dgm:styleLbl name="solidFgAcc1">
+    <dgm:scene3d>
+      <a:camera prst="orthographicFront"/>
+      <a:lightRig rig="threePt" dir="t"/>
+    </dgm:scene3d>
+    <dgm:sp3d/>
+    <dgm:txPr/>
+    <dgm:style>
+      <a:lnRef idx="2">
+        <a:scrgbClr r="0" g="0" b="0"/>
+      </a:lnRef>
+      <a:fillRef idx="1">
+        <a:scrgbClr r="0" g="0" b="0"/>
+      </a:fillRef>
+      <a:effectRef idx="0">
+        <a:scrgbClr r="0" g="0" b="0"/>
+      </a:effectRef>
+      <a:fontRef idx="minor"/>
+    </dgm:style>
+  </dgm:styleLbl>
+  <dgm:styleLbl name="solidAlignAcc1">
+    <dgm:scene3d>
+      <a:camera prst="orthographicFront"/>
+      <a:lightRig rig="threePt" dir="t"/>
+    </dgm:scene3d>
+    <dgm:sp3d/>
+    <dgm:txPr/>
+    <dgm:style>
+      <a:lnRef idx="2">
+        <a:scrgbClr r="0" g="0" b="0"/>
+      </a:lnRef>
+      <a:fillRef idx="1">
+        <a:scrgbClr r="0" g="0" b="0"/>
+      </a:fillRef>
+      <a:effectRef idx="0">
+        <a:scrgbClr r="0" g="0" b="0"/>
+      </a:effectRef>
+      <a:fontRef idx="minor"/>
+    </dgm:style>
+  </dgm:styleLbl>
+  <dgm:styleLbl name="solidBgAcc1">
+    <dgm:scene3d>
+      <a:camera prst="orthographicFront"/>
+      <a:lightRig rig="threePt" dir="t"/>
+    </dgm:scene3d>
+    <dgm:sp3d/>
+    <dgm:txPr/>
+    <dgm:style>
+      <a:lnRef idx="2">
+        <a:scrgbClr r="0" g="0" b="0"/>
+      </a:lnRef>
+      <a:fillRef idx="1">
+        <a:scrgbClr r="0" g="0" b="0"/>
+      </a:fillRef>
+      <a:effectRef idx="0">
+        <a:scrgbClr r="0" g="0" b="0"/>
+      </a:effectRef>
+      <a:fontRef idx="minor"/>
+    </dgm:style>
+  </dgm:styleLbl>
+  <dgm:styleLbl name="fgAccFollowNode1">
+    <dgm:scene3d>
+      <a:camera prst="orthographicFront"/>
+      <a:lightRig rig="threePt" dir="t"/>
+    </dgm:scene3d>
+    <dgm:sp3d/>
+    <dgm:txPr/>
+    <dgm:style>
+      <a:lnRef idx="2">
+        <a:scrgbClr r="0" g="0" b="0"/>
+      </a:lnRef>
+      <a:fillRef idx="1">
+        <a:scrgbClr r="0" g="0" b="0"/>
+      </a:fillRef>
+      <a:effectRef idx="0">
+        <a:scrgbClr r="0" g="0" b="0"/>
+      </a:effectRef>
+      <a:fontRef idx="minor"/>
+    </dgm:style>
+  </dgm:styleLbl>
+  <dgm:styleLbl name="alignAccFollowNode1">
+    <dgm:scene3d>
+      <a:camera prst="orthographicFront"/>
+      <a:lightRig rig="threePt" dir="t"/>
+    </dgm:scene3d>
+    <dgm:sp3d/>
+    <dgm:txPr/>
+    <dgm:style>
+      <a:lnRef idx="2">
+        <a:scrgbClr r="0" g="0" b="0"/>
+      </a:lnRef>
+      <a:fillRef idx="1">
+        <a:scrgbClr r="0" g="0" b="0"/>
+      </a:fillRef>
+      <a:effectRef idx="0">
+        <a:scrgbClr r="0" g="0" b="0"/>
+      </a:effectRef>
+      <a:fontRef idx="minor"/>
+    </dgm:style>
+  </dgm:styleLbl>
+  <dgm:styleLbl name="bgAccFollowNode1">
+    <dgm:scene3d>
+      <a:camera prst="orthographicFront"/>
+      <a:lightRig rig="threePt" dir="t"/>
+    </dgm:scene3d>
+    <dgm:sp3d/>
+    <dgm:txPr/>
+    <dgm:style>
+      <a:lnRef idx="2">
+        <a:scrgbClr r="0" g="0" b="0"/>
+      </a:lnRef>
+      <a:fillRef idx="1">
+        <a:scrgbClr r="0" g="0" b="0"/>
+      </a:fillRef>
+      <a:effectRef idx="0">
+        <a:scrgbClr r="0" g="0" b="0"/>
+      </a:effectRef>
+      <a:fontRef idx="minor"/>
+    </dgm:style>
+  </dgm:styleLbl>
+  <dgm:styleLbl name="fgAcc0">
+    <dgm:scene3d>
+      <a:camera prst="orthographicFront"/>
+      <a:lightRig rig="threePt" dir="t"/>
+    </dgm:scene3d>
+    <dgm:sp3d/>
+    <dgm:txPr/>
+    <dgm:style>
+      <a:lnRef idx="2">
+        <a:scrgbClr r="0" g="0" b="0"/>
+      </a:lnRef>
+      <a:fillRef idx="1">
+        <a:scrgbClr r="0" g="0" b="0"/>
+      </a:fillRef>
+      <a:effectRef idx="0">
+        <a:scrgbClr r="0" g="0" b="0"/>
+      </a:effectRef>
+      <a:fontRef idx="minor"/>
+    </dgm:style>
+  </dgm:styleLbl>
+  <dgm:styleLbl name="fgAcc2">
+    <dgm:scene3d>
+      <a:camera prst="orthographicFront"/>
+      <a:lightRig rig="threePt" dir="t"/>
+    </dgm:scene3d>
+    <dgm:sp3d/>
+    <dgm:txPr/>
+    <dgm:style>
+      <a:lnRef idx="2">
+        <a:scrgbClr r="0" g="0" b="0"/>
+      </a:lnRef>
+      <a:fillRef idx="1">
+        <a:scrgbClr r="0" g="0" b="0"/>
+      </a:fillRef>
+      <a:effectRef idx="0">
+        <a:scrgbClr r="0" g="0" b="0"/>
+      </a:effectRef>
+      <a:fontRef idx="minor"/>
+    </dgm:style>
+  </dgm:styleLbl>
+  <dgm:styleLbl name="fgAcc3">
+    <dgm:scene3d>
+      <a:camera prst="orthographicFront"/>
+      <a:lightRig rig="threePt" dir="t"/>
+    </dgm:scene3d>
+    <dgm:sp3d/>
+    <dgm:txPr/>
+    <dgm:style>
+      <a:lnRef idx="2">
+        <a:scrgbClr r="0" g="0" b="0"/>
+      </a:lnRef>
+      <a:fillRef idx="1">
+        <a:scrgbClr r="0" g="0" b="0"/>
+      </a:fillRef>
+      <a:effectRef idx="0">
+        <a:scrgbClr r="0" g="0" b="0"/>
+      </a:effectRef>
+      <a:fontRef idx="minor"/>
+    </dgm:style>
+  </dgm:styleLbl>
+  <dgm:styleLbl name="fgAcc4">
+    <dgm:scene3d>
+      <a:camera prst="orthographicFront"/>
+      <a:lightRig rig="threePt" dir="t"/>
+    </dgm:scene3d>
+    <dgm:sp3d/>
+    <dgm:txPr/>
+    <dgm:style>
+      <a:lnRef idx="2">
+        <a:scrgbClr r="0" g="0" b="0"/>
+      </a:lnRef>
+      <a:fillRef idx="1">
+        <a:scrgbClr r="0" g="0" b="0"/>
+      </a:fillRef>
+      <a:effectRef idx="0">
+        <a:scrgbClr r="0" g="0" b="0"/>
+      </a:effectRef>
+      <a:fontRef idx="minor"/>
+    </dgm:style>
+  </dgm:styleLbl>
+  <dgm:styleLbl name="bgShp">
+    <dgm:scene3d>
+      <a:camera prst="orthographicFront"/>
+      <a:lightRig rig="threePt" dir="t"/>
+    </dgm:scene3d>
+    <dgm:sp3d/>
+    <dgm:txPr/>
+    <dgm:style>
+      <a:lnRef idx="0">
+        <a:scrgbClr r="0" g="0" b="0"/>
+      </a:lnRef>
+      <a:fillRef idx="1">
+        <a:scrgbClr r="0" g="0" b="0"/>
+      </a:fillRef>
+      <a:effectRef idx="0">
+        <a:scrgbClr r="0" g="0" b="0"/>
+      </a:effectRef>
+      <a:fontRef idx="minor"/>
+    </dgm:style>
+  </dgm:styleLbl>
+  <dgm:styleLbl name="dkBgShp">
+    <dgm:scene3d>
+      <a:camera prst="orthographicFront"/>
+      <a:lightRig rig="threePt" dir="t"/>
+    </dgm:scene3d>
+    <dgm:sp3d/>
+    <dgm:txPr/>
+    <dgm:style>
+      <a:lnRef idx="0">
+        <a:scrgbClr r="0" g="0" b="0"/>
+      </a:lnRef>
+      <a:fillRef idx="1">
+        <a:scrgbClr r="0" g="0" b="0"/>
+      </a:fillRef>
+      <a:effectRef idx="0">
+        <a:scrgbClr r="0" g="0" b="0"/>
+      </a:effectRef>
+      <a:fontRef idx="minor"/>
+    </dgm:style>
+  </dgm:styleLbl>
+  <dgm:styleLbl name="trBgShp">
+    <dgm:scene3d>
+      <a:camera prst="orthographicFront"/>
+      <a:lightRig rig="threePt" dir="t"/>
+    </dgm:scene3d>
+    <dgm:sp3d/>
+    <dgm:txPr/>
+    <dgm:style>
+      <a:lnRef idx="0">
+        <a:scrgbClr r="0" g="0" b="0"/>
+      </a:lnRef>
+      <a:fillRef idx="1">
+        <a:scrgbClr r="0" g="0" b="0"/>
+      </a:fillRef>
+      <a:effectRef idx="0">
+        <a:scrgbClr r="0" g="0" b="0"/>
+      </a:effectRef>
+      <a:fontRef idx="minor"/>
+    </dgm:style>
+  </dgm:styleLbl>
+  <dgm:styleLbl name="fgShp">
+    <dgm:scene3d>
+      <a:camera prst="orthographicFront"/>
+      <a:lightRig rig="threePt" dir="t"/>
+    </dgm:scene3d>
+    <dgm:sp3d/>
+    <dgm:txPr/>
+    <dgm:style>
+      <a:lnRef idx="2">
+        <a:scrgbClr r="0" g="0" b="0"/>
+      </a:lnRef>
+      <a:fillRef idx="1">
+        <a:scrgbClr r="0" g="0" b="0"/>
+      </a:fillRef>
+      <a:effectRef idx="0">
+        <a:scrgbClr r="0" g="0" b="0"/>
+      </a:effectRef>
+      <a:fontRef idx="minor"/>
+    </dgm:style>
+  </dgm:styleLbl>
+  <dgm:styleLbl name="revTx">
+    <dgm:scene3d>
+      <a:camera prst="orthographicFront"/>
+      <a:lightRig rig="threePt" dir="t"/>
+    </dgm:scene3d>
+    <dgm:sp3d/>
+    <dgm:txPr/>
+    <dgm:style>
+      <a:lnRef idx="0">
+        <a:scrgbClr r="0" g="0" b="0"/>
+      </a:lnRef>
+      <a:fillRef idx="0">
+        <a:scrgbClr r="0" g="0" b="0"/>
+      </a:fillRef>
+      <a:effectRef idx="0">
+        <a:scrgbClr r="0" g="0" b="0"/>
+      </a:effectRef>
+      <a:fontRef idx="minor"/>
+    </dgm:style>
+  </dgm:styleLbl>
+</dgm:styleDef>
+</file>
+
+<file path=ppt/diagrams/quickStyle2.xml><?xml version="1.0" encoding="utf-8"?>
+<dgm:styleDef xmlns:dgm="http://schemas.openxmlformats.org/drawingml/2006/diagram" xmlns:a="http://schemas.openxmlformats.org/drawingml/2006/main" uniqueId="urn:microsoft.com/office/officeart/2005/8/quickstyle/simple1">
+  <dgm:title val=""/>
+  <dgm:desc val=""/>
+  <dgm:catLst>
+    <dgm:cat type="simple" pri="10100"/>
+  </dgm:catLst>
+  <dgm:scene3d>
+    <a:camera prst="orthographicFront"/>
+    <a:lightRig rig="threePt" dir="t"/>
+  </dgm:scene3d>
+  <dgm:styleLbl name="node0">
+    <dgm:scene3d>
+      <a:camera prst="orthographicFront"/>
+      <a:lightRig rig="threePt" dir="t"/>
+    </dgm:scene3d>
+    <dgm:sp3d/>
+    <dgm:txPr/>
+    <dgm:style>
+      <a:lnRef idx="2">
+        <a:scrgbClr r="0" g="0" b="0"/>
+      </a:lnRef>
+      <a:fillRef idx="1">
+        <a:scrgbClr r="0" g="0" b="0"/>
+      </a:fillRef>
+      <a:effectRef idx="0">
+        <a:scrgbClr r="0" g="0" b="0"/>
+      </a:effectRef>
+      <a:fontRef idx="minor">
+        <a:schemeClr val="lt1"/>
+      </a:fontRef>
+    </dgm:style>
+  </dgm:styleLbl>
+  <dgm:styleLbl name="lnNode1">
+    <dgm:scene3d>
+      <a:camera prst="orthographicFront"/>
+      <a:lightRig rig="threePt" dir="t"/>
+    </dgm:scene3d>
+    <dgm:sp3d/>
+    <dgm:txPr/>
+    <dgm:style>
+      <a:lnRef idx="2">
+        <a:scrgbClr r="0" g="0" b="0"/>
+      </a:lnRef>
+      <a:fillRef idx="1">
+        <a:scrgbClr r="0" g="0" b="0"/>
+      </a:fillRef>
+      <a:effectRef idx="0">
+        <a:scrgbClr r="0" g="0" b="0"/>
+      </a:effectRef>
+      <a:fontRef idx="minor">
+        <a:schemeClr val="lt1"/>
+      </a:fontRef>
+    </dgm:style>
+  </dgm:styleLbl>
+  <dgm:styleLbl name="vennNode1">
+    <dgm:scene3d>
+      <a:camera prst="orthographicFront"/>
+      <a:lightRig rig="threePt" dir="t"/>
+    </dgm:scene3d>
+    <dgm:sp3d/>
+    <dgm:txPr/>
+    <dgm:style>
+      <a:lnRef idx="2">
+        <a:scrgbClr r="0" g="0" b="0"/>
+      </a:lnRef>
+      <a:fillRef idx="1">
+        <a:scrgbClr r="0" g="0" b="0"/>
+      </a:fillRef>
+      <a:effectRef idx="0">
+        <a:scrgbClr r="0" g="0" b="0"/>
+      </a:effectRef>
+      <a:fontRef idx="minor">
+        <a:schemeClr val="tx1"/>
+      </a:fontRef>
+    </dgm:style>
+  </dgm:styleLbl>
+  <dgm:styleLbl name="alignNode1">
+    <dgm:scene3d>
+      <a:camera prst="orthographicFront"/>
+      <a:lightRig rig="threePt" dir="t"/>
+    </dgm:scene3d>
+    <dgm:sp3d/>
+    <dgm:txPr/>
+    <dgm:style>
+      <a:lnRef idx="2">
+        <a:scrgbClr r="0" g="0" b="0"/>
+      </a:lnRef>
+      <a:fillRef idx="1">
+        <a:scrgbClr r="0" g="0" b="0"/>
+      </a:fillRef>
+      <a:effectRef idx="0">
+        <a:scrgbClr r="0" g="0" b="0"/>
+      </a:effectRef>
+      <a:fontRef idx="minor">
+        <a:schemeClr val="lt1"/>
+      </a:fontRef>
+    </dgm:style>
+  </dgm:styleLbl>
+  <dgm:styleLbl name="node1">
+    <dgm:scene3d>
+      <a:camera prst="orthographicFront"/>
+      <a:lightRig rig="threePt" dir="t"/>
+    </dgm:scene3d>
+    <dgm:sp3d/>
+    <dgm:txPr/>
+    <dgm:style>
+      <a:lnRef idx="2">
+        <a:scrgbClr r="0" g="0" b="0"/>
+      </a:lnRef>
+      <a:fillRef idx="1">
+        <a:scrgbClr r="0" g="0" b="0"/>
+      </a:fillRef>
+      <a:effectRef idx="0">
+        <a:scrgbClr r="0" g="0" b="0"/>
+      </a:effectRef>
+      <a:fontRef idx="minor">
+        <a:schemeClr val="lt1"/>
+      </a:fontRef>
+    </dgm:style>
+  </dgm:styleLbl>
+  <dgm:styleLbl name="node2">
+    <dgm:scene3d>
+      <a:camera prst="orthographicFront"/>
+      <a:lightRig rig="threePt" dir="t"/>
+    </dgm:scene3d>
+    <dgm:sp3d/>
+    <dgm:txPr/>
+    <dgm:style>
+      <a:lnRef idx="2">
+        <a:scrgbClr r="0" g="0" b="0"/>
+      </a:lnRef>
+      <a:fillRef idx="1">
+        <a:scrgbClr r="0" g="0" b="0"/>
+      </a:fillRef>
+      <a:effectRef idx="0">
+        <a:scrgbClr r="0" g="0" b="0"/>
+      </a:effectRef>
+      <a:fontRef idx="minor">
+        <a:schemeClr val="lt1"/>
+      </a:fontRef>
+    </dgm:style>
+  </dgm:styleLbl>
+  <dgm:styleLbl name="node3">
+    <dgm:scene3d>
+      <a:camera prst="orthographicFront"/>
+      <a:lightRig rig="threePt" dir="t"/>
+    </dgm:scene3d>
+    <dgm:sp3d/>
+    <dgm:txPr/>
+    <dgm:style>
+      <a:lnRef idx="2">
+        <a:scrgbClr r="0" g="0" b="0"/>
+      </a:lnRef>
+      <a:fillRef idx="1">
+        <a:scrgbClr r="0" g="0" b="0"/>
+      </a:fillRef>
+      <a:effectRef idx="0">
+        <a:scrgbClr r="0" g="0" b="0"/>
+      </a:effectRef>
+      <a:fontRef idx="minor">
+        <a:schemeClr val="lt1"/>
+      </a:fontRef>
+    </dgm:style>
+  </dgm:styleLbl>
+  <dgm:styleLbl name="node4">
+    <dgm:scene3d>
+      <a:camera prst="orthographicFront"/>
+      <a:lightRig rig="threePt" dir="t"/>
+    </dgm:scene3d>
+    <dgm:sp3d/>
+    <dgm:txPr/>
+    <dgm:style>
+      <a:lnRef idx="2">
+        <a:scrgbClr r="0" g="0" b="0"/>
+      </a:lnRef>
+      <a:fillRef idx="1">
+        <a:scrgbClr r="0" g="0" b="0"/>
+      </a:fillRef>
+      <a:effectRef idx="0">
+        <a:scrgbClr r="0" g="0" b="0"/>
+      </a:effectRef>
+      <a:fontRef idx="minor">
+        <a:schemeClr val="lt1"/>
+      </a:fontRef>
+    </dgm:style>
+  </dgm:styleLbl>
+  <dgm:styleLbl name="fgImgPlace1">
+    <dgm:scene3d>
+      <a:camera prst="orthographicFront"/>
+      <a:lightRig rig="threePt" dir="t"/>
+    </dgm:scene3d>
+    <dgm:sp3d/>
+    <dgm:txPr/>
+    <dgm:style>
+      <a:lnRef idx="2">
+        <a:scrgbClr r="0" g="0" b="0"/>
+      </a:lnRef>
+      <a:fillRef idx="1">
+        <a:scrgbClr r="0" g="0" b="0"/>
+      </a:fillRef>
+      <a:effectRef idx="0">
+        <a:scrgbClr r="0" g="0" b="0"/>
+      </a:effectRef>
+      <a:fontRef idx="minor"/>
+    </dgm:style>
+  </dgm:styleLbl>
+  <dgm:styleLbl name="alignImgPlace1">
+    <dgm:scene3d>
+      <a:camera prst="orthographicFront"/>
+      <a:lightRig rig="threePt" dir="t"/>
+    </dgm:scene3d>
+    <dgm:sp3d/>
+    <dgm:txPr/>
+    <dgm:style>
+      <a:lnRef idx="2">
+        <a:scrgbClr r="0" g="0" b="0"/>
+      </a:lnRef>
+      <a:fillRef idx="1">
+        <a:scrgbClr r="0" g="0" b="0"/>
+      </a:fillRef>
+      <a:effectRef idx="0">
+        <a:scrgbClr r="0" g="0" b="0"/>
+      </a:effectRef>
+      <a:fontRef idx="minor"/>
+    </dgm:style>
+  </dgm:styleLbl>
+  <dgm:styleLbl name="bgImgPlace1">
+    <dgm:scene3d>
+      <a:camera prst="orthographicFront"/>
+      <a:lightRig rig="threePt" dir="t"/>
+    </dgm:scene3d>
+    <dgm:sp3d/>
+    <dgm:txPr/>
+    <dgm:style>
+      <a:lnRef idx="2">
+        <a:scrgbClr r="0" g="0" b="0"/>
+      </a:lnRef>
+      <a:fillRef idx="1">
+        <a:scrgbClr r="0" g="0" b="0"/>
+      </a:fillRef>
+      <a:effectRef idx="0">
+        <a:scrgbClr r="0" g="0" b="0"/>
+      </a:effectRef>
+      <a:fontRef idx="minor"/>
+    </dgm:style>
+  </dgm:styleLbl>
+  <dgm:styleLbl name="sibTrans2D1">
+    <dgm:scene3d>
+      <a:camera prst="orthographicFront"/>
+      <a:lightRig rig="threePt" dir="t"/>
+    </dgm:scene3d>
+    <dgm:sp3d/>
+    <dgm:txPr/>
+    <dgm:style>
+      <a:lnRef idx="0">
+        <a:scrgbClr r="0" g="0" b="0"/>
+      </a:lnRef>
+      <a:fillRef idx="1">
+        <a:scrgbClr r="0" g="0" b="0"/>
+      </a:fillRef>
+      <a:effectRef idx="0">
+        <a:scrgbClr r="0" g="0" b="0"/>
+      </a:effectRef>
+      <a:fontRef idx="minor">
+        <a:schemeClr val="lt1"/>
+      </a:fontRef>
+    </dgm:style>
+  </dgm:styleLbl>
+  <dgm:styleLbl name="fgSibTrans2D1">
+    <dgm:scene3d>
+      <a:camera prst="orthographicFront"/>
+      <a:lightRig rig="threePt" dir="t"/>
+    </dgm:scene3d>
+    <dgm:sp3d/>
+    <dgm:txPr/>
+    <dgm:style>
+      <a:lnRef idx="0">
+        <a:scrgbClr r="0" g="0" b="0"/>
+      </a:lnRef>
+      <a:fillRef idx="1">
+        <a:scrgbClr r="0" g="0" b="0"/>
+      </a:fillRef>
+      <a:effectRef idx="0">
+        <a:scrgbClr r="0" g="0" b="0"/>
+      </a:effectRef>
+      <a:fontRef idx="minor">
+        <a:schemeClr val="lt1"/>
+      </a:fontRef>
+    </dgm:style>
+  </dgm:styleLbl>
+  <dgm:styleLbl name="bgSibTrans2D1">
+    <dgm:scene3d>
+      <a:camera prst="orthographicFront"/>
+      <a:lightRig rig="threePt" dir="t"/>
+    </dgm:scene3d>
+    <dgm:sp3d/>
+    <dgm:txPr/>
+    <dgm:style>
+      <a:lnRef idx="0">
+        <a:scrgbClr r="0" g="0" b="0"/>
+      </a:lnRef>
+      <a:fillRef idx="1">
+        <a:scrgbClr r="0" g="0" b="0"/>
+      </a:fillRef>
+      <a:effectRef idx="0">
+        <a:scrgbClr r="0" g="0" b="0"/>
+      </a:effectRef>
+      <a:fontRef idx="minor">
+        <a:schemeClr val="lt1"/>
+      </a:fontRef>
+    </dgm:style>
+  </dgm:styleLbl>
+  <dgm:styleLbl name="sibTrans1D1">
+    <dgm:scene3d>
+      <a:camera prst="orthographicFront"/>
+      <a:lightRig rig="threePt" dir="t"/>
+    </dgm:scene3d>
+    <dgm:sp3d/>
+    <dgm:txPr/>
+    <dgm:style>
+      <a:lnRef idx="1">
+        <a:scrgbClr r="0" g="0" b="0"/>
+      </a:lnRef>
+      <a:fillRef idx="0">
+        <a:scrgbClr r="0" g="0" b="0"/>
+      </a:fillRef>
+      <a:effectRef idx="0">
+        <a:scrgbClr r="0" g="0" b="0"/>
+      </a:effectRef>
+      <a:fontRef idx="minor"/>
+    </dgm:style>
+  </dgm:styleLbl>
+  <dgm:styleLbl name="callout">
+    <dgm:scene3d>
+      <a:camera prst="orthographicFront"/>
+      <a:lightRig rig="threePt" dir="t"/>
+    </dgm:scene3d>
+    <dgm:sp3d/>
+    <dgm:txPr/>
+    <dgm:style>
+      <a:lnRef idx="2">
+        <a:scrgbClr r="0" g="0" b="0"/>
+      </a:lnRef>
+      <a:fillRef idx="1">
+        <a:scrgbClr r="0" g="0" b="0"/>
+      </a:fillRef>
+      <a:effectRef idx="0">
+        <a:scrgbClr r="0" g="0" b="0"/>
+      </a:effectRef>
+      <a:fontRef idx="minor"/>
+    </dgm:style>
+  </dgm:styleLbl>
+  <dgm:styleLbl name="asst0">
+    <dgm:scene3d>
+      <a:camera prst="orthographicFront"/>
+      <a:lightRig rig="threePt" dir="t"/>
+    </dgm:scene3d>
+    <dgm:sp3d/>
+    <dgm:txPr/>
+    <dgm:style>
+      <a:lnRef idx="2">
+        <a:scrgbClr r="0" g="0" b="0"/>
+      </a:lnRef>
+      <a:fillRef idx="1">
+        <a:scrgbClr r="0" g="0" b="0"/>
+      </a:fillRef>
+      <a:effectRef idx="0">
+        <a:scrgbClr r="0" g="0" b="0"/>
+      </a:effectRef>
+      <a:fontRef idx="minor">
+        <a:schemeClr val="lt1"/>
+      </a:fontRef>
+    </dgm:style>
+  </dgm:styleLbl>
+  <dgm:styleLbl name="asst1">
+    <dgm:scene3d>
+      <a:camera prst="orthographicFront"/>
+      <a:lightRig rig="threePt" dir="t"/>
+    </dgm:scene3d>
+    <dgm:sp3d/>
+    <dgm:txPr/>
+    <dgm:style>
+      <a:lnRef idx="2">
+        <a:scrgbClr r="0" g="0" b="0"/>
+      </a:lnRef>
+      <a:fillRef idx="1">
+        <a:scrgbClr r="0" g="0" b="0"/>
+      </a:fillRef>
+      <a:effectRef idx="0">
+        <a:scrgbClr r="0" g="0" b="0"/>
+      </a:effectRef>
+      <a:fontRef idx="minor">
+        <a:schemeClr val="lt1"/>
+      </a:fontRef>
+    </dgm:style>
+  </dgm:styleLbl>
+  <dgm:styleLbl name="asst2">
+    <dgm:scene3d>
+      <a:camera prst="orthographicFront"/>
+      <a:lightRig rig="threePt" dir="t"/>
+    </dgm:scene3d>
+    <dgm:sp3d/>
+    <dgm:txPr/>
+    <dgm:style>
+      <a:lnRef idx="2">
+        <a:scrgbClr r="0" g="0" b="0"/>
+      </a:lnRef>
+      <a:fillRef idx="1">
+        <a:scrgbClr r="0" g="0" b="0"/>
+      </a:fillRef>
+      <a:effectRef idx="0">
+        <a:scrgbClr r="0" g="0" b="0"/>
+      </a:effectRef>
+      <a:fontRef idx="minor">
+        <a:schemeClr val="lt1"/>
+      </a:fontRef>
+    </dgm:style>
+  </dgm:styleLbl>
+  <dgm:styleLbl name="asst3">
+    <dgm:scene3d>
+      <a:camera prst="orthographicFront"/>
+      <a:lightRig rig="threePt" dir="t"/>
+    </dgm:scene3d>
+    <dgm:sp3d/>
+    <dgm:txPr/>
+    <dgm:style>
+      <a:lnRef idx="2">
+        <a:scrgbClr r="0" g="0" b="0"/>
+      </a:lnRef>
+      <a:fillRef idx="1">
+        <a:scrgbClr r="0" g="0" b="0"/>
+      </a:fillRef>
+      <a:effectRef idx="0">
+        <a:scrgbClr r="0" g="0" b="0"/>
+      </a:effectRef>
+      <a:fontRef idx="minor">
+        <a:schemeClr val="lt1"/>
+      </a:fontRef>
+    </dgm:style>
+  </dgm:styleLbl>
+  <dgm:styleLbl name="asst4">
+    <dgm:scene3d>
+      <a:camera prst="orthographicFront"/>
+      <a:lightRig rig="threePt" dir="t"/>
+    </dgm:scene3d>
+    <dgm:sp3d/>
+    <dgm:txPr/>
+    <dgm:style>
+      <a:lnRef idx="2">
+        <a:scrgbClr r="0" g="0" b="0"/>
+      </a:lnRef>
+      <a:fillRef idx="1">
+        <a:scrgbClr r="0" g="0" b="0"/>
+      </a:fillRef>
+      <a:effectRef idx="0">
+        <a:scrgbClr r="0" g="0" b="0"/>
+      </a:effectRef>
+      <a:fontRef idx="minor">
+        <a:schemeClr val="lt1"/>
+      </a:fontRef>
+    </dgm:style>
+  </dgm:styleLbl>
+  <dgm:styleLbl name="parChTrans2D1">
+    <dgm:scene3d>
+      <a:camera prst="orthographicFront"/>
+      <a:lightRig rig="threePt" dir="t"/>
+    </dgm:scene3d>
+    <dgm:sp3d/>
+    <dgm:txPr/>
+    <dgm:style>
+      <a:lnRef idx="2">
+        <a:scrgbClr r="0" g="0" b="0"/>
+      </a:lnRef>
+      <a:fillRef idx="1">
+        <a:scrgbClr r="0" g="0" b="0"/>
+      </a:fillRef>
+      <a:effectRef idx="0">
+        <a:scrgbClr r="0" g="0" b="0"/>
+      </a:effectRef>
+      <a:fontRef idx="minor">
+        <a:schemeClr val="lt1"/>
+      </a:fontRef>
+    </dgm:style>
+  </dgm:styleLbl>
+  <dgm:styleLbl name="parChTrans2D2">
+    <dgm:scene3d>
+      <a:camera prst="orthographicFront"/>
+      <a:lightRig rig="threePt" dir="t"/>
+    </dgm:scene3d>
+    <dgm:sp3d/>
+    <dgm:txPr/>
+    <dgm:style>
+      <a:lnRef idx="2">
+        <a:scrgbClr r="0" g="0" b="0"/>
+      </a:lnRef>
+      <a:fillRef idx="1">
+        <a:scrgbClr r="0" g="0" b="0"/>
+      </a:fillRef>
+      <a:effectRef idx="0">
+        <a:scrgbClr r="0" g="0" b="0"/>
+      </a:effectRef>
+      <a:fontRef idx="minor">
+        <a:schemeClr val="lt1"/>
+      </a:fontRef>
+    </dgm:style>
+  </dgm:styleLbl>
+  <dgm:styleLbl name="parChTrans2D3">
+    <dgm:scene3d>
+      <a:camera prst="orthographicFront"/>
+      <a:lightRig rig="threePt" dir="t"/>
+    </dgm:scene3d>
+    <dgm:sp3d/>
+    <dgm:txPr/>
+    <dgm:style>
+      <a:lnRef idx="2">
+        <a:scrgbClr r="0" g="0" b="0"/>
+      </a:lnRef>
+      <a:fillRef idx="1">
+        <a:scrgbClr r="0" g="0" b="0"/>
+      </a:fillRef>
+      <a:effectRef idx="0">
+        <a:scrgbClr r="0" g="0" b="0"/>
+      </a:effectRef>
+      <a:fontRef idx="minor">
+        <a:schemeClr val="lt1"/>
+      </a:fontRef>
+    </dgm:style>
+  </dgm:styleLbl>
+  <dgm:styleLbl name="parChTrans2D4">
+    <dgm:scene3d>
+      <a:camera prst="orthographicFront"/>
+      <a:lightRig rig="threePt" dir="t"/>
+    </dgm:scene3d>
+    <dgm:sp3d/>
+    <dgm:txPr/>
+    <dgm:style>
+      <a:lnRef idx="2">
+        <a:scrgbClr r="0" g="0" b="0"/>
+      </a:lnRef>
+      <a:fillRef idx="1">
+        <a:scrgbClr r="0" g="0" b="0"/>
+      </a:fillRef>
+      <a:effectRef idx="0">
+        <a:scrgbClr r="0" g="0" b="0"/>
+      </a:effectRef>
+      <a:fontRef idx="minor">
+        <a:schemeClr val="lt1"/>
+      </a:fontRef>
+    </dgm:style>
+  </dgm:styleLbl>
+  <dgm:styleLbl name="parChTrans1D1">
+    <dgm:scene3d>
+      <a:camera prst="orthographicFront"/>
+      <a:lightRig rig="threePt" dir="t"/>
+    </dgm:scene3d>
+    <dgm:sp3d/>
+    <dgm:txPr/>
+    <dgm:style>
+      <a:lnRef idx="2">
+        <a:scrgbClr r="0" g="0" b="0"/>
+      </a:lnRef>
+      <a:fillRef idx="0">
+        <a:scrgbClr r="0" g="0" b="0"/>
+      </a:fillRef>
+      <a:effectRef idx="0">
+        <a:scrgbClr r="0" g="0" b="0"/>
+      </a:effectRef>
+      <a:fontRef idx="minor"/>
+    </dgm:style>
+  </dgm:styleLbl>
+  <dgm:styleLbl name="parChTrans1D2">
+    <dgm:scene3d>
+      <a:camera prst="orthographicFront"/>
+      <a:lightRig rig="threePt" dir="t"/>
+    </dgm:scene3d>
+    <dgm:sp3d/>
+    <dgm:txPr/>
+    <dgm:style>
+      <a:lnRef idx="2">
+        <a:scrgbClr r="0" g="0" b="0"/>
+      </a:lnRef>
+      <a:fillRef idx="0">
+        <a:scrgbClr r="0" g="0" b="0"/>
+      </a:fillRef>
+      <a:effectRef idx="0">
+        <a:scrgbClr r="0" g="0" b="0"/>
+      </a:effectRef>
+      <a:fontRef idx="minor"/>
+    </dgm:style>
+  </dgm:styleLbl>
+  <dgm:styleLbl name="parChTrans1D3">
+    <dgm:scene3d>
+      <a:camera prst="orthographicFront"/>
+      <a:lightRig rig="threePt" dir="t"/>
+    </dgm:scene3d>
+    <dgm:sp3d/>
+    <dgm:txPr/>
+    <dgm:style>
+      <a:lnRef idx="2">
+        <a:scrgbClr r="0" g="0" b="0"/>
+      </a:lnRef>
+      <a:fillRef idx="0">
+        <a:scrgbClr r="0" g="0" b="0"/>
+      </a:fillRef>
+      <a:effectRef idx="0">
+        <a:scrgbClr r="0" g="0" b="0"/>
+      </a:effectRef>
+      <a:fontRef idx="minor"/>
+    </dgm:style>
+  </dgm:styleLbl>
+  <dgm:styleLbl name="parChTrans1D4">
+    <dgm:scene3d>
+      <a:camera prst="orthographicFront"/>
+      <a:lightRig rig="threePt" dir="t"/>
+    </dgm:scene3d>
+    <dgm:sp3d/>
+    <dgm:txPr/>
+    <dgm:style>
+      <a:lnRef idx="2">
+        <a:scrgbClr r="0" g="0" b="0"/>
+      </a:lnRef>
+      <a:fillRef idx="0">
+        <a:scrgbClr r="0" g="0" b="0"/>
+      </a:fillRef>
+      <a:effectRef idx="0">
+        <a:scrgbClr r="0" g="0" b="0"/>
+      </a:effectRef>
+      <a:fontRef idx="minor"/>
+    </dgm:style>
+  </dgm:styleLbl>
+  <dgm:styleLbl name="fgAcc1">
+    <dgm:scene3d>
+      <a:camera prst="orthographicFront"/>
+      <a:lightRig rig="threePt" dir="t"/>
+    </dgm:scene3d>
+    <dgm:sp3d/>
+    <dgm:txPr/>
+    <dgm:style>
+      <a:lnRef idx="2">
+        <a:scrgbClr r="0" g="0" b="0"/>
+      </a:lnRef>
+      <a:fillRef idx="1">
+        <a:scrgbClr r="0" g="0" b="0"/>
+      </a:fillRef>
+      <a:effectRef idx="0">
+        <a:scrgbClr r="0" g="0" b="0"/>
+      </a:effectRef>
+      <a:fontRef idx="minor"/>
+    </dgm:style>
+  </dgm:styleLbl>
+  <dgm:styleLbl name="conFgAcc1">
+    <dgm:scene3d>
+      <a:camera prst="orthographicFront"/>
+      <a:lightRig rig="threePt" dir="t"/>
+    </dgm:scene3d>
+    <dgm:sp3d/>
+    <dgm:txPr/>
+    <dgm:style>
+      <a:lnRef idx="2">
+        <a:scrgbClr r="0" g="0" b="0"/>
+      </a:lnRef>
+      <a:fillRef idx="1">
+        <a:scrgbClr r="0" g="0" b="0"/>
+      </a:fillRef>
+      <a:effectRef idx="0">
+        <a:scrgbClr r="0" g="0" b="0"/>
+      </a:effectRef>
+      <a:fontRef idx="minor"/>
+    </dgm:style>
+  </dgm:styleLbl>
+  <dgm:styleLbl name="alignAcc1">
+    <dgm:scene3d>
+      <a:camera prst="orthographicFront"/>
+      <a:lightRig rig="threePt" dir="t"/>
+    </dgm:scene3d>
+    <dgm:sp3d/>
+    <dgm:txPr/>
+    <dgm:style>
+      <a:lnRef idx="2">
+        <a:scrgbClr r="0" g="0" b="0"/>
+      </a:lnRef>
+      <a:fillRef idx="1">
+        <a:scrgbClr r="0" g="0" b="0"/>
+      </a:fillRef>
+      <a:effectRef idx="0">
+        <a:scrgbClr r="0" g="0" b="0"/>
+      </a:effectRef>
+      <a:fontRef idx="minor"/>
+    </dgm:style>
+  </dgm:styleLbl>
+  <dgm:styleLbl name="trAlignAcc1">
+    <dgm:scene3d>
+      <a:camera prst="orthographicFront"/>
+      <a:lightRig rig="threePt" dir="t"/>
+    </dgm:scene3d>
+    <dgm:sp3d/>
+    <dgm:txPr/>
+    <dgm:style>
+      <a:lnRef idx="1">
+        <a:scrgbClr r="0" g="0" b="0"/>
+      </a:lnRef>
+      <a:fillRef idx="1">
+        <a:scrgbClr r="0" g="0" b="0"/>
+      </a:fillRef>
+      <a:effectRef idx="0">
+        <a:scrgbClr r="0" g="0" b="0"/>
+      </a:effectRef>
+      <a:fontRef idx="minor"/>
+    </dgm:style>
+  </dgm:styleLbl>
+  <dgm:styleLbl name="bgAcc1">
+    <dgm:scene3d>
+      <a:camera prst="orthographicFront"/>
+      <a:lightRig rig="threePt" dir="t"/>
+    </dgm:scene3d>
+    <dgm:sp3d/>
+    <dgm:txPr/>
+    <dgm:style>
+      <a:lnRef idx="2">
+        <a:scrgbClr r="0" g="0" b="0"/>
+      </a:lnRef>
+      <a:fillRef idx="1">
+        <a:scrgbClr r="0" g="0" b="0"/>
+      </a:fillRef>
+      <a:effectRef idx="0">
+        <a:scrgbClr r="0" g="0" b="0"/>
+      </a:effectRef>
+      <a:fontRef idx="minor"/>
+    </dgm:style>
+  </dgm:styleLbl>
+  <dgm:styleLbl name="solidFgAcc1">
+    <dgm:scene3d>
+      <a:camera prst="orthographicFront"/>
+      <a:lightRig rig="threePt" dir="t"/>
+    </dgm:scene3d>
+    <dgm:sp3d/>
+    <dgm:txPr/>
+    <dgm:style>
+      <a:lnRef idx="2">
+        <a:scrgbClr r="0" g="0" b="0"/>
+      </a:lnRef>
+      <a:fillRef idx="1">
+        <a:scrgbClr r="0" g="0" b="0"/>
+      </a:fillRef>
+      <a:effectRef idx="0">
+        <a:scrgbClr r="0" g="0" b="0"/>
+      </a:effectRef>
+      <a:fontRef idx="minor"/>
+    </dgm:style>
+  </dgm:styleLbl>
+  <dgm:styleLbl name="solidAlignAcc1">
+    <dgm:scene3d>
+      <a:camera prst="orthographicFront"/>
+      <a:lightRig rig="threePt" dir="t"/>
+    </dgm:scene3d>
+    <dgm:sp3d/>
+    <dgm:txPr/>
+    <dgm:style>
+      <a:lnRef idx="2">
+        <a:scrgbClr r="0" g="0" b="0"/>
+      </a:lnRef>
+      <a:fillRef idx="1">
+        <a:scrgbClr r="0" g="0" b="0"/>
+      </a:fillRef>
+      <a:effectRef idx="0">
+        <a:scrgbClr r="0" g="0" b="0"/>
+      </a:effectRef>
+      <a:fontRef idx="minor"/>
+    </dgm:style>
+  </dgm:styleLbl>
+  <dgm:styleLbl name="solidBgAcc1">
+    <dgm:scene3d>
+      <a:camera prst="orthographicFront"/>
+      <a:lightRig rig="threePt" dir="t"/>
+    </dgm:scene3d>
+    <dgm:sp3d/>
+    <dgm:txPr/>
+    <dgm:style>
+      <a:lnRef idx="2">
+        <a:scrgbClr r="0" g="0" b="0"/>
+      </a:lnRef>
+      <a:fillRef idx="1">
+        <a:scrgbClr r="0" g="0" b="0"/>
+      </a:fillRef>
+      <a:effectRef idx="0">
+        <a:scrgbClr r="0" g="0" b="0"/>
+      </a:effectRef>
+      <a:fontRef idx="minor"/>
+    </dgm:style>
+  </dgm:styleLbl>
+  <dgm:styleLbl name="fgAccFollowNode1">
+    <dgm:scene3d>
+      <a:camera prst="orthographicFront"/>
+      <a:lightRig rig="threePt" dir="t"/>
+    </dgm:scene3d>
+    <dgm:sp3d/>
+    <dgm:txPr/>
+    <dgm:style>
+      <a:lnRef idx="2">
+        <a:scrgbClr r="0" g="0" b="0"/>
+      </a:lnRef>
+      <a:fillRef idx="1">
+        <a:scrgbClr r="0" g="0" b="0"/>
+      </a:fillRef>
+      <a:effectRef idx="0">
+        <a:scrgbClr r="0" g="0" b="0"/>
+      </a:effectRef>
+      <a:fontRef idx="minor"/>
+    </dgm:style>
+  </dgm:styleLbl>
+  <dgm:styleLbl name="alignAccFollowNode1">
+    <dgm:scene3d>
+      <a:camera prst="orthographicFront"/>
+      <a:lightRig rig="threePt" dir="t"/>
+    </dgm:scene3d>
+    <dgm:sp3d/>
+    <dgm:txPr/>
+    <dgm:style>
+      <a:lnRef idx="2">
+        <a:scrgbClr r="0" g="0" b="0"/>
+      </a:lnRef>
+      <a:fillRef idx="1">
+        <a:scrgbClr r="0" g="0" b="0"/>
+      </a:fillRef>
+      <a:effectRef idx="0">
+        <a:scrgbClr r="0" g="0" b="0"/>
+      </a:effectRef>
+      <a:fontRef idx="minor"/>
+    </dgm:style>
+  </dgm:styleLbl>
+  <dgm:styleLbl name="bgAccFollowNode1">
+    <dgm:scene3d>
+      <a:camera prst="orthographicFront"/>
+      <a:lightRig rig="threePt" dir="t"/>
+    </dgm:scene3d>
+    <dgm:sp3d/>
+    <dgm:txPr/>
+    <dgm:style>
+      <a:lnRef idx="2">
+        <a:scrgbClr r="0" g="0" b="0"/>
+      </a:lnRef>
+      <a:fillRef idx="1">
+        <a:scrgbClr r="0" g="0" b="0"/>
+      </a:fillRef>
+      <a:effectRef idx="0">
+        <a:scrgbClr r="0" g="0" b="0"/>
+      </a:effectRef>
+      <a:fontRef idx="minor"/>
+    </dgm:style>
+  </dgm:styleLbl>
+  <dgm:styleLbl name="fgAcc0">
+    <dgm:scene3d>
+      <a:camera prst="orthographicFront"/>
+      <a:lightRig rig="threePt" dir="t"/>
+    </dgm:scene3d>
+    <dgm:sp3d/>
+    <dgm:txPr/>
+    <dgm:style>
+      <a:lnRef idx="2">
+        <a:scrgbClr r="0" g="0" b="0"/>
+      </a:lnRef>
+      <a:fillRef idx="1">
+        <a:scrgbClr r="0" g="0" b="0"/>
+      </a:fillRef>
+      <a:effectRef idx="0">
+        <a:scrgbClr r="0" g="0" b="0"/>
+      </a:effectRef>
+      <a:fontRef idx="minor"/>
+    </dgm:style>
+  </dgm:styleLbl>
+  <dgm:styleLbl name="fgAcc2">
+    <dgm:scene3d>
+      <a:camera prst="orthographicFront"/>
+      <a:lightRig rig="threePt" dir="t"/>
+    </dgm:scene3d>
+    <dgm:sp3d/>
+    <dgm:txPr/>
+    <dgm:style>
+      <a:lnRef idx="2">
+        <a:scrgbClr r="0" g="0" b="0"/>
+      </a:lnRef>
+      <a:fillRef idx="1">
+        <a:scrgbClr r="0" g="0" b="0"/>
+      </a:fillRef>
+      <a:effectRef idx="0">
+        <a:scrgbClr r="0" g="0" b="0"/>
+      </a:effectRef>
+      <a:fontRef idx="minor"/>
+    </dgm:style>
+  </dgm:styleLbl>
+  <dgm:styleLbl name="fgAcc3">
+    <dgm:scene3d>
+      <a:camera prst="orthographicFront"/>
+      <a:lightRig rig="threePt" dir="t"/>
+    </dgm:scene3d>
+    <dgm:sp3d/>
+    <dgm:txPr/>
+    <dgm:style>
+      <a:lnRef idx="2">
+        <a:scrgbClr r="0" g="0" b="0"/>
+      </a:lnRef>
+      <a:fillRef idx="1">
+        <a:scrgbClr r="0" g="0" b="0"/>
+      </a:fillRef>
+      <a:effectRef idx="0">
+        <a:scrgbClr r="0" g="0" b="0"/>
+      </a:effectRef>
+      <a:fontRef idx="minor"/>
+    </dgm:style>
+  </dgm:styleLbl>
+  <dgm:styleLbl name="fgAcc4">
+    <dgm:scene3d>
+      <a:camera prst="orthographicFront"/>
+      <a:lightRig rig="threePt" dir="t"/>
+    </dgm:scene3d>
+    <dgm:sp3d/>
+    <dgm:txPr/>
+    <dgm:style>
+      <a:lnRef idx="2">
+        <a:scrgbClr r="0" g="0" b="0"/>
+      </a:lnRef>
+      <a:fillRef idx="1">
+        <a:scrgbClr r="0" g="0" b="0"/>
+      </a:fillRef>
+      <a:effectRef idx="0">
+        <a:scrgbClr r="0" g="0" b="0"/>
+      </a:effectRef>
+      <a:fontRef idx="minor"/>
+    </dgm:style>
+  </dgm:styleLbl>
+  <dgm:styleLbl name="bgShp">
+    <dgm:scene3d>
+      <a:camera prst="orthographicFront"/>
+      <a:lightRig rig="threePt" dir="t"/>
+    </dgm:scene3d>
+    <dgm:sp3d/>
+    <dgm:txPr/>
+    <dgm:style>
+      <a:lnRef idx="0">
+        <a:scrgbClr r="0" g="0" b="0"/>
+      </a:lnRef>
+      <a:fillRef idx="1">
+        <a:scrgbClr r="0" g="0" b="0"/>
+      </a:fillRef>
+      <a:effectRef idx="0">
+        <a:scrgbClr r="0" g="0" b="0"/>
+      </a:effectRef>
+      <a:fontRef idx="minor"/>
+    </dgm:style>
+  </dgm:styleLbl>
+  <dgm:styleLbl name="dkBgShp">
+    <dgm:scene3d>
+      <a:camera prst="orthographicFront"/>
+      <a:lightRig rig="threePt" dir="t"/>
+    </dgm:scene3d>
+    <dgm:sp3d/>
+    <dgm:txPr/>
+    <dgm:style>
+      <a:lnRef idx="0">
+        <a:scrgbClr r="0" g="0" b="0"/>
+      </a:lnRef>
+      <a:fillRef idx="1">
+        <a:scrgbClr r="0" g="0" b="0"/>
+      </a:fillRef>
+      <a:effectRef idx="0">
+        <a:scrgbClr r="0" g="0" b="0"/>
+      </a:effectRef>
+      <a:fontRef idx="minor"/>
+    </dgm:style>
+  </dgm:styleLbl>
+  <dgm:styleLbl name="trBgShp">
+    <dgm:scene3d>
+      <a:camera prst="orthographicFront"/>
+      <a:lightRig rig="threePt" dir="t"/>
+    </dgm:scene3d>
+    <dgm:sp3d/>
+    <dgm:txPr/>
+    <dgm:style>
+      <a:lnRef idx="0">
+        <a:scrgbClr r="0" g="0" b="0"/>
+      </a:lnRef>
+      <a:fillRef idx="1">
+        <a:scrgbClr r="0" g="0" b="0"/>
+      </a:fillRef>
+      <a:effectRef idx="0">
+        <a:scrgbClr r="0" g="0" b="0"/>
+      </a:effectRef>
+      <a:fontRef idx="minor"/>
+    </dgm:style>
+  </dgm:styleLbl>
+  <dgm:styleLbl name="fgShp">
+    <dgm:scene3d>
+      <a:camera prst="orthographicFront"/>
+      <a:lightRig rig="threePt" dir="t"/>
+    </dgm:scene3d>
+    <dgm:sp3d/>
+    <dgm:txPr/>
+    <dgm:style>
+      <a:lnRef idx="2">
+        <a:scrgbClr r="0" g="0" b="0"/>
+      </a:lnRef>
+      <a:fillRef idx="1">
+        <a:scrgbClr r="0" g="0" b="0"/>
+      </a:fillRef>
+      <a:effectRef idx="0">
+        <a:scrgbClr r="0" g="0" b="0"/>
+      </a:effectRef>
+      <a:fontRef idx="minor"/>
+    </dgm:style>
+  </dgm:styleLbl>
+  <dgm:styleLbl name="revTx">
+    <dgm:scene3d>
+      <a:camera prst="orthographicFront"/>
+      <a:lightRig rig="threePt" dir="t"/>
+    </dgm:scene3d>
+    <dgm:sp3d/>
+    <dgm:txPr/>
+    <dgm:style>
+      <a:lnRef idx="0">
+        <a:scrgbClr r="0" g="0" b="0"/>
+      </a:lnRef>
+      <a:fillRef idx="0">
+        <a:scrgbClr r="0" g="0" b="0"/>
+      </a:fillRef>
+      <a:effectRef idx="0">
+        <a:scrgbClr r="0" g="0" b="0"/>
+      </a:effectRef>
+      <a:fontRef idx="minor"/>
+    </dgm:style>
+  </dgm:styleLbl>
+</dgm:styleDef>
+</file>
+
+<file path=ppt/notesMasters/notesMaster1.xml><?xml version="1.0" encoding="utf-8"?>
+<p:notesMaster xmlns:a="http://schemas.openxmlformats.org/drawingml/2006/main" xmlns:r="http://schemas.openxmlformats.org/officeDocument/2006/relationships" xmlns:p="http://schemas.openxmlformats.org/presentationml/2006/main">
+  <p:cSld>
+    <p:bg>
+      <p:bgRef idx="1001">
+        <a:schemeClr val="bg1"/>
+      </p:bgRef>
+    </p:bg>
+    <p:spTree>
+      <p:nvGrpSpPr>
+        <p:cNvPr id="1" name=""/>
+        <p:cNvGrpSpPr/>
+        <p:nvPr/>
+      </p:nvGrpSpPr>
+      <p:grpSpPr>
+        <a:xfrm>
+          <a:off x="0" y="0"/>
+          <a:ext cx="0" cy="0"/>
+          <a:chOff x="0" y="0"/>
+          <a:chExt cx="0" cy="0"/>
+        </a:xfrm>
+      </p:grpSpPr>
+      <p:sp>
+        <p:nvSpPr>
+          <p:cNvPr id="2" name="Segnaposto intestazione 1"/>
+          <p:cNvSpPr>
+            <a:spLocks noGrp="1"/>
+          </p:cNvSpPr>
+          <p:nvPr>
+            <p:ph type="hdr" sz="quarter"/>
+          </p:nvPr>
+        </p:nvSpPr>
+        <p:spPr>
+          <a:xfrm>
+            <a:off x="0" y="0"/>
+            <a:ext cx="2971800" cy="458788"/>
+          </a:xfrm>
+          <a:prstGeom prst="rect">
+            <a:avLst/>
+          </a:prstGeom>
+        </p:spPr>
+        <p:txBody>
+          <a:bodyPr vert="horz" lIns="91440" tIns="45720" rIns="91440" bIns="45720" rtlCol="0"/>
+          <a:lstStyle>
+            <a:lvl1pPr algn="l">
+              <a:defRPr sz="1200"/>
+            </a:lvl1pPr>
+          </a:lstStyle>
+          <a:p>
+            <a:endParaRPr lang="en-GB"/>
+          </a:p>
+        </p:txBody>
+      </p:sp>
+      <p:sp>
+        <p:nvSpPr>
+          <p:cNvPr id="3" name="Segnaposto data 2"/>
+          <p:cNvSpPr>
+            <a:spLocks noGrp="1"/>
+          </p:cNvSpPr>
+          <p:nvPr>
+            <p:ph type="dt" idx="1"/>
+          </p:nvPr>
+        </p:nvSpPr>
+        <p:spPr>
+          <a:xfrm>
+            <a:off x="3884613" y="0"/>
+            <a:ext cx="2971800" cy="458788"/>
+          </a:xfrm>
+          <a:prstGeom prst="rect">
+            <a:avLst/>
+          </a:prstGeom>
+        </p:spPr>
+        <p:txBody>
+          <a:bodyPr vert="horz" lIns="91440" tIns="45720" rIns="91440" bIns="45720" rtlCol="0"/>
+          <a:lstStyle>
+            <a:lvl1pPr algn="r">
+              <a:defRPr sz="1200"/>
+            </a:lvl1pPr>
+          </a:lstStyle>
+          <a:p>
+            <a:fld id="{7A4AB1D7-7557-456E-B6EB-B238F6DD423E}" type="datetimeFigureOut">
+              <a:rPr lang="en-GB" smtClean="0"/>
+              <a:t>30/12/2014</a:t>
+            </a:fld>
+            <a:endParaRPr lang="en-GB"/>
+          </a:p>
+        </p:txBody>
+      </p:sp>
+      <p:sp>
+        <p:nvSpPr>
+          <p:cNvPr id="4" name="Segnaposto immagine diapositiva 3"/>
+          <p:cNvSpPr>
+            <a:spLocks noGrp="1" noRot="1" noChangeAspect="1"/>
+          </p:cNvSpPr>
+          <p:nvPr>
+            <p:ph type="sldImg" idx="2"/>
+          </p:nvPr>
+        </p:nvSpPr>
+        <p:spPr>
+          <a:xfrm>
+            <a:off x="1371600" y="1143000"/>
+            <a:ext cx="4114800" cy="3086100"/>
+          </a:xfrm>
+          <a:prstGeom prst="rect">
+            <a:avLst/>
+          </a:prstGeom>
+          <a:noFill/>
+          <a:ln w="12700">
+            <a:solidFill>
+              <a:prstClr val="black"/>
+            </a:solidFill>
+          </a:ln>
+        </p:spPr>
+        <p:txBody>
+          <a:bodyPr vert="horz" lIns="91440" tIns="45720" rIns="91440" bIns="45720" rtlCol="0" anchor="ctr"/>
+          <a:lstStyle/>
+          <a:p>
+            <a:endParaRPr lang="en-GB"/>
+          </a:p>
+        </p:txBody>
+      </p:sp>
+      <p:sp>
+        <p:nvSpPr>
+          <p:cNvPr id="5" name="Segnaposto note 4"/>
+          <p:cNvSpPr>
+            <a:spLocks noGrp="1"/>
+          </p:cNvSpPr>
+          <p:nvPr>
+            <p:ph type="body" sz="quarter" idx="3"/>
+          </p:nvPr>
+        </p:nvSpPr>
+        <p:spPr>
+          <a:xfrm>
+            <a:off x="685800" y="4400550"/>
+            <a:ext cx="5486400" cy="3600450"/>
+          </a:xfrm>
+          <a:prstGeom prst="rect">
+            <a:avLst/>
+          </a:prstGeom>
+        </p:spPr>
+        <p:txBody>
+          <a:bodyPr vert="horz" lIns="91440" tIns="45720" rIns="91440" bIns="45720" rtlCol="0"/>
+          <a:lstStyle/>
+          <a:p>
+            <a:pPr lvl="0"/>
+            <a:r>
+              <a:rPr lang="it-IT" smtClean="0"/>
+              <a:t>Fare clic per modificare stili del testo dello schema</a:t>
+            </a:r>
+          </a:p>
+          <a:p>
+            <a:pPr lvl="1"/>
+            <a:r>
+              <a:rPr lang="it-IT" smtClean="0"/>
+              <a:t>Secondo livello</a:t>
+            </a:r>
+          </a:p>
+          <a:p>
+            <a:pPr lvl="2"/>
+            <a:r>
+              <a:rPr lang="it-IT" smtClean="0"/>
+              <a:t>Terzo livello</a:t>
+            </a:r>
+          </a:p>
+          <a:p>
+            <a:pPr lvl="3"/>
+            <a:r>
+              <a:rPr lang="it-IT" smtClean="0"/>
+              <a:t>Quarto livello</a:t>
+            </a:r>
+          </a:p>
+          <a:p>
+            <a:pPr lvl="4"/>
+            <a:r>
+              <a:rPr lang="it-IT" smtClean="0"/>
+              <a:t>Quinto livello</a:t>
+            </a:r>
+            <a:endParaRPr lang="en-GB"/>
+          </a:p>
+        </p:txBody>
+      </p:sp>
+      <p:sp>
+        <p:nvSpPr>
+          <p:cNvPr id="6" name="Segnaposto piè di pagina 5"/>
+          <p:cNvSpPr>
+            <a:spLocks noGrp="1"/>
+          </p:cNvSpPr>
+          <p:nvPr>
+            <p:ph type="ftr" sz="quarter" idx="4"/>
+          </p:nvPr>
+        </p:nvSpPr>
+        <p:spPr>
+          <a:xfrm>
+            <a:off x="0" y="8685213"/>
+            <a:ext cx="2971800" cy="458787"/>
+          </a:xfrm>
+          <a:prstGeom prst="rect">
+            <a:avLst/>
+          </a:prstGeom>
+        </p:spPr>
+        <p:txBody>
+          <a:bodyPr vert="horz" lIns="91440" tIns="45720" rIns="91440" bIns="45720" rtlCol="0" anchor="b"/>
+          <a:lstStyle>
+            <a:lvl1pPr algn="l">
+              <a:defRPr sz="1200"/>
+            </a:lvl1pPr>
+          </a:lstStyle>
+          <a:p>
+            <a:endParaRPr lang="en-GB"/>
+          </a:p>
+        </p:txBody>
+      </p:sp>
+      <p:sp>
+        <p:nvSpPr>
+          <p:cNvPr id="7" name="Segnaposto numero diapositiva 6"/>
+          <p:cNvSpPr>
+            <a:spLocks noGrp="1"/>
+          </p:cNvSpPr>
+          <p:nvPr>
+            <p:ph type="sldNum" sz="quarter" idx="5"/>
+          </p:nvPr>
+        </p:nvSpPr>
+        <p:spPr>
+          <a:xfrm>
+            <a:off x="3884613" y="8685213"/>
+            <a:ext cx="2971800" cy="458787"/>
+          </a:xfrm>
+          <a:prstGeom prst="rect">
+            <a:avLst/>
+          </a:prstGeom>
+        </p:spPr>
+        <p:txBody>
+          <a:bodyPr vert="horz" lIns="91440" tIns="45720" rIns="91440" bIns="45720" rtlCol="0" anchor="b"/>
+          <a:lstStyle>
+            <a:lvl1pPr algn="r">
+              <a:defRPr sz="1200"/>
+            </a:lvl1pPr>
+          </a:lstStyle>
+          <a:p>
+            <a:fld id="{161EEAF9-F82C-4A29-9D65-ECC9E7B1DF55}" type="slidenum">
+              <a:rPr lang="en-GB" smtClean="0"/>
+              <a:t>‹N›</a:t>
+            </a:fld>
+            <a:endParaRPr lang="en-GB"/>
+          </a:p>
+        </p:txBody>
+      </p:sp>
+    </p:spTree>
+    <p:extLst>
+      <p:ext uri="{BB962C8B-B14F-4D97-AF65-F5344CB8AC3E}">
+        <p14:creationId xmlns:p14="http://schemas.microsoft.com/office/powerpoint/2010/main" val="3934296310"/>
+      </p:ext>
+    </p:extLst>
+  </p:cSld>
+  <p:clrMap bg1="lt1" tx1="dk1" bg2="lt2" tx2="dk2" accent1="accent1" accent2="accent2" accent3="accent3" accent4="accent4" accent5="accent5" accent6="accent6" hlink="hlink" folHlink="folHlink"/>
+  <p:notesStyle>
+    <a:lvl1pPr marL="0" algn="l" defTabSz="914400" rtl="0" eaLnBrk="1" latinLnBrk="0" hangingPunct="1">
+      <a:defRPr sz="1200" kern="1200">
+        <a:solidFill>
+          <a:schemeClr val="tx1"/>
+        </a:solidFill>
+        <a:latin typeface="+mn-lt"/>
+        <a:ea typeface="+mn-ea"/>
+        <a:cs typeface="+mn-cs"/>
+      </a:defRPr>
+    </a:lvl1pPr>
+    <a:lvl2pPr marL="457200" algn="l" defTabSz="914400" rtl="0" eaLnBrk="1" latinLnBrk="0" hangingPunct="1">
+      <a:defRPr sz="1200" kern="1200">
+        <a:solidFill>
+          <a:schemeClr val="tx1"/>
+        </a:solidFill>
+        <a:latin typeface="+mn-lt"/>
+        <a:ea typeface="+mn-ea"/>
+        <a:cs typeface="+mn-cs"/>
+      </a:defRPr>
+    </a:lvl2pPr>
+    <a:lvl3pPr marL="914400" algn="l" defTabSz="914400" rtl="0" eaLnBrk="1" latinLnBrk="0" hangingPunct="1">
+      <a:defRPr sz="1200" kern="1200">
+        <a:solidFill>
+          <a:schemeClr val="tx1"/>
+        </a:solidFill>
+        <a:latin typeface="+mn-lt"/>
+        <a:ea typeface="+mn-ea"/>
+        <a:cs typeface="+mn-cs"/>
+      </a:defRPr>
+    </a:lvl3pPr>
+    <a:lvl4pPr marL="1371600" algn="l" defTabSz="914400" rtl="0" eaLnBrk="1" latinLnBrk="0" hangingPunct="1">
+      <a:defRPr sz="1200" kern="1200">
+        <a:solidFill>
+          <a:schemeClr val="tx1"/>
+        </a:solidFill>
+        <a:latin typeface="+mn-lt"/>
+        <a:ea typeface="+mn-ea"/>
+        <a:cs typeface="+mn-cs"/>
+      </a:defRPr>
+    </a:lvl4pPr>
+    <a:lvl5pPr marL="1828800" algn="l" defTabSz="914400" rtl="0" eaLnBrk="1" latinLnBrk="0" hangingPunct="1">
+      <a:defRPr sz="1200" kern="1200">
+        <a:solidFill>
+          <a:schemeClr val="tx1"/>
+        </a:solidFill>
+        <a:latin typeface="+mn-lt"/>
+        <a:ea typeface="+mn-ea"/>
+        <a:cs typeface="+mn-cs"/>
+      </a:defRPr>
+    </a:lvl5pPr>
+    <a:lvl6pPr marL="2286000" algn="l" defTabSz="914400" rtl="0" eaLnBrk="1" latinLnBrk="0" hangingPunct="1">
+      <a:defRPr sz="1200" kern="1200">
+        <a:solidFill>
+          <a:schemeClr val="tx1"/>
+        </a:solidFill>
+        <a:latin typeface="+mn-lt"/>
+        <a:ea typeface="+mn-ea"/>
+        <a:cs typeface="+mn-cs"/>
+      </a:defRPr>
+    </a:lvl6pPr>
+    <a:lvl7pPr marL="2743200" algn="l" defTabSz="914400" rtl="0" eaLnBrk="1" latinLnBrk="0" hangingPunct="1">
+      <a:defRPr sz="1200" kern="1200">
+        <a:solidFill>
+          <a:schemeClr val="tx1"/>
+        </a:solidFill>
+        <a:latin typeface="+mn-lt"/>
+        <a:ea typeface="+mn-ea"/>
+        <a:cs typeface="+mn-cs"/>
+      </a:defRPr>
+    </a:lvl7pPr>
+    <a:lvl8pPr marL="3200400" algn="l" defTabSz="914400" rtl="0" eaLnBrk="1" latinLnBrk="0" hangingPunct="1">
+      <a:defRPr sz="1200" kern="1200">
+        <a:solidFill>
+          <a:schemeClr val="tx1"/>
+        </a:solidFill>
+        <a:latin typeface="+mn-lt"/>
+        <a:ea typeface="+mn-ea"/>
+        <a:cs typeface="+mn-cs"/>
+      </a:defRPr>
+    </a:lvl8pPr>
+    <a:lvl9pPr marL="3657600" algn="l" defTabSz="914400" rtl="0" eaLnBrk="1" latinLnBrk="0" hangingPunct="1">
+      <a:defRPr sz="1200" kern="1200">
+        <a:solidFill>
+          <a:schemeClr val="tx1"/>
+        </a:solidFill>
+        <a:latin typeface="+mn-lt"/>
+        <a:ea typeface="+mn-ea"/>
+        <a:cs typeface="+mn-cs"/>
+      </a:defRPr>
+    </a:lvl9pPr>
+  </p:notesStyle>
+</p:notesMaster>
+</file>
+
+<file path=ppt/notesSlides/notesSlide1.xml><?xml version="1.0" encoding="utf-8"?>
+<p:notes xmlns:a="http://schemas.openxmlformats.org/drawingml/2006/main" xmlns:r="http://schemas.openxmlformats.org/officeDocument/2006/relationships" xmlns:p="http://schemas.openxmlformats.org/presentationml/2006/main">
+  <p:cSld>
+    <p:spTree>
+      <p:nvGrpSpPr>
+        <p:cNvPr id="1" name=""/>
+        <p:cNvGrpSpPr/>
+        <p:nvPr/>
+      </p:nvGrpSpPr>
+      <p:grpSpPr>
+        <a:xfrm>
+          <a:off x="0" y="0"/>
+          <a:ext cx="0" cy="0"/>
+          <a:chOff x="0" y="0"/>
+          <a:chExt cx="0" cy="0"/>
+        </a:xfrm>
+      </p:grpSpPr>
+      <p:sp>
+        <p:nvSpPr>
+          <p:cNvPr id="2" name="Segnaposto immagine diapositiva 1"/>
+          <p:cNvSpPr>
+            <a:spLocks noGrp="1" noRot="1" noChangeAspect="1"/>
+          </p:cNvSpPr>
+          <p:nvPr>
+            <p:ph type="sldImg"/>
+          </p:nvPr>
+        </p:nvSpPr>
+        <p:spPr/>
+      </p:sp>
+      <p:sp>
+        <p:nvSpPr>
+          <p:cNvPr id="3" name="Segnaposto note 2"/>
+          <p:cNvSpPr>
+            <a:spLocks noGrp="1"/>
+          </p:cNvSpPr>
+          <p:nvPr>
+            <p:ph type="body" idx="1"/>
+          </p:nvPr>
+        </p:nvSpPr>
+        <p:spPr/>
+        <p:txBody>
+          <a:bodyPr/>
+          <a:lstStyle/>
+          <a:p>
+            <a:r>
+              <a:rPr lang="en-GB" dirty="0" smtClean="0"/>
+              <a:t>The</a:t>
+            </a:r>
+            <a:r>
+              <a:rPr lang="en-GB" baseline="0" dirty="0" smtClean="0"/>
+              <a:t> original algorithm is quite simple, it takes as input a randomly generated solution, starts the </a:t>
+            </a:r>
+            <a:r>
+              <a:rPr lang="en-GB" baseline="0" dirty="0" err="1" smtClean="0"/>
+              <a:t>tabu</a:t>
+            </a:r>
+            <a:r>
+              <a:rPr lang="en-GB" baseline="0" dirty="0" smtClean="0"/>
+              <a:t> search algorithm, and provide a final solution.</a:t>
+            </a:r>
+          </a:p>
+          <a:p>
+            <a:r>
+              <a:rPr lang="en-GB" baseline="0" dirty="0" smtClean="0"/>
+              <a:t>This is quite simple, fast and works well</a:t>
+            </a:r>
+          </a:p>
+        </p:txBody>
+      </p:sp>
+      <p:sp>
+        <p:nvSpPr>
+          <p:cNvPr id="4" name="Segnaposto numero diapositiva 3"/>
+          <p:cNvSpPr>
+            <a:spLocks noGrp="1"/>
+          </p:cNvSpPr>
+          <p:nvPr>
+            <p:ph type="sldNum" sz="quarter" idx="10"/>
+          </p:nvPr>
+        </p:nvSpPr>
+        <p:spPr/>
+        <p:txBody>
+          <a:bodyPr/>
+          <a:lstStyle/>
+          <a:p>
+            <a:fld id="{161EEAF9-F82C-4A29-9D65-ECC9E7B1DF55}" type="slidenum">
+              <a:rPr lang="en-GB" smtClean="0"/>
+              <a:t>3</a:t>
+            </a:fld>
+            <a:endParaRPr lang="en-GB"/>
+          </a:p>
+        </p:txBody>
+      </p:sp>
+    </p:spTree>
+    <p:extLst>
+      <p:ext uri="{BB962C8B-B14F-4D97-AF65-F5344CB8AC3E}">
+        <p14:creationId xmlns:p14="http://schemas.microsoft.com/office/powerpoint/2010/main" val="3309742088"/>
+      </p:ext>
+    </p:extLst>
+  </p:cSld>
+  <p:clrMapOvr>
+    <a:masterClrMapping/>
+  </p:clrMapOvr>
+</p:notes>
+</file>
+
+<file path=ppt/notesSlides/notesSlide2.xml><?xml version="1.0" encoding="utf-8"?>
+<p:notes xmlns:a="http://schemas.openxmlformats.org/drawingml/2006/main" xmlns:r="http://schemas.openxmlformats.org/officeDocument/2006/relationships" xmlns:p="http://schemas.openxmlformats.org/presentationml/2006/main">
+  <p:cSld>
+    <p:spTree>
+      <p:nvGrpSpPr>
+        <p:cNvPr id="1" name=""/>
+        <p:cNvGrpSpPr/>
+        <p:nvPr/>
+      </p:nvGrpSpPr>
+      <p:grpSpPr>
+        <a:xfrm>
+          <a:off x="0" y="0"/>
+          <a:ext cx="0" cy="0"/>
+          <a:chOff x="0" y="0"/>
+          <a:chExt cx="0" cy="0"/>
+        </a:xfrm>
+      </p:grpSpPr>
+      <p:sp>
+        <p:nvSpPr>
+          <p:cNvPr id="2" name="Segnaposto immagine diapositiva 1"/>
+          <p:cNvSpPr>
+            <a:spLocks noGrp="1" noRot="1" noChangeAspect="1"/>
+          </p:cNvSpPr>
+          <p:nvPr>
+            <p:ph type="sldImg"/>
+          </p:nvPr>
+        </p:nvSpPr>
+        <p:spPr/>
+      </p:sp>
+      <p:sp>
+        <p:nvSpPr>
+          <p:cNvPr id="3" name="Segnaposto note 2"/>
+          <p:cNvSpPr>
+            <a:spLocks noGrp="1"/>
+          </p:cNvSpPr>
+          <p:nvPr>
+            <p:ph type="body" idx="1"/>
+          </p:nvPr>
+        </p:nvSpPr>
+        <p:spPr/>
+        <p:txBody>
+          <a:bodyPr/>
+          <a:lstStyle/>
+          <a:p>
+            <a:r>
+              <a:rPr lang="en-GB" dirty="0" smtClean="0"/>
+              <a:t>However we noticed</a:t>
+            </a:r>
+            <a:r>
+              <a:rPr lang="en-GB" baseline="0" dirty="0" smtClean="0"/>
+              <a:t> some possible space for improvement, especially concerning the initial solution, which in the original algorithm is quite bad.</a:t>
+            </a:r>
+          </a:p>
+          <a:p>
+            <a:r>
+              <a:rPr lang="en-GB" baseline="0" dirty="0" smtClean="0"/>
+              <a:t>Also, the </a:t>
+            </a:r>
+            <a:r>
+              <a:rPr lang="en-GB" baseline="0" dirty="0" err="1" smtClean="0"/>
+              <a:t>tabu</a:t>
+            </a:r>
+            <a:r>
+              <a:rPr lang="en-GB" baseline="0" dirty="0" smtClean="0"/>
+              <a:t> search algorithm performs a local search, and may miss a distant solution which is better than those considered.</a:t>
+            </a:r>
+            <a:endParaRPr lang="en-GB" dirty="0"/>
+          </a:p>
+        </p:txBody>
+      </p:sp>
+      <p:sp>
+        <p:nvSpPr>
+          <p:cNvPr id="4" name="Segnaposto numero diapositiva 3"/>
+          <p:cNvSpPr>
+            <a:spLocks noGrp="1"/>
+          </p:cNvSpPr>
+          <p:nvPr>
+            <p:ph type="sldNum" sz="quarter" idx="10"/>
+          </p:nvPr>
+        </p:nvSpPr>
+        <p:spPr/>
+        <p:txBody>
+          <a:bodyPr/>
+          <a:lstStyle/>
+          <a:p>
+            <a:fld id="{161EEAF9-F82C-4A29-9D65-ECC9E7B1DF55}" type="slidenum">
+              <a:rPr lang="en-GB" smtClean="0"/>
+              <a:t>4</a:t>
+            </a:fld>
+            <a:endParaRPr lang="en-GB"/>
+          </a:p>
+        </p:txBody>
+      </p:sp>
+    </p:spTree>
+    <p:extLst>
+      <p:ext uri="{BB962C8B-B14F-4D97-AF65-F5344CB8AC3E}">
+        <p14:creationId xmlns:p14="http://schemas.microsoft.com/office/powerpoint/2010/main" val="3181625720"/>
+      </p:ext>
+    </p:extLst>
+  </p:cSld>
+  <p:clrMapOvr>
+    <a:masterClrMapping/>
+  </p:clrMapOvr>
+</p:notes>
+</file>
+
+<file path=ppt/notesSlides/notesSlide3.xml><?xml version="1.0" encoding="utf-8"?>
+<p:notes xmlns:a="http://schemas.openxmlformats.org/drawingml/2006/main" xmlns:r="http://schemas.openxmlformats.org/officeDocument/2006/relationships" xmlns:p="http://schemas.openxmlformats.org/presentationml/2006/main">
+  <p:cSld>
+    <p:spTree>
+      <p:nvGrpSpPr>
+        <p:cNvPr id="1" name=""/>
+        <p:cNvGrpSpPr/>
+        <p:nvPr/>
+      </p:nvGrpSpPr>
+      <p:grpSpPr>
+        <a:xfrm>
+          <a:off x="0" y="0"/>
+          <a:ext cx="0" cy="0"/>
+          <a:chOff x="0" y="0"/>
+          <a:chExt cx="0" cy="0"/>
+        </a:xfrm>
+      </p:grpSpPr>
+      <p:sp>
+        <p:nvSpPr>
+          <p:cNvPr id="2" name="Segnaposto immagine diapositiva 1"/>
+          <p:cNvSpPr>
+            <a:spLocks noGrp="1" noRot="1" noChangeAspect="1"/>
+          </p:cNvSpPr>
+          <p:nvPr>
+            <p:ph type="sldImg"/>
+          </p:nvPr>
+        </p:nvSpPr>
+        <p:spPr/>
+      </p:sp>
+      <p:sp>
+        <p:nvSpPr>
+          <p:cNvPr id="3" name="Segnaposto note 2"/>
+          <p:cNvSpPr>
+            <a:spLocks noGrp="1"/>
+          </p:cNvSpPr>
+          <p:nvPr>
+            <p:ph type="body" idx="1"/>
+          </p:nvPr>
+        </p:nvSpPr>
+        <p:spPr/>
+        <p:txBody>
+          <a:bodyPr/>
+          <a:lstStyle/>
+          <a:p>
+            <a:r>
+              <a:rPr lang="en-GB" dirty="0" smtClean="0"/>
+              <a:t>So in our solution we wanted to provide</a:t>
+            </a:r>
+            <a:r>
+              <a:rPr lang="en-GB" baseline="0" dirty="0" smtClean="0"/>
+              <a:t> the original algorithm with a better initial solution, </a:t>
+            </a:r>
+          </a:p>
+          <a:p>
+            <a:r>
+              <a:rPr lang="en-GB" baseline="0" dirty="0" smtClean="0"/>
+              <a:t>we wanted to try to use an algorithm that can search for a solution in a wider space than the </a:t>
+            </a:r>
+            <a:r>
+              <a:rPr lang="en-GB" baseline="0" dirty="0" err="1" smtClean="0"/>
+              <a:t>tabu</a:t>
+            </a:r>
+            <a:r>
+              <a:rPr lang="en-GB" baseline="0" dirty="0" smtClean="0"/>
+              <a:t> search, </a:t>
+            </a:r>
+          </a:p>
+          <a:p>
+            <a:r>
+              <a:rPr lang="en-GB" baseline="0" dirty="0" smtClean="0"/>
+              <a:t>and possibly,  optimize the original </a:t>
+            </a:r>
+            <a:r>
+              <a:rPr lang="en-GB" baseline="0" dirty="0" err="1" smtClean="0"/>
+              <a:t>tabu</a:t>
+            </a:r>
+            <a:r>
+              <a:rPr lang="en-GB" baseline="0" dirty="0" smtClean="0"/>
+              <a:t> search algorithm.</a:t>
+            </a:r>
+            <a:endParaRPr lang="en-GB" dirty="0"/>
+          </a:p>
+        </p:txBody>
+      </p:sp>
+      <p:sp>
+        <p:nvSpPr>
+          <p:cNvPr id="4" name="Segnaposto numero diapositiva 3"/>
+          <p:cNvSpPr>
+            <a:spLocks noGrp="1"/>
+          </p:cNvSpPr>
+          <p:nvPr>
+            <p:ph type="sldNum" sz="quarter" idx="10"/>
+          </p:nvPr>
+        </p:nvSpPr>
+        <p:spPr/>
+        <p:txBody>
+          <a:bodyPr/>
+          <a:lstStyle/>
+          <a:p>
+            <a:fld id="{161EEAF9-F82C-4A29-9D65-ECC9E7B1DF55}" type="slidenum">
+              <a:rPr lang="en-GB" smtClean="0"/>
+              <a:t>5</a:t>
+            </a:fld>
+            <a:endParaRPr lang="en-GB"/>
+          </a:p>
+        </p:txBody>
+      </p:sp>
+    </p:spTree>
+    <p:extLst>
+      <p:ext uri="{BB962C8B-B14F-4D97-AF65-F5344CB8AC3E}">
+        <p14:creationId xmlns:p14="http://schemas.microsoft.com/office/powerpoint/2010/main" val="9918261"/>
+      </p:ext>
+    </p:extLst>
+  </p:cSld>
+  <p:clrMapOvr>
+    <a:masterClrMapping/>
+  </p:clrMapOvr>
+</p:notes>
+</file>
+
+<file path=ppt/notesSlides/notesSlide4.xml><?xml version="1.0" encoding="utf-8"?>
+<p:notes xmlns:a="http://schemas.openxmlformats.org/drawingml/2006/main" xmlns:r="http://schemas.openxmlformats.org/officeDocument/2006/relationships" xmlns:p="http://schemas.openxmlformats.org/presentationml/2006/main">
+  <p:cSld>
+    <p:spTree>
+      <p:nvGrpSpPr>
+        <p:cNvPr id="1" name=""/>
+        <p:cNvGrpSpPr/>
+        <p:nvPr/>
+      </p:nvGrpSpPr>
+      <p:grpSpPr>
+        <a:xfrm>
+          <a:off x="0" y="0"/>
+          <a:ext cx="0" cy="0"/>
+          <a:chOff x="0" y="0"/>
+          <a:chExt cx="0" cy="0"/>
+        </a:xfrm>
+      </p:grpSpPr>
+      <p:sp>
+        <p:nvSpPr>
+          <p:cNvPr id="2" name="Segnaposto immagine diapositiva 1"/>
+          <p:cNvSpPr>
+            <a:spLocks noGrp="1" noRot="1" noChangeAspect="1"/>
+          </p:cNvSpPr>
+          <p:nvPr>
+            <p:ph type="sldImg"/>
+          </p:nvPr>
+        </p:nvSpPr>
+        <p:spPr/>
+      </p:sp>
+      <p:sp>
+        <p:nvSpPr>
+          <p:cNvPr id="3" name="Segnaposto note 2"/>
+          <p:cNvSpPr>
+            <a:spLocks noGrp="1"/>
+          </p:cNvSpPr>
+          <p:nvPr>
+            <p:ph type="body" idx="1"/>
+          </p:nvPr>
+        </p:nvSpPr>
+        <p:spPr/>
+        <p:txBody>
+          <a:bodyPr/>
+          <a:lstStyle/>
+          <a:p>
+            <a:r>
+              <a:rPr lang="en-GB" dirty="0" smtClean="0"/>
+              <a:t>So our algorithm is a hybrid genetic – </a:t>
+            </a:r>
+            <a:r>
+              <a:rPr lang="en-GB" dirty="0" err="1" smtClean="0"/>
+              <a:t>tabu</a:t>
+            </a:r>
+            <a:r>
+              <a:rPr lang="en-GB" dirty="0" smtClean="0"/>
+              <a:t> search algorithm.</a:t>
+            </a:r>
+            <a:endParaRPr lang="en-GB" baseline="0" dirty="0" smtClean="0"/>
+          </a:p>
+          <a:p>
+            <a:r>
+              <a:rPr lang="en-GB" baseline="0" dirty="0" smtClean="0"/>
+              <a:t>This design required us to implement the genetic algorithm, but also to build systems to interface the different models used in the genetic algorithm and the existing </a:t>
+            </a:r>
+            <a:r>
+              <a:rPr lang="en-GB" baseline="0" dirty="0" err="1" smtClean="0"/>
+              <a:t>tabu</a:t>
+            </a:r>
+            <a:r>
+              <a:rPr lang="en-GB" baseline="0" dirty="0" smtClean="0"/>
+              <a:t> search algorithm</a:t>
+            </a:r>
+            <a:endParaRPr lang="en-GB" dirty="0"/>
+          </a:p>
+        </p:txBody>
+      </p:sp>
+      <p:sp>
+        <p:nvSpPr>
+          <p:cNvPr id="4" name="Segnaposto numero diapositiva 3"/>
+          <p:cNvSpPr>
+            <a:spLocks noGrp="1"/>
+          </p:cNvSpPr>
+          <p:nvPr>
+            <p:ph type="sldNum" sz="quarter" idx="10"/>
+          </p:nvPr>
+        </p:nvSpPr>
+        <p:spPr/>
+        <p:txBody>
+          <a:bodyPr/>
+          <a:lstStyle/>
+          <a:p>
+            <a:fld id="{161EEAF9-F82C-4A29-9D65-ECC9E7B1DF55}" type="slidenum">
+              <a:rPr lang="en-GB" smtClean="0"/>
+              <a:t>6</a:t>
+            </a:fld>
+            <a:endParaRPr lang="en-GB"/>
+          </a:p>
+        </p:txBody>
+      </p:sp>
+    </p:spTree>
+    <p:extLst>
+      <p:ext uri="{BB962C8B-B14F-4D97-AF65-F5344CB8AC3E}">
+        <p14:creationId xmlns:p14="http://schemas.microsoft.com/office/powerpoint/2010/main" val="2315070746"/>
+      </p:ext>
+    </p:extLst>
+  </p:cSld>
+  <p:clrMapOvr>
+    <a:masterClrMapping/>
+  </p:clrMapOvr>
+</p:notes>
+</file>
+
+<file path=ppt/notesSlides/notesSlide5.xml><?xml version="1.0" encoding="utf-8"?>
+<p:notes xmlns:a="http://schemas.openxmlformats.org/drawingml/2006/main" xmlns:r="http://schemas.openxmlformats.org/officeDocument/2006/relationships" xmlns:p="http://schemas.openxmlformats.org/presentationml/2006/main">
+  <p:cSld>
+    <p:spTree>
+      <p:nvGrpSpPr>
+        <p:cNvPr id="1" name=""/>
+        <p:cNvGrpSpPr/>
+        <p:nvPr/>
+      </p:nvGrpSpPr>
+      <p:grpSpPr>
+        <a:xfrm>
+          <a:off x="0" y="0"/>
+          <a:ext cx="0" cy="0"/>
+          <a:chOff x="0" y="0"/>
+          <a:chExt cx="0" cy="0"/>
+        </a:xfrm>
+      </p:grpSpPr>
+      <p:sp>
+        <p:nvSpPr>
+          <p:cNvPr id="2" name="Segnaposto immagine diapositiva 1"/>
+          <p:cNvSpPr>
+            <a:spLocks noGrp="1" noRot="1" noChangeAspect="1"/>
+          </p:cNvSpPr>
+          <p:nvPr>
+            <p:ph type="sldImg"/>
+          </p:nvPr>
+        </p:nvSpPr>
+        <p:spPr/>
+      </p:sp>
+      <p:sp>
+        <p:nvSpPr>
+          <p:cNvPr id="3" name="Segnaposto note 2"/>
+          <p:cNvSpPr>
+            <a:spLocks noGrp="1"/>
+          </p:cNvSpPr>
+          <p:nvPr>
+            <p:ph type="body" idx="1"/>
+          </p:nvPr>
+        </p:nvSpPr>
+        <p:spPr/>
+        <p:txBody>
+          <a:bodyPr/>
+          <a:lstStyle/>
+          <a:p>
+            <a:r>
+              <a:rPr lang="en-GB" baseline="0" dirty="0" smtClean="0"/>
+              <a:t>To use the genetic algorithm we have to generate an initial population of possible solutions. </a:t>
+            </a:r>
+          </a:p>
+          <a:p>
+            <a:r>
+              <a:rPr lang="en-GB" baseline="0" dirty="0" smtClean="0"/>
+              <a:t>We started by using a totally random approach, but in this way most of the solutions were really bad, so we decided to improve the initial population by introducing solutions generated by a greedy algorithm, specifically a nearest neighbour algorithm with some relaxation on the constraints</a:t>
+            </a:r>
+            <a:endParaRPr lang="en-GB" dirty="0"/>
+          </a:p>
+        </p:txBody>
+      </p:sp>
+      <p:sp>
+        <p:nvSpPr>
+          <p:cNvPr id="4" name="Segnaposto numero diapositiva 3"/>
+          <p:cNvSpPr>
+            <a:spLocks noGrp="1"/>
+          </p:cNvSpPr>
+          <p:nvPr>
+            <p:ph type="sldNum" sz="quarter" idx="10"/>
+          </p:nvPr>
+        </p:nvSpPr>
+        <p:spPr/>
+        <p:txBody>
+          <a:bodyPr/>
+          <a:lstStyle/>
+          <a:p>
+            <a:fld id="{161EEAF9-F82C-4A29-9D65-ECC9E7B1DF55}" type="slidenum">
+              <a:rPr lang="en-GB" smtClean="0"/>
+              <a:t>7</a:t>
+            </a:fld>
+            <a:endParaRPr lang="en-GB"/>
+          </a:p>
+        </p:txBody>
+      </p:sp>
+    </p:spTree>
+    <p:extLst>
+      <p:ext uri="{BB962C8B-B14F-4D97-AF65-F5344CB8AC3E}">
+        <p14:creationId xmlns:p14="http://schemas.microsoft.com/office/powerpoint/2010/main" val="988085093"/>
+      </p:ext>
+    </p:extLst>
+  </p:cSld>
+  <p:clrMapOvr>
+    <a:masterClrMapping/>
+  </p:clrMapOvr>
+</p:notes>
+</file>
+
+<file path=ppt/notesSlides/notesSlide6.xml><?xml version="1.0" encoding="utf-8"?>
+<p:notes xmlns:a="http://schemas.openxmlformats.org/drawingml/2006/main" xmlns:r="http://schemas.openxmlformats.org/officeDocument/2006/relationships" xmlns:p="http://schemas.openxmlformats.org/presentationml/2006/main">
+  <p:cSld>
+    <p:spTree>
+      <p:nvGrpSpPr>
+        <p:cNvPr id="1" name=""/>
+        <p:cNvGrpSpPr/>
+        <p:nvPr/>
+      </p:nvGrpSpPr>
+      <p:grpSpPr>
+        <a:xfrm>
+          <a:off x="0" y="0"/>
+          <a:ext cx="0" cy="0"/>
+          <a:chOff x="0" y="0"/>
+          <a:chExt cx="0" cy="0"/>
+        </a:xfrm>
+      </p:grpSpPr>
+      <p:sp>
+        <p:nvSpPr>
+          <p:cNvPr id="2" name="Segnaposto immagine diapositiva 1"/>
+          <p:cNvSpPr>
+            <a:spLocks noGrp="1" noRot="1" noChangeAspect="1"/>
+          </p:cNvSpPr>
+          <p:nvPr>
+            <p:ph type="sldImg"/>
+          </p:nvPr>
+        </p:nvSpPr>
+        <p:spPr/>
+      </p:sp>
+      <p:sp>
+        <p:nvSpPr>
+          <p:cNvPr id="3" name="Segnaposto note 2"/>
+          <p:cNvSpPr>
+            <a:spLocks noGrp="1"/>
+          </p:cNvSpPr>
+          <p:nvPr>
+            <p:ph type="body" idx="1"/>
+          </p:nvPr>
+        </p:nvSpPr>
+        <p:spPr/>
+        <p:txBody>
+          <a:bodyPr/>
+          <a:lstStyle/>
+          <a:p>
+            <a:r>
+              <a:rPr lang="en-GB" dirty="0" smtClean="0"/>
+              <a:t>We</a:t>
+            </a:r>
+            <a:r>
+              <a:rPr lang="en-GB" baseline="0" dirty="0" smtClean="0"/>
+              <a:t> implemented the genetic algorithm using the </a:t>
+            </a:r>
+            <a:r>
+              <a:rPr lang="en-GB" baseline="0" dirty="0" err="1" smtClean="0"/>
+              <a:t>GALib</a:t>
+            </a:r>
+            <a:r>
+              <a:rPr lang="en-GB" baseline="0" dirty="0" smtClean="0"/>
+              <a:t> library. We basically had to re-implement several methods, such as the generator of the initial population, the fitness function, the crossover function and the mutation function. </a:t>
+            </a:r>
+            <a:r>
+              <a:rPr lang="en-GB" dirty="0" smtClean="0"/>
+              <a:t>Many of these</a:t>
+            </a:r>
+            <a:r>
+              <a:rPr lang="en-GB" baseline="0" dirty="0" smtClean="0"/>
+              <a:t> functions where already implemented by the library, however we had to re-implement them because the original versions generated duplicated customers and vehicles during the computation of the algorithm.</a:t>
+            </a:r>
+          </a:p>
+          <a:p>
+            <a:r>
+              <a:rPr lang="en-GB" baseline="0" dirty="0" smtClean="0"/>
+              <a:t>Also, it appears that, even with mutation turned off, </a:t>
+            </a:r>
+            <a:r>
+              <a:rPr lang="en-GB" baseline="0" dirty="0" err="1" smtClean="0"/>
+              <a:t>GALib</a:t>
+            </a:r>
+            <a:r>
+              <a:rPr lang="en-GB" baseline="0" dirty="0" smtClean="0"/>
+              <a:t> actually randomly mutates the solution anyway.</a:t>
+            </a:r>
+            <a:endParaRPr lang="en-GB" dirty="0"/>
+          </a:p>
+        </p:txBody>
+      </p:sp>
+      <p:sp>
+        <p:nvSpPr>
+          <p:cNvPr id="4" name="Segnaposto numero diapositiva 3"/>
+          <p:cNvSpPr>
+            <a:spLocks noGrp="1"/>
+          </p:cNvSpPr>
+          <p:nvPr>
+            <p:ph type="sldNum" sz="quarter" idx="10"/>
+          </p:nvPr>
+        </p:nvSpPr>
+        <p:spPr/>
+        <p:txBody>
+          <a:bodyPr/>
+          <a:lstStyle/>
+          <a:p>
+            <a:fld id="{161EEAF9-F82C-4A29-9D65-ECC9E7B1DF55}" type="slidenum">
+              <a:rPr lang="en-GB" smtClean="0"/>
+              <a:t>8</a:t>
+            </a:fld>
+            <a:endParaRPr lang="en-GB"/>
+          </a:p>
+        </p:txBody>
+      </p:sp>
+    </p:spTree>
+    <p:extLst>
+      <p:ext uri="{BB962C8B-B14F-4D97-AF65-F5344CB8AC3E}">
+        <p14:creationId xmlns:p14="http://schemas.microsoft.com/office/powerpoint/2010/main" val="1017484712"/>
+      </p:ext>
+    </p:extLst>
+  </p:cSld>
+  <p:clrMapOvr>
+    <a:masterClrMapping/>
+  </p:clrMapOvr>
+</p:notes>
 </file>
 
 <file path=ppt/slideLayouts/slideLayout1.xml><?xml version="1.0" encoding="utf-8"?>
@@ -247,7 +8435,7 @@
           <a:p>
             <a:fld id="{D913E51B-3CC8-48BF-8D2A-E5FFD1B8C63F}" type="datetimeFigureOut">
               <a:rPr lang="it-IT" smtClean="0"/>
-              <a:t>28/12/2014</a:t>
+              <a:t>30/12/2014</a:t>
             </a:fld>
             <a:endParaRPr lang="it-IT"/>
           </a:p>
@@ -1116,7 +9304,7 @@
           <a:p>
             <a:fld id="{D913E51B-3CC8-48BF-8D2A-E5FFD1B8C63F}" type="datetimeFigureOut">
               <a:rPr lang="it-IT" smtClean="0"/>
-              <a:t>28/12/2014</a:t>
+              <a:t>30/12/2014</a:t>
             </a:fld>
             <a:endParaRPr lang="it-IT"/>
           </a:p>
@@ -1291,7 +9479,7 @@
           <a:p>
             <a:fld id="{D913E51B-3CC8-48BF-8D2A-E5FFD1B8C63F}" type="datetimeFigureOut">
               <a:rPr lang="it-IT" smtClean="0"/>
-              <a:t>28/12/2014</a:t>
+              <a:t>30/12/2014</a:t>
             </a:fld>
             <a:endParaRPr lang="it-IT"/>
           </a:p>
@@ -1461,7 +9649,7 @@
           <a:p>
             <a:fld id="{D913E51B-3CC8-48BF-8D2A-E5FFD1B8C63F}" type="datetimeFigureOut">
               <a:rPr lang="it-IT" smtClean="0"/>
-              <a:t>28/12/2014</a:t>
+              <a:t>30/12/2014</a:t>
             </a:fld>
             <a:endParaRPr lang="it-IT"/>
           </a:p>
@@ -1671,7 +9859,7 @@
           <a:p>
             <a:fld id="{D913E51B-3CC8-48BF-8D2A-E5FFD1B8C63F}" type="datetimeFigureOut">
               <a:rPr lang="it-IT" smtClean="0"/>
-              <a:t>28/12/2014</a:t>
+              <a:t>30/12/2014</a:t>
             </a:fld>
             <a:endParaRPr lang="it-IT"/>
           </a:p>
@@ -2485,7 +10673,7 @@
           <a:p>
             <a:fld id="{D913E51B-3CC8-48BF-8D2A-E5FFD1B8C63F}" type="datetimeFigureOut">
               <a:rPr lang="it-IT" smtClean="0"/>
-              <a:t>28/12/2014</a:t>
+              <a:t>30/12/2014</a:t>
             </a:fld>
             <a:endParaRPr lang="it-IT"/>
           </a:p>
@@ -2721,7 +10909,7 @@
           <a:p>
             <a:fld id="{D913E51B-3CC8-48BF-8D2A-E5FFD1B8C63F}" type="datetimeFigureOut">
               <a:rPr lang="it-IT" smtClean="0"/>
-              <a:t>28/12/2014</a:t>
+              <a:t>30/12/2014</a:t>
             </a:fld>
             <a:endParaRPr lang="it-IT"/>
           </a:p>
@@ -3044,7 +11232,7 @@
           <a:p>
             <a:fld id="{D913E51B-3CC8-48BF-8D2A-E5FFD1B8C63F}" type="datetimeFigureOut">
               <a:rPr lang="it-IT" smtClean="0"/>
-              <a:t>28/12/2014</a:t>
+              <a:t>30/12/2014</a:t>
             </a:fld>
             <a:endParaRPr lang="it-IT"/>
           </a:p>
@@ -3134,7 +11322,7 @@
           <a:p>
             <a:fld id="{D913E51B-3CC8-48BF-8D2A-E5FFD1B8C63F}" type="datetimeFigureOut">
               <a:rPr lang="it-IT" smtClean="0"/>
-              <a:t>28/12/2014</a:t>
+              <a:t>30/12/2014</a:t>
             </a:fld>
             <a:endParaRPr lang="it-IT"/>
           </a:p>
@@ -3651,7 +11839,7 @@
           <a:p>
             <a:fld id="{D913E51B-3CC8-48BF-8D2A-E5FFD1B8C63F}" type="datetimeFigureOut">
               <a:rPr lang="it-IT" smtClean="0"/>
-              <a:t>28/12/2014</a:t>
+              <a:t>30/12/2014</a:t>
             </a:fld>
             <a:endParaRPr lang="it-IT"/>
           </a:p>
@@ -4162,7 +12350,7 @@
           <a:p>
             <a:fld id="{D913E51B-3CC8-48BF-8D2A-E5FFD1B8C63F}" type="datetimeFigureOut">
               <a:rPr lang="it-IT" smtClean="0"/>
-              <a:t>28/12/2014</a:t>
+              <a:t>30/12/2014</a:t>
             </a:fld>
             <a:endParaRPr lang="it-IT"/>
           </a:p>
@@ -4407,7 +12595,7 @@
           <a:p>
             <a:fld id="{D913E51B-3CC8-48BF-8D2A-E5FFD1B8C63F}" type="datetimeFigureOut">
               <a:rPr lang="it-IT" smtClean="0"/>
-              <a:t>28/12/2014</a:t>
+              <a:t>30/12/2014</a:t>
             </a:fld>
             <a:endParaRPr lang="it-IT"/>
           </a:p>
@@ -5108,6 +13296,13 @@
   <p:clrMapOvr>
     <a:masterClrMapping/>
   </p:clrMapOvr>
+  <p:timing>
+    <p:tnLst>
+      <p:par>
+        <p:cTn id="1" dur="indefinite" restart="never" nodeType="tmRoot"/>
+      </p:par>
+    </p:tnLst>
+  </p:timing>
 </p:sld>
 </file>
 
@@ -5413,7 +13608,6 @@
               <a:rPr lang="it-IT" dirty="0" smtClean="0"/>
               <a:t>:</a:t>
             </a:r>
-            <a:endParaRPr lang="it-IT" dirty="0" smtClean="0"/>
           </a:p>
           <a:p>
             <a:r>
@@ -5442,11 +13636,7 @@
             </a:r>
             <a:r>
               <a:rPr lang="it-IT" dirty="0" err="1" smtClean="0"/>
-              <a:t>S</a:t>
-            </a:r>
-            <a:r>
-              <a:rPr lang="it-IT" dirty="0" err="1" smtClean="0"/>
-              <a:t>qrt</a:t>
+              <a:t>Sqrt</a:t>
             </a:r>
             <a:r>
               <a:rPr lang="it-IT" dirty="0" smtClean="0"/>
@@ -5519,6 +13709,13 @@
   <p:clrMapOvr>
     <a:masterClrMapping/>
   </p:clrMapOvr>
+  <p:timing>
+    <p:tnLst>
+      <p:par>
+        <p:cTn id="1" dur="indefinite" restart="never" nodeType="tmRoot"/>
+      </p:par>
+    </p:tnLst>
+  </p:timing>
 </p:sld>
 </file>
 
@@ -5555,8 +13752,12 @@
           <a:lstStyle/>
           <a:p>
             <a:r>
+              <a:rPr lang="it-IT" dirty="0" smtClean="0"/>
+              <a:t>The </a:t>
+            </a:r>
+            <a:r>
               <a:rPr lang="it-IT" dirty="0" err="1" smtClean="0"/>
-              <a:t>Hybrid</a:t>
+              <a:t>original</a:t>
             </a:r>
             <a:r>
               <a:rPr lang="it-IT" dirty="0" smtClean="0"/>
@@ -5566,218 +13767,47 @@
               <a:rPr lang="it-IT" dirty="0" err="1" smtClean="0"/>
               <a:t>algorithm</a:t>
             </a:r>
-            <a:r>
-              <a:rPr lang="it-IT" dirty="0" smtClean="0"/>
-              <a:t> idea</a:t>
-            </a:r>
             <a:endParaRPr lang="it-IT" dirty="0"/>
           </a:p>
         </p:txBody>
       </p:sp>
-      <p:sp>
-        <p:nvSpPr>
-          <p:cNvPr id="3" name="Segnaposto contenuto 2"/>
-          <p:cNvSpPr>
-            <a:spLocks noGrp="1"/>
-          </p:cNvSpPr>
+      <p:graphicFrame>
+        <p:nvGraphicFramePr>
+          <p:cNvPr id="5" name="Segnaposto contenuto 4"/>
+          <p:cNvGraphicFramePr>
+            <a:graphicFrameLocks noGrp="1"/>
+          </p:cNvGraphicFramePr>
           <p:nvPr>
             <p:ph sz="quarter" idx="1"/>
+            <p:extLst>
+              <p:ext uri="{D42A27DB-BD31-4B8C-83A1-F6EECF244321}">
+                <p14:modId xmlns:p14="http://schemas.microsoft.com/office/powerpoint/2010/main" val="282259972"/>
+              </p:ext>
+            </p:extLst>
           </p:nvPr>
-        </p:nvSpPr>
-        <p:spPr/>
-        <p:txBody>
-          <a:bodyPr/>
-          <a:lstStyle/>
-          <a:p>
-            <a:pPr>
-              <a:buNone/>
-            </a:pPr>
-            <a:r>
-              <a:rPr lang="it-IT" dirty="0" smtClean="0"/>
-              <a:t>First:</a:t>
-            </a:r>
-          </a:p>
-          <a:p>
-            <a:pPr>
-              <a:buNone/>
-            </a:pPr>
-            <a:r>
-              <a:rPr lang="it-IT" dirty="0" err="1" smtClean="0"/>
-              <a:t>Search</a:t>
-            </a:r>
-            <a:r>
-              <a:rPr lang="it-IT" dirty="0" smtClean="0"/>
-              <a:t> </a:t>
-            </a:r>
-            <a:r>
-              <a:rPr lang="it-IT" dirty="0" err="1" smtClean="0"/>
-              <a:t>Algorithm</a:t>
-            </a:r>
-            <a:r>
-              <a:rPr lang="it-IT" dirty="0" smtClean="0"/>
-              <a:t>, </a:t>
-            </a:r>
-            <a:r>
-              <a:rPr lang="it-IT" dirty="0" err="1" smtClean="0"/>
-              <a:t>Genetic</a:t>
-            </a:r>
-            <a:r>
-              <a:rPr lang="it-IT" dirty="0" smtClean="0"/>
-              <a:t>, </a:t>
-            </a:r>
-            <a:r>
-              <a:rPr lang="it-IT" dirty="0" err="1" smtClean="0"/>
-              <a:t>looks</a:t>
-            </a:r>
-            <a:r>
-              <a:rPr lang="it-IT" dirty="0" smtClean="0"/>
-              <a:t> </a:t>
-            </a:r>
-            <a:r>
-              <a:rPr lang="it-IT" dirty="0" err="1" smtClean="0"/>
-              <a:t>all</a:t>
-            </a:r>
-            <a:r>
-              <a:rPr lang="it-IT" dirty="0" smtClean="0"/>
-              <a:t> the </a:t>
-            </a:r>
-            <a:r>
-              <a:rPr lang="it-IT" dirty="0" err="1" smtClean="0"/>
-              <a:t>space</a:t>
-            </a:r>
-            <a:r>
-              <a:rPr lang="it-IT" dirty="0" smtClean="0"/>
-              <a:t> </a:t>
-            </a:r>
-            <a:r>
-              <a:rPr lang="it-IT" dirty="0" err="1" smtClean="0"/>
-              <a:t>of</a:t>
-            </a:r>
-            <a:r>
-              <a:rPr lang="it-IT" dirty="0" smtClean="0"/>
-              <a:t> </a:t>
-            </a:r>
-            <a:r>
-              <a:rPr lang="it-IT" dirty="0" err="1" smtClean="0"/>
-              <a:t>solution</a:t>
-            </a:r>
-            <a:r>
-              <a:rPr lang="it-IT" dirty="0" smtClean="0"/>
-              <a:t> and </a:t>
-            </a:r>
-            <a:r>
-              <a:rPr lang="it-IT" dirty="0" err="1" smtClean="0"/>
-              <a:t>find</a:t>
-            </a:r>
-            <a:r>
-              <a:rPr lang="it-IT" dirty="0" smtClean="0"/>
-              <a:t> the best spot in </a:t>
-            </a:r>
-            <a:r>
-              <a:rPr lang="it-IT" dirty="0" err="1" smtClean="0"/>
-              <a:t>it</a:t>
-            </a:r>
-            <a:r>
-              <a:rPr lang="it-IT" dirty="0" smtClean="0"/>
-              <a:t>.</a:t>
-            </a:r>
-          </a:p>
-          <a:p>
-            <a:pPr>
-              <a:buNone/>
-            </a:pPr>
-            <a:endParaRPr lang="it-IT" dirty="0" smtClean="0"/>
-          </a:p>
-          <a:p>
-            <a:pPr>
-              <a:buNone/>
-            </a:pPr>
-            <a:r>
-              <a:rPr lang="it-IT" dirty="0" err="1" smtClean="0"/>
-              <a:t>Second</a:t>
-            </a:r>
-            <a:r>
-              <a:rPr lang="it-IT" dirty="0" smtClean="0"/>
-              <a:t>:</a:t>
-            </a:r>
-          </a:p>
-          <a:p>
-            <a:pPr>
-              <a:buNone/>
-            </a:pPr>
-            <a:r>
-              <a:rPr lang="it-IT" dirty="0" err="1" smtClean="0"/>
-              <a:t>Local</a:t>
-            </a:r>
-            <a:r>
-              <a:rPr lang="it-IT" dirty="0" smtClean="0"/>
-              <a:t> </a:t>
-            </a:r>
-            <a:r>
-              <a:rPr lang="it-IT" dirty="0" err="1" smtClean="0"/>
-              <a:t>Search</a:t>
-            </a:r>
-            <a:r>
-              <a:rPr lang="it-IT" dirty="0" smtClean="0"/>
-              <a:t> </a:t>
-            </a:r>
-            <a:r>
-              <a:rPr lang="it-IT" dirty="0" err="1" smtClean="0"/>
-              <a:t>Algorithm</a:t>
-            </a:r>
-            <a:r>
-              <a:rPr lang="it-IT" dirty="0" smtClean="0"/>
-              <a:t>, Tabu, </a:t>
-            </a:r>
-            <a:r>
-              <a:rPr lang="it-IT" dirty="0" err="1" smtClean="0"/>
-              <a:t>try</a:t>
-            </a:r>
-            <a:r>
-              <a:rPr lang="it-IT" dirty="0" smtClean="0"/>
-              <a:t> </a:t>
-            </a:r>
-            <a:r>
-              <a:rPr lang="it-IT" dirty="0" err="1" smtClean="0"/>
-              <a:t>to</a:t>
-            </a:r>
-            <a:r>
-              <a:rPr lang="it-IT" dirty="0" smtClean="0"/>
-              <a:t> </a:t>
-            </a:r>
-            <a:r>
-              <a:rPr lang="it-IT" dirty="0" err="1" smtClean="0"/>
-              <a:t>improve</a:t>
-            </a:r>
-            <a:r>
-              <a:rPr lang="it-IT" dirty="0" smtClean="0"/>
-              <a:t> the </a:t>
-            </a:r>
-            <a:r>
-              <a:rPr lang="it-IT" dirty="0" err="1" smtClean="0"/>
-              <a:t>given</a:t>
-            </a:r>
-            <a:r>
-              <a:rPr lang="it-IT" dirty="0" smtClean="0"/>
-              <a:t> </a:t>
-            </a:r>
-            <a:r>
-              <a:rPr lang="it-IT" dirty="0" err="1" smtClean="0"/>
-              <a:t>solution</a:t>
-            </a:r>
-            <a:r>
-              <a:rPr lang="it-IT" dirty="0" smtClean="0"/>
-              <a:t>.</a:t>
-            </a:r>
-            <a:endParaRPr lang="it-IT" dirty="0"/>
-          </a:p>
-        </p:txBody>
-      </p:sp>
+        </p:nvGraphicFramePr>
+        <p:xfrm>
+          <a:off x="457200" y="1600200"/>
+          <a:ext cx="7467600" cy="4873625"/>
+        </p:xfrm>
+        <a:graphic>
+          <a:graphicData uri="http://schemas.openxmlformats.org/drawingml/2006/diagram">
+            <dgm:relIds xmlns:dgm="http://schemas.openxmlformats.org/drawingml/2006/diagram" xmlns:r="http://schemas.openxmlformats.org/officeDocument/2006/relationships" r:dm="rId3" r:lo="rId4" r:qs="rId5" r:cs="rId6"/>
+          </a:graphicData>
+        </a:graphic>
+      </p:graphicFrame>
     </p:spTree>
   </p:cSld>
   <p:clrMapOvr>
     <a:masterClrMapping/>
   </p:clrMapOvr>
+  <p:timing>
+    <p:tnLst>
+      <p:par>
+        <p:cTn id="1" dur="indefinite" restart="never" nodeType="tmRoot"/>
+      </p:par>
+    </p:tnLst>
+  </p:timing>
 </p:sld>
 </file>
 
@@ -5815,7 +13845,15 @@
           <a:p>
             <a:r>
               <a:rPr lang="it-IT" dirty="0" err="1" smtClean="0"/>
-              <a:t>Genetic</a:t>
+              <a:t>Problems</a:t>
+            </a:r>
+            <a:r>
+              <a:rPr lang="it-IT" dirty="0" smtClean="0"/>
+              <a:t> with the </a:t>
+            </a:r>
+            <a:r>
+              <a:rPr lang="it-IT" dirty="0" err="1" smtClean="0"/>
+              <a:t>original</a:t>
             </a:r>
             <a:r>
               <a:rPr lang="it-IT" dirty="0" smtClean="0"/>
@@ -5823,7 +13861,7 @@
             </a:r>
             <a:r>
               <a:rPr lang="it-IT" dirty="0" err="1" smtClean="0"/>
-              <a:t>Algorithm</a:t>
+              <a:t>algorithms</a:t>
             </a:r>
             <a:endParaRPr lang="it-IT" dirty="0"/>
           </a:p>
@@ -5849,45 +13887,277 @@
             </a:pPr>
             <a:r>
               <a:rPr lang="it-IT" dirty="0" err="1" smtClean="0"/>
-              <a:t>Parameters</a:t>
-            </a:r>
-            <a:r>
-              <a:rPr lang="it-IT" dirty="0" smtClean="0"/>
-              <a:t>:</a:t>
-            </a:r>
-          </a:p>
-          <a:p>
-            <a:r>
-              <a:rPr lang="it-IT" dirty="0" err="1" smtClean="0"/>
-              <a:t>Initial</a:t>
+              <a:t>We</a:t>
             </a:r>
             <a:r>
               <a:rPr lang="it-IT" dirty="0" smtClean="0"/>
               <a:t> </a:t>
             </a:r>
             <a:r>
-              <a:rPr lang="it-IT" smtClean="0"/>
-              <a:t>population</a:t>
+              <a:rPr lang="it-IT" dirty="0" err="1" smtClean="0"/>
+              <a:t>observed</a:t>
+            </a:r>
+            <a:r>
+              <a:rPr lang="it-IT" dirty="0" smtClean="0"/>
+              <a:t> some </a:t>
+            </a:r>
+            <a:r>
+              <a:rPr lang="en-GB" dirty="0" smtClean="0"/>
+              <a:t>deficiencies in the original algorithm, including</a:t>
             </a:r>
             <a:endParaRPr lang="it-IT" dirty="0" smtClean="0"/>
           </a:p>
           <a:p>
             <a:r>
               <a:rPr lang="it-IT" dirty="0" err="1" smtClean="0"/>
-              <a:t>Generations</a:t>
+              <a:t>Quite</a:t>
+            </a:r>
+            <a:r>
+              <a:rPr lang="it-IT" dirty="0" smtClean="0"/>
+              <a:t> </a:t>
+            </a:r>
+            <a:r>
+              <a:rPr lang="it-IT" dirty="0" err="1" smtClean="0"/>
+              <a:t>poor</a:t>
+            </a:r>
+            <a:r>
+              <a:rPr lang="it-IT" dirty="0" smtClean="0"/>
+              <a:t> </a:t>
+            </a:r>
+            <a:r>
+              <a:rPr lang="it-IT" dirty="0" err="1" smtClean="0"/>
+              <a:t>initial</a:t>
+            </a:r>
+            <a:r>
+              <a:rPr lang="it-IT" dirty="0" smtClean="0"/>
+              <a:t> </a:t>
+            </a:r>
+            <a:r>
+              <a:rPr lang="it-IT" dirty="0" err="1" smtClean="0"/>
+              <a:t>solution</a:t>
+            </a:r>
+            <a:r>
+              <a:rPr lang="it-IT" dirty="0" smtClean="0"/>
+              <a:t> – The </a:t>
+            </a:r>
+            <a:r>
+              <a:rPr lang="it-IT" dirty="0" err="1" smtClean="0"/>
+              <a:t>initial</a:t>
+            </a:r>
+            <a:r>
+              <a:rPr lang="it-IT" dirty="0" smtClean="0"/>
+              <a:t> </a:t>
+            </a:r>
+            <a:r>
+              <a:rPr lang="it-IT" dirty="0" err="1" smtClean="0"/>
+              <a:t>solution</a:t>
+            </a:r>
+            <a:r>
+              <a:rPr lang="it-IT" dirty="0" smtClean="0"/>
+              <a:t> </a:t>
+            </a:r>
+            <a:r>
+              <a:rPr lang="it-IT" dirty="0" err="1" smtClean="0"/>
+              <a:t>is</a:t>
+            </a:r>
+            <a:r>
+              <a:rPr lang="it-IT" dirty="0" smtClean="0"/>
+              <a:t> </a:t>
+            </a:r>
+            <a:r>
+              <a:rPr lang="it-IT" dirty="0" err="1" smtClean="0"/>
+              <a:t>generated</a:t>
+            </a:r>
+            <a:r>
+              <a:rPr lang="it-IT" dirty="0" smtClean="0"/>
+              <a:t> by a pseudo random </a:t>
+            </a:r>
+            <a:r>
+              <a:rPr lang="it-IT" dirty="0" err="1" smtClean="0"/>
+              <a:t>algorithm</a:t>
+            </a:r>
+            <a:r>
+              <a:rPr lang="it-IT" dirty="0" smtClean="0"/>
+              <a:t> </a:t>
+            </a:r>
+            <a:r>
+              <a:rPr lang="it-IT" dirty="0" err="1" smtClean="0"/>
+              <a:t>that</a:t>
+            </a:r>
+            <a:r>
+              <a:rPr lang="it-IT" dirty="0" smtClean="0"/>
+              <a:t> </a:t>
+            </a:r>
+            <a:r>
+              <a:rPr lang="it-IT" dirty="0" err="1" smtClean="0"/>
+              <a:t>is</a:t>
+            </a:r>
+            <a:r>
+              <a:rPr lang="it-IT" dirty="0" smtClean="0"/>
+              <a:t> fast </a:t>
+            </a:r>
+            <a:r>
+              <a:rPr lang="it-IT" dirty="0" err="1" smtClean="0"/>
+              <a:t>but</a:t>
+            </a:r>
+            <a:r>
+              <a:rPr lang="it-IT" dirty="0" smtClean="0"/>
+              <a:t> </a:t>
+            </a:r>
+            <a:r>
+              <a:rPr lang="it-IT" dirty="0" err="1" smtClean="0"/>
+              <a:t>produces</a:t>
+            </a:r>
+            <a:r>
+              <a:rPr lang="it-IT" dirty="0" smtClean="0"/>
+              <a:t> </a:t>
+            </a:r>
+            <a:r>
+              <a:rPr lang="it-IT" dirty="0" err="1" smtClean="0"/>
+              <a:t>low</a:t>
+            </a:r>
+            <a:r>
+              <a:rPr lang="it-IT" dirty="0" smtClean="0"/>
+              <a:t> </a:t>
+            </a:r>
+            <a:r>
+              <a:rPr lang="it-IT" dirty="0" err="1" smtClean="0"/>
+              <a:t>quality</a:t>
+            </a:r>
+            <a:r>
+              <a:rPr lang="it-IT" dirty="0" smtClean="0"/>
+              <a:t> </a:t>
+            </a:r>
+            <a:r>
+              <a:rPr lang="it-IT" dirty="0" err="1" smtClean="0"/>
+              <a:t>initial</a:t>
+            </a:r>
+            <a:r>
+              <a:rPr lang="it-IT" dirty="0" smtClean="0"/>
+              <a:t> </a:t>
+            </a:r>
+            <a:r>
+              <a:rPr lang="it-IT" dirty="0" err="1" smtClean="0"/>
+              <a:t>solutions</a:t>
             </a:r>
             <a:endParaRPr lang="it-IT" dirty="0" smtClean="0"/>
           </a:p>
           <a:p>
             <a:r>
               <a:rPr lang="it-IT" dirty="0" smtClean="0"/>
-              <a:t>Cross-Over</a:t>
-            </a:r>
-          </a:p>
-          <a:p>
+              <a:t>Local </a:t>
+            </a:r>
             <a:r>
               <a:rPr lang="it-IT" dirty="0" err="1" smtClean="0"/>
-              <a:t>Mutation</a:t>
+              <a:t>search</a:t>
+            </a:r>
+            <a:r>
+              <a:rPr lang="it-IT" dirty="0"/>
+              <a:t> </a:t>
+            </a:r>
+            <a:r>
+              <a:rPr lang="it-IT" dirty="0" err="1" smtClean="0"/>
+              <a:t>that</a:t>
+            </a:r>
+            <a:r>
+              <a:rPr lang="it-IT" dirty="0" smtClean="0"/>
+              <a:t> – Tabu </a:t>
+            </a:r>
+            <a:r>
+              <a:rPr lang="it-IT" dirty="0" err="1" smtClean="0"/>
+              <a:t>Search</a:t>
+            </a:r>
+            <a:r>
+              <a:rPr lang="it-IT" dirty="0" smtClean="0"/>
+              <a:t> </a:t>
+            </a:r>
+            <a:r>
+              <a:rPr lang="it-IT" dirty="0" err="1" smtClean="0"/>
+              <a:t>is</a:t>
+            </a:r>
+            <a:r>
+              <a:rPr lang="it-IT" dirty="0" smtClean="0"/>
+              <a:t> a </a:t>
+            </a:r>
+            <a:r>
+              <a:rPr lang="it-IT" dirty="0" err="1" smtClean="0"/>
+              <a:t>local</a:t>
+            </a:r>
+            <a:r>
+              <a:rPr lang="it-IT" dirty="0" smtClean="0"/>
+              <a:t> </a:t>
+            </a:r>
+            <a:r>
+              <a:rPr lang="it-IT" dirty="0" err="1" smtClean="0"/>
+              <a:t>search</a:t>
+            </a:r>
+            <a:r>
+              <a:rPr lang="it-IT" dirty="0" smtClean="0"/>
+              <a:t> </a:t>
+            </a:r>
+            <a:r>
+              <a:rPr lang="it-IT" dirty="0" err="1" smtClean="0"/>
+              <a:t>algorithm</a:t>
+            </a:r>
+            <a:r>
+              <a:rPr lang="it-IT" dirty="0" smtClean="0"/>
+              <a:t>, and </a:t>
+            </a:r>
+            <a:r>
+              <a:rPr lang="it-IT" dirty="0" err="1" smtClean="0"/>
+              <a:t>does</a:t>
+            </a:r>
+            <a:r>
+              <a:rPr lang="it-IT" dirty="0" smtClean="0"/>
+              <a:t> </a:t>
+            </a:r>
+            <a:r>
+              <a:rPr lang="it-IT" dirty="0" err="1" smtClean="0"/>
+              <a:t>not</a:t>
+            </a:r>
+            <a:r>
+              <a:rPr lang="it-IT" dirty="0" smtClean="0"/>
+              <a:t> look </a:t>
+            </a:r>
+            <a:r>
+              <a:rPr lang="it-IT" dirty="0" err="1" smtClean="0"/>
+              <a:t>extensively</a:t>
+            </a:r>
+            <a:r>
+              <a:rPr lang="it-IT" dirty="0" smtClean="0"/>
+              <a:t> on the </a:t>
+            </a:r>
+            <a:r>
+              <a:rPr lang="it-IT" dirty="0" err="1" smtClean="0"/>
+              <a:t>solution</a:t>
+            </a:r>
+            <a:r>
+              <a:rPr lang="it-IT" dirty="0" smtClean="0"/>
+              <a:t> </a:t>
+            </a:r>
+            <a:r>
+              <a:rPr lang="it-IT" dirty="0" err="1" smtClean="0"/>
+              <a:t>space</a:t>
+            </a:r>
+            <a:r>
+              <a:rPr lang="it-IT" dirty="0" smtClean="0"/>
+              <a:t> for </a:t>
+            </a:r>
+            <a:r>
+              <a:rPr lang="it-IT" dirty="0" err="1" smtClean="0"/>
+              <a:t>better</a:t>
+            </a:r>
+            <a:r>
+              <a:rPr lang="it-IT" dirty="0" smtClean="0"/>
+              <a:t> </a:t>
+            </a:r>
+            <a:r>
+              <a:rPr lang="it-IT" dirty="0" err="1" smtClean="0"/>
+              <a:t>solutions</a:t>
+            </a:r>
+            <a:r>
+              <a:rPr lang="it-IT" dirty="0" smtClean="0"/>
+              <a:t>.</a:t>
             </a:r>
             <a:endParaRPr lang="it-IT" dirty="0" smtClean="0"/>
           </a:p>
@@ -5901,6 +14171,461 @@
   <p:clrMapOvr>
     <a:masterClrMapping/>
   </p:clrMapOvr>
+  <p:timing>
+    <p:tnLst>
+      <p:par>
+        <p:cTn id="1" dur="indefinite" restart="never" nodeType="tmRoot"/>
+      </p:par>
+    </p:tnLst>
+  </p:timing>
+</p:sld>
+</file>
+
+<file path=ppt/slides/slide5.xml><?xml version="1.0" encoding="utf-8"?>
+<p:sld xmlns:a="http://schemas.openxmlformats.org/drawingml/2006/main" xmlns:r="http://schemas.openxmlformats.org/officeDocument/2006/relationships" xmlns:p="http://schemas.openxmlformats.org/presentationml/2006/main">
+  <p:cSld>
+    <p:spTree>
+      <p:nvGrpSpPr>
+        <p:cNvPr id="1" name=""/>
+        <p:cNvGrpSpPr/>
+        <p:nvPr/>
+      </p:nvGrpSpPr>
+      <p:grpSpPr>
+        <a:xfrm>
+          <a:off x="0" y="0"/>
+          <a:ext cx="0" cy="0"/>
+          <a:chOff x="0" y="0"/>
+          <a:chExt cx="0" cy="0"/>
+        </a:xfrm>
+      </p:grpSpPr>
+      <p:sp>
+        <p:nvSpPr>
+          <p:cNvPr id="2" name="Titolo 1"/>
+          <p:cNvSpPr>
+            <a:spLocks noGrp="1"/>
+          </p:cNvSpPr>
+          <p:nvPr>
+            <p:ph type="title"/>
+          </p:nvPr>
+        </p:nvSpPr>
+        <p:spPr/>
+        <p:txBody>
+          <a:bodyPr/>
+          <a:lstStyle/>
+          <a:p>
+            <a:r>
+              <a:rPr lang="en-GB" dirty="0" smtClean="0"/>
+              <a:t>Our solution</a:t>
+            </a:r>
+            <a:endParaRPr lang="en-GB" dirty="0"/>
+          </a:p>
+        </p:txBody>
+      </p:sp>
+      <p:sp>
+        <p:nvSpPr>
+          <p:cNvPr id="3" name="Segnaposto contenuto 2"/>
+          <p:cNvSpPr>
+            <a:spLocks noGrp="1"/>
+          </p:cNvSpPr>
+          <p:nvPr>
+            <p:ph sz="quarter" idx="1"/>
+          </p:nvPr>
+        </p:nvSpPr>
+        <p:spPr/>
+        <p:txBody>
+          <a:bodyPr/>
+          <a:lstStyle/>
+          <a:p>
+            <a:r>
+              <a:rPr lang="en-GB" dirty="0" smtClean="0"/>
+              <a:t>Apply minor changes to the existing </a:t>
+            </a:r>
+            <a:r>
+              <a:rPr lang="en-GB" dirty="0" err="1" smtClean="0"/>
+              <a:t>Tabu</a:t>
+            </a:r>
+            <a:r>
+              <a:rPr lang="en-GB" dirty="0" smtClean="0"/>
+              <a:t> Search algorithm in the hope of improving performance</a:t>
+            </a:r>
+          </a:p>
+          <a:p>
+            <a:r>
+              <a:rPr lang="en-GB" dirty="0" smtClean="0"/>
+              <a:t>Provide the </a:t>
+            </a:r>
+            <a:r>
+              <a:rPr lang="en-GB" dirty="0" err="1" smtClean="0"/>
+              <a:t>Tabu</a:t>
+            </a:r>
+            <a:r>
+              <a:rPr lang="en-GB" dirty="0" smtClean="0"/>
+              <a:t> Search with an improved initial solution, to make it converge faster to the final solution</a:t>
+            </a:r>
+          </a:p>
+          <a:p>
+            <a:r>
+              <a:rPr lang="en-GB" dirty="0" smtClean="0"/>
+              <a:t>Look for a good initial solution on the largest possible space of solutions</a:t>
+            </a:r>
+            <a:endParaRPr lang="en-GB" dirty="0"/>
+          </a:p>
+        </p:txBody>
+      </p:sp>
+    </p:spTree>
+    <p:extLst>
+      <p:ext uri="{BB962C8B-B14F-4D97-AF65-F5344CB8AC3E}">
+        <p14:creationId xmlns:p14="http://schemas.microsoft.com/office/powerpoint/2010/main" val="2067409409"/>
+      </p:ext>
+    </p:extLst>
+  </p:cSld>
+  <p:clrMapOvr>
+    <a:masterClrMapping/>
+  </p:clrMapOvr>
+  <p:timing>
+    <p:tnLst>
+      <p:par>
+        <p:cTn id="1" dur="indefinite" restart="never" nodeType="tmRoot"/>
+      </p:par>
+    </p:tnLst>
+  </p:timing>
+</p:sld>
+</file>
+
+<file path=ppt/slides/slide6.xml><?xml version="1.0" encoding="utf-8"?>
+<p:sld xmlns:a="http://schemas.openxmlformats.org/drawingml/2006/main" xmlns:r="http://schemas.openxmlformats.org/officeDocument/2006/relationships" xmlns:p="http://schemas.openxmlformats.org/presentationml/2006/main">
+  <p:cSld>
+    <p:spTree>
+      <p:nvGrpSpPr>
+        <p:cNvPr id="1" name=""/>
+        <p:cNvGrpSpPr/>
+        <p:nvPr/>
+      </p:nvGrpSpPr>
+      <p:grpSpPr>
+        <a:xfrm>
+          <a:off x="0" y="0"/>
+          <a:ext cx="0" cy="0"/>
+          <a:chOff x="0" y="0"/>
+          <a:chExt cx="0" cy="0"/>
+        </a:xfrm>
+      </p:grpSpPr>
+      <p:sp>
+        <p:nvSpPr>
+          <p:cNvPr id="2" name="Titolo 1"/>
+          <p:cNvSpPr>
+            <a:spLocks noGrp="1"/>
+          </p:cNvSpPr>
+          <p:nvPr>
+            <p:ph type="title"/>
+          </p:nvPr>
+        </p:nvSpPr>
+        <p:spPr/>
+        <p:txBody>
+          <a:bodyPr/>
+          <a:lstStyle/>
+          <a:p>
+            <a:r>
+              <a:rPr lang="en-GB" dirty="0" smtClean="0"/>
+              <a:t>Our algorithm</a:t>
+            </a:r>
+            <a:endParaRPr lang="en-GB" dirty="0"/>
+          </a:p>
+        </p:txBody>
+      </p:sp>
+      <p:graphicFrame>
+        <p:nvGraphicFramePr>
+          <p:cNvPr id="4" name="Segnaposto contenuto 3"/>
+          <p:cNvGraphicFramePr>
+            <a:graphicFrameLocks noGrp="1"/>
+          </p:cNvGraphicFramePr>
+          <p:nvPr>
+            <p:ph sz="quarter" idx="1"/>
+            <p:extLst>
+              <p:ext uri="{D42A27DB-BD31-4B8C-83A1-F6EECF244321}">
+                <p14:modId xmlns:p14="http://schemas.microsoft.com/office/powerpoint/2010/main" val="553888636"/>
+              </p:ext>
+            </p:extLst>
+          </p:nvPr>
+        </p:nvGraphicFramePr>
+        <p:xfrm>
+          <a:off x="457200" y="1600200"/>
+          <a:ext cx="7467600" cy="4873625"/>
+        </p:xfrm>
+        <a:graphic>
+          <a:graphicData uri="http://schemas.openxmlformats.org/drawingml/2006/diagram">
+            <dgm:relIds xmlns:dgm="http://schemas.openxmlformats.org/drawingml/2006/diagram" xmlns:r="http://schemas.openxmlformats.org/officeDocument/2006/relationships" r:dm="rId3" r:lo="rId4" r:qs="rId5" r:cs="rId6"/>
+          </a:graphicData>
+        </a:graphic>
+      </p:graphicFrame>
+    </p:spTree>
+    <p:extLst>
+      <p:ext uri="{BB962C8B-B14F-4D97-AF65-F5344CB8AC3E}">
+        <p14:creationId xmlns:p14="http://schemas.microsoft.com/office/powerpoint/2010/main" val="897032171"/>
+      </p:ext>
+    </p:extLst>
+  </p:cSld>
+  <p:clrMapOvr>
+    <a:masterClrMapping/>
+  </p:clrMapOvr>
+  <p:timing>
+    <p:tnLst>
+      <p:par>
+        <p:cTn id="1" dur="indefinite" restart="never" nodeType="tmRoot"/>
+      </p:par>
+    </p:tnLst>
+  </p:timing>
+</p:sld>
+</file>
+
+<file path=ppt/slides/slide7.xml><?xml version="1.0" encoding="utf-8"?>
+<p:sld xmlns:a="http://schemas.openxmlformats.org/drawingml/2006/main" xmlns:r="http://schemas.openxmlformats.org/officeDocument/2006/relationships" xmlns:p="http://schemas.openxmlformats.org/presentationml/2006/main">
+  <p:cSld>
+    <p:spTree>
+      <p:nvGrpSpPr>
+        <p:cNvPr id="1" name=""/>
+        <p:cNvGrpSpPr/>
+        <p:nvPr/>
+      </p:nvGrpSpPr>
+      <p:grpSpPr>
+        <a:xfrm>
+          <a:off x="0" y="0"/>
+          <a:ext cx="0" cy="0"/>
+          <a:chOff x="0" y="0"/>
+          <a:chExt cx="0" cy="0"/>
+        </a:xfrm>
+      </p:grpSpPr>
+      <p:sp>
+        <p:nvSpPr>
+          <p:cNvPr id="2" name="Titolo 1"/>
+          <p:cNvSpPr>
+            <a:spLocks noGrp="1"/>
+          </p:cNvSpPr>
+          <p:nvPr>
+            <p:ph type="title"/>
+          </p:nvPr>
+        </p:nvSpPr>
+        <p:spPr/>
+        <p:txBody>
+          <a:bodyPr/>
+          <a:lstStyle/>
+          <a:p>
+            <a:r>
+              <a:rPr lang="en-GB" dirty="0" smtClean="0"/>
+              <a:t>Our initial solution</a:t>
+            </a:r>
+            <a:endParaRPr lang="en-GB" dirty="0"/>
+          </a:p>
+        </p:txBody>
+      </p:sp>
+      <p:sp>
+        <p:nvSpPr>
+          <p:cNvPr id="3" name="Segnaposto contenuto 2"/>
+          <p:cNvSpPr>
+            <a:spLocks noGrp="1"/>
+          </p:cNvSpPr>
+          <p:nvPr>
+            <p:ph sz="quarter" idx="1"/>
+          </p:nvPr>
+        </p:nvSpPr>
+        <p:spPr/>
+        <p:txBody>
+          <a:bodyPr/>
+          <a:lstStyle/>
+          <a:p>
+            <a:pPr marL="0" indent="0">
+              <a:buNone/>
+            </a:pPr>
+            <a:r>
+              <a:rPr lang="en-GB" dirty="0" smtClean="0"/>
+              <a:t>Unlike the original </a:t>
+            </a:r>
+            <a:r>
+              <a:rPr lang="en-GB" dirty="0" err="1" smtClean="0"/>
+              <a:t>tabu</a:t>
+            </a:r>
+            <a:r>
+              <a:rPr lang="en-GB" dirty="0" smtClean="0"/>
+              <a:t> search algorithm, the genetic algorithm needs a set of initial possible solutions, instead of just one.</a:t>
+            </a:r>
+          </a:p>
+          <a:p>
+            <a:pPr marL="0" indent="0">
+              <a:buNone/>
+            </a:pPr>
+            <a:r>
+              <a:rPr lang="en-GB" dirty="0" smtClean="0"/>
+              <a:t>To generate this initial population we decided to follow two different approaches:</a:t>
+            </a:r>
+          </a:p>
+          <a:p>
+            <a:r>
+              <a:rPr lang="en-GB" dirty="0" smtClean="0"/>
+              <a:t>Solution generated by a greedy algorithm (Nearest Neighbour</a:t>
+            </a:r>
+            <a:r>
+              <a:rPr lang="en-GB" dirty="0"/>
+              <a:t>)</a:t>
+            </a:r>
+            <a:endParaRPr lang="en-GB" dirty="0" smtClean="0"/>
+          </a:p>
+          <a:p>
+            <a:r>
+              <a:rPr lang="en-GB" dirty="0" smtClean="0"/>
+              <a:t>Pseudo-random solution</a:t>
+            </a:r>
+          </a:p>
+        </p:txBody>
+      </p:sp>
+    </p:spTree>
+    <p:extLst>
+      <p:ext uri="{BB962C8B-B14F-4D97-AF65-F5344CB8AC3E}">
+        <p14:creationId xmlns:p14="http://schemas.microsoft.com/office/powerpoint/2010/main" val="3923536108"/>
+      </p:ext>
+    </p:extLst>
+  </p:cSld>
+  <p:clrMapOvr>
+    <a:masterClrMapping/>
+  </p:clrMapOvr>
+  <p:timing>
+    <p:tnLst>
+      <p:par>
+        <p:cTn id="1" dur="indefinite" restart="never" nodeType="tmRoot"/>
+      </p:par>
+    </p:tnLst>
+  </p:timing>
+</p:sld>
+</file>
+
+<file path=ppt/slides/slide8.xml><?xml version="1.0" encoding="utf-8"?>
+<p:sld xmlns:a="http://schemas.openxmlformats.org/drawingml/2006/main" xmlns:r="http://schemas.openxmlformats.org/officeDocument/2006/relationships" xmlns:p="http://schemas.openxmlformats.org/presentationml/2006/main">
+  <p:cSld>
+    <p:spTree>
+      <p:nvGrpSpPr>
+        <p:cNvPr id="1" name=""/>
+        <p:cNvGrpSpPr/>
+        <p:nvPr/>
+      </p:nvGrpSpPr>
+      <p:grpSpPr>
+        <a:xfrm>
+          <a:off x="0" y="0"/>
+          <a:ext cx="0" cy="0"/>
+          <a:chOff x="0" y="0"/>
+          <a:chExt cx="0" cy="0"/>
+        </a:xfrm>
+      </p:grpSpPr>
+      <p:sp>
+        <p:nvSpPr>
+          <p:cNvPr id="2" name="Titolo 1"/>
+          <p:cNvSpPr>
+            <a:spLocks noGrp="1"/>
+          </p:cNvSpPr>
+          <p:nvPr>
+            <p:ph type="title"/>
+          </p:nvPr>
+        </p:nvSpPr>
+        <p:spPr/>
+        <p:txBody>
+          <a:bodyPr/>
+          <a:lstStyle/>
+          <a:p>
+            <a:r>
+              <a:rPr lang="en-GB" dirty="0" smtClean="0"/>
+              <a:t>The genetic algorithm</a:t>
+            </a:r>
+            <a:endParaRPr lang="en-GB" dirty="0"/>
+          </a:p>
+        </p:txBody>
+      </p:sp>
+      <p:sp>
+        <p:nvSpPr>
+          <p:cNvPr id="3" name="Segnaposto contenuto 2"/>
+          <p:cNvSpPr>
+            <a:spLocks noGrp="1"/>
+          </p:cNvSpPr>
+          <p:nvPr>
+            <p:ph sz="quarter" idx="1"/>
+          </p:nvPr>
+        </p:nvSpPr>
+        <p:spPr/>
+        <p:txBody>
+          <a:bodyPr/>
+          <a:lstStyle/>
+          <a:p>
+            <a:pPr marL="0" indent="0">
+              <a:buNone/>
+            </a:pPr>
+            <a:r>
+              <a:rPr lang="en-GB" dirty="0" smtClean="0"/>
+              <a:t>Our implementation of the genetic algorithm is based on the </a:t>
+            </a:r>
+            <a:r>
+              <a:rPr lang="en-GB" dirty="0" err="1" smtClean="0"/>
+              <a:t>GALib</a:t>
+            </a:r>
+            <a:r>
+              <a:rPr lang="en-GB" dirty="0" smtClean="0"/>
+              <a:t> library.</a:t>
+            </a:r>
+          </a:p>
+          <a:p>
+            <a:pPr marL="0" indent="0">
+              <a:buNone/>
+            </a:pPr>
+            <a:r>
+              <a:rPr lang="en-GB" dirty="0" smtClean="0"/>
+              <a:t>The algorithm required the implementation of several components, such as:</a:t>
+            </a:r>
+          </a:p>
+          <a:p>
+            <a:pPr marL="0" indent="0">
+              <a:buNone/>
+            </a:pPr>
+            <a:endParaRPr lang="en-GB" dirty="0" smtClean="0"/>
+          </a:p>
+          <a:p>
+            <a:r>
+              <a:rPr lang="en-GB" dirty="0" smtClean="0"/>
+              <a:t>A model for the chromosome</a:t>
+            </a:r>
+          </a:p>
+          <a:p>
+            <a:r>
+              <a:rPr lang="en-GB" dirty="0" smtClean="0"/>
+              <a:t>A fitness function</a:t>
+            </a:r>
+          </a:p>
+          <a:p>
+            <a:r>
+              <a:rPr lang="en-GB" dirty="0" smtClean="0"/>
+              <a:t>A crossover function</a:t>
+            </a:r>
+          </a:p>
+          <a:p>
+            <a:r>
+              <a:rPr lang="en-GB" dirty="0" smtClean="0"/>
+              <a:t>A mutation function</a:t>
+            </a:r>
+            <a:endParaRPr lang="en-GB" dirty="0"/>
+          </a:p>
+        </p:txBody>
+      </p:sp>
+    </p:spTree>
+    <p:extLst>
+      <p:ext uri="{BB962C8B-B14F-4D97-AF65-F5344CB8AC3E}">
+        <p14:creationId xmlns:p14="http://schemas.microsoft.com/office/powerpoint/2010/main" val="2712045263"/>
+      </p:ext>
+    </p:extLst>
+  </p:cSld>
+  <p:clrMapOvr>
+    <a:masterClrMapping/>
+  </p:clrMapOvr>
+  <p:timing>
+    <p:tnLst>
+      <p:par>
+        <p:cTn id="1" dur="indefinite" restart="never" nodeType="tmRoot"/>
+      </p:par>
+    </p:tnLst>
+  </p:timing>
 </p:sld>
 </file>
 
@@ -6195,4 +14920,265 @@
   <a:objectDefaults/>
   <a:extraClrSchemeLst/>
 </a:theme>
+</file>
+
+<file path=ppt/theme/theme2.xml><?xml version="1.0" encoding="utf-8"?>
+<a:theme xmlns:a="http://schemas.openxmlformats.org/drawingml/2006/main" name="Tema di Office">
+  <a:themeElements>
+    <a:clrScheme name="Office">
+      <a:dk1>
+        <a:sysClr val="windowText" lastClr="000000"/>
+      </a:dk1>
+      <a:lt1>
+        <a:sysClr val="window" lastClr="FFFFFF"/>
+      </a:lt1>
+      <a:dk2>
+        <a:srgbClr val="44546A"/>
+      </a:dk2>
+      <a:lt2>
+        <a:srgbClr val="E7E6E6"/>
+      </a:lt2>
+      <a:accent1>
+        <a:srgbClr val="5B9BD5"/>
+      </a:accent1>
+      <a:accent2>
+        <a:srgbClr val="ED7D31"/>
+      </a:accent2>
+      <a:accent3>
+        <a:srgbClr val="A5A5A5"/>
+      </a:accent3>
+      <a:accent4>
+        <a:srgbClr val="FFC000"/>
+      </a:accent4>
+      <a:accent5>
+        <a:srgbClr val="4472C4"/>
+      </a:accent5>
+      <a:accent6>
+        <a:srgbClr val="70AD47"/>
+      </a:accent6>
+      <a:hlink>
+        <a:srgbClr val="0563C1"/>
+      </a:hlink>
+      <a:folHlink>
+        <a:srgbClr val="954F72"/>
+      </a:folHlink>
+    </a:clrScheme>
+    <a:fontScheme name="Office">
+      <a:majorFont>
+        <a:latin typeface="Calibri Light" panose="020F0302020204030204"/>
+        <a:ea typeface=""/>
+        <a:cs typeface=""/>
+        <a:font script="Jpan" typeface="ＭＳ Ｐゴシック"/>
+        <a:font script="Hang" typeface="맑은 고딕"/>
+        <a:font script="Hans" typeface="宋体"/>
+        <a:font script="Hant" typeface="新細明體"/>
+        <a:font script="Arab" typeface="Times New Roman"/>
+        <a:font script="Hebr" typeface="Times New Roman"/>
+        <a:font script="Thai" typeface="Angsana New"/>
+        <a:font script="Ethi" typeface="Nyala"/>
+        <a:font script="Beng" typeface="Vrinda"/>
+        <a:font script="Gujr" typeface="Shruti"/>
+        <a:font script="Khmr" typeface="MoolBoran"/>
+        <a:font script="Knda" typeface="Tunga"/>
+        <a:font script="Guru" typeface="Raavi"/>
+        <a:font script="Cans" typeface="Euphemia"/>
+        <a:font script="Cher" typeface="Plantagenet Cherokee"/>
+        <a:font script="Yiii" typeface="Microsoft Yi Baiti"/>
+        <a:font script="Tibt" typeface="Microsoft Himalaya"/>
+        <a:font script="Thaa" typeface="MV Boli"/>
+        <a:font script="Deva" typeface="Mangal"/>
+        <a:font script="Telu" typeface="Gautami"/>
+        <a:font script="Taml" typeface="Latha"/>
+        <a:font script="Syrc" typeface="Estrangelo Edessa"/>
+        <a:font script="Orya" typeface="Kalinga"/>
+        <a:font script="Mlym" typeface="Kartika"/>
+        <a:font script="Laoo" typeface="DokChampa"/>
+        <a:font script="Sinh" typeface="Iskoola Pota"/>
+        <a:font script="Mong" typeface="Mongolian Baiti"/>
+        <a:font script="Viet" typeface="Times New Roman"/>
+        <a:font script="Uigh" typeface="Microsoft Uighur"/>
+        <a:font script="Geor" typeface="Sylfaen"/>
+      </a:majorFont>
+      <a:minorFont>
+        <a:latin typeface="Calibri" panose="020F0502020204030204"/>
+        <a:ea typeface=""/>
+        <a:cs typeface=""/>
+        <a:font script="Jpan" typeface="ＭＳ Ｐゴシック"/>
+        <a:font script="Hang" typeface="맑은 고딕"/>
+        <a:font script="Hans" typeface="宋体"/>
+        <a:font script="Hant" typeface="新細明體"/>
+        <a:font script="Arab" typeface="Arial"/>
+        <a:font script="Hebr" typeface="Arial"/>
+        <a:font script="Thai" typeface="Cordia New"/>
+        <a:font script="Ethi" typeface="Nyala"/>
+        <a:font script="Beng" typeface="Vrinda"/>
+        <a:font script="Gujr" typeface="Shruti"/>
+        <a:font script="Khmr" typeface="DaunPenh"/>
+        <a:font script="Knda" typeface="Tunga"/>
+        <a:font script="Guru" typeface="Raavi"/>
+        <a:font script="Cans" typeface="Euphemia"/>
+        <a:font script="Cher" typeface="Plantagenet Cherokee"/>
+        <a:font script="Yiii" typeface="Microsoft Yi Baiti"/>
+        <a:font script="Tibt" typeface="Microsoft Himalaya"/>
+        <a:font script="Thaa" typeface="MV Boli"/>
+        <a:font script="Deva" typeface="Mangal"/>
+        <a:font script="Telu" typeface="Gautami"/>
+        <a:font script="Taml" typeface="Latha"/>
+        <a:font script="Syrc" typeface="Estrangelo Edessa"/>
+        <a:font script="Orya" typeface="Kalinga"/>
+        <a:font script="Mlym" typeface="Kartika"/>
+        <a:font script="Laoo" typeface="DokChampa"/>
+        <a:font script="Sinh" typeface="Iskoola Pota"/>
+        <a:font script="Mong" typeface="Mongolian Baiti"/>
+        <a:font script="Viet" typeface="Arial"/>
+        <a:font script="Uigh" typeface="Microsoft Uighur"/>
+        <a:font script="Geor" typeface="Sylfaen"/>
+      </a:minorFont>
+    </a:fontScheme>
+    <a:fmtScheme name="Office">
+      <a:fillStyleLst>
+        <a:solidFill>
+          <a:schemeClr val="phClr"/>
+        </a:solidFill>
+        <a:gradFill rotWithShape="1">
+          <a:gsLst>
+            <a:gs pos="0">
+              <a:schemeClr val="phClr">
+                <a:lumMod val="110000"/>
+                <a:satMod val="105000"/>
+                <a:tint val="67000"/>
+              </a:schemeClr>
+            </a:gs>
+            <a:gs pos="50000">
+              <a:schemeClr val="phClr">
+                <a:lumMod val="105000"/>
+                <a:satMod val="103000"/>
+                <a:tint val="73000"/>
+              </a:schemeClr>
+            </a:gs>
+            <a:gs pos="100000">
+              <a:schemeClr val="phClr">
+                <a:lumMod val="105000"/>
+                <a:satMod val="109000"/>
+                <a:tint val="81000"/>
+              </a:schemeClr>
+            </a:gs>
+          </a:gsLst>
+          <a:lin ang="5400000" scaled="0"/>
+        </a:gradFill>
+        <a:gradFill rotWithShape="1">
+          <a:gsLst>
+            <a:gs pos="0">
+              <a:schemeClr val="phClr">
+                <a:satMod val="103000"/>
+                <a:lumMod val="102000"/>
+                <a:tint val="94000"/>
+              </a:schemeClr>
+            </a:gs>
+            <a:gs pos="50000">
+              <a:schemeClr val="phClr">
+                <a:satMod val="110000"/>
+                <a:lumMod val="100000"/>
+                <a:shade val="100000"/>
+              </a:schemeClr>
+            </a:gs>
+            <a:gs pos="100000">
+              <a:schemeClr val="phClr">
+                <a:lumMod val="99000"/>
+                <a:satMod val="120000"/>
+                <a:shade val="78000"/>
+              </a:schemeClr>
+            </a:gs>
+          </a:gsLst>
+          <a:lin ang="5400000" scaled="0"/>
+        </a:gradFill>
+      </a:fillStyleLst>
+      <a:lnStyleLst>
+        <a:ln w="6350" cap="flat" cmpd="sng" algn="ctr">
+          <a:solidFill>
+            <a:schemeClr val="phClr"/>
+          </a:solidFill>
+          <a:prstDash val="solid"/>
+          <a:miter lim="800000"/>
+        </a:ln>
+        <a:ln w="12700" cap="flat" cmpd="sng" algn="ctr">
+          <a:solidFill>
+            <a:schemeClr val="phClr"/>
+          </a:solidFill>
+          <a:prstDash val="solid"/>
+          <a:miter lim="800000"/>
+        </a:ln>
+        <a:ln w="19050" cap="flat" cmpd="sng" algn="ctr">
+          <a:solidFill>
+            <a:schemeClr val="phClr"/>
+          </a:solidFill>
+          <a:prstDash val="solid"/>
+          <a:miter lim="800000"/>
+        </a:ln>
+      </a:lnStyleLst>
+      <a:effectStyleLst>
+        <a:effectStyle>
+          <a:effectLst/>
+        </a:effectStyle>
+        <a:effectStyle>
+          <a:effectLst/>
+        </a:effectStyle>
+        <a:effectStyle>
+          <a:effectLst>
+            <a:outerShdw blurRad="57150" dist="19050" dir="5400000" algn="ctr" rotWithShape="0">
+              <a:srgbClr val="000000">
+                <a:alpha val="63000"/>
+              </a:srgbClr>
+            </a:outerShdw>
+          </a:effectLst>
+        </a:effectStyle>
+      </a:effectStyleLst>
+      <a:bgFillStyleLst>
+        <a:solidFill>
+          <a:schemeClr val="phClr"/>
+        </a:solidFill>
+        <a:solidFill>
+          <a:schemeClr val="phClr">
+            <a:tint val="95000"/>
+            <a:satMod val="170000"/>
+          </a:schemeClr>
+        </a:solidFill>
+        <a:gradFill rotWithShape="1">
+          <a:gsLst>
+            <a:gs pos="0">
+              <a:schemeClr val="phClr">
+                <a:tint val="93000"/>
+                <a:satMod val="150000"/>
+                <a:shade val="98000"/>
+                <a:lumMod val="102000"/>
+              </a:schemeClr>
+            </a:gs>
+            <a:gs pos="50000">
+              <a:schemeClr val="phClr">
+                <a:tint val="98000"/>
+                <a:satMod val="130000"/>
+                <a:shade val="90000"/>
+                <a:lumMod val="103000"/>
+              </a:schemeClr>
+            </a:gs>
+            <a:gs pos="100000">
+              <a:schemeClr val="phClr">
+                <a:shade val="63000"/>
+                <a:satMod val="120000"/>
+              </a:schemeClr>
+            </a:gs>
+          </a:gsLst>
+          <a:lin ang="5400000" scaled="0"/>
+        </a:gradFill>
+      </a:bgFillStyleLst>
+    </a:fmtScheme>
+  </a:themeElements>
+  <a:objectDefaults/>
+  <a:extraClrSchemeLst/>
+  <a:extLst>
+    <a:ext uri="{05A4C25C-085E-4340-85A3-A5531E510DB2}">
+      <thm15:themeFamily xmlns:thm15="http://schemas.microsoft.com/office/thememl/2012/main" name="Office Theme" id="{62F939B6-93AF-4DB8-9C6B-D6C7DFDC589F}" vid="{4A3C46E8-61CC-4603-A589-7422A47A8E4A}"/>
+    </a:ext>
+  </a:extLst>
+</a:theme>
 </file>
--- a/Documenti/OMA ASSIGNMENT 2014.pptx
+++ b/Documenti/OMA ASSIGNMENT 2014.pptx
@@ -5,7 +5,7 @@
     <p:sldMasterId id="2147483720" r:id="rId1"/>
   </p:sldMasterIdLst>
   <p:notesMasterIdLst>
-    <p:notesMasterId r:id="rId10"/>
+    <p:notesMasterId r:id="rId17"/>
   </p:notesMasterIdLst>
   <p:sldIdLst>
     <p:sldId id="256" r:id="rId2"/>
@@ -16,6 +16,13 @@
     <p:sldId id="261" r:id="rId7"/>
     <p:sldId id="262" r:id="rId8"/>
     <p:sldId id="263" r:id="rId9"/>
+    <p:sldId id="264" r:id="rId10"/>
+    <p:sldId id="265" r:id="rId11"/>
+    <p:sldId id="266" r:id="rId12"/>
+    <p:sldId id="267" r:id="rId13"/>
+    <p:sldId id="268" r:id="rId14"/>
+    <p:sldId id="269" r:id="rId15"/>
+    <p:sldId id="270" r:id="rId16"/>
   </p:sldIdLst>
   <p:sldSz cx="9144000" cy="6858000" type="screen4x3"/>
   <p:notesSz cx="6858000" cy="9144000"/>
@@ -1885,6 +1892,13 @@
         </dgm:presLayoutVars>
       </dgm:prSet>
       <dgm:spPr/>
+      <dgm:t>
+        <a:bodyPr/>
+        <a:lstStyle/>
+        <a:p>
+          <a:endParaRPr lang="en-GB"/>
+        </a:p>
+      </dgm:t>
     </dgm:pt>
     <dgm:pt modelId="{24FA96D1-ACBC-41B2-96A4-2CAFC5082563}" type="pres">
       <dgm:prSet presAssocID="{33B0873A-D885-4325-961B-F1D834ADB0F7}" presName="composite" presStyleCnt="0"/>
@@ -1903,6 +1917,13 @@
         </dgm:presLayoutVars>
       </dgm:prSet>
       <dgm:spPr/>
+      <dgm:t>
+        <a:bodyPr/>
+        <a:lstStyle/>
+        <a:p>
+          <a:endParaRPr lang="en-GB"/>
+        </a:p>
+      </dgm:t>
     </dgm:pt>
     <dgm:pt modelId="{E2EA7465-332E-43A0-B525-87E18862AAB7}" type="pres">
       <dgm:prSet presAssocID="{33B0873A-D885-4325-961B-F1D834ADB0F7}" presName="ChildText" presStyleLbl="revTx" presStyleIdx="0" presStyleCnt="3" custScaleX="458721" custLinFactX="90457" custLinFactNeighborX="100000" custLinFactNeighborY="399">
@@ -1942,6 +1963,13 @@
         </dgm:presLayoutVars>
       </dgm:prSet>
       <dgm:spPr/>
+      <dgm:t>
+        <a:bodyPr/>
+        <a:lstStyle/>
+        <a:p>
+          <a:endParaRPr lang="en-GB"/>
+        </a:p>
+      </dgm:t>
     </dgm:pt>
     <dgm:pt modelId="{42BC6418-9390-4DBB-B8A4-FECC20CDFAA2}" type="pres">
       <dgm:prSet presAssocID="{79462E9F-3A79-427F-A85D-BA736E49A4FE}" presName="ChildText" presStyleLbl="revTx" presStyleIdx="1" presStyleCnt="3" custScaleX="264452" custLinFactNeighborX="91535" custLinFactNeighborY="4306">
@@ -1952,6 +1980,13 @@
         </dgm:presLayoutVars>
       </dgm:prSet>
       <dgm:spPr/>
+      <dgm:t>
+        <a:bodyPr/>
+        <a:lstStyle/>
+        <a:p>
+          <a:endParaRPr lang="en-GB"/>
+        </a:p>
+      </dgm:t>
     </dgm:pt>
     <dgm:pt modelId="{B3C7EBF0-F6E1-4681-A414-9C908048731A}" type="pres">
       <dgm:prSet presAssocID="{06CF495E-3BA4-42D9-BA2C-70F8044CC436}" presName="sibTrans" presStyleCnt="0"/>
@@ -1970,6 +2005,13 @@
         </dgm:presLayoutVars>
       </dgm:prSet>
       <dgm:spPr/>
+      <dgm:t>
+        <a:bodyPr/>
+        <a:lstStyle/>
+        <a:p>
+          <a:endParaRPr lang="en-GB"/>
+        </a:p>
+      </dgm:t>
     </dgm:pt>
     <dgm:pt modelId="{3BE3B7D4-392F-432B-B794-D470CC2C8CC7}" type="pres">
       <dgm:prSet presAssocID="{1AF360A8-881C-4035-BA91-7780773AD6B7}" presName="FinalChildText" presStyleLbl="revTx" presStyleIdx="2" presStyleCnt="3" custScaleX="119084">
@@ -1980,6 +2022,13 @@
         </dgm:presLayoutVars>
       </dgm:prSet>
       <dgm:spPr/>
+      <dgm:t>
+        <a:bodyPr/>
+        <a:lstStyle/>
+        <a:p>
+          <a:endParaRPr lang="en-GB"/>
+        </a:p>
+      </dgm:t>
     </dgm:pt>
   </dgm:ptLst>
   <dgm:cxnLst>
@@ -2236,6 +2285,13 @@
         </dgm:presLayoutVars>
       </dgm:prSet>
       <dgm:spPr/>
+      <dgm:t>
+        <a:bodyPr/>
+        <a:lstStyle/>
+        <a:p>
+          <a:endParaRPr lang="en-GB"/>
+        </a:p>
+      </dgm:t>
     </dgm:pt>
     <dgm:pt modelId="{CFEBA8CE-91C8-4314-A0C5-8EC89B5BC4C4}" type="pres">
       <dgm:prSet presAssocID="{BE485E1F-F886-4F26-ACDF-2DFA36BB7733}" presName="dummyMaxCanvas" presStyleCnt="0">
@@ -2250,6 +2306,13 @@
         </dgm:presLayoutVars>
       </dgm:prSet>
       <dgm:spPr/>
+      <dgm:t>
+        <a:bodyPr/>
+        <a:lstStyle/>
+        <a:p>
+          <a:endParaRPr lang="en-GB"/>
+        </a:p>
+      </dgm:t>
     </dgm:pt>
     <dgm:pt modelId="{92AF59CF-48F8-4268-A79E-CC79582F4969}" type="pres">
       <dgm:prSet presAssocID="{BE485E1F-F886-4F26-ACDF-2DFA36BB7733}" presName="FiveNodes_2" presStyleLbl="node1" presStyleIdx="1" presStyleCnt="5">
@@ -2258,6 +2321,13 @@
         </dgm:presLayoutVars>
       </dgm:prSet>
       <dgm:spPr/>
+      <dgm:t>
+        <a:bodyPr/>
+        <a:lstStyle/>
+        <a:p>
+          <a:endParaRPr lang="en-GB"/>
+        </a:p>
+      </dgm:t>
     </dgm:pt>
     <dgm:pt modelId="{FF7D625B-094E-47B2-AC42-C63EB26F8A41}" type="pres">
       <dgm:prSet presAssocID="{BE485E1F-F886-4F26-ACDF-2DFA36BB7733}" presName="FiveNodes_3" presStyleLbl="node1" presStyleIdx="2" presStyleCnt="5">
@@ -2266,6 +2336,13 @@
         </dgm:presLayoutVars>
       </dgm:prSet>
       <dgm:spPr/>
+      <dgm:t>
+        <a:bodyPr/>
+        <a:lstStyle/>
+        <a:p>
+          <a:endParaRPr lang="en-GB"/>
+        </a:p>
+      </dgm:t>
     </dgm:pt>
     <dgm:pt modelId="{4FAB4D36-5479-4F26-B89E-4280791CA0D6}" type="pres">
       <dgm:prSet presAssocID="{BE485E1F-F886-4F26-ACDF-2DFA36BB7733}" presName="FiveNodes_4" presStyleLbl="node1" presStyleIdx="3" presStyleCnt="5">
@@ -2274,6 +2351,13 @@
         </dgm:presLayoutVars>
       </dgm:prSet>
       <dgm:spPr/>
+      <dgm:t>
+        <a:bodyPr/>
+        <a:lstStyle/>
+        <a:p>
+          <a:endParaRPr lang="en-GB"/>
+        </a:p>
+      </dgm:t>
     </dgm:pt>
     <dgm:pt modelId="{E2DDE62C-6449-4F97-BFE3-AD8BBC91A48E}" type="pres">
       <dgm:prSet presAssocID="{BE485E1F-F886-4F26-ACDF-2DFA36BB7733}" presName="FiveNodes_5" presStyleLbl="node1" presStyleIdx="4" presStyleCnt="5">
@@ -2282,6 +2366,13 @@
         </dgm:presLayoutVars>
       </dgm:prSet>
       <dgm:spPr/>
+      <dgm:t>
+        <a:bodyPr/>
+        <a:lstStyle/>
+        <a:p>
+          <a:endParaRPr lang="en-GB"/>
+        </a:p>
+      </dgm:t>
     </dgm:pt>
     <dgm:pt modelId="{EA8B9983-0FD4-43FD-8218-7F6BE9F193B4}" type="pres">
       <dgm:prSet presAssocID="{BE485E1F-F886-4F26-ACDF-2DFA36BB7733}" presName="FiveConn_1-2" presStyleLbl="fgAccFollowNode1" presStyleIdx="0" presStyleCnt="4">
@@ -2290,6 +2381,13 @@
         </dgm:presLayoutVars>
       </dgm:prSet>
       <dgm:spPr/>
+      <dgm:t>
+        <a:bodyPr/>
+        <a:lstStyle/>
+        <a:p>
+          <a:endParaRPr lang="en-GB"/>
+        </a:p>
+      </dgm:t>
     </dgm:pt>
     <dgm:pt modelId="{FCD10D03-9EAF-4D23-82BF-B80666E9DC6B}" type="pres">
       <dgm:prSet presAssocID="{BE485E1F-F886-4F26-ACDF-2DFA36BB7733}" presName="FiveConn_2-3" presStyleLbl="fgAccFollowNode1" presStyleIdx="1" presStyleCnt="4">
@@ -2298,6 +2396,13 @@
         </dgm:presLayoutVars>
       </dgm:prSet>
       <dgm:spPr/>
+      <dgm:t>
+        <a:bodyPr/>
+        <a:lstStyle/>
+        <a:p>
+          <a:endParaRPr lang="en-GB"/>
+        </a:p>
+      </dgm:t>
     </dgm:pt>
     <dgm:pt modelId="{2FB51C4A-999E-4D33-B563-183F6B3E6840}" type="pres">
       <dgm:prSet presAssocID="{BE485E1F-F886-4F26-ACDF-2DFA36BB7733}" presName="FiveConn_3-4" presStyleLbl="fgAccFollowNode1" presStyleIdx="2" presStyleCnt="4">
@@ -2306,6 +2411,13 @@
         </dgm:presLayoutVars>
       </dgm:prSet>
       <dgm:spPr/>
+      <dgm:t>
+        <a:bodyPr/>
+        <a:lstStyle/>
+        <a:p>
+          <a:endParaRPr lang="en-GB"/>
+        </a:p>
+      </dgm:t>
     </dgm:pt>
     <dgm:pt modelId="{EE172B0B-ACBD-41B7-86E2-6B7178EB9238}" type="pres">
       <dgm:prSet presAssocID="{BE485E1F-F886-4F26-ACDF-2DFA36BB7733}" presName="FiveConn_4-5" presStyleLbl="fgAccFollowNode1" presStyleIdx="3" presStyleCnt="4">
@@ -2314,6 +2426,13 @@
         </dgm:presLayoutVars>
       </dgm:prSet>
       <dgm:spPr/>
+      <dgm:t>
+        <a:bodyPr/>
+        <a:lstStyle/>
+        <a:p>
+          <a:endParaRPr lang="en-GB"/>
+        </a:p>
+      </dgm:t>
     </dgm:pt>
     <dgm:pt modelId="{D7492366-550F-4223-A7F3-B4B2B56F5DD4}" type="pres">
       <dgm:prSet presAssocID="{BE485E1F-F886-4F26-ACDF-2DFA36BB7733}" presName="FiveNodes_1_text" presStyleLbl="node1" presStyleIdx="4" presStyleCnt="5">
@@ -2322,6 +2441,13 @@
         </dgm:presLayoutVars>
       </dgm:prSet>
       <dgm:spPr/>
+      <dgm:t>
+        <a:bodyPr/>
+        <a:lstStyle/>
+        <a:p>
+          <a:endParaRPr lang="en-GB"/>
+        </a:p>
+      </dgm:t>
     </dgm:pt>
     <dgm:pt modelId="{86392F22-E787-4698-9F59-E29A1C32BC96}" type="pres">
       <dgm:prSet presAssocID="{BE485E1F-F886-4F26-ACDF-2DFA36BB7733}" presName="FiveNodes_2_text" presStyleLbl="node1" presStyleIdx="4" presStyleCnt="5">
@@ -2330,6 +2456,13 @@
         </dgm:presLayoutVars>
       </dgm:prSet>
       <dgm:spPr/>
+      <dgm:t>
+        <a:bodyPr/>
+        <a:lstStyle/>
+        <a:p>
+          <a:endParaRPr lang="en-GB"/>
+        </a:p>
+      </dgm:t>
     </dgm:pt>
     <dgm:pt modelId="{A42E2180-F200-45A5-AB75-CAF51EE6C5B0}" type="pres">
       <dgm:prSet presAssocID="{BE485E1F-F886-4F26-ACDF-2DFA36BB7733}" presName="FiveNodes_3_text" presStyleLbl="node1" presStyleIdx="4" presStyleCnt="5">
@@ -2338,6 +2471,13 @@
         </dgm:presLayoutVars>
       </dgm:prSet>
       <dgm:spPr/>
+      <dgm:t>
+        <a:bodyPr/>
+        <a:lstStyle/>
+        <a:p>
+          <a:endParaRPr lang="en-GB"/>
+        </a:p>
+      </dgm:t>
     </dgm:pt>
     <dgm:pt modelId="{7D06ECCE-5888-4DDC-98BC-3D6CA712E43E}" type="pres">
       <dgm:prSet presAssocID="{BE485E1F-F886-4F26-ACDF-2DFA36BB7733}" presName="FiveNodes_4_text" presStyleLbl="node1" presStyleIdx="4" presStyleCnt="5">
@@ -2346,6 +2486,13 @@
         </dgm:presLayoutVars>
       </dgm:prSet>
       <dgm:spPr/>
+      <dgm:t>
+        <a:bodyPr/>
+        <a:lstStyle/>
+        <a:p>
+          <a:endParaRPr lang="en-GB"/>
+        </a:p>
+      </dgm:t>
     </dgm:pt>
     <dgm:pt modelId="{6F43AEE5-4C71-4632-9E5C-DC511C475EF7}" type="pres">
       <dgm:prSet presAssocID="{BE485E1F-F886-4F26-ACDF-2DFA36BB7733}" presName="FiveNodes_5_text" presStyleLbl="node1" presStyleIdx="4" presStyleCnt="5">
@@ -2354,29 +2501,36 @@
         </dgm:presLayoutVars>
       </dgm:prSet>
       <dgm:spPr/>
+      <dgm:t>
+        <a:bodyPr/>
+        <a:lstStyle/>
+        <a:p>
+          <a:endParaRPr lang="en-GB"/>
+        </a:p>
+      </dgm:t>
     </dgm:pt>
   </dgm:ptLst>
   <dgm:cxnLst>
+    <dgm:cxn modelId="{E57583D0-6809-466E-997B-744E2B77655E}" type="presOf" srcId="{97957167-7886-4D65-846C-E2595B498110}" destId="{76FE4E92-AAF9-42F0-B6F2-E76B437DC092}" srcOrd="0" destOrd="0" presId="urn:microsoft.com/office/officeart/2005/8/layout/vProcess5"/>
+    <dgm:cxn modelId="{37F06924-22AD-4987-8345-6D8BF9DE57D9}" type="presOf" srcId="{D0B3B1A4-01C5-45CB-BF57-C362245F5F62}" destId="{2FB51C4A-999E-4D33-B563-183F6B3E6840}" srcOrd="0" destOrd="0" presId="urn:microsoft.com/office/officeart/2005/8/layout/vProcess5"/>
+    <dgm:cxn modelId="{A489954F-919C-4CBA-A0C7-AB3B583F3BDF}" srcId="{BE485E1F-F886-4F26-ACDF-2DFA36BB7733}" destId="{6158E161-7435-4A74-BF08-FA9F23065C71}" srcOrd="2" destOrd="0" parTransId="{B410838C-D402-4AA7-9149-B5CAB148FE0E}" sibTransId="{D0B3B1A4-01C5-45CB-BF57-C362245F5F62}"/>
+    <dgm:cxn modelId="{FC028CE6-17E2-4150-933C-607E601F9C08}" type="presOf" srcId="{3FABE830-E235-4C02-9E45-7C3F529D6900}" destId="{92AF59CF-48F8-4268-A79E-CC79582F4969}" srcOrd="0" destOrd="0" presId="urn:microsoft.com/office/officeart/2005/8/layout/vProcess5"/>
+    <dgm:cxn modelId="{5FC2B1DA-DBDD-4FDD-8BAA-4B51FA782E22}" type="presOf" srcId="{BE485E1F-F886-4F26-ACDF-2DFA36BB7733}" destId="{E18ED1D9-9DB5-4826-9D2D-64E25E707FD7}" srcOrd="0" destOrd="0" presId="urn:microsoft.com/office/officeart/2005/8/layout/vProcess5"/>
+    <dgm:cxn modelId="{EE704841-F39C-4266-ACE4-BF3CA602F5D0}" type="presOf" srcId="{0915E0BA-0762-4FDB-B3EE-105168C26BA3}" destId="{EE172B0B-ACBD-41B7-86E2-6B7178EB9238}" srcOrd="0" destOrd="0" presId="urn:microsoft.com/office/officeart/2005/8/layout/vProcess5"/>
+    <dgm:cxn modelId="{6C8B9469-F342-425D-AD1A-2CE8A95AFF0C}" srcId="{BE485E1F-F886-4F26-ACDF-2DFA36BB7733}" destId="{3FABE830-E235-4C02-9E45-7C3F529D6900}" srcOrd="1" destOrd="0" parTransId="{423DA3A5-58CE-4814-8AC8-8634A59A5A12}" sibTransId="{DDB7A745-BCB6-411B-8ED1-AD37E95B5D22}"/>
+    <dgm:cxn modelId="{91C34DFB-E600-4851-9FFE-1C8CBE0A1BF8}" type="presOf" srcId="{0CB8CDE1-D7BA-4493-823D-ED129D6A5AD9}" destId="{E2DDE62C-6449-4F97-BFE3-AD8BBC91A48E}" srcOrd="0" destOrd="0" presId="urn:microsoft.com/office/officeart/2005/8/layout/vProcess5"/>
+    <dgm:cxn modelId="{0BEA4781-AB39-4E49-9799-91370AF9CF5C}" type="presOf" srcId="{97957167-7886-4D65-846C-E2595B498110}" destId="{D7492366-550F-4223-A7F3-B4B2B56F5DD4}" srcOrd="1" destOrd="0" presId="urn:microsoft.com/office/officeart/2005/8/layout/vProcess5"/>
+    <dgm:cxn modelId="{125250D2-8783-4E07-B2D4-2A30AC7F01C9}" type="presOf" srcId="{FDFBB22A-0836-4E19-9435-AD6F3CEBF772}" destId="{4FAB4D36-5479-4F26-B89E-4280791CA0D6}" srcOrd="0" destOrd="0" presId="urn:microsoft.com/office/officeart/2005/8/layout/vProcess5"/>
+    <dgm:cxn modelId="{21E92FDC-1FF6-48E6-AA7E-6CCF0D7A04A7}" type="presOf" srcId="{FDFBB22A-0836-4E19-9435-AD6F3CEBF772}" destId="{7D06ECCE-5888-4DDC-98BC-3D6CA712E43E}" srcOrd="1" destOrd="0" presId="urn:microsoft.com/office/officeart/2005/8/layout/vProcess5"/>
+    <dgm:cxn modelId="{7779FD5E-B1CE-4B52-B1B1-BD75DDD2C2F7}" type="presOf" srcId="{3FABE830-E235-4C02-9E45-7C3F529D6900}" destId="{86392F22-E787-4698-9F59-E29A1C32BC96}" srcOrd="1" destOrd="0" presId="urn:microsoft.com/office/officeart/2005/8/layout/vProcess5"/>
+    <dgm:cxn modelId="{C501E6CF-D05B-499E-84CD-C3048F212F40}" type="presOf" srcId="{0CB8CDE1-D7BA-4493-823D-ED129D6A5AD9}" destId="{6F43AEE5-4C71-4632-9E5C-DC511C475EF7}" srcOrd="1" destOrd="0" presId="urn:microsoft.com/office/officeart/2005/8/layout/vProcess5"/>
+    <dgm:cxn modelId="{A29471BC-7C92-42BF-ABDF-724704F00D57}" type="presOf" srcId="{6158E161-7435-4A74-BF08-FA9F23065C71}" destId="{FF7D625B-094E-47B2-AC42-C63EB26F8A41}" srcOrd="0" destOrd="0" presId="urn:microsoft.com/office/officeart/2005/8/layout/vProcess5"/>
     <dgm:cxn modelId="{55551DAC-3E8A-4DB0-9C1D-E125E15F29C6}" srcId="{BE485E1F-F886-4F26-ACDF-2DFA36BB7733}" destId="{FDFBB22A-0836-4E19-9435-AD6F3CEBF772}" srcOrd="3" destOrd="0" parTransId="{1747BC5D-6EC8-48A3-BC21-59FA00653999}" sibTransId="{0915E0BA-0762-4FDB-B3EE-105168C26BA3}"/>
-    <dgm:cxn modelId="{5FC2B1DA-DBDD-4FDD-8BAA-4B51FA782E22}" type="presOf" srcId="{BE485E1F-F886-4F26-ACDF-2DFA36BB7733}" destId="{E18ED1D9-9DB5-4826-9D2D-64E25E707FD7}" srcOrd="0" destOrd="0" presId="urn:microsoft.com/office/officeart/2005/8/layout/vProcess5"/>
-    <dgm:cxn modelId="{A489954F-919C-4CBA-A0C7-AB3B583F3BDF}" srcId="{BE485E1F-F886-4F26-ACDF-2DFA36BB7733}" destId="{6158E161-7435-4A74-BF08-FA9F23065C71}" srcOrd="2" destOrd="0" parTransId="{B410838C-D402-4AA7-9149-B5CAB148FE0E}" sibTransId="{D0B3B1A4-01C5-45CB-BF57-C362245F5F62}"/>
-    <dgm:cxn modelId="{37F06924-22AD-4987-8345-6D8BF9DE57D9}" type="presOf" srcId="{D0B3B1A4-01C5-45CB-BF57-C362245F5F62}" destId="{2FB51C4A-999E-4D33-B563-183F6B3E6840}" srcOrd="0" destOrd="0" presId="urn:microsoft.com/office/officeart/2005/8/layout/vProcess5"/>
-    <dgm:cxn modelId="{C501E6CF-D05B-499E-84CD-C3048F212F40}" type="presOf" srcId="{0CB8CDE1-D7BA-4493-823D-ED129D6A5AD9}" destId="{6F43AEE5-4C71-4632-9E5C-DC511C475EF7}" srcOrd="1" destOrd="0" presId="urn:microsoft.com/office/officeart/2005/8/layout/vProcess5"/>
-    <dgm:cxn modelId="{6C8B9469-F342-425D-AD1A-2CE8A95AFF0C}" srcId="{BE485E1F-F886-4F26-ACDF-2DFA36BB7733}" destId="{3FABE830-E235-4C02-9E45-7C3F529D6900}" srcOrd="1" destOrd="0" parTransId="{423DA3A5-58CE-4814-8AC8-8634A59A5A12}" sibTransId="{DDB7A745-BCB6-411B-8ED1-AD37E95B5D22}"/>
+    <dgm:cxn modelId="{90AA7DEF-A8D1-441D-BDA9-2CF20D6B432A}" type="presOf" srcId="{DDB7A745-BCB6-411B-8ED1-AD37E95B5D22}" destId="{FCD10D03-9EAF-4D23-82BF-B80666E9DC6B}" srcOrd="0" destOrd="0" presId="urn:microsoft.com/office/officeart/2005/8/layout/vProcess5"/>
+    <dgm:cxn modelId="{C71A344F-37C9-4E4E-8AC5-60DFB78E7351}" type="presOf" srcId="{6158E161-7435-4A74-BF08-FA9F23065C71}" destId="{A42E2180-F200-45A5-AB75-CAF51EE6C5B0}" srcOrd="1" destOrd="0" presId="urn:microsoft.com/office/officeart/2005/8/layout/vProcess5"/>
+    <dgm:cxn modelId="{E48B5462-6545-4DC6-89C1-36B5D4A82986}" srcId="{BE485E1F-F886-4F26-ACDF-2DFA36BB7733}" destId="{97957167-7886-4D65-846C-E2595B498110}" srcOrd="0" destOrd="0" parTransId="{E34430E1-D457-42F4-B7B2-B7F8D24B864F}" sibTransId="{F76CD24A-3E43-41B4-9885-CA558F9DB00A}"/>
     <dgm:cxn modelId="{F836BC22-338F-4D93-B6C7-8EE614B213B1}" srcId="{BE485E1F-F886-4F26-ACDF-2DFA36BB7733}" destId="{0CB8CDE1-D7BA-4493-823D-ED129D6A5AD9}" srcOrd="4" destOrd="0" parTransId="{D040C11A-5548-4CAF-9063-5359D79522C9}" sibTransId="{A6491558-0F83-491B-BC35-515761A6BC1D}"/>
-    <dgm:cxn modelId="{C71A344F-37C9-4E4E-8AC5-60DFB78E7351}" type="presOf" srcId="{6158E161-7435-4A74-BF08-FA9F23065C71}" destId="{A42E2180-F200-45A5-AB75-CAF51EE6C5B0}" srcOrd="1" destOrd="0" presId="urn:microsoft.com/office/officeart/2005/8/layout/vProcess5"/>
-    <dgm:cxn modelId="{E57583D0-6809-466E-997B-744E2B77655E}" type="presOf" srcId="{97957167-7886-4D65-846C-E2595B498110}" destId="{76FE4E92-AAF9-42F0-B6F2-E76B437DC092}" srcOrd="0" destOrd="0" presId="urn:microsoft.com/office/officeart/2005/8/layout/vProcess5"/>
-    <dgm:cxn modelId="{21E92FDC-1FF6-48E6-AA7E-6CCF0D7A04A7}" type="presOf" srcId="{FDFBB22A-0836-4E19-9435-AD6F3CEBF772}" destId="{7D06ECCE-5888-4DDC-98BC-3D6CA712E43E}" srcOrd="1" destOrd="0" presId="urn:microsoft.com/office/officeart/2005/8/layout/vProcess5"/>
-    <dgm:cxn modelId="{E48B5462-6545-4DC6-89C1-36B5D4A82986}" srcId="{BE485E1F-F886-4F26-ACDF-2DFA36BB7733}" destId="{97957167-7886-4D65-846C-E2595B498110}" srcOrd="0" destOrd="0" parTransId="{E34430E1-D457-42F4-B7B2-B7F8D24B864F}" sibTransId="{F76CD24A-3E43-41B4-9885-CA558F9DB00A}"/>
-    <dgm:cxn modelId="{125250D2-8783-4E07-B2D4-2A30AC7F01C9}" type="presOf" srcId="{FDFBB22A-0836-4E19-9435-AD6F3CEBF772}" destId="{4FAB4D36-5479-4F26-B89E-4280791CA0D6}" srcOrd="0" destOrd="0" presId="urn:microsoft.com/office/officeart/2005/8/layout/vProcess5"/>
-    <dgm:cxn modelId="{A29471BC-7C92-42BF-ABDF-724704F00D57}" type="presOf" srcId="{6158E161-7435-4A74-BF08-FA9F23065C71}" destId="{FF7D625B-094E-47B2-AC42-C63EB26F8A41}" srcOrd="0" destOrd="0" presId="urn:microsoft.com/office/officeart/2005/8/layout/vProcess5"/>
-    <dgm:cxn modelId="{EE704841-F39C-4266-ACE4-BF3CA602F5D0}" type="presOf" srcId="{0915E0BA-0762-4FDB-B3EE-105168C26BA3}" destId="{EE172B0B-ACBD-41B7-86E2-6B7178EB9238}" srcOrd="0" destOrd="0" presId="urn:microsoft.com/office/officeart/2005/8/layout/vProcess5"/>
-    <dgm:cxn modelId="{0BEA4781-AB39-4E49-9799-91370AF9CF5C}" type="presOf" srcId="{97957167-7886-4D65-846C-E2595B498110}" destId="{D7492366-550F-4223-A7F3-B4B2B56F5DD4}" srcOrd="1" destOrd="0" presId="urn:microsoft.com/office/officeart/2005/8/layout/vProcess5"/>
-    <dgm:cxn modelId="{91C34DFB-E600-4851-9FFE-1C8CBE0A1BF8}" type="presOf" srcId="{0CB8CDE1-D7BA-4493-823D-ED129D6A5AD9}" destId="{E2DDE62C-6449-4F97-BFE3-AD8BBC91A48E}" srcOrd="0" destOrd="0" presId="urn:microsoft.com/office/officeart/2005/8/layout/vProcess5"/>
-    <dgm:cxn modelId="{7779FD5E-B1CE-4B52-B1B1-BD75DDD2C2F7}" type="presOf" srcId="{3FABE830-E235-4C02-9E45-7C3F529D6900}" destId="{86392F22-E787-4698-9F59-E29A1C32BC96}" srcOrd="1" destOrd="0" presId="urn:microsoft.com/office/officeart/2005/8/layout/vProcess5"/>
     <dgm:cxn modelId="{29E74C71-F6FD-4BCA-A79E-6A8F9010C649}" type="presOf" srcId="{F76CD24A-3E43-41B4-9885-CA558F9DB00A}" destId="{EA8B9983-0FD4-43FD-8218-7F6BE9F193B4}" srcOrd="0" destOrd="0" presId="urn:microsoft.com/office/officeart/2005/8/layout/vProcess5"/>
-    <dgm:cxn modelId="{90AA7DEF-A8D1-441D-BDA9-2CF20D6B432A}" type="presOf" srcId="{DDB7A745-BCB6-411B-8ED1-AD37E95B5D22}" destId="{FCD10D03-9EAF-4D23-82BF-B80666E9DC6B}" srcOrd="0" destOrd="0" presId="urn:microsoft.com/office/officeart/2005/8/layout/vProcess5"/>
-    <dgm:cxn modelId="{FC028CE6-17E2-4150-933C-607E601F9C08}" type="presOf" srcId="{3FABE830-E235-4C02-9E45-7C3F529D6900}" destId="{92AF59CF-48F8-4268-A79E-CC79582F4969}" srcOrd="0" destOrd="0" presId="urn:microsoft.com/office/officeart/2005/8/layout/vProcess5"/>
     <dgm:cxn modelId="{22C452D8-4F0D-46A0-81F1-7D8DA498487F}" type="presParOf" srcId="{E18ED1D9-9DB5-4826-9D2D-64E25E707FD7}" destId="{CFEBA8CE-91C8-4314-A0C5-8EC89B5BC4C4}" srcOrd="0" destOrd="0" presId="urn:microsoft.com/office/officeart/2005/8/layout/vProcess5"/>
     <dgm:cxn modelId="{215F3F75-5C02-4399-90DD-DA807918C4E0}" type="presParOf" srcId="{E18ED1D9-9DB5-4826-9D2D-64E25E707FD7}" destId="{76FE4E92-AAF9-42F0-B6F2-E76B437DC092}" srcOrd="1" destOrd="0" presId="urn:microsoft.com/office/officeart/2005/8/layout/vProcess5"/>
     <dgm:cxn modelId="{51104484-1B74-4F0C-94FC-D0995730C084}" type="presParOf" srcId="{E18ED1D9-9DB5-4826-9D2D-64E25E707FD7}" destId="{92AF59CF-48F8-4268-A79E-CC79582F4969}" srcOrd="2" destOrd="0" presId="urn:microsoft.com/office/officeart/2005/8/layout/vProcess5"/>
@@ -8017,7 +8171,11 @@
           <a:p>
             <a:r>
               <a:rPr lang="en-GB" dirty="0" smtClean="0"/>
-              <a:t>So our algorithm is a hybrid genetic – </a:t>
+              <a:t>Our solution is implemented with </a:t>
+            </a:r>
+            <a:r>
+              <a:rPr lang="en-GB" dirty="0" smtClean="0"/>
+              <a:t>a hybrid genetic – </a:t>
             </a:r>
             <a:r>
               <a:rPr lang="en-GB" dirty="0" err="1" smtClean="0"/>
@@ -13306,6 +13464,519 @@
 </p:sld>
 </file>
 
+<file path=ppt/slides/slide10.xml><?xml version="1.0" encoding="utf-8"?>
+<p:sld xmlns:a="http://schemas.openxmlformats.org/drawingml/2006/main" xmlns:r="http://schemas.openxmlformats.org/officeDocument/2006/relationships" xmlns:p="http://schemas.openxmlformats.org/presentationml/2006/main">
+  <p:cSld>
+    <p:spTree>
+      <p:nvGrpSpPr>
+        <p:cNvPr id="1" name=""/>
+        <p:cNvGrpSpPr/>
+        <p:nvPr/>
+      </p:nvGrpSpPr>
+      <p:grpSpPr>
+        <a:xfrm>
+          <a:off x="0" y="0"/>
+          <a:ext cx="0" cy="0"/>
+          <a:chOff x="0" y="0"/>
+          <a:chExt cx="0" cy="0"/>
+        </a:xfrm>
+      </p:grpSpPr>
+      <p:sp>
+        <p:nvSpPr>
+          <p:cNvPr id="2" name="Titolo 1"/>
+          <p:cNvSpPr>
+            <a:spLocks noGrp="1"/>
+          </p:cNvSpPr>
+          <p:nvPr>
+            <p:ph type="title"/>
+          </p:nvPr>
+        </p:nvSpPr>
+        <p:spPr/>
+        <p:txBody>
+          <a:bodyPr/>
+          <a:lstStyle/>
+          <a:p>
+            <a:r>
+              <a:rPr lang="en-GB" dirty="0" smtClean="0"/>
+              <a:t>The fitness function</a:t>
+            </a:r>
+            <a:endParaRPr lang="en-GB" dirty="0"/>
+          </a:p>
+        </p:txBody>
+      </p:sp>
+      <p:sp>
+        <p:nvSpPr>
+          <p:cNvPr id="3" name="Segnaposto contenuto 2"/>
+          <p:cNvSpPr>
+            <a:spLocks noGrp="1"/>
+          </p:cNvSpPr>
+          <p:nvPr>
+            <p:ph sz="quarter" idx="1"/>
+          </p:nvPr>
+        </p:nvSpPr>
+        <p:spPr/>
+        <p:txBody>
+          <a:bodyPr/>
+          <a:lstStyle/>
+          <a:p>
+            <a:pPr marL="0" indent="0">
+              <a:buNone/>
+            </a:pPr>
+            <a:r>
+              <a:rPr lang="en-GB" dirty="0" smtClean="0"/>
+              <a:t>The fitness function we implemented evaluates the cost of a given solution by computing the sum of the total distance covered by all of the routes.</a:t>
+            </a:r>
+          </a:p>
+          <a:p>
+            <a:pPr marL="0" indent="0">
+              <a:buNone/>
+            </a:pPr>
+            <a:endParaRPr lang="en-GB" dirty="0"/>
+          </a:p>
+          <a:p>
+            <a:pPr marL="0" indent="0">
+              <a:buNone/>
+            </a:pPr>
+            <a:r>
+              <a:rPr lang="en-GB" dirty="0" smtClean="0"/>
+              <a:t>The distance between two customers is computed as the sum of the distance between their position in space, and the distance between the midpoints of their time windows.</a:t>
+            </a:r>
+            <a:endParaRPr lang="en-GB" dirty="0"/>
+          </a:p>
+        </p:txBody>
+      </p:sp>
+    </p:spTree>
+    <p:extLst>
+      <p:ext uri="{BB962C8B-B14F-4D97-AF65-F5344CB8AC3E}">
+        <p14:creationId xmlns:p14="http://schemas.microsoft.com/office/powerpoint/2010/main" val="2859660975"/>
+      </p:ext>
+    </p:extLst>
+  </p:cSld>
+  <p:clrMapOvr>
+    <a:masterClrMapping/>
+  </p:clrMapOvr>
+</p:sld>
+</file>
+
+<file path=ppt/slides/slide11.xml><?xml version="1.0" encoding="utf-8"?>
+<p:sld xmlns:a="http://schemas.openxmlformats.org/drawingml/2006/main" xmlns:r="http://schemas.openxmlformats.org/officeDocument/2006/relationships" xmlns:p="http://schemas.openxmlformats.org/presentationml/2006/main">
+  <p:cSld>
+    <p:spTree>
+      <p:nvGrpSpPr>
+        <p:cNvPr id="1" name=""/>
+        <p:cNvGrpSpPr/>
+        <p:nvPr/>
+      </p:nvGrpSpPr>
+      <p:grpSpPr>
+        <a:xfrm>
+          <a:off x="0" y="0"/>
+          <a:ext cx="0" cy="0"/>
+          <a:chOff x="0" y="0"/>
+          <a:chExt cx="0" cy="0"/>
+        </a:xfrm>
+      </p:grpSpPr>
+      <p:sp>
+        <p:nvSpPr>
+          <p:cNvPr id="2" name="Titolo 1"/>
+          <p:cNvSpPr>
+            <a:spLocks noGrp="1"/>
+          </p:cNvSpPr>
+          <p:nvPr>
+            <p:ph type="title"/>
+          </p:nvPr>
+        </p:nvSpPr>
+        <p:spPr/>
+        <p:txBody>
+          <a:bodyPr/>
+          <a:lstStyle/>
+          <a:p>
+            <a:r>
+              <a:rPr lang="en-GB" dirty="0" smtClean="0"/>
+              <a:t>The crossover function</a:t>
+            </a:r>
+            <a:endParaRPr lang="en-GB" dirty="0"/>
+          </a:p>
+        </p:txBody>
+      </p:sp>
+      <p:sp>
+        <p:nvSpPr>
+          <p:cNvPr id="3" name="Segnaposto contenuto 2"/>
+          <p:cNvSpPr>
+            <a:spLocks noGrp="1"/>
+          </p:cNvSpPr>
+          <p:nvPr>
+            <p:ph sz="quarter" idx="1"/>
+          </p:nvPr>
+        </p:nvSpPr>
+        <p:spPr/>
+        <p:txBody>
+          <a:bodyPr/>
+          <a:lstStyle/>
+          <a:p>
+            <a:endParaRPr lang="en-GB"/>
+          </a:p>
+        </p:txBody>
+      </p:sp>
+    </p:spTree>
+    <p:extLst>
+      <p:ext uri="{BB962C8B-B14F-4D97-AF65-F5344CB8AC3E}">
+        <p14:creationId xmlns:p14="http://schemas.microsoft.com/office/powerpoint/2010/main" val="785710893"/>
+      </p:ext>
+    </p:extLst>
+  </p:cSld>
+  <p:clrMapOvr>
+    <a:masterClrMapping/>
+  </p:clrMapOvr>
+</p:sld>
+</file>
+
+<file path=ppt/slides/slide12.xml><?xml version="1.0" encoding="utf-8"?>
+<p:sld xmlns:a="http://schemas.openxmlformats.org/drawingml/2006/main" xmlns:r="http://schemas.openxmlformats.org/officeDocument/2006/relationships" xmlns:p="http://schemas.openxmlformats.org/presentationml/2006/main">
+  <p:cSld>
+    <p:spTree>
+      <p:nvGrpSpPr>
+        <p:cNvPr id="1" name=""/>
+        <p:cNvGrpSpPr/>
+        <p:nvPr/>
+      </p:nvGrpSpPr>
+      <p:grpSpPr>
+        <a:xfrm>
+          <a:off x="0" y="0"/>
+          <a:ext cx="0" cy="0"/>
+          <a:chOff x="0" y="0"/>
+          <a:chExt cx="0" cy="0"/>
+        </a:xfrm>
+      </p:grpSpPr>
+      <p:sp>
+        <p:nvSpPr>
+          <p:cNvPr id="2" name="Titolo 1"/>
+          <p:cNvSpPr>
+            <a:spLocks noGrp="1"/>
+          </p:cNvSpPr>
+          <p:nvPr>
+            <p:ph type="title"/>
+          </p:nvPr>
+        </p:nvSpPr>
+        <p:spPr/>
+        <p:txBody>
+          <a:bodyPr/>
+          <a:lstStyle/>
+          <a:p>
+            <a:r>
+              <a:rPr lang="en-GB" dirty="0" smtClean="0"/>
+              <a:t>The mutation function</a:t>
+            </a:r>
+            <a:endParaRPr lang="en-GB" dirty="0"/>
+          </a:p>
+        </p:txBody>
+      </p:sp>
+      <p:sp>
+        <p:nvSpPr>
+          <p:cNvPr id="3" name="Segnaposto contenuto 2"/>
+          <p:cNvSpPr>
+            <a:spLocks noGrp="1"/>
+          </p:cNvSpPr>
+          <p:nvPr>
+            <p:ph sz="quarter" idx="1"/>
+          </p:nvPr>
+        </p:nvSpPr>
+        <p:spPr/>
+        <p:txBody>
+          <a:bodyPr/>
+          <a:lstStyle/>
+          <a:p>
+            <a:endParaRPr lang="en-GB"/>
+          </a:p>
+        </p:txBody>
+      </p:sp>
+    </p:spTree>
+    <p:extLst>
+      <p:ext uri="{BB962C8B-B14F-4D97-AF65-F5344CB8AC3E}">
+        <p14:creationId xmlns:p14="http://schemas.microsoft.com/office/powerpoint/2010/main" val="1289497384"/>
+      </p:ext>
+    </p:extLst>
+  </p:cSld>
+  <p:clrMapOvr>
+    <a:masterClrMapping/>
+  </p:clrMapOvr>
+</p:sld>
+</file>
+
+<file path=ppt/slides/slide13.xml><?xml version="1.0" encoding="utf-8"?>
+<p:sld xmlns:a="http://schemas.openxmlformats.org/drawingml/2006/main" xmlns:r="http://schemas.openxmlformats.org/officeDocument/2006/relationships" xmlns:p="http://schemas.openxmlformats.org/presentationml/2006/main">
+  <p:cSld>
+    <p:spTree>
+      <p:nvGrpSpPr>
+        <p:cNvPr id="1" name=""/>
+        <p:cNvGrpSpPr/>
+        <p:nvPr/>
+      </p:nvGrpSpPr>
+      <p:grpSpPr>
+        <a:xfrm>
+          <a:off x="0" y="0"/>
+          <a:ext cx="0" cy="0"/>
+          <a:chOff x="0" y="0"/>
+          <a:chExt cx="0" cy="0"/>
+        </a:xfrm>
+      </p:grpSpPr>
+      <p:sp>
+        <p:nvSpPr>
+          <p:cNvPr id="2" name="Titolo 1"/>
+          <p:cNvSpPr>
+            <a:spLocks noGrp="1"/>
+          </p:cNvSpPr>
+          <p:nvPr>
+            <p:ph type="title"/>
+          </p:nvPr>
+        </p:nvSpPr>
+        <p:spPr/>
+        <p:txBody>
+          <a:bodyPr/>
+          <a:lstStyle/>
+          <a:p>
+            <a:r>
+              <a:rPr lang="en-GB" dirty="0" smtClean="0"/>
+              <a:t>Integration of the genetic algorithm with the </a:t>
+            </a:r>
+            <a:r>
+              <a:rPr lang="en-GB" dirty="0" err="1" smtClean="0"/>
+              <a:t>tabu</a:t>
+            </a:r>
+            <a:r>
+              <a:rPr lang="en-GB" dirty="0" smtClean="0"/>
+              <a:t> search</a:t>
+            </a:r>
+            <a:endParaRPr lang="en-GB" dirty="0"/>
+          </a:p>
+        </p:txBody>
+      </p:sp>
+      <p:sp>
+        <p:nvSpPr>
+          <p:cNvPr id="3" name="Segnaposto contenuto 2"/>
+          <p:cNvSpPr>
+            <a:spLocks noGrp="1"/>
+          </p:cNvSpPr>
+          <p:nvPr>
+            <p:ph sz="quarter" idx="1"/>
+          </p:nvPr>
+        </p:nvSpPr>
+        <p:spPr/>
+        <p:txBody>
+          <a:bodyPr/>
+          <a:lstStyle/>
+          <a:p>
+            <a:endParaRPr lang="en-GB"/>
+          </a:p>
+        </p:txBody>
+      </p:sp>
+    </p:spTree>
+    <p:extLst>
+      <p:ext uri="{BB962C8B-B14F-4D97-AF65-F5344CB8AC3E}">
+        <p14:creationId xmlns:p14="http://schemas.microsoft.com/office/powerpoint/2010/main" val="2332265691"/>
+      </p:ext>
+    </p:extLst>
+  </p:cSld>
+  <p:clrMapOvr>
+    <a:masterClrMapping/>
+  </p:clrMapOvr>
+</p:sld>
+</file>
+
+<file path=ppt/slides/slide14.xml><?xml version="1.0" encoding="utf-8"?>
+<p:sld xmlns:a="http://schemas.openxmlformats.org/drawingml/2006/main" xmlns:r="http://schemas.openxmlformats.org/officeDocument/2006/relationships" xmlns:p="http://schemas.openxmlformats.org/presentationml/2006/main">
+  <p:cSld>
+    <p:spTree>
+      <p:nvGrpSpPr>
+        <p:cNvPr id="1" name=""/>
+        <p:cNvGrpSpPr/>
+        <p:nvPr/>
+      </p:nvGrpSpPr>
+      <p:grpSpPr>
+        <a:xfrm>
+          <a:off x="0" y="0"/>
+          <a:ext cx="0" cy="0"/>
+          <a:chOff x="0" y="0"/>
+          <a:chExt cx="0" cy="0"/>
+        </a:xfrm>
+      </p:grpSpPr>
+      <p:sp>
+        <p:nvSpPr>
+          <p:cNvPr id="2" name="Titolo 1"/>
+          <p:cNvSpPr>
+            <a:spLocks noGrp="1"/>
+          </p:cNvSpPr>
+          <p:nvPr>
+            <p:ph type="title"/>
+          </p:nvPr>
+        </p:nvSpPr>
+        <p:spPr/>
+        <p:txBody>
+          <a:bodyPr/>
+          <a:lstStyle/>
+          <a:p>
+            <a:r>
+              <a:rPr lang="en-GB" dirty="0" smtClean="0"/>
+              <a:t>Our results</a:t>
+            </a:r>
+            <a:endParaRPr lang="en-GB" dirty="0"/>
+          </a:p>
+        </p:txBody>
+      </p:sp>
+      <p:sp>
+        <p:nvSpPr>
+          <p:cNvPr id="3" name="Segnaposto contenuto 2"/>
+          <p:cNvSpPr>
+            <a:spLocks noGrp="1"/>
+          </p:cNvSpPr>
+          <p:nvPr>
+            <p:ph sz="quarter" idx="1"/>
+          </p:nvPr>
+        </p:nvSpPr>
+        <p:spPr/>
+        <p:txBody>
+          <a:bodyPr/>
+          <a:lstStyle/>
+          <a:p>
+            <a:pPr marL="0" indent="0">
+              <a:buNone/>
+            </a:pPr>
+            <a:endParaRPr lang="en-GB" dirty="0" smtClean="0"/>
+          </a:p>
+          <a:p>
+            <a:pPr marL="0" indent="0">
+              <a:buNone/>
+            </a:pPr>
+            <a:endParaRPr lang="en-GB" dirty="0"/>
+          </a:p>
+          <a:p>
+            <a:pPr marL="0" indent="0">
+              <a:buNone/>
+            </a:pPr>
+            <a:endParaRPr lang="en-GB" dirty="0" smtClean="0"/>
+          </a:p>
+          <a:p>
+            <a:pPr marL="0" indent="0">
+              <a:buNone/>
+            </a:pPr>
+            <a:endParaRPr lang="en-GB" dirty="0"/>
+          </a:p>
+          <a:p>
+            <a:pPr marL="0" indent="0">
+              <a:buNone/>
+            </a:pPr>
+            <a:r>
+              <a:rPr lang="en-GB" dirty="0" smtClean="0"/>
+              <a:t>TODO qui </a:t>
+            </a:r>
+            <a:r>
+              <a:rPr lang="en-GB" dirty="0" err="1" smtClean="0"/>
+              <a:t>inseriamo</a:t>
+            </a:r>
+            <a:r>
+              <a:rPr lang="en-GB" dirty="0" smtClean="0"/>
+              <a:t> la </a:t>
+            </a:r>
+            <a:r>
+              <a:rPr lang="en-GB" dirty="0" err="1" smtClean="0"/>
+              <a:t>tabella</a:t>
+            </a:r>
+            <a:r>
+              <a:rPr lang="en-GB" dirty="0" smtClean="0"/>
+              <a:t> con I </a:t>
+            </a:r>
+            <a:r>
+              <a:rPr lang="en-GB" dirty="0" err="1" smtClean="0"/>
+              <a:t>risultati</a:t>
+            </a:r>
+            <a:endParaRPr lang="en-GB" dirty="0"/>
+          </a:p>
+        </p:txBody>
+      </p:sp>
+    </p:spTree>
+    <p:extLst>
+      <p:ext uri="{BB962C8B-B14F-4D97-AF65-F5344CB8AC3E}">
+        <p14:creationId xmlns:p14="http://schemas.microsoft.com/office/powerpoint/2010/main" val="4121732951"/>
+      </p:ext>
+    </p:extLst>
+  </p:cSld>
+  <p:clrMapOvr>
+    <a:masterClrMapping/>
+  </p:clrMapOvr>
+</p:sld>
+</file>
+
+<file path=ppt/slides/slide15.xml><?xml version="1.0" encoding="utf-8"?>
+<p:sld xmlns:a="http://schemas.openxmlformats.org/drawingml/2006/main" xmlns:r="http://schemas.openxmlformats.org/officeDocument/2006/relationships" xmlns:p="http://schemas.openxmlformats.org/presentationml/2006/main">
+  <p:cSld>
+    <p:spTree>
+      <p:nvGrpSpPr>
+        <p:cNvPr id="1" name=""/>
+        <p:cNvGrpSpPr/>
+        <p:nvPr/>
+      </p:nvGrpSpPr>
+      <p:grpSpPr>
+        <a:xfrm>
+          <a:off x="0" y="0"/>
+          <a:ext cx="0" cy="0"/>
+          <a:chOff x="0" y="0"/>
+          <a:chExt cx="0" cy="0"/>
+        </a:xfrm>
+      </p:grpSpPr>
+      <p:sp>
+        <p:nvSpPr>
+          <p:cNvPr id="2" name="Titolo 1"/>
+          <p:cNvSpPr>
+            <a:spLocks noGrp="1"/>
+          </p:cNvSpPr>
+          <p:nvPr>
+            <p:ph type="title"/>
+          </p:nvPr>
+        </p:nvSpPr>
+        <p:spPr/>
+        <p:txBody>
+          <a:bodyPr/>
+          <a:lstStyle/>
+          <a:p>
+            <a:r>
+              <a:rPr lang="en-GB" smtClean="0"/>
+              <a:t>Final considerations</a:t>
+            </a:r>
+            <a:endParaRPr lang="en-GB"/>
+          </a:p>
+        </p:txBody>
+      </p:sp>
+      <p:sp>
+        <p:nvSpPr>
+          <p:cNvPr id="3" name="Segnaposto contenuto 2"/>
+          <p:cNvSpPr>
+            <a:spLocks noGrp="1"/>
+          </p:cNvSpPr>
+          <p:nvPr>
+            <p:ph sz="quarter" idx="1"/>
+          </p:nvPr>
+        </p:nvSpPr>
+        <p:spPr/>
+        <p:txBody>
+          <a:bodyPr/>
+          <a:lstStyle/>
+          <a:p>
+            <a:endParaRPr lang="en-GB"/>
+          </a:p>
+        </p:txBody>
+      </p:sp>
+    </p:spTree>
+    <p:extLst>
+      <p:ext uri="{BB962C8B-B14F-4D97-AF65-F5344CB8AC3E}">
+        <p14:creationId xmlns:p14="http://schemas.microsoft.com/office/powerpoint/2010/main" val="4225332565"/>
+      </p:ext>
+    </p:extLst>
+  </p:cSld>
+  <p:clrMapOvr>
+    <a:masterClrMapping/>
+  </p:clrMapOvr>
+</p:sld>
+</file>
+
 <file path=ppt/slides/slide2.xml><?xml version="1.0" encoding="utf-8"?>
 <p:sld xmlns:a="http://schemas.openxmlformats.org/drawingml/2006/main" xmlns:r="http://schemas.openxmlformats.org/officeDocument/2006/relationships" xmlns:p="http://schemas.openxmlformats.org/presentationml/2006/main">
   <p:cSld>
@@ -14159,7 +14830,6 @@
               <a:rPr lang="it-IT" dirty="0" smtClean="0"/>
               <a:t>.</a:t>
             </a:r>
-            <a:endParaRPr lang="it-IT" dirty="0" smtClean="0"/>
           </a:p>
           <a:p>
             <a:endParaRPr lang="it-IT" dirty="0"/>
@@ -14626,6 +15296,103 @@
       </p:par>
     </p:tnLst>
   </p:timing>
+</p:sld>
+</file>
+
+<file path=ppt/slides/slide9.xml><?xml version="1.0" encoding="utf-8"?>
+<p:sld xmlns:a="http://schemas.openxmlformats.org/drawingml/2006/main" xmlns:r="http://schemas.openxmlformats.org/officeDocument/2006/relationships" xmlns:p="http://schemas.openxmlformats.org/presentationml/2006/main">
+  <p:cSld>
+    <p:spTree>
+      <p:nvGrpSpPr>
+        <p:cNvPr id="1" name=""/>
+        <p:cNvGrpSpPr/>
+        <p:nvPr/>
+      </p:nvGrpSpPr>
+      <p:grpSpPr>
+        <a:xfrm>
+          <a:off x="0" y="0"/>
+          <a:ext cx="0" cy="0"/>
+          <a:chOff x="0" y="0"/>
+          <a:chExt cx="0" cy="0"/>
+        </a:xfrm>
+      </p:grpSpPr>
+      <p:sp>
+        <p:nvSpPr>
+          <p:cNvPr id="2" name="Titolo 1"/>
+          <p:cNvSpPr>
+            <a:spLocks noGrp="1"/>
+          </p:cNvSpPr>
+          <p:nvPr>
+            <p:ph type="title"/>
+          </p:nvPr>
+        </p:nvSpPr>
+        <p:spPr/>
+        <p:txBody>
+          <a:bodyPr/>
+          <a:lstStyle/>
+          <a:p>
+            <a:r>
+              <a:rPr lang="en-GB" dirty="0" smtClean="0"/>
+              <a:t>The chromosome model</a:t>
+            </a:r>
+            <a:endParaRPr lang="en-GB" dirty="0"/>
+          </a:p>
+        </p:txBody>
+      </p:sp>
+      <p:sp>
+        <p:nvSpPr>
+          <p:cNvPr id="3" name="Segnaposto contenuto 2"/>
+          <p:cNvSpPr>
+            <a:spLocks noGrp="1"/>
+          </p:cNvSpPr>
+          <p:nvPr>
+            <p:ph sz="quarter" idx="1"/>
+          </p:nvPr>
+        </p:nvSpPr>
+        <p:spPr/>
+        <p:txBody>
+          <a:bodyPr/>
+          <a:lstStyle/>
+          <a:p>
+            <a:pPr marL="0" indent="0">
+              <a:buNone/>
+            </a:pPr>
+            <a:r>
+              <a:rPr lang="en-GB" dirty="0" smtClean="0"/>
+              <a:t>We decided to model the chromosomes for the genetic algorithm as sequences of numbers of length equal to the number of customers plus the number of vehicles - 1.</a:t>
+            </a:r>
+          </a:p>
+          <a:p>
+            <a:pPr marL="0" indent="0">
+              <a:buNone/>
+            </a:pPr>
+            <a:r>
+              <a:rPr lang="en-GB" dirty="0" smtClean="0"/>
+              <a:t>The number that identifies a customer is the customer’s id.</a:t>
+            </a:r>
+          </a:p>
+          <a:p>
+            <a:pPr marL="0" indent="0">
+              <a:buNone/>
+            </a:pPr>
+            <a:r>
+              <a:rPr lang="en-GB" dirty="0" smtClean="0"/>
+              <a:t>The customers are assigned to the first vehicle that precedes them in the chromosome. A vehicle followed by another vehicle represents an empty route.</a:t>
+            </a:r>
+            <a:endParaRPr lang="en-GB" dirty="0"/>
+          </a:p>
+        </p:txBody>
+      </p:sp>
+    </p:spTree>
+    <p:extLst>
+      <p:ext uri="{BB962C8B-B14F-4D97-AF65-F5344CB8AC3E}">
+        <p14:creationId xmlns:p14="http://schemas.microsoft.com/office/powerpoint/2010/main" val="2002208753"/>
+      </p:ext>
+    </p:extLst>
+  </p:cSld>
+  <p:clrMapOvr>
+    <a:masterClrMapping/>
+  </p:clrMapOvr>
 </p:sld>
 </file>
 

--- a/Documenti/OMA ASSIGNMENT 2014.pptx
+++ b/Documenti/OMA ASSIGNMENT 2014.pptx
@@ -9,18 +9,18 @@
   </p:notesMasterIdLst>
   <p:sldIdLst>
     <p:sldId id="256" r:id="rId2"/>
-    <p:sldId id="257" r:id="rId3"/>
-    <p:sldId id="258" r:id="rId4"/>
-    <p:sldId id="259" r:id="rId5"/>
-    <p:sldId id="260" r:id="rId6"/>
-    <p:sldId id="261" r:id="rId7"/>
-    <p:sldId id="262" r:id="rId8"/>
-    <p:sldId id="263" r:id="rId9"/>
-    <p:sldId id="264" r:id="rId10"/>
-    <p:sldId id="265" r:id="rId11"/>
-    <p:sldId id="266" r:id="rId12"/>
-    <p:sldId id="267" r:id="rId13"/>
-    <p:sldId id="268" r:id="rId14"/>
+    <p:sldId id="258" r:id="rId3"/>
+    <p:sldId id="259" r:id="rId4"/>
+    <p:sldId id="260" r:id="rId5"/>
+    <p:sldId id="261" r:id="rId6"/>
+    <p:sldId id="262" r:id="rId7"/>
+    <p:sldId id="263" r:id="rId8"/>
+    <p:sldId id="264" r:id="rId9"/>
+    <p:sldId id="265" r:id="rId10"/>
+    <p:sldId id="266" r:id="rId11"/>
+    <p:sldId id="267" r:id="rId12"/>
+    <p:sldId id="268" r:id="rId13"/>
+    <p:sldId id="257" r:id="rId14"/>
     <p:sldId id="269" r:id="rId15"/>
     <p:sldId id="270" r:id="rId16"/>
   </p:sldIdLst>
@@ -7526,7 +7526,7 @@
           <a:p>
             <a:fld id="{7A4AB1D7-7557-456E-B6EB-B238F6DD423E}" type="datetimeFigureOut">
               <a:rPr lang="en-GB" smtClean="0"/>
-              <a:t>30/12/2014</a:t>
+              <a:t>31/12/2014</a:t>
             </a:fld>
             <a:endParaRPr lang="en-GB"/>
           </a:p>
@@ -7880,7 +7880,7 @@
           <a:p>
             <a:fld id="{161EEAF9-F82C-4A29-9D65-ECC9E7B1DF55}" type="slidenum">
               <a:rPr lang="en-GB" smtClean="0"/>
-              <a:t>3</a:t>
+              <a:t>2</a:t>
             </a:fld>
             <a:endParaRPr lang="en-GB"/>
           </a:p>
@@ -7986,7 +7986,7 @@
           <a:p>
             <a:fld id="{161EEAF9-F82C-4A29-9D65-ECC9E7B1DF55}" type="slidenum">
               <a:rPr lang="en-GB" smtClean="0"/>
-              <a:t>4</a:t>
+              <a:t>3</a:t>
             </a:fld>
             <a:endParaRPr lang="en-GB"/>
           </a:p>
@@ -8106,7 +8106,7 @@
           <a:p>
             <a:fld id="{161EEAF9-F82C-4A29-9D65-ECC9E7B1DF55}" type="slidenum">
               <a:rPr lang="en-GB" smtClean="0"/>
-              <a:t>5</a:t>
+              <a:t>4</a:t>
             </a:fld>
             <a:endParaRPr lang="en-GB"/>
           </a:p>
@@ -8171,11 +8171,7 @@
           <a:p>
             <a:r>
               <a:rPr lang="en-GB" dirty="0" smtClean="0"/>
-              <a:t>Our solution is implemented with </a:t>
-            </a:r>
-            <a:r>
-              <a:rPr lang="en-GB" dirty="0" smtClean="0"/>
-              <a:t>a hybrid genetic – </a:t>
+              <a:t>Our solution is implemented with a hybrid genetic – </a:t>
             </a:r>
             <a:r>
               <a:rPr lang="en-GB" dirty="0" err="1" smtClean="0"/>
@@ -8221,7 +8217,7 @@
           <a:p>
             <a:fld id="{161EEAF9-F82C-4A29-9D65-ECC9E7B1DF55}" type="slidenum">
               <a:rPr lang="en-GB" smtClean="0"/>
-              <a:t>6</a:t>
+              <a:t>5</a:t>
             </a:fld>
             <a:endParaRPr lang="en-GB"/>
           </a:p>
@@ -8315,7 +8311,7 @@
           <a:p>
             <a:fld id="{161EEAF9-F82C-4A29-9D65-ECC9E7B1DF55}" type="slidenum">
               <a:rPr lang="en-GB" smtClean="0"/>
-              <a:t>7</a:t>
+              <a:t>6</a:t>
             </a:fld>
             <a:endParaRPr lang="en-GB"/>
           </a:p>
@@ -8437,7 +8433,7 @@
           <a:p>
             <a:fld id="{161EEAF9-F82C-4A29-9D65-ECC9E7B1DF55}" type="slidenum">
               <a:rPr lang="en-GB" smtClean="0"/>
-              <a:t>8</a:t>
+              <a:t>7</a:t>
             </a:fld>
             <a:endParaRPr lang="en-GB"/>
           </a:p>
@@ -8593,7 +8589,7 @@
           <a:p>
             <a:fld id="{D913E51B-3CC8-48BF-8D2A-E5FFD1B8C63F}" type="datetimeFigureOut">
               <a:rPr lang="it-IT" smtClean="0"/>
-              <a:t>30/12/2014</a:t>
+              <a:t>31/12/2014</a:t>
             </a:fld>
             <a:endParaRPr lang="it-IT"/>
           </a:p>
@@ -9462,7 +9458,7 @@
           <a:p>
             <a:fld id="{D913E51B-3CC8-48BF-8D2A-E5FFD1B8C63F}" type="datetimeFigureOut">
               <a:rPr lang="it-IT" smtClean="0"/>
-              <a:t>30/12/2014</a:t>
+              <a:t>31/12/2014</a:t>
             </a:fld>
             <a:endParaRPr lang="it-IT"/>
           </a:p>
@@ -9637,7 +9633,7 @@
           <a:p>
             <a:fld id="{D913E51B-3CC8-48BF-8D2A-E5FFD1B8C63F}" type="datetimeFigureOut">
               <a:rPr lang="it-IT" smtClean="0"/>
-              <a:t>30/12/2014</a:t>
+              <a:t>31/12/2014</a:t>
             </a:fld>
             <a:endParaRPr lang="it-IT"/>
           </a:p>
@@ -9807,7 +9803,7 @@
           <a:p>
             <a:fld id="{D913E51B-3CC8-48BF-8D2A-E5FFD1B8C63F}" type="datetimeFigureOut">
               <a:rPr lang="it-IT" smtClean="0"/>
-              <a:t>30/12/2014</a:t>
+              <a:t>31/12/2014</a:t>
             </a:fld>
             <a:endParaRPr lang="it-IT"/>
           </a:p>
@@ -10017,7 +10013,7 @@
           <a:p>
             <a:fld id="{D913E51B-3CC8-48BF-8D2A-E5FFD1B8C63F}" type="datetimeFigureOut">
               <a:rPr lang="it-IT" smtClean="0"/>
-              <a:t>30/12/2014</a:t>
+              <a:t>31/12/2014</a:t>
             </a:fld>
             <a:endParaRPr lang="it-IT"/>
           </a:p>
@@ -10831,7 +10827,7 @@
           <a:p>
             <a:fld id="{D913E51B-3CC8-48BF-8D2A-E5FFD1B8C63F}" type="datetimeFigureOut">
               <a:rPr lang="it-IT" smtClean="0"/>
-              <a:t>30/12/2014</a:t>
+              <a:t>31/12/2014</a:t>
             </a:fld>
             <a:endParaRPr lang="it-IT"/>
           </a:p>
@@ -11067,7 +11063,7 @@
           <a:p>
             <a:fld id="{D913E51B-3CC8-48BF-8D2A-E5FFD1B8C63F}" type="datetimeFigureOut">
               <a:rPr lang="it-IT" smtClean="0"/>
-              <a:t>30/12/2014</a:t>
+              <a:t>31/12/2014</a:t>
             </a:fld>
             <a:endParaRPr lang="it-IT"/>
           </a:p>
@@ -11390,7 +11386,7 @@
           <a:p>
             <a:fld id="{D913E51B-3CC8-48BF-8D2A-E5FFD1B8C63F}" type="datetimeFigureOut">
               <a:rPr lang="it-IT" smtClean="0"/>
-              <a:t>30/12/2014</a:t>
+              <a:t>31/12/2014</a:t>
             </a:fld>
             <a:endParaRPr lang="it-IT"/>
           </a:p>
@@ -11480,7 +11476,7 @@
           <a:p>
             <a:fld id="{D913E51B-3CC8-48BF-8D2A-E5FFD1B8C63F}" type="datetimeFigureOut">
               <a:rPr lang="it-IT" smtClean="0"/>
-              <a:t>30/12/2014</a:t>
+              <a:t>31/12/2014</a:t>
             </a:fld>
             <a:endParaRPr lang="it-IT"/>
           </a:p>
@@ -11997,7 +11993,7 @@
           <a:p>
             <a:fld id="{D913E51B-3CC8-48BF-8D2A-E5FFD1B8C63F}" type="datetimeFigureOut">
               <a:rPr lang="it-IT" smtClean="0"/>
-              <a:t>30/12/2014</a:t>
+              <a:t>31/12/2014</a:t>
             </a:fld>
             <a:endParaRPr lang="it-IT"/>
           </a:p>
@@ -12508,7 +12504,7 @@
           <a:p>
             <a:fld id="{D913E51B-3CC8-48BF-8D2A-E5FFD1B8C63F}" type="datetimeFigureOut">
               <a:rPr lang="it-IT" smtClean="0"/>
-              <a:t>30/12/2014</a:t>
+              <a:t>31/12/2014</a:t>
             </a:fld>
             <a:endParaRPr lang="it-IT"/>
           </a:p>
@@ -12753,7 +12749,7 @@
           <a:p>
             <a:fld id="{D913E51B-3CC8-48BF-8D2A-E5FFD1B8C63F}" type="datetimeFigureOut">
               <a:rPr lang="it-IT" smtClean="0"/>
-              <a:t>30/12/2014</a:t>
+              <a:t>31/12/2014</a:t>
             </a:fld>
             <a:endParaRPr lang="it-IT"/>
           </a:p>
@@ -13498,7 +13494,7 @@
           <a:p>
             <a:r>
               <a:rPr lang="en-GB" dirty="0" smtClean="0"/>
-              <a:t>The fitness function</a:t>
+              <a:t>The crossover function</a:t>
             </a:r>
             <a:endParaRPr lang="en-GB" dirty="0"/>
           </a:p>
@@ -13519,36 +13515,14 @@
           <a:bodyPr/>
           <a:lstStyle/>
           <a:p>
-            <a:pPr marL="0" indent="0">
-              <a:buNone/>
-            </a:pPr>
-            <a:r>
-              <a:rPr lang="en-GB" dirty="0" smtClean="0"/>
-              <a:t>The fitness function we implemented evaluates the cost of a given solution by computing the sum of the total distance covered by all of the routes.</a:t>
-            </a:r>
-          </a:p>
-          <a:p>
-            <a:pPr marL="0" indent="0">
-              <a:buNone/>
-            </a:pPr>
-            <a:endParaRPr lang="en-GB" dirty="0"/>
-          </a:p>
-          <a:p>
-            <a:pPr marL="0" indent="0">
-              <a:buNone/>
-            </a:pPr>
-            <a:r>
-              <a:rPr lang="en-GB" dirty="0" smtClean="0"/>
-              <a:t>The distance between two customers is computed as the sum of the distance between their position in space, and the distance between the midpoints of their time windows.</a:t>
-            </a:r>
-            <a:endParaRPr lang="en-GB" dirty="0"/>
+            <a:endParaRPr lang="en-GB"/>
           </a:p>
         </p:txBody>
       </p:sp>
     </p:spTree>
     <p:extLst>
       <p:ext uri="{BB962C8B-B14F-4D97-AF65-F5344CB8AC3E}">
-        <p14:creationId xmlns:p14="http://schemas.microsoft.com/office/powerpoint/2010/main" val="2859660975"/>
+        <p14:creationId xmlns:p14="http://schemas.microsoft.com/office/powerpoint/2010/main" val="785710893"/>
       </p:ext>
     </p:extLst>
   </p:cSld>
@@ -13592,7 +13566,7 @@
           <a:p>
             <a:r>
               <a:rPr lang="en-GB" dirty="0" smtClean="0"/>
-              <a:t>The crossover function</a:t>
+              <a:t>The mutation function</a:t>
             </a:r>
             <a:endParaRPr lang="en-GB" dirty="0"/>
           </a:p>
@@ -13620,7 +13594,7 @@
     </p:spTree>
     <p:extLst>
       <p:ext uri="{BB962C8B-B14F-4D97-AF65-F5344CB8AC3E}">
-        <p14:creationId xmlns:p14="http://schemas.microsoft.com/office/powerpoint/2010/main" val="785710893"/>
+        <p14:creationId xmlns:p14="http://schemas.microsoft.com/office/powerpoint/2010/main" val="1289497384"/>
       </p:ext>
     </p:extLst>
   </p:cSld>
@@ -13664,7 +13638,15 @@
           <a:p>
             <a:r>
               <a:rPr lang="en-GB" dirty="0" smtClean="0"/>
-              <a:t>The mutation function</a:t>
+              <a:t>Integration of the genetic algorithm with the </a:t>
+            </a:r>
+            <a:r>
+              <a:rPr lang="en-GB" dirty="0" err="1" smtClean="0"/>
+              <a:t>tabu</a:t>
+            </a:r>
+            <a:r>
+              <a:rPr lang="en-GB" dirty="0" smtClean="0"/>
+              <a:t> search</a:t>
             </a:r>
             <a:endParaRPr lang="en-GB" dirty="0"/>
           </a:p>
@@ -13692,7 +13674,7 @@
     </p:spTree>
     <p:extLst>
       <p:ext uri="{BB962C8B-B14F-4D97-AF65-F5344CB8AC3E}">
-        <p14:creationId xmlns:p14="http://schemas.microsoft.com/office/powerpoint/2010/main" val="1289497384"/>
+        <p14:creationId xmlns:p14="http://schemas.microsoft.com/office/powerpoint/2010/main" val="2332265691"/>
       </p:ext>
     </p:extLst>
   </p:cSld>
@@ -13735,18 +13717,22 @@
           <a:lstStyle/>
           <a:p>
             <a:r>
-              <a:rPr lang="en-GB" dirty="0" smtClean="0"/>
-              <a:t>Integration of the genetic algorithm with the </a:t>
-            </a:r>
-            <a:r>
-              <a:rPr lang="en-GB" dirty="0" err="1" smtClean="0"/>
-              <a:t>tabu</a:t>
-            </a:r>
-            <a:r>
-              <a:rPr lang="en-GB" dirty="0" smtClean="0"/>
-              <a:t> search</a:t>
-            </a:r>
-            <a:endParaRPr lang="en-GB" dirty="0"/>
+              <a:rPr lang="it-IT" dirty="0" smtClean="0"/>
+              <a:t>Tabu </a:t>
+            </a:r>
+            <a:r>
+              <a:rPr lang="it-IT" dirty="0" err="1" smtClean="0"/>
+              <a:t>tenure</a:t>
+            </a:r>
+            <a:r>
+              <a:rPr lang="it-IT" dirty="0" smtClean="0"/>
+              <a:t> </a:t>
+            </a:r>
+            <a:r>
+              <a:rPr lang="it-IT" dirty="0" err="1" smtClean="0"/>
+              <a:t>tuning</a:t>
+            </a:r>
+            <a:endParaRPr lang="it-IT" dirty="0"/>
           </a:p>
         </p:txBody>
       </p:sp>
@@ -13765,20 +13751,357 @@
           <a:bodyPr/>
           <a:lstStyle/>
           <a:p>
-            <a:endParaRPr lang="en-GB"/>
+            <a:r>
+              <a:rPr lang="it-IT" dirty="0" smtClean="0"/>
+              <a:t>TABU TENURE: </a:t>
+            </a:r>
+            <a:r>
+              <a:rPr lang="it-IT" dirty="0" err="1" smtClean="0"/>
+              <a:t>this</a:t>
+            </a:r>
+            <a:r>
+              <a:rPr lang="it-IT" dirty="0" smtClean="0"/>
+              <a:t> </a:t>
+            </a:r>
+            <a:r>
+              <a:rPr lang="it-IT" dirty="0" err="1" smtClean="0"/>
+              <a:t>attribute</a:t>
+            </a:r>
+            <a:r>
+              <a:rPr lang="it-IT" dirty="0" smtClean="0"/>
+              <a:t> </a:t>
+            </a:r>
+            <a:r>
+              <a:rPr lang="it-IT" dirty="0" err="1" smtClean="0"/>
+              <a:t>means</a:t>
+            </a:r>
+            <a:r>
+              <a:rPr lang="it-IT" dirty="0" smtClean="0"/>
+              <a:t> </a:t>
+            </a:r>
+            <a:r>
+              <a:rPr lang="it-IT" dirty="0" err="1" smtClean="0"/>
+              <a:t>how</a:t>
+            </a:r>
+            <a:r>
+              <a:rPr lang="it-IT" dirty="0" smtClean="0"/>
+              <a:t> </a:t>
+            </a:r>
+            <a:r>
+              <a:rPr lang="it-IT" dirty="0" err="1" smtClean="0"/>
+              <a:t>many</a:t>
+            </a:r>
+            <a:r>
+              <a:rPr lang="it-IT" dirty="0" smtClean="0"/>
+              <a:t> </a:t>
+            </a:r>
+            <a:r>
+              <a:rPr lang="it-IT" dirty="0" err="1" smtClean="0"/>
+              <a:t>time</a:t>
+            </a:r>
+            <a:r>
+              <a:rPr lang="it-IT" dirty="0" smtClean="0"/>
+              <a:t> a </a:t>
+            </a:r>
+            <a:r>
+              <a:rPr lang="it-IT" dirty="0" err="1" smtClean="0"/>
+              <a:t>move</a:t>
+            </a:r>
+            <a:r>
+              <a:rPr lang="it-IT" dirty="0" smtClean="0"/>
+              <a:t> </a:t>
+            </a:r>
+            <a:r>
+              <a:rPr lang="it-IT" dirty="0" err="1" smtClean="0"/>
+              <a:t>is</a:t>
+            </a:r>
+            <a:r>
+              <a:rPr lang="it-IT" dirty="0" smtClean="0"/>
+              <a:t> </a:t>
+            </a:r>
+            <a:r>
+              <a:rPr lang="it-IT" dirty="0" err="1" smtClean="0"/>
+              <a:t>forbidden</a:t>
+            </a:r>
+            <a:r>
+              <a:rPr lang="it-IT" dirty="0" smtClean="0"/>
+              <a:t> </a:t>
+            </a:r>
+          </a:p>
+          <a:p>
+            <a:endParaRPr lang="it-IT" dirty="0" smtClean="0"/>
+          </a:p>
+          <a:p>
+            <a:r>
+              <a:rPr lang="it-IT" dirty="0" err="1" smtClean="0"/>
+              <a:t>Initially</a:t>
+            </a:r>
+            <a:r>
+              <a:rPr lang="it-IT" dirty="0" smtClean="0"/>
+              <a:t> </a:t>
+            </a:r>
+            <a:r>
+              <a:rPr lang="it-IT" dirty="0" err="1" smtClean="0"/>
+              <a:t>fixed</a:t>
+            </a:r>
+            <a:r>
+              <a:rPr lang="it-IT" dirty="0" smtClean="0"/>
+              <a:t> ,</a:t>
+            </a:r>
+            <a:r>
+              <a:rPr lang="it-IT" dirty="0" err="1" smtClean="0"/>
+              <a:t>Tenure</a:t>
+            </a:r>
+            <a:r>
+              <a:rPr lang="it-IT" dirty="0" smtClean="0"/>
+              <a:t> = </a:t>
+            </a:r>
+            <a:r>
+              <a:rPr lang="it-IT" dirty="0" err="1" smtClean="0"/>
+              <a:t>Sqrt</a:t>
+            </a:r>
+            <a:r>
+              <a:rPr lang="it-IT" dirty="0" smtClean="0"/>
+              <a:t>(</a:t>
+            </a:r>
+            <a:r>
+              <a:rPr lang="it-IT" dirty="0" err="1" smtClean="0"/>
+              <a:t>#Customers</a:t>
+            </a:r>
+            <a:r>
+              <a:rPr lang="it-IT" dirty="0" smtClean="0"/>
+              <a:t>)</a:t>
+            </a:r>
+          </a:p>
+          <a:p>
+            <a:r>
+              <a:rPr lang="it-IT" dirty="0" err="1" smtClean="0"/>
+              <a:t>If</a:t>
+            </a:r>
+            <a:r>
+              <a:rPr lang="it-IT" dirty="0" smtClean="0"/>
+              <a:t> a </a:t>
+            </a:r>
+            <a:r>
+              <a:rPr lang="it-IT" dirty="0" err="1" smtClean="0"/>
+              <a:t>solution</a:t>
+            </a:r>
+            <a:r>
+              <a:rPr lang="it-IT" dirty="0" smtClean="0"/>
+              <a:t> </a:t>
+            </a:r>
+            <a:r>
+              <a:rPr lang="it-IT" dirty="0" err="1" smtClean="0"/>
+              <a:t>is</a:t>
+            </a:r>
+            <a:r>
+              <a:rPr lang="it-IT" dirty="0" smtClean="0"/>
+              <a:t> bad </a:t>
+            </a:r>
+            <a:r>
+              <a:rPr lang="it-IT" dirty="0" err="1" smtClean="0"/>
+              <a:t>we</a:t>
+            </a:r>
+            <a:r>
+              <a:rPr lang="it-IT" dirty="0" smtClean="0"/>
+              <a:t> can </a:t>
+            </a:r>
+            <a:r>
+              <a:rPr lang="it-IT" dirty="0" err="1" smtClean="0"/>
+              <a:t>increment</a:t>
+            </a:r>
+            <a:r>
+              <a:rPr lang="it-IT" dirty="0" smtClean="0"/>
+              <a:t> </a:t>
+            </a:r>
+            <a:r>
+              <a:rPr lang="it-IT" dirty="0" err="1" smtClean="0"/>
+              <a:t>this</a:t>
+            </a:r>
+            <a:r>
+              <a:rPr lang="it-IT" dirty="0" smtClean="0"/>
+              <a:t> </a:t>
+            </a:r>
+            <a:r>
+              <a:rPr lang="it-IT" dirty="0" err="1" smtClean="0"/>
+              <a:t>value</a:t>
+            </a:r>
+            <a:r>
+              <a:rPr lang="it-IT" dirty="0" smtClean="0"/>
+              <a:t> and </a:t>
+            </a:r>
+            <a:r>
+              <a:rPr lang="it-IT" dirty="0" err="1" smtClean="0"/>
+              <a:t>try</a:t>
+            </a:r>
+            <a:r>
+              <a:rPr lang="it-IT" dirty="0" smtClean="0"/>
+              <a:t> </a:t>
+            </a:r>
+            <a:r>
+              <a:rPr lang="it-IT" dirty="0" err="1" smtClean="0"/>
+              <a:t>to</a:t>
+            </a:r>
+            <a:r>
+              <a:rPr lang="it-IT" dirty="0" smtClean="0"/>
+              <a:t> go </a:t>
+            </a:r>
+            <a:r>
+              <a:rPr lang="it-IT" dirty="0" err="1" smtClean="0"/>
+              <a:t>away</a:t>
+            </a:r>
+            <a:r>
+              <a:rPr lang="it-IT" dirty="0" smtClean="0"/>
+              <a:t> </a:t>
+            </a:r>
+            <a:r>
+              <a:rPr lang="it-IT" dirty="0" err="1" smtClean="0"/>
+              <a:t>from</a:t>
+            </a:r>
+            <a:r>
+              <a:rPr lang="it-IT" dirty="0" smtClean="0"/>
+              <a:t> the </a:t>
+            </a:r>
+            <a:r>
+              <a:rPr lang="it-IT" dirty="0" err="1" smtClean="0"/>
+              <a:t>local</a:t>
+            </a:r>
+            <a:r>
+              <a:rPr lang="it-IT" dirty="0" smtClean="0"/>
+              <a:t> optimum</a:t>
+            </a:r>
+          </a:p>
+          <a:p>
+            <a:endParaRPr lang="it-IT" dirty="0" smtClean="0"/>
+          </a:p>
+          <a:p>
+            <a:pPr>
+              <a:buNone/>
+            </a:pPr>
+            <a:r>
+              <a:rPr lang="it-IT" dirty="0" err="1" smtClean="0"/>
+              <a:t>Our</a:t>
+            </a:r>
+            <a:r>
+              <a:rPr lang="it-IT" dirty="0" smtClean="0"/>
+              <a:t> </a:t>
+            </a:r>
+            <a:r>
+              <a:rPr lang="it-IT" dirty="0" err="1" smtClean="0"/>
+              <a:t>solution</a:t>
+            </a:r>
+            <a:r>
+              <a:rPr lang="it-IT" dirty="0" smtClean="0"/>
+              <a:t>:</a:t>
+            </a:r>
+          </a:p>
+          <a:p>
+            <a:r>
+              <a:rPr lang="it-IT" dirty="0" err="1" smtClean="0"/>
+              <a:t>Range</a:t>
+            </a:r>
+            <a:r>
+              <a:rPr lang="it-IT" dirty="0" smtClean="0"/>
+              <a:t>: </a:t>
+            </a:r>
+            <a:r>
+              <a:rPr lang="it-IT" dirty="0" err="1" smtClean="0"/>
+              <a:t>Sqrt</a:t>
+            </a:r>
+            <a:r>
+              <a:rPr lang="it-IT" dirty="0" smtClean="0"/>
+              <a:t>(</a:t>
+            </a:r>
+            <a:r>
+              <a:rPr lang="it-IT" dirty="0" err="1" smtClean="0"/>
+              <a:t>#Customers</a:t>
+            </a:r>
+            <a:r>
+              <a:rPr lang="it-IT" dirty="0" smtClean="0"/>
+              <a:t>)-10, </a:t>
+            </a:r>
+            <a:r>
+              <a:rPr lang="it-IT" dirty="0" err="1" smtClean="0"/>
+              <a:t>Sqrt</a:t>
+            </a:r>
+            <a:r>
+              <a:rPr lang="it-IT" dirty="0" smtClean="0"/>
+              <a:t>(</a:t>
+            </a:r>
+            <a:r>
+              <a:rPr lang="it-IT" dirty="0" err="1" smtClean="0"/>
+              <a:t>#Customers</a:t>
+            </a:r>
+            <a:r>
+              <a:rPr lang="it-IT" dirty="0" smtClean="0"/>
+              <a:t>)</a:t>
+            </a:r>
+          </a:p>
+          <a:p>
+            <a:r>
+              <a:rPr lang="it-IT" dirty="0" err="1" smtClean="0"/>
+              <a:t>Every</a:t>
+            </a:r>
+            <a:r>
+              <a:rPr lang="it-IT" dirty="0" smtClean="0"/>
+              <a:t> 20 </a:t>
+            </a:r>
+            <a:r>
+              <a:rPr lang="it-IT" dirty="0" err="1" smtClean="0"/>
+              <a:t>failure</a:t>
+            </a:r>
+            <a:r>
+              <a:rPr lang="it-IT" dirty="0" smtClean="0"/>
+              <a:t> </a:t>
+            </a:r>
+            <a:r>
+              <a:rPr lang="it-IT" dirty="0" err="1" smtClean="0"/>
+              <a:t>we</a:t>
+            </a:r>
+            <a:r>
+              <a:rPr lang="it-IT" dirty="0" smtClean="0"/>
+              <a:t> </a:t>
+            </a:r>
+            <a:r>
+              <a:rPr lang="it-IT" dirty="0" err="1" smtClean="0"/>
+              <a:t>improve</a:t>
+            </a:r>
+            <a:r>
+              <a:rPr lang="it-IT" dirty="0" smtClean="0"/>
+              <a:t> the </a:t>
+            </a:r>
+            <a:r>
+              <a:rPr lang="it-IT" dirty="0" err="1" smtClean="0"/>
+              <a:t>tenure</a:t>
+            </a:r>
+            <a:endParaRPr lang="it-IT" dirty="0" smtClean="0"/>
+          </a:p>
+          <a:p>
+            <a:pPr>
+              <a:buNone/>
+            </a:pPr>
+            <a:endParaRPr lang="it-IT" dirty="0" smtClean="0"/>
+          </a:p>
+          <a:p>
+            <a:pPr>
+              <a:buNone/>
+            </a:pPr>
+            <a:endParaRPr lang="it-IT" dirty="0"/>
           </a:p>
         </p:txBody>
       </p:sp>
     </p:spTree>
-    <p:extLst>
-      <p:ext uri="{BB962C8B-B14F-4D97-AF65-F5344CB8AC3E}">
-        <p14:creationId xmlns:p14="http://schemas.microsoft.com/office/powerpoint/2010/main" val="2332265691"/>
-      </p:ext>
-    </p:extLst>
   </p:cSld>
   <p:clrMapOvr>
     <a:masterClrMapping/>
   </p:clrMapOvr>
+  <p:timing>
+    <p:tnLst>
+      <p:par>
+        <p:cTn id="1" dur="indefinite" restart="never" nodeType="tmRoot"/>
+      </p:par>
+    </p:tnLst>
+  </p:timing>
 </p:sld>
 </file>
 
@@ -13978,419 +14301,6 @@
 </file>
 
 <file path=ppt/slides/slide2.xml><?xml version="1.0" encoding="utf-8"?>
-<p:sld xmlns:a="http://schemas.openxmlformats.org/drawingml/2006/main" xmlns:r="http://schemas.openxmlformats.org/officeDocument/2006/relationships" xmlns:p="http://schemas.openxmlformats.org/presentationml/2006/main">
-  <p:cSld>
-    <p:spTree>
-      <p:nvGrpSpPr>
-        <p:cNvPr id="1" name=""/>
-        <p:cNvGrpSpPr/>
-        <p:nvPr/>
-      </p:nvGrpSpPr>
-      <p:grpSpPr>
-        <a:xfrm>
-          <a:off x="0" y="0"/>
-          <a:ext cx="0" cy="0"/>
-          <a:chOff x="0" y="0"/>
-          <a:chExt cx="0" cy="0"/>
-        </a:xfrm>
-      </p:grpSpPr>
-      <p:sp>
-        <p:nvSpPr>
-          <p:cNvPr id="2" name="Titolo 1"/>
-          <p:cNvSpPr>
-            <a:spLocks noGrp="1"/>
-          </p:cNvSpPr>
-          <p:nvPr>
-            <p:ph type="title"/>
-          </p:nvPr>
-        </p:nvSpPr>
-        <p:spPr/>
-        <p:txBody>
-          <a:bodyPr/>
-          <a:lstStyle/>
-          <a:p>
-            <a:r>
-              <a:rPr lang="it-IT" dirty="0" smtClean="0"/>
-              <a:t>First </a:t>
-            </a:r>
-            <a:r>
-              <a:rPr lang="it-IT" dirty="0" err="1" smtClean="0"/>
-              <a:t>Analisys</a:t>
-            </a:r>
-            <a:endParaRPr lang="it-IT" dirty="0"/>
-          </a:p>
-        </p:txBody>
-      </p:sp>
-      <p:sp>
-        <p:nvSpPr>
-          <p:cNvPr id="3" name="Segnaposto contenuto 2"/>
-          <p:cNvSpPr>
-            <a:spLocks noGrp="1"/>
-          </p:cNvSpPr>
-          <p:nvPr>
-            <p:ph sz="quarter" idx="1"/>
-          </p:nvPr>
-        </p:nvSpPr>
-        <p:spPr/>
-        <p:txBody>
-          <a:bodyPr/>
-          <a:lstStyle/>
-          <a:p>
-            <a:r>
-              <a:rPr lang="it-IT" dirty="0" smtClean="0"/>
-              <a:t>TABU TENURE: </a:t>
-            </a:r>
-            <a:r>
-              <a:rPr lang="it-IT" dirty="0" err="1" smtClean="0"/>
-              <a:t>this</a:t>
-            </a:r>
-            <a:r>
-              <a:rPr lang="it-IT" dirty="0" smtClean="0"/>
-              <a:t> </a:t>
-            </a:r>
-            <a:r>
-              <a:rPr lang="it-IT" dirty="0" err="1" smtClean="0"/>
-              <a:t>attribute</a:t>
-            </a:r>
-            <a:r>
-              <a:rPr lang="it-IT" dirty="0" smtClean="0"/>
-              <a:t> </a:t>
-            </a:r>
-            <a:r>
-              <a:rPr lang="it-IT" dirty="0" err="1" smtClean="0"/>
-              <a:t>means</a:t>
-            </a:r>
-            <a:r>
-              <a:rPr lang="it-IT" dirty="0" smtClean="0"/>
-              <a:t> </a:t>
-            </a:r>
-            <a:r>
-              <a:rPr lang="it-IT" dirty="0" err="1" smtClean="0"/>
-              <a:t>how</a:t>
-            </a:r>
-            <a:r>
-              <a:rPr lang="it-IT" dirty="0" smtClean="0"/>
-              <a:t> </a:t>
-            </a:r>
-            <a:r>
-              <a:rPr lang="it-IT" dirty="0" err="1" smtClean="0"/>
-              <a:t>many</a:t>
-            </a:r>
-            <a:r>
-              <a:rPr lang="it-IT" dirty="0" smtClean="0"/>
-              <a:t> </a:t>
-            </a:r>
-            <a:r>
-              <a:rPr lang="it-IT" dirty="0" err="1" smtClean="0"/>
-              <a:t>time</a:t>
-            </a:r>
-            <a:r>
-              <a:rPr lang="it-IT" dirty="0" smtClean="0"/>
-              <a:t> a </a:t>
-            </a:r>
-            <a:r>
-              <a:rPr lang="it-IT" dirty="0" err="1" smtClean="0"/>
-              <a:t>move</a:t>
-            </a:r>
-            <a:r>
-              <a:rPr lang="it-IT" dirty="0" smtClean="0"/>
-              <a:t> </a:t>
-            </a:r>
-            <a:r>
-              <a:rPr lang="it-IT" dirty="0" err="1" smtClean="0"/>
-              <a:t>is</a:t>
-            </a:r>
-            <a:r>
-              <a:rPr lang="it-IT" dirty="0" smtClean="0"/>
-              <a:t> </a:t>
-            </a:r>
-            <a:r>
-              <a:rPr lang="it-IT" dirty="0" err="1" smtClean="0"/>
-              <a:t>forbidden</a:t>
-            </a:r>
-            <a:r>
-              <a:rPr lang="it-IT" dirty="0" smtClean="0"/>
-              <a:t> </a:t>
-            </a:r>
-          </a:p>
-          <a:p>
-            <a:endParaRPr lang="it-IT" dirty="0" smtClean="0"/>
-          </a:p>
-          <a:p>
-            <a:r>
-              <a:rPr lang="it-IT" dirty="0" err="1" smtClean="0"/>
-              <a:t>Initially</a:t>
-            </a:r>
-            <a:r>
-              <a:rPr lang="it-IT" dirty="0" smtClean="0"/>
-              <a:t> </a:t>
-            </a:r>
-            <a:r>
-              <a:rPr lang="it-IT" dirty="0" err="1" smtClean="0"/>
-              <a:t>fixed</a:t>
-            </a:r>
-            <a:r>
-              <a:rPr lang="it-IT" dirty="0" smtClean="0"/>
-              <a:t> ,</a:t>
-            </a:r>
-            <a:r>
-              <a:rPr lang="it-IT" dirty="0" err="1" smtClean="0"/>
-              <a:t>Tenure</a:t>
-            </a:r>
-            <a:r>
-              <a:rPr lang="it-IT" dirty="0" smtClean="0"/>
-              <a:t> = </a:t>
-            </a:r>
-            <a:r>
-              <a:rPr lang="it-IT" dirty="0" err="1" smtClean="0"/>
-              <a:t>Sqrt</a:t>
-            </a:r>
-            <a:r>
-              <a:rPr lang="it-IT" dirty="0" smtClean="0"/>
-              <a:t>(</a:t>
-            </a:r>
-            <a:r>
-              <a:rPr lang="it-IT" dirty="0" err="1" smtClean="0"/>
-              <a:t>#Customers</a:t>
-            </a:r>
-            <a:r>
-              <a:rPr lang="it-IT" dirty="0" smtClean="0"/>
-              <a:t>)</a:t>
-            </a:r>
-          </a:p>
-          <a:p>
-            <a:r>
-              <a:rPr lang="it-IT" dirty="0" err="1" smtClean="0"/>
-              <a:t>If</a:t>
-            </a:r>
-            <a:r>
-              <a:rPr lang="it-IT" dirty="0" smtClean="0"/>
-              <a:t> a </a:t>
-            </a:r>
-            <a:r>
-              <a:rPr lang="it-IT" dirty="0" err="1" smtClean="0"/>
-              <a:t>solution</a:t>
-            </a:r>
-            <a:r>
-              <a:rPr lang="it-IT" dirty="0" smtClean="0"/>
-              <a:t> </a:t>
-            </a:r>
-            <a:r>
-              <a:rPr lang="it-IT" dirty="0" err="1" smtClean="0"/>
-              <a:t>is</a:t>
-            </a:r>
-            <a:r>
-              <a:rPr lang="it-IT" dirty="0" smtClean="0"/>
-              <a:t> bad </a:t>
-            </a:r>
-            <a:r>
-              <a:rPr lang="it-IT" dirty="0" err="1" smtClean="0"/>
-              <a:t>we</a:t>
-            </a:r>
-            <a:r>
-              <a:rPr lang="it-IT" dirty="0" smtClean="0"/>
-              <a:t> can </a:t>
-            </a:r>
-            <a:r>
-              <a:rPr lang="it-IT" dirty="0" err="1" smtClean="0"/>
-              <a:t>increment</a:t>
-            </a:r>
-            <a:r>
-              <a:rPr lang="it-IT" dirty="0" smtClean="0"/>
-              <a:t> </a:t>
-            </a:r>
-            <a:r>
-              <a:rPr lang="it-IT" dirty="0" err="1" smtClean="0"/>
-              <a:t>this</a:t>
-            </a:r>
-            <a:r>
-              <a:rPr lang="it-IT" dirty="0" smtClean="0"/>
-              <a:t> </a:t>
-            </a:r>
-            <a:r>
-              <a:rPr lang="it-IT" dirty="0" err="1" smtClean="0"/>
-              <a:t>value</a:t>
-            </a:r>
-            <a:r>
-              <a:rPr lang="it-IT" dirty="0" smtClean="0"/>
-              <a:t> and </a:t>
-            </a:r>
-            <a:r>
-              <a:rPr lang="it-IT" dirty="0" err="1" smtClean="0"/>
-              <a:t>try</a:t>
-            </a:r>
-            <a:r>
-              <a:rPr lang="it-IT" dirty="0" smtClean="0"/>
-              <a:t> </a:t>
-            </a:r>
-            <a:r>
-              <a:rPr lang="it-IT" dirty="0" err="1" smtClean="0"/>
-              <a:t>to</a:t>
-            </a:r>
-            <a:r>
-              <a:rPr lang="it-IT" dirty="0" smtClean="0"/>
-              <a:t> go </a:t>
-            </a:r>
-            <a:r>
-              <a:rPr lang="it-IT" dirty="0" err="1" smtClean="0"/>
-              <a:t>away</a:t>
-            </a:r>
-            <a:r>
-              <a:rPr lang="it-IT" dirty="0" smtClean="0"/>
-              <a:t> </a:t>
-            </a:r>
-            <a:r>
-              <a:rPr lang="it-IT" dirty="0" err="1" smtClean="0"/>
-              <a:t>from</a:t>
-            </a:r>
-            <a:r>
-              <a:rPr lang="it-IT" dirty="0" smtClean="0"/>
-              <a:t> the </a:t>
-            </a:r>
-            <a:r>
-              <a:rPr lang="it-IT" dirty="0" err="1" smtClean="0"/>
-              <a:t>local</a:t>
-            </a:r>
-            <a:r>
-              <a:rPr lang="it-IT" dirty="0" smtClean="0"/>
-              <a:t> optimum</a:t>
-            </a:r>
-          </a:p>
-          <a:p>
-            <a:endParaRPr lang="it-IT" dirty="0" smtClean="0"/>
-          </a:p>
-          <a:p>
-            <a:pPr>
-              <a:buNone/>
-            </a:pPr>
-            <a:r>
-              <a:rPr lang="it-IT" dirty="0" err="1" smtClean="0"/>
-              <a:t>Our</a:t>
-            </a:r>
-            <a:r>
-              <a:rPr lang="it-IT" dirty="0" smtClean="0"/>
-              <a:t> </a:t>
-            </a:r>
-            <a:r>
-              <a:rPr lang="it-IT" dirty="0" err="1" smtClean="0"/>
-              <a:t>solution</a:t>
-            </a:r>
-            <a:r>
-              <a:rPr lang="it-IT" dirty="0" smtClean="0"/>
-              <a:t>:</a:t>
-            </a:r>
-          </a:p>
-          <a:p>
-            <a:r>
-              <a:rPr lang="it-IT" dirty="0" err="1" smtClean="0"/>
-              <a:t>Range</a:t>
-            </a:r>
-            <a:r>
-              <a:rPr lang="it-IT" dirty="0" smtClean="0"/>
-              <a:t>: </a:t>
-            </a:r>
-            <a:r>
-              <a:rPr lang="it-IT" dirty="0" err="1" smtClean="0"/>
-              <a:t>Sqrt</a:t>
-            </a:r>
-            <a:r>
-              <a:rPr lang="it-IT" dirty="0" smtClean="0"/>
-              <a:t>(</a:t>
-            </a:r>
-            <a:r>
-              <a:rPr lang="it-IT" dirty="0" err="1" smtClean="0"/>
-              <a:t>#Customers</a:t>
-            </a:r>
-            <a:r>
-              <a:rPr lang="it-IT" dirty="0" smtClean="0"/>
-              <a:t>)-10, </a:t>
-            </a:r>
-            <a:r>
-              <a:rPr lang="it-IT" dirty="0" err="1" smtClean="0"/>
-              <a:t>Sqrt</a:t>
-            </a:r>
-            <a:r>
-              <a:rPr lang="it-IT" dirty="0" smtClean="0"/>
-              <a:t>(</a:t>
-            </a:r>
-            <a:r>
-              <a:rPr lang="it-IT" dirty="0" err="1" smtClean="0"/>
-              <a:t>#Customers</a:t>
-            </a:r>
-            <a:r>
-              <a:rPr lang="it-IT" dirty="0" smtClean="0"/>
-              <a:t>)</a:t>
-            </a:r>
-          </a:p>
-          <a:p>
-            <a:r>
-              <a:rPr lang="it-IT" dirty="0" err="1" smtClean="0"/>
-              <a:t>Every</a:t>
-            </a:r>
-            <a:r>
-              <a:rPr lang="it-IT" dirty="0" smtClean="0"/>
-              <a:t> 20 </a:t>
-            </a:r>
-            <a:r>
-              <a:rPr lang="it-IT" dirty="0" err="1" smtClean="0"/>
-              <a:t>failure</a:t>
-            </a:r>
-            <a:r>
-              <a:rPr lang="it-IT" dirty="0" smtClean="0"/>
-              <a:t> </a:t>
-            </a:r>
-            <a:r>
-              <a:rPr lang="it-IT" dirty="0" err="1" smtClean="0"/>
-              <a:t>we</a:t>
-            </a:r>
-            <a:r>
-              <a:rPr lang="it-IT" dirty="0" smtClean="0"/>
-              <a:t> </a:t>
-            </a:r>
-            <a:r>
-              <a:rPr lang="it-IT" dirty="0" err="1" smtClean="0"/>
-              <a:t>improve</a:t>
-            </a:r>
-            <a:r>
-              <a:rPr lang="it-IT" dirty="0" smtClean="0"/>
-              <a:t> the </a:t>
-            </a:r>
-            <a:r>
-              <a:rPr lang="it-IT" dirty="0" err="1" smtClean="0"/>
-              <a:t>tenure</a:t>
-            </a:r>
-            <a:endParaRPr lang="it-IT" dirty="0" smtClean="0"/>
-          </a:p>
-          <a:p>
-            <a:pPr>
-              <a:buNone/>
-            </a:pPr>
-            <a:endParaRPr lang="it-IT" dirty="0" smtClean="0"/>
-          </a:p>
-          <a:p>
-            <a:pPr>
-              <a:buNone/>
-            </a:pPr>
-            <a:endParaRPr lang="it-IT" dirty="0"/>
-          </a:p>
-        </p:txBody>
-      </p:sp>
-    </p:spTree>
-  </p:cSld>
-  <p:clrMapOvr>
-    <a:masterClrMapping/>
-  </p:clrMapOvr>
-  <p:timing>
-    <p:tnLst>
-      <p:par>
-        <p:cTn id="1" dur="indefinite" restart="never" nodeType="tmRoot"/>
-      </p:par>
-    </p:tnLst>
-  </p:timing>
-</p:sld>
-</file>
-
-<file path=ppt/slides/slide3.xml><?xml version="1.0" encoding="utf-8"?>
 <p:sld xmlns:a="http://schemas.openxmlformats.org/drawingml/2006/main" xmlns:r="http://schemas.openxmlformats.org/officeDocument/2006/relationships" xmlns:p="http://schemas.openxmlformats.org/presentationml/2006/main">
   <p:cSld>
     <p:spTree>
@@ -14482,7 +14392,7 @@
 </p:sld>
 </file>
 
-<file path=ppt/slides/slide4.xml><?xml version="1.0" encoding="utf-8"?>
+<file path=ppt/slides/slide3.xml><?xml version="1.0" encoding="utf-8"?>
 <p:sld xmlns:a="http://schemas.openxmlformats.org/drawingml/2006/main" xmlns:r="http://schemas.openxmlformats.org/officeDocument/2006/relationships" xmlns:p="http://schemas.openxmlformats.org/presentationml/2006/main">
   <p:cSld>
     <p:spTree>
@@ -14851,7 +14761,7 @@
 </p:sld>
 </file>
 
-<file path=ppt/slides/slide5.xml><?xml version="1.0" encoding="utf-8"?>
+<file path=ppt/slides/slide4.xml><?xml version="1.0" encoding="utf-8"?>
 <p:sld xmlns:a="http://schemas.openxmlformats.org/drawingml/2006/main" xmlns:r="http://schemas.openxmlformats.org/officeDocument/2006/relationships" xmlns:p="http://schemas.openxmlformats.org/presentationml/2006/main">
   <p:cSld>
     <p:spTree>
@@ -14962,7 +14872,7 @@
 </p:sld>
 </file>
 
-<file path=ppt/slides/slide6.xml><?xml version="1.0" encoding="utf-8"?>
+<file path=ppt/slides/slide5.xml><?xml version="1.0" encoding="utf-8"?>
 <p:sld xmlns:a="http://schemas.openxmlformats.org/drawingml/2006/main" xmlns:r="http://schemas.openxmlformats.org/officeDocument/2006/relationships" xmlns:p="http://schemas.openxmlformats.org/presentationml/2006/main">
   <p:cSld>
     <p:spTree>
@@ -15047,6 +14957,125 @@
 </p:sld>
 </file>
 
+<file path=ppt/slides/slide6.xml><?xml version="1.0" encoding="utf-8"?>
+<p:sld xmlns:a="http://schemas.openxmlformats.org/drawingml/2006/main" xmlns:r="http://schemas.openxmlformats.org/officeDocument/2006/relationships" xmlns:p="http://schemas.openxmlformats.org/presentationml/2006/main">
+  <p:cSld>
+    <p:spTree>
+      <p:nvGrpSpPr>
+        <p:cNvPr id="1" name=""/>
+        <p:cNvGrpSpPr/>
+        <p:nvPr/>
+      </p:nvGrpSpPr>
+      <p:grpSpPr>
+        <a:xfrm>
+          <a:off x="0" y="0"/>
+          <a:ext cx="0" cy="0"/>
+          <a:chOff x="0" y="0"/>
+          <a:chExt cx="0" cy="0"/>
+        </a:xfrm>
+      </p:grpSpPr>
+      <p:sp>
+        <p:nvSpPr>
+          <p:cNvPr id="2" name="Titolo 1"/>
+          <p:cNvSpPr>
+            <a:spLocks noGrp="1"/>
+          </p:cNvSpPr>
+          <p:nvPr>
+            <p:ph type="title"/>
+          </p:nvPr>
+        </p:nvSpPr>
+        <p:spPr/>
+        <p:txBody>
+          <a:bodyPr/>
+          <a:lstStyle/>
+          <a:p>
+            <a:r>
+              <a:rPr lang="en-GB" dirty="0" smtClean="0"/>
+              <a:t>Our initial solution</a:t>
+            </a:r>
+            <a:endParaRPr lang="en-GB" dirty="0"/>
+          </a:p>
+        </p:txBody>
+      </p:sp>
+      <p:sp>
+        <p:nvSpPr>
+          <p:cNvPr id="3" name="Segnaposto contenuto 2"/>
+          <p:cNvSpPr>
+            <a:spLocks noGrp="1"/>
+          </p:cNvSpPr>
+          <p:nvPr>
+            <p:ph sz="quarter" idx="1"/>
+          </p:nvPr>
+        </p:nvSpPr>
+        <p:spPr/>
+        <p:txBody>
+          <a:bodyPr/>
+          <a:lstStyle/>
+          <a:p>
+            <a:pPr marL="0" indent="0">
+              <a:buNone/>
+            </a:pPr>
+            <a:r>
+              <a:rPr lang="en-GB" dirty="0" smtClean="0"/>
+              <a:t>Unlike the original </a:t>
+            </a:r>
+            <a:r>
+              <a:rPr lang="en-GB" dirty="0" err="1" smtClean="0"/>
+              <a:t>tabu</a:t>
+            </a:r>
+            <a:r>
+              <a:rPr lang="en-GB" dirty="0" smtClean="0"/>
+              <a:t> search algorithm, the genetic algorithm needs a set of initial possible solutions, instead of just one.</a:t>
+            </a:r>
+          </a:p>
+          <a:p>
+            <a:pPr marL="0" indent="0">
+              <a:buNone/>
+            </a:pPr>
+            <a:r>
+              <a:rPr lang="en-GB" dirty="0" smtClean="0"/>
+              <a:t>To generate this initial population we decided to follow two different approaches:</a:t>
+            </a:r>
+          </a:p>
+          <a:p>
+            <a:r>
+              <a:rPr lang="en-GB" dirty="0" smtClean="0"/>
+              <a:t>Solution generated by a greedy algorithm (Nearest Neighbour</a:t>
+            </a:r>
+            <a:r>
+              <a:rPr lang="en-GB" dirty="0"/>
+              <a:t>)</a:t>
+            </a:r>
+            <a:endParaRPr lang="en-GB" dirty="0" smtClean="0"/>
+          </a:p>
+          <a:p>
+            <a:r>
+              <a:rPr lang="en-GB" dirty="0" smtClean="0"/>
+              <a:t>Pseudo-random solution</a:t>
+            </a:r>
+          </a:p>
+        </p:txBody>
+      </p:sp>
+    </p:spTree>
+    <p:extLst>
+      <p:ext uri="{BB962C8B-B14F-4D97-AF65-F5344CB8AC3E}">
+        <p14:creationId xmlns:p14="http://schemas.microsoft.com/office/powerpoint/2010/main" val="3923536108"/>
+      </p:ext>
+    </p:extLst>
+  </p:cSld>
+  <p:clrMapOvr>
+    <a:masterClrMapping/>
+  </p:clrMapOvr>
+  <p:timing>
+    <p:tnLst>
+      <p:par>
+        <p:cTn id="1" dur="indefinite" restart="never" nodeType="tmRoot"/>
+      </p:par>
+    </p:tnLst>
+  </p:timing>
+</p:sld>
+</file>
+
 <file path=ppt/slides/slide7.xml><?xml version="1.0" encoding="utf-8"?>
 <p:sld xmlns:a="http://schemas.openxmlformats.org/drawingml/2006/main" xmlns:r="http://schemas.openxmlformats.org/officeDocument/2006/relationships" xmlns:p="http://schemas.openxmlformats.org/presentationml/2006/main">
   <p:cSld>
@@ -15081,7 +15110,7 @@
           <a:p>
             <a:r>
               <a:rPr lang="en-GB" dirty="0" smtClean="0"/>
-              <a:t>Our initial solution</a:t>
+              <a:t>The genetic algorithm</a:t>
             </a:r>
             <a:endParaRPr lang="en-GB" dirty="0"/>
           </a:p>
@@ -15107,15 +15136,15 @@
             </a:pPr>
             <a:r>
               <a:rPr lang="en-GB" dirty="0" smtClean="0"/>
-              <a:t>Unlike the original </a:t>
+              <a:t>Our implementation of the genetic algorithm is based on the </a:t>
             </a:r>
             <a:r>
               <a:rPr lang="en-GB" dirty="0" err="1" smtClean="0"/>
-              <a:t>tabu</a:t>
+              <a:t>GALib</a:t>
             </a:r>
             <a:r>
               <a:rPr lang="en-GB" dirty="0" smtClean="0"/>
-              <a:t> search algorithm, the genetic algorithm needs a set of initial possible solutions, instead of just one.</a:t>
+              <a:t> library.</a:t>
             </a:r>
           </a:p>
           <a:p>
@@ -15124,32 +15153,46 @@
             </a:pPr>
             <a:r>
               <a:rPr lang="en-GB" dirty="0" smtClean="0"/>
-              <a:t>To generate this initial population we decided to follow two different approaches:</a:t>
-            </a:r>
+              <a:t>The algorithm required the implementation of several components, such as:</a:t>
+            </a:r>
+          </a:p>
+          <a:p>
+            <a:pPr marL="0" indent="0">
+              <a:buNone/>
+            </a:pPr>
+            <a:endParaRPr lang="en-GB" dirty="0" smtClean="0"/>
           </a:p>
           <a:p>
             <a:r>
               <a:rPr lang="en-GB" dirty="0" smtClean="0"/>
-              <a:t>Solution generated by a greedy algorithm (Nearest Neighbour</a:t>
-            </a:r>
-            <a:r>
-              <a:rPr lang="en-GB" dirty="0"/>
-              <a:t>)</a:t>
-            </a:r>
-            <a:endParaRPr lang="en-GB" dirty="0" smtClean="0"/>
+              <a:t>A model for the chromosome</a:t>
+            </a:r>
           </a:p>
           <a:p>
             <a:r>
               <a:rPr lang="en-GB" dirty="0" smtClean="0"/>
-              <a:t>Pseudo-random solution</a:t>
-            </a:r>
+              <a:t>A fitness function</a:t>
+            </a:r>
+          </a:p>
+          <a:p>
+            <a:r>
+              <a:rPr lang="en-GB" dirty="0" smtClean="0"/>
+              <a:t>A crossover function</a:t>
+            </a:r>
+          </a:p>
+          <a:p>
+            <a:r>
+              <a:rPr lang="en-GB" dirty="0" smtClean="0"/>
+              <a:t>A mutation function</a:t>
+            </a:r>
+            <a:endParaRPr lang="en-GB" dirty="0"/>
           </a:p>
         </p:txBody>
       </p:sp>
     </p:spTree>
     <p:extLst>
       <p:ext uri="{BB962C8B-B14F-4D97-AF65-F5344CB8AC3E}">
-        <p14:creationId xmlns:p14="http://schemas.microsoft.com/office/powerpoint/2010/main" val="3923536108"/>
+        <p14:creationId xmlns:p14="http://schemas.microsoft.com/office/powerpoint/2010/main" val="2712045263"/>
       </p:ext>
     </p:extLst>
   </p:cSld>
@@ -15200,7 +15243,7 @@
           <a:p>
             <a:r>
               <a:rPr lang="en-GB" dirty="0" smtClean="0"/>
-              <a:t>The genetic algorithm</a:t>
+              <a:t>The chromosome model</a:t>
             </a:r>
             <a:endParaRPr lang="en-GB" dirty="0"/>
           </a:p>
@@ -15226,15 +15269,7 @@
             </a:pPr>
             <a:r>
               <a:rPr lang="en-GB" dirty="0" smtClean="0"/>
-              <a:t>Our implementation of the genetic algorithm is based on the </a:t>
-            </a:r>
-            <a:r>
-              <a:rPr lang="en-GB" dirty="0" err="1" smtClean="0"/>
-              <a:t>GALib</a:t>
-            </a:r>
-            <a:r>
-              <a:rPr lang="en-GB" dirty="0" smtClean="0"/>
-              <a:t> library.</a:t>
+              <a:t>We decided to model the chromosomes for the genetic algorithm as sequences of numbers of length equal to the number of customers plus the number of vehicles - 1.</a:t>
             </a:r>
           </a:p>
           <a:p>
@@ -15243,37 +15278,16 @@
             </a:pPr>
             <a:r>
               <a:rPr lang="en-GB" dirty="0" smtClean="0"/>
-              <a:t>The algorithm required the implementation of several components, such as:</a:t>
+              <a:t>The number that identifies a customer is the customer’s id.</a:t>
             </a:r>
           </a:p>
           <a:p>
             <a:pPr marL="0" indent="0">
               <a:buNone/>
             </a:pPr>
-            <a:endParaRPr lang="en-GB" dirty="0" smtClean="0"/>
-          </a:p>
-          <a:p>
             <a:r>
               <a:rPr lang="en-GB" dirty="0" smtClean="0"/>
-              <a:t>A model for the chromosome</a:t>
-            </a:r>
-          </a:p>
-          <a:p>
-            <a:r>
-              <a:rPr lang="en-GB" dirty="0" smtClean="0"/>
-              <a:t>A fitness function</a:t>
-            </a:r>
-          </a:p>
-          <a:p>
-            <a:r>
-              <a:rPr lang="en-GB" dirty="0" smtClean="0"/>
-              <a:t>A crossover function</a:t>
-            </a:r>
-          </a:p>
-          <a:p>
-            <a:r>
-              <a:rPr lang="en-GB" dirty="0" smtClean="0"/>
-              <a:t>A mutation function</a:t>
+              <a:t>The customers are assigned to the first vehicle that precedes them in the chromosome. A vehicle followed by another vehicle represents an empty route.</a:t>
             </a:r>
             <a:endParaRPr lang="en-GB" dirty="0"/>
           </a:p>
@@ -15282,20 +15296,13 @@
     </p:spTree>
     <p:extLst>
       <p:ext uri="{BB962C8B-B14F-4D97-AF65-F5344CB8AC3E}">
-        <p14:creationId xmlns:p14="http://schemas.microsoft.com/office/powerpoint/2010/main" val="2712045263"/>
+        <p14:creationId xmlns:p14="http://schemas.microsoft.com/office/powerpoint/2010/main" val="2002208753"/>
       </p:ext>
     </p:extLst>
   </p:cSld>
   <p:clrMapOvr>
     <a:masterClrMapping/>
   </p:clrMapOvr>
-  <p:timing>
-    <p:tnLst>
-      <p:par>
-        <p:cTn id="1" dur="indefinite" restart="never" nodeType="tmRoot"/>
-      </p:par>
-    </p:tnLst>
-  </p:timing>
 </p:sld>
 </file>
 
@@ -15333,7 +15340,7 @@
           <a:p>
             <a:r>
               <a:rPr lang="en-GB" dirty="0" smtClean="0"/>
-              <a:t>The chromosome model</a:t>
+              <a:t>The fitness function</a:t>
             </a:r>
             <a:endParaRPr lang="en-GB" dirty="0"/>
           </a:p>
@@ -15359,17 +15366,14 @@
             </a:pPr>
             <a:r>
               <a:rPr lang="en-GB" dirty="0" smtClean="0"/>
-              <a:t>We decided to model the chromosomes for the genetic algorithm as sequences of numbers of length equal to the number of customers plus the number of vehicles - 1.</a:t>
+              <a:t>The fitness function we implemented evaluates the cost of a given solution by computing the sum of the total distance covered by all of the routes.</a:t>
             </a:r>
           </a:p>
           <a:p>
             <a:pPr marL="0" indent="0">
               <a:buNone/>
             </a:pPr>
-            <a:r>
-              <a:rPr lang="en-GB" dirty="0" smtClean="0"/>
-              <a:t>The number that identifies a customer is the customer’s id.</a:t>
-            </a:r>
+            <a:endParaRPr lang="en-GB" dirty="0"/>
           </a:p>
           <a:p>
             <a:pPr marL="0" indent="0">
@@ -15377,7 +15381,7 @@
             </a:pPr>
             <a:r>
               <a:rPr lang="en-GB" dirty="0" smtClean="0"/>
-              <a:t>The customers are assigned to the first vehicle that precedes them in the chromosome. A vehicle followed by another vehicle represents an empty route.</a:t>
+              <a:t>The distance between two customers is computed as the sum of the distance between their position in space, and the distance between the midpoints of their time windows.</a:t>
             </a:r>
             <a:endParaRPr lang="en-GB" dirty="0"/>
           </a:p>
@@ -15386,7 +15390,7 @@
     </p:spTree>
     <p:extLst>
       <p:ext uri="{BB962C8B-B14F-4D97-AF65-F5344CB8AC3E}">
-        <p14:creationId xmlns:p14="http://schemas.microsoft.com/office/powerpoint/2010/main" val="2002208753"/>
+        <p14:creationId xmlns:p14="http://schemas.microsoft.com/office/powerpoint/2010/main" val="2859660975"/>
       </p:ext>
     </p:extLst>
   </p:cSld>

--- a/Documenti/OMA ASSIGNMENT 2014.pptx
+++ b/Documenti/OMA ASSIGNMENT 2014.pptx
@@ -888,6 +888,753 @@
 </file>
 
 <file path=ppt/diagrams/colors2.xml><?xml version="1.0" encoding="utf-8"?>
+<dgm:colorsDef xmlns:dgm="http://schemas.openxmlformats.org/drawingml/2006/diagram" xmlns:a="http://schemas.openxmlformats.org/drawingml/2006/main" uniqueId="urn:microsoft.com/office/officeart/2005/8/colors/accent1_2">
+  <dgm:title val=""/>
+  <dgm:desc val=""/>
+  <dgm:catLst>
+    <dgm:cat type="accent1" pri="11200"/>
+  </dgm:catLst>
+  <dgm:styleLbl name="node0">
+    <dgm:fillClrLst meth="repeat">
+      <a:schemeClr val="accent1"/>
+    </dgm:fillClrLst>
+    <dgm:linClrLst meth="repeat">
+      <a:schemeClr val="lt1"/>
+    </dgm:linClrLst>
+    <dgm:effectClrLst/>
+    <dgm:txLinClrLst/>
+    <dgm:txFillClrLst/>
+    <dgm:txEffectClrLst/>
+  </dgm:styleLbl>
+  <dgm:styleLbl name="alignNode1">
+    <dgm:fillClrLst meth="repeat">
+      <a:schemeClr val="accent1"/>
+    </dgm:fillClrLst>
+    <dgm:linClrLst meth="repeat">
+      <a:schemeClr val="accent1"/>
+    </dgm:linClrLst>
+    <dgm:effectClrLst/>
+    <dgm:txLinClrLst/>
+    <dgm:txFillClrLst/>
+    <dgm:txEffectClrLst/>
+  </dgm:styleLbl>
+  <dgm:styleLbl name="node1">
+    <dgm:fillClrLst meth="repeat">
+      <a:schemeClr val="accent1"/>
+    </dgm:fillClrLst>
+    <dgm:linClrLst meth="repeat">
+      <a:schemeClr val="lt1"/>
+    </dgm:linClrLst>
+    <dgm:effectClrLst/>
+    <dgm:txLinClrLst/>
+    <dgm:txFillClrLst/>
+    <dgm:txEffectClrLst/>
+  </dgm:styleLbl>
+  <dgm:styleLbl name="lnNode1">
+    <dgm:fillClrLst meth="repeat">
+      <a:schemeClr val="accent1"/>
+    </dgm:fillClrLst>
+    <dgm:linClrLst meth="repeat">
+      <a:schemeClr val="lt1"/>
+    </dgm:linClrLst>
+    <dgm:effectClrLst/>
+    <dgm:txLinClrLst/>
+    <dgm:txFillClrLst/>
+    <dgm:txEffectClrLst/>
+  </dgm:styleLbl>
+  <dgm:styleLbl name="vennNode1">
+    <dgm:fillClrLst meth="repeat">
+      <a:schemeClr val="accent1">
+        <a:alpha val="50000"/>
+      </a:schemeClr>
+    </dgm:fillClrLst>
+    <dgm:linClrLst meth="repeat">
+      <a:schemeClr val="lt1"/>
+    </dgm:linClrLst>
+    <dgm:effectClrLst/>
+    <dgm:txLinClrLst/>
+    <dgm:txFillClrLst/>
+    <dgm:txEffectClrLst/>
+  </dgm:styleLbl>
+  <dgm:styleLbl name="node2">
+    <dgm:fillClrLst meth="repeat">
+      <a:schemeClr val="accent1"/>
+    </dgm:fillClrLst>
+    <dgm:linClrLst meth="repeat">
+      <a:schemeClr val="lt1"/>
+    </dgm:linClrLst>
+    <dgm:effectClrLst/>
+    <dgm:txLinClrLst/>
+    <dgm:txFillClrLst/>
+    <dgm:txEffectClrLst/>
+  </dgm:styleLbl>
+  <dgm:styleLbl name="node3">
+    <dgm:fillClrLst meth="repeat">
+      <a:schemeClr val="accent1"/>
+    </dgm:fillClrLst>
+    <dgm:linClrLst meth="repeat">
+      <a:schemeClr val="lt1"/>
+    </dgm:linClrLst>
+    <dgm:effectClrLst/>
+    <dgm:txLinClrLst/>
+    <dgm:txFillClrLst/>
+    <dgm:txEffectClrLst/>
+  </dgm:styleLbl>
+  <dgm:styleLbl name="node4">
+    <dgm:fillClrLst meth="repeat">
+      <a:schemeClr val="accent1"/>
+    </dgm:fillClrLst>
+    <dgm:linClrLst meth="repeat">
+      <a:schemeClr val="lt1"/>
+    </dgm:linClrLst>
+    <dgm:effectClrLst/>
+    <dgm:txLinClrLst/>
+    <dgm:txFillClrLst/>
+    <dgm:txEffectClrLst/>
+  </dgm:styleLbl>
+  <dgm:styleLbl name="fgImgPlace1">
+    <dgm:fillClrLst meth="repeat">
+      <a:schemeClr val="accent1">
+        <a:tint val="50000"/>
+      </a:schemeClr>
+    </dgm:fillClrLst>
+    <dgm:linClrLst meth="repeat">
+      <a:schemeClr val="lt1"/>
+    </dgm:linClrLst>
+    <dgm:effectClrLst/>
+    <dgm:txLinClrLst/>
+    <dgm:txFillClrLst meth="repeat">
+      <a:schemeClr val="lt1"/>
+    </dgm:txFillClrLst>
+    <dgm:txEffectClrLst/>
+  </dgm:styleLbl>
+  <dgm:styleLbl name="alignImgPlace1">
+    <dgm:fillClrLst meth="repeat">
+      <a:schemeClr val="accent1">
+        <a:tint val="50000"/>
+      </a:schemeClr>
+    </dgm:fillClrLst>
+    <dgm:linClrLst meth="repeat">
+      <a:schemeClr val="lt1"/>
+    </dgm:linClrLst>
+    <dgm:effectClrLst/>
+    <dgm:txLinClrLst/>
+    <dgm:txFillClrLst meth="repeat">
+      <a:schemeClr val="lt1"/>
+    </dgm:txFillClrLst>
+    <dgm:txEffectClrLst/>
+  </dgm:styleLbl>
+  <dgm:styleLbl name="bgImgPlace1">
+    <dgm:fillClrLst meth="repeat">
+      <a:schemeClr val="accent1">
+        <a:tint val="50000"/>
+      </a:schemeClr>
+    </dgm:fillClrLst>
+    <dgm:linClrLst meth="repeat">
+      <a:schemeClr val="lt1"/>
+    </dgm:linClrLst>
+    <dgm:effectClrLst/>
+    <dgm:txLinClrLst/>
+    <dgm:txFillClrLst meth="repeat">
+      <a:schemeClr val="lt1"/>
+    </dgm:txFillClrLst>
+    <dgm:txEffectClrLst/>
+  </dgm:styleLbl>
+  <dgm:styleLbl name="sibTrans2D1">
+    <dgm:fillClrLst meth="repeat">
+      <a:schemeClr val="accent1">
+        <a:tint val="60000"/>
+      </a:schemeClr>
+    </dgm:fillClrLst>
+    <dgm:linClrLst meth="repeat">
+      <a:schemeClr val="accent1">
+        <a:tint val="60000"/>
+      </a:schemeClr>
+    </dgm:linClrLst>
+    <dgm:effectClrLst/>
+    <dgm:txLinClrLst/>
+    <dgm:txFillClrLst/>
+    <dgm:txEffectClrLst/>
+  </dgm:styleLbl>
+  <dgm:styleLbl name="fgSibTrans2D1">
+    <dgm:fillClrLst meth="repeat">
+      <a:schemeClr val="accent1">
+        <a:tint val="60000"/>
+      </a:schemeClr>
+    </dgm:fillClrLst>
+    <dgm:linClrLst meth="repeat">
+      <a:schemeClr val="accent1">
+        <a:tint val="60000"/>
+      </a:schemeClr>
+    </dgm:linClrLst>
+    <dgm:effectClrLst/>
+    <dgm:txLinClrLst/>
+    <dgm:txFillClrLst/>
+    <dgm:txEffectClrLst/>
+  </dgm:styleLbl>
+  <dgm:styleLbl name="bgSibTrans2D1">
+    <dgm:fillClrLst meth="repeat">
+      <a:schemeClr val="accent1">
+        <a:tint val="60000"/>
+      </a:schemeClr>
+    </dgm:fillClrLst>
+    <dgm:linClrLst meth="repeat">
+      <a:schemeClr val="accent1">
+        <a:tint val="60000"/>
+      </a:schemeClr>
+    </dgm:linClrLst>
+    <dgm:effectClrLst/>
+    <dgm:txLinClrLst/>
+    <dgm:txFillClrLst/>
+    <dgm:txEffectClrLst/>
+  </dgm:styleLbl>
+  <dgm:styleLbl name="sibTrans1D1">
+    <dgm:fillClrLst meth="repeat">
+      <a:schemeClr val="accent1"/>
+    </dgm:fillClrLst>
+    <dgm:linClrLst meth="repeat">
+      <a:schemeClr val="accent1"/>
+    </dgm:linClrLst>
+    <dgm:effectClrLst/>
+    <dgm:txLinClrLst/>
+    <dgm:txFillClrLst meth="repeat">
+      <a:schemeClr val="tx1"/>
+    </dgm:txFillClrLst>
+    <dgm:txEffectClrLst/>
+  </dgm:styleLbl>
+  <dgm:styleLbl name="callout">
+    <dgm:fillClrLst meth="repeat">
+      <a:schemeClr val="accent1"/>
+    </dgm:fillClrLst>
+    <dgm:linClrLst meth="repeat">
+      <a:schemeClr val="accent1">
+        <a:tint val="50000"/>
+      </a:schemeClr>
+    </dgm:linClrLst>
+    <dgm:effectClrLst/>
+    <dgm:txLinClrLst/>
+    <dgm:txFillClrLst meth="repeat">
+      <a:schemeClr val="tx1"/>
+    </dgm:txFillClrLst>
+    <dgm:txEffectClrLst/>
+  </dgm:styleLbl>
+  <dgm:styleLbl name="asst0">
+    <dgm:fillClrLst meth="repeat">
+      <a:schemeClr val="accent1"/>
+    </dgm:fillClrLst>
+    <dgm:linClrLst meth="repeat">
+      <a:schemeClr val="lt1"/>
+    </dgm:linClrLst>
+    <dgm:effectClrLst/>
+    <dgm:txLinClrLst/>
+    <dgm:txFillClrLst/>
+    <dgm:txEffectClrLst/>
+  </dgm:styleLbl>
+  <dgm:styleLbl name="asst1">
+    <dgm:fillClrLst meth="repeat">
+      <a:schemeClr val="accent1"/>
+    </dgm:fillClrLst>
+    <dgm:linClrLst meth="repeat">
+      <a:schemeClr val="lt1"/>
+    </dgm:linClrLst>
+    <dgm:effectClrLst/>
+    <dgm:txLinClrLst/>
+    <dgm:txFillClrLst/>
+    <dgm:txEffectClrLst/>
+  </dgm:styleLbl>
+  <dgm:styleLbl name="asst2">
+    <dgm:fillClrLst meth="repeat">
+      <a:schemeClr val="accent1"/>
+    </dgm:fillClrLst>
+    <dgm:linClrLst meth="repeat">
+      <a:schemeClr val="lt1"/>
+    </dgm:linClrLst>
+    <dgm:effectClrLst/>
+    <dgm:txLinClrLst/>
+    <dgm:txFillClrLst/>
+    <dgm:txEffectClrLst/>
+  </dgm:styleLbl>
+  <dgm:styleLbl name="asst3">
+    <dgm:fillClrLst meth="repeat">
+      <a:schemeClr val="accent1"/>
+    </dgm:fillClrLst>
+    <dgm:linClrLst meth="repeat">
+      <a:schemeClr val="lt1"/>
+    </dgm:linClrLst>
+    <dgm:effectClrLst/>
+    <dgm:txLinClrLst/>
+    <dgm:txFillClrLst/>
+    <dgm:txEffectClrLst/>
+  </dgm:styleLbl>
+  <dgm:styleLbl name="asst4">
+    <dgm:fillClrLst meth="repeat">
+      <a:schemeClr val="accent1"/>
+    </dgm:fillClrLst>
+    <dgm:linClrLst meth="repeat">
+      <a:schemeClr val="lt1"/>
+    </dgm:linClrLst>
+    <dgm:effectClrLst/>
+    <dgm:txLinClrLst/>
+    <dgm:txFillClrLst/>
+    <dgm:txEffectClrLst/>
+  </dgm:styleLbl>
+  <dgm:styleLbl name="parChTrans2D1">
+    <dgm:fillClrLst meth="repeat">
+      <a:schemeClr val="accent1">
+        <a:tint val="60000"/>
+      </a:schemeClr>
+    </dgm:fillClrLst>
+    <dgm:linClrLst meth="repeat">
+      <a:schemeClr val="accent1">
+        <a:tint val="60000"/>
+      </a:schemeClr>
+    </dgm:linClrLst>
+    <dgm:effectClrLst/>
+    <dgm:txLinClrLst/>
+    <dgm:txFillClrLst meth="repeat">
+      <a:schemeClr val="lt1"/>
+    </dgm:txFillClrLst>
+    <dgm:txEffectClrLst/>
+  </dgm:styleLbl>
+  <dgm:styleLbl name="parChTrans2D2">
+    <dgm:fillClrLst meth="repeat">
+      <a:schemeClr val="accent1"/>
+    </dgm:fillClrLst>
+    <dgm:linClrLst meth="repeat">
+      <a:schemeClr val="accent1"/>
+    </dgm:linClrLst>
+    <dgm:effectClrLst/>
+    <dgm:txLinClrLst/>
+    <dgm:txFillClrLst meth="repeat">
+      <a:schemeClr val="lt1"/>
+    </dgm:txFillClrLst>
+    <dgm:txEffectClrLst/>
+  </dgm:styleLbl>
+  <dgm:styleLbl name="parChTrans2D3">
+    <dgm:fillClrLst meth="repeat">
+      <a:schemeClr val="accent1"/>
+    </dgm:fillClrLst>
+    <dgm:linClrLst meth="repeat">
+      <a:schemeClr val="accent1"/>
+    </dgm:linClrLst>
+    <dgm:effectClrLst/>
+    <dgm:txLinClrLst/>
+    <dgm:txFillClrLst meth="repeat">
+      <a:schemeClr val="lt1"/>
+    </dgm:txFillClrLst>
+    <dgm:txEffectClrLst/>
+  </dgm:styleLbl>
+  <dgm:styleLbl name="parChTrans2D4">
+    <dgm:fillClrLst meth="repeat">
+      <a:schemeClr val="accent1"/>
+    </dgm:fillClrLst>
+    <dgm:linClrLst meth="repeat">
+      <a:schemeClr val="accent1"/>
+    </dgm:linClrLst>
+    <dgm:effectClrLst/>
+    <dgm:txLinClrLst/>
+    <dgm:txFillClrLst meth="repeat">
+      <a:schemeClr val="lt1"/>
+    </dgm:txFillClrLst>
+    <dgm:txEffectClrLst/>
+  </dgm:styleLbl>
+  <dgm:styleLbl name="parChTrans1D1">
+    <dgm:fillClrLst meth="repeat">
+      <a:schemeClr val="accent1"/>
+    </dgm:fillClrLst>
+    <dgm:linClrLst meth="repeat">
+      <a:schemeClr val="accent1">
+        <a:shade val="60000"/>
+      </a:schemeClr>
+    </dgm:linClrLst>
+    <dgm:effectClrLst/>
+    <dgm:txLinClrLst/>
+    <dgm:txFillClrLst meth="repeat">
+      <a:schemeClr val="tx1"/>
+    </dgm:txFillClrLst>
+    <dgm:txEffectClrLst/>
+  </dgm:styleLbl>
+  <dgm:styleLbl name="parChTrans1D2">
+    <dgm:fillClrLst meth="repeat">
+      <a:schemeClr val="accent1"/>
+    </dgm:fillClrLst>
+    <dgm:linClrLst meth="repeat">
+      <a:schemeClr val="accent1">
+        <a:shade val="60000"/>
+      </a:schemeClr>
+    </dgm:linClrLst>
+    <dgm:effectClrLst/>
+    <dgm:txLinClrLst/>
+    <dgm:txFillClrLst meth="repeat">
+      <a:schemeClr val="tx1"/>
+    </dgm:txFillClrLst>
+    <dgm:txEffectClrLst/>
+  </dgm:styleLbl>
+  <dgm:styleLbl name="parChTrans1D3">
+    <dgm:fillClrLst meth="repeat">
+      <a:schemeClr val="accent1"/>
+    </dgm:fillClrLst>
+    <dgm:linClrLst meth="repeat">
+      <a:schemeClr val="accent1">
+        <a:shade val="80000"/>
+      </a:schemeClr>
+    </dgm:linClrLst>
+    <dgm:effectClrLst/>
+    <dgm:txLinClrLst/>
+    <dgm:txFillClrLst meth="repeat">
+      <a:schemeClr val="tx1"/>
+    </dgm:txFillClrLst>
+    <dgm:txEffectClrLst/>
+  </dgm:styleLbl>
+  <dgm:styleLbl name="parChTrans1D4">
+    <dgm:fillClrLst meth="repeat">
+      <a:schemeClr val="accent1"/>
+    </dgm:fillClrLst>
+    <dgm:linClrLst meth="repeat">
+      <a:schemeClr val="accent1">
+        <a:shade val="80000"/>
+      </a:schemeClr>
+    </dgm:linClrLst>
+    <dgm:effectClrLst/>
+    <dgm:txLinClrLst/>
+    <dgm:txFillClrLst meth="repeat">
+      <a:schemeClr val="tx1"/>
+    </dgm:txFillClrLst>
+    <dgm:txEffectClrLst/>
+  </dgm:styleLbl>
+  <dgm:styleLbl name="fgAcc1">
+    <dgm:fillClrLst meth="repeat">
+      <a:schemeClr val="lt1">
+        <a:alpha val="90000"/>
+      </a:schemeClr>
+    </dgm:fillClrLst>
+    <dgm:linClrLst meth="repeat">
+      <a:schemeClr val="accent1"/>
+    </dgm:linClrLst>
+    <dgm:effectClrLst/>
+    <dgm:txLinClrLst/>
+    <dgm:txFillClrLst meth="repeat">
+      <a:schemeClr val="dk1"/>
+    </dgm:txFillClrLst>
+    <dgm:txEffectClrLst/>
+  </dgm:styleLbl>
+  <dgm:styleLbl name="conFgAcc1">
+    <dgm:fillClrLst meth="repeat">
+      <a:schemeClr val="lt1">
+        <a:alpha val="90000"/>
+      </a:schemeClr>
+    </dgm:fillClrLst>
+    <dgm:linClrLst meth="repeat">
+      <a:schemeClr val="accent1"/>
+    </dgm:linClrLst>
+    <dgm:effectClrLst/>
+    <dgm:txLinClrLst/>
+    <dgm:txFillClrLst meth="repeat">
+      <a:schemeClr val="dk1"/>
+    </dgm:txFillClrLst>
+    <dgm:txEffectClrLst/>
+  </dgm:styleLbl>
+  <dgm:styleLbl name="alignAcc1">
+    <dgm:fillClrLst meth="repeat">
+      <a:schemeClr val="lt1">
+        <a:alpha val="90000"/>
+      </a:schemeClr>
+    </dgm:fillClrLst>
+    <dgm:linClrLst meth="repeat">
+      <a:schemeClr val="accent1"/>
+    </dgm:linClrLst>
+    <dgm:effectClrLst/>
+    <dgm:txLinClrLst/>
+    <dgm:txFillClrLst meth="repeat">
+      <a:schemeClr val="dk1"/>
+    </dgm:txFillClrLst>
+    <dgm:txEffectClrLst/>
+  </dgm:styleLbl>
+  <dgm:styleLbl name="trAlignAcc1">
+    <dgm:fillClrLst meth="repeat">
+      <a:schemeClr val="lt1">
+        <a:alpha val="40000"/>
+      </a:schemeClr>
+    </dgm:fillClrLst>
+    <dgm:linClrLst meth="repeat">
+      <a:schemeClr val="accent1"/>
+    </dgm:linClrLst>
+    <dgm:effectClrLst/>
+    <dgm:txLinClrLst/>
+    <dgm:txFillClrLst meth="repeat">
+      <a:schemeClr val="dk1"/>
+    </dgm:txFillClrLst>
+    <dgm:txEffectClrLst/>
+  </dgm:styleLbl>
+  <dgm:styleLbl name="bgAcc1">
+    <dgm:fillClrLst meth="repeat">
+      <a:schemeClr val="lt1">
+        <a:alpha val="90000"/>
+      </a:schemeClr>
+    </dgm:fillClrLst>
+    <dgm:linClrLst meth="repeat">
+      <a:schemeClr val="accent1"/>
+    </dgm:linClrLst>
+    <dgm:effectClrLst/>
+    <dgm:txLinClrLst/>
+    <dgm:txFillClrLst meth="repeat">
+      <a:schemeClr val="dk1"/>
+    </dgm:txFillClrLst>
+    <dgm:txEffectClrLst/>
+  </dgm:styleLbl>
+  <dgm:styleLbl name="solidFgAcc1">
+    <dgm:fillClrLst meth="repeat">
+      <a:schemeClr val="lt1"/>
+    </dgm:fillClrLst>
+    <dgm:linClrLst meth="repeat">
+      <a:schemeClr val="accent1"/>
+    </dgm:linClrLst>
+    <dgm:effectClrLst/>
+    <dgm:txLinClrLst/>
+    <dgm:txFillClrLst meth="repeat">
+      <a:schemeClr val="dk1"/>
+    </dgm:txFillClrLst>
+    <dgm:txEffectClrLst/>
+  </dgm:styleLbl>
+  <dgm:styleLbl name="solidAlignAcc1">
+    <dgm:fillClrLst meth="repeat">
+      <a:schemeClr val="lt1"/>
+    </dgm:fillClrLst>
+    <dgm:linClrLst meth="repeat">
+      <a:schemeClr val="accent1"/>
+    </dgm:linClrLst>
+    <dgm:effectClrLst/>
+    <dgm:txLinClrLst/>
+    <dgm:txFillClrLst meth="repeat">
+      <a:schemeClr val="dk1"/>
+    </dgm:txFillClrLst>
+    <dgm:txEffectClrLst/>
+  </dgm:styleLbl>
+  <dgm:styleLbl name="solidBgAcc1">
+    <dgm:fillClrLst meth="repeat">
+      <a:schemeClr val="lt1"/>
+    </dgm:fillClrLst>
+    <dgm:linClrLst meth="repeat">
+      <a:schemeClr val="accent1"/>
+    </dgm:linClrLst>
+    <dgm:effectClrLst/>
+    <dgm:txLinClrLst/>
+    <dgm:txFillClrLst meth="repeat">
+      <a:schemeClr val="dk1"/>
+    </dgm:txFillClrLst>
+    <dgm:txEffectClrLst/>
+  </dgm:styleLbl>
+  <dgm:styleLbl name="fgAccFollowNode1">
+    <dgm:fillClrLst meth="repeat">
+      <a:schemeClr val="accent1">
+        <a:alpha val="90000"/>
+        <a:tint val="40000"/>
+      </a:schemeClr>
+    </dgm:fillClrLst>
+    <dgm:linClrLst meth="repeat">
+      <a:schemeClr val="accent1">
+        <a:alpha val="90000"/>
+        <a:tint val="40000"/>
+      </a:schemeClr>
+    </dgm:linClrLst>
+    <dgm:effectClrLst/>
+    <dgm:txLinClrLst/>
+    <dgm:txFillClrLst meth="repeat">
+      <a:schemeClr val="dk1"/>
+    </dgm:txFillClrLst>
+    <dgm:txEffectClrLst/>
+  </dgm:styleLbl>
+  <dgm:styleLbl name="alignAccFollowNode1">
+    <dgm:fillClrLst meth="repeat">
+      <a:schemeClr val="accent1">
+        <a:alpha val="90000"/>
+        <a:tint val="40000"/>
+      </a:schemeClr>
+    </dgm:fillClrLst>
+    <dgm:linClrLst meth="repeat">
+      <a:schemeClr val="accent1">
+        <a:alpha val="90000"/>
+        <a:tint val="40000"/>
+      </a:schemeClr>
+    </dgm:linClrLst>
+    <dgm:effectClrLst/>
+    <dgm:txLinClrLst/>
+    <dgm:txFillClrLst meth="repeat">
+      <a:schemeClr val="dk1"/>
+    </dgm:txFillClrLst>
+    <dgm:txEffectClrLst/>
+  </dgm:styleLbl>
+  <dgm:styleLbl name="bgAccFollowNode1">
+    <dgm:fillClrLst meth="repeat">
+      <a:schemeClr val="accent1">
+        <a:alpha val="90000"/>
+        <a:tint val="40000"/>
+      </a:schemeClr>
+    </dgm:fillClrLst>
+    <dgm:linClrLst meth="repeat">
+      <a:schemeClr val="accent1">
+        <a:alpha val="90000"/>
+        <a:tint val="40000"/>
+      </a:schemeClr>
+    </dgm:linClrLst>
+    <dgm:effectClrLst/>
+    <dgm:txLinClrLst/>
+    <dgm:txFillClrLst meth="repeat">
+      <a:schemeClr val="dk1"/>
+    </dgm:txFillClrLst>
+    <dgm:txEffectClrLst/>
+  </dgm:styleLbl>
+  <dgm:styleLbl name="fgAcc0">
+    <dgm:fillClrLst meth="repeat">
+      <a:schemeClr val="lt1">
+        <a:alpha val="90000"/>
+      </a:schemeClr>
+    </dgm:fillClrLst>
+    <dgm:linClrLst meth="repeat">
+      <a:schemeClr val="accent1"/>
+    </dgm:linClrLst>
+    <dgm:effectClrLst/>
+    <dgm:txLinClrLst/>
+    <dgm:txFillClrLst meth="repeat">
+      <a:schemeClr val="dk1"/>
+    </dgm:txFillClrLst>
+    <dgm:txEffectClrLst/>
+  </dgm:styleLbl>
+  <dgm:styleLbl name="fgAcc2">
+    <dgm:fillClrLst meth="repeat">
+      <a:schemeClr val="lt1">
+        <a:alpha val="90000"/>
+      </a:schemeClr>
+    </dgm:fillClrLst>
+    <dgm:linClrLst meth="repeat">
+      <a:schemeClr val="accent1"/>
+    </dgm:linClrLst>
+    <dgm:effectClrLst/>
+    <dgm:txLinClrLst/>
+    <dgm:txFillClrLst meth="repeat">
+      <a:schemeClr val="dk1"/>
+    </dgm:txFillClrLst>
+    <dgm:txEffectClrLst/>
+  </dgm:styleLbl>
+  <dgm:styleLbl name="fgAcc3">
+    <dgm:fillClrLst meth="repeat">
+      <a:schemeClr val="lt1">
+        <a:alpha val="90000"/>
+      </a:schemeClr>
+    </dgm:fillClrLst>
+    <dgm:linClrLst meth="repeat">
+      <a:schemeClr val="accent1"/>
+    </dgm:linClrLst>
+    <dgm:effectClrLst/>
+    <dgm:txLinClrLst/>
+    <dgm:txFillClrLst meth="repeat">
+      <a:schemeClr val="dk1"/>
+    </dgm:txFillClrLst>
+    <dgm:txEffectClrLst/>
+  </dgm:styleLbl>
+  <dgm:styleLbl name="fgAcc4">
+    <dgm:fillClrLst meth="repeat">
+      <a:schemeClr val="lt1">
+        <a:alpha val="90000"/>
+      </a:schemeClr>
+    </dgm:fillClrLst>
+    <dgm:linClrLst meth="repeat">
+      <a:schemeClr val="accent1"/>
+    </dgm:linClrLst>
+    <dgm:effectClrLst/>
+    <dgm:txLinClrLst/>
+    <dgm:txFillClrLst meth="repeat">
+      <a:schemeClr val="dk1"/>
+    </dgm:txFillClrLst>
+    <dgm:txEffectClrLst/>
+  </dgm:styleLbl>
+  <dgm:styleLbl name="bgShp">
+    <dgm:fillClrLst meth="repeat">
+      <a:schemeClr val="accent1">
+        <a:tint val="40000"/>
+      </a:schemeClr>
+    </dgm:fillClrLst>
+    <dgm:linClrLst meth="repeat">
+      <a:schemeClr val="accent1"/>
+    </dgm:linClrLst>
+    <dgm:effectClrLst/>
+    <dgm:txLinClrLst/>
+    <dgm:txFillClrLst meth="repeat">
+      <a:schemeClr val="dk1"/>
+    </dgm:txFillClrLst>
+    <dgm:txEffectClrLst/>
+  </dgm:styleLbl>
+  <dgm:styleLbl name="dkBgShp">
+    <dgm:fillClrLst meth="repeat">
+      <a:schemeClr val="accent1">
+        <a:shade val="80000"/>
+      </a:schemeClr>
+    </dgm:fillClrLst>
+    <dgm:linClrLst meth="repeat">
+      <a:schemeClr val="accent1"/>
+    </dgm:linClrLst>
+    <dgm:effectClrLst/>
+    <dgm:txLinClrLst/>
+    <dgm:txFillClrLst meth="repeat">
+      <a:schemeClr val="lt1"/>
+    </dgm:txFillClrLst>
+    <dgm:txEffectClrLst/>
+  </dgm:styleLbl>
+  <dgm:styleLbl name="trBgShp">
+    <dgm:fillClrLst meth="repeat">
+      <a:schemeClr val="accent1">
+        <a:tint val="50000"/>
+        <a:alpha val="40000"/>
+      </a:schemeClr>
+    </dgm:fillClrLst>
+    <dgm:linClrLst meth="repeat">
+      <a:schemeClr val="accent1"/>
+    </dgm:linClrLst>
+    <dgm:effectClrLst/>
+    <dgm:txLinClrLst/>
+    <dgm:txFillClrLst meth="repeat">
+      <a:schemeClr val="lt1"/>
+    </dgm:txFillClrLst>
+    <dgm:txEffectClrLst/>
+  </dgm:styleLbl>
+  <dgm:styleLbl name="fgShp">
+    <dgm:fillClrLst meth="repeat">
+      <a:schemeClr val="accent1">
+        <a:tint val="60000"/>
+      </a:schemeClr>
+    </dgm:fillClrLst>
+    <dgm:linClrLst meth="repeat">
+      <a:schemeClr val="lt1"/>
+    </dgm:linClrLst>
+    <dgm:effectClrLst/>
+    <dgm:txLinClrLst/>
+    <dgm:txFillClrLst meth="repeat">
+      <a:schemeClr val="dk1"/>
+    </dgm:txFillClrLst>
+    <dgm:txEffectClrLst/>
+  </dgm:styleLbl>
+  <dgm:styleLbl name="revTx">
+    <dgm:fillClrLst meth="repeat">
+      <a:schemeClr val="lt1">
+        <a:alpha val="0"/>
+      </a:schemeClr>
+    </dgm:fillClrLst>
+    <dgm:linClrLst meth="repeat">
+      <a:schemeClr val="dk1">
+        <a:alpha val="0"/>
+      </a:schemeClr>
+    </dgm:linClrLst>
+    <dgm:effectClrLst/>
+    <dgm:txLinClrLst/>
+    <dgm:txFillClrLst meth="repeat">
+      <a:schemeClr val="tx1"/>
+    </dgm:txFillClrLst>
+    <dgm:txEffectClrLst/>
+  </dgm:styleLbl>
+</dgm:colorsDef>
+</file>
+
+<file path=ppt/diagrams/colors3.xml><?xml version="1.0" encoding="utf-8"?>
 <dgm:colorsDef xmlns:dgm="http://schemas.openxmlformats.org/drawingml/2006/diagram" xmlns:a="http://schemas.openxmlformats.org/drawingml/2006/main" uniqueId="urn:microsoft.com/office/officeart/2005/8/colors/accent1_2">
   <dgm:title val=""/>
   <dgm:desc val=""/>
@@ -2552,6 +3299,215 @@
   <dgm:extLst>
     <a:ext uri="http://schemas.microsoft.com/office/drawing/2008/diagram">
       <dsp:dataModelExt xmlns:dsp="http://schemas.microsoft.com/office/drawing/2008/diagram" relId="rId7" minVer="http://schemas.openxmlformats.org/drawingml/2006/diagram"/>
+    </a:ext>
+  </dgm:extLst>
+</dgm:dataModel>
+</file>
+
+<file path=ppt/diagrams/data3.xml><?xml version="1.0" encoding="utf-8"?>
+<dgm:dataModel xmlns:dgm="http://schemas.openxmlformats.org/drawingml/2006/diagram" xmlns:a="http://schemas.openxmlformats.org/drawingml/2006/main">
+  <dgm:ptLst>
+    <dgm:pt modelId="{91B8A679-1D94-424F-81EE-3A23C646A2C1}" type="doc">
+      <dgm:prSet loTypeId="urn:microsoft.com/office/officeart/2005/8/layout/process1" loCatId="process" qsTypeId="urn:microsoft.com/office/officeart/2005/8/quickstyle/simple1" qsCatId="simple" csTypeId="urn:microsoft.com/office/officeart/2005/8/colors/accent1_2" csCatId="accent1" phldr="1"/>
+      <dgm:spPr/>
+    </dgm:pt>
+    <dgm:pt modelId="{B227A944-FAFC-43E3-895A-64009C39AB38}">
+      <dgm:prSet phldrT="[Testo]"/>
+      <dgm:spPr/>
+      <dgm:t>
+        <a:bodyPr/>
+        <a:lstStyle/>
+        <a:p>
+          <a:r>
+            <a:rPr lang="en-GB" dirty="0" smtClean="0"/>
+            <a:t>Genetic algorithm</a:t>
+          </a:r>
+          <a:endParaRPr lang="en-GB" dirty="0"/>
+        </a:p>
+      </dgm:t>
+    </dgm:pt>
+    <dgm:pt modelId="{D2A03957-C040-4AE0-8ABE-31F8E7943E98}" type="parTrans" cxnId="{1F8FFC36-4954-4D05-84FA-2FE4BF3FA232}">
+      <dgm:prSet/>
+      <dgm:spPr/>
+      <dgm:t>
+        <a:bodyPr/>
+        <a:lstStyle/>
+        <a:p>
+          <a:endParaRPr lang="en-GB"/>
+        </a:p>
+      </dgm:t>
+    </dgm:pt>
+    <dgm:pt modelId="{8DCDA1E6-DD2F-47D2-8C4C-A97252FCE908}" type="sibTrans" cxnId="{1F8FFC36-4954-4D05-84FA-2FE4BF3FA232}">
+      <dgm:prSet/>
+      <dgm:spPr/>
+      <dgm:t>
+        <a:bodyPr/>
+        <a:lstStyle/>
+        <a:p>
+          <a:endParaRPr lang="en-GB"/>
+        </a:p>
+      </dgm:t>
+    </dgm:pt>
+    <dgm:pt modelId="{7D73E623-82F4-4F30-BE74-DD840ED8E902}">
+      <dgm:prSet phldrT="[Testo]"/>
+      <dgm:spPr/>
+      <dgm:t>
+        <a:bodyPr/>
+        <a:lstStyle/>
+        <a:p>
+          <a:r>
+            <a:rPr lang="en-GB" dirty="0" smtClean="0"/>
+            <a:t>Solution conversion</a:t>
+          </a:r>
+          <a:endParaRPr lang="en-GB" dirty="0"/>
+        </a:p>
+      </dgm:t>
+    </dgm:pt>
+    <dgm:pt modelId="{AE585E60-03E7-4CA2-BC39-C6F339F5F749}" type="parTrans" cxnId="{F0F41D07-95C1-4DCF-9027-8C3CC8F5F902}">
+      <dgm:prSet/>
+      <dgm:spPr/>
+      <dgm:t>
+        <a:bodyPr/>
+        <a:lstStyle/>
+        <a:p>
+          <a:endParaRPr lang="en-GB"/>
+        </a:p>
+      </dgm:t>
+    </dgm:pt>
+    <dgm:pt modelId="{F27A028B-CF43-4250-B703-CD39430C4098}" type="sibTrans" cxnId="{F0F41D07-95C1-4DCF-9027-8C3CC8F5F902}">
+      <dgm:prSet/>
+      <dgm:spPr/>
+      <dgm:t>
+        <a:bodyPr/>
+        <a:lstStyle/>
+        <a:p>
+          <a:endParaRPr lang="en-GB"/>
+        </a:p>
+      </dgm:t>
+    </dgm:pt>
+    <dgm:pt modelId="{7A7E1AE3-3ABC-4C66-B75D-640446D0F977}">
+      <dgm:prSet phldrT="[Testo]"/>
+      <dgm:spPr/>
+      <dgm:t>
+        <a:bodyPr/>
+        <a:lstStyle/>
+        <a:p>
+          <a:r>
+            <a:rPr lang="en-GB" dirty="0" err="1" smtClean="0"/>
+            <a:t>Tabu</a:t>
+          </a:r>
+          <a:r>
+            <a:rPr lang="en-GB" dirty="0" smtClean="0"/>
+            <a:t> Search</a:t>
+          </a:r>
+          <a:endParaRPr lang="en-GB" dirty="0"/>
+        </a:p>
+      </dgm:t>
+    </dgm:pt>
+    <dgm:pt modelId="{999EA1E9-9AA9-42A5-B3DE-CEDF306BE8E5}" type="parTrans" cxnId="{8B235863-F4B8-4973-ABAE-FCFEA5FE845F}">
+      <dgm:prSet/>
+      <dgm:spPr/>
+      <dgm:t>
+        <a:bodyPr/>
+        <a:lstStyle/>
+        <a:p>
+          <a:endParaRPr lang="en-GB"/>
+        </a:p>
+      </dgm:t>
+    </dgm:pt>
+    <dgm:pt modelId="{5E6509DD-B751-4EF2-9F25-C288D6877607}" type="sibTrans" cxnId="{8B235863-F4B8-4973-ABAE-FCFEA5FE845F}">
+      <dgm:prSet/>
+      <dgm:spPr/>
+      <dgm:t>
+        <a:bodyPr/>
+        <a:lstStyle/>
+        <a:p>
+          <a:endParaRPr lang="en-GB"/>
+        </a:p>
+      </dgm:t>
+    </dgm:pt>
+    <dgm:pt modelId="{6C5763D8-5E34-4D0A-95E3-1B68BF2ED282}" type="pres">
+      <dgm:prSet presAssocID="{91B8A679-1D94-424F-81EE-3A23C646A2C1}" presName="Name0" presStyleCnt="0">
+        <dgm:presLayoutVars>
+          <dgm:dir/>
+          <dgm:resizeHandles val="exact"/>
+        </dgm:presLayoutVars>
+      </dgm:prSet>
+      <dgm:spPr/>
+    </dgm:pt>
+    <dgm:pt modelId="{313F98D7-5C72-48E7-83C7-B1678599F232}" type="pres">
+      <dgm:prSet presAssocID="{B227A944-FAFC-43E3-895A-64009C39AB38}" presName="node" presStyleLbl="node1" presStyleIdx="0" presStyleCnt="3">
+        <dgm:presLayoutVars>
+          <dgm:bulletEnabled val="1"/>
+        </dgm:presLayoutVars>
+      </dgm:prSet>
+      <dgm:spPr/>
+    </dgm:pt>
+    <dgm:pt modelId="{642710ED-7D02-4D47-B8C8-3664D7FD45B5}" type="pres">
+      <dgm:prSet presAssocID="{8DCDA1E6-DD2F-47D2-8C4C-A97252FCE908}" presName="sibTrans" presStyleLbl="sibTrans2D1" presStyleIdx="0" presStyleCnt="2"/>
+      <dgm:spPr/>
+    </dgm:pt>
+    <dgm:pt modelId="{794645C6-04D8-4116-8A1D-81973D8AD792}" type="pres">
+      <dgm:prSet presAssocID="{8DCDA1E6-DD2F-47D2-8C4C-A97252FCE908}" presName="connectorText" presStyleLbl="sibTrans2D1" presStyleIdx="0" presStyleCnt="2"/>
+      <dgm:spPr/>
+    </dgm:pt>
+    <dgm:pt modelId="{A86D75A4-0862-4AED-AAED-B10829E562A8}" type="pres">
+      <dgm:prSet presAssocID="{7D73E623-82F4-4F30-BE74-DD840ED8E902}" presName="node" presStyleLbl="node1" presStyleIdx="1" presStyleCnt="3">
+        <dgm:presLayoutVars>
+          <dgm:bulletEnabled val="1"/>
+        </dgm:presLayoutVars>
+      </dgm:prSet>
+      <dgm:spPr/>
+    </dgm:pt>
+    <dgm:pt modelId="{E74D95E6-EF35-43D1-919D-28F3121EDF7D}" type="pres">
+      <dgm:prSet presAssocID="{F27A028B-CF43-4250-B703-CD39430C4098}" presName="sibTrans" presStyleLbl="sibTrans2D1" presStyleIdx="1" presStyleCnt="2"/>
+      <dgm:spPr/>
+    </dgm:pt>
+    <dgm:pt modelId="{BEDDD561-6A3C-48C0-822A-55DCBBD9B976}" type="pres">
+      <dgm:prSet presAssocID="{F27A028B-CF43-4250-B703-CD39430C4098}" presName="connectorText" presStyleLbl="sibTrans2D1" presStyleIdx="1" presStyleCnt="2"/>
+      <dgm:spPr/>
+    </dgm:pt>
+    <dgm:pt modelId="{40608270-2028-4523-A2F6-AECCC3EAF433}" type="pres">
+      <dgm:prSet presAssocID="{7A7E1AE3-3ABC-4C66-B75D-640446D0F977}" presName="node" presStyleLbl="node1" presStyleIdx="2" presStyleCnt="3">
+        <dgm:presLayoutVars>
+          <dgm:bulletEnabled val="1"/>
+        </dgm:presLayoutVars>
+      </dgm:prSet>
+      <dgm:spPr/>
+      <dgm:t>
+        <a:bodyPr/>
+        <a:lstStyle/>
+        <a:p>
+          <a:endParaRPr lang="en-GB"/>
+        </a:p>
+      </dgm:t>
+    </dgm:pt>
+  </dgm:ptLst>
+  <dgm:cxnLst>
+    <dgm:cxn modelId="{1F8FFC36-4954-4D05-84FA-2FE4BF3FA232}" srcId="{91B8A679-1D94-424F-81EE-3A23C646A2C1}" destId="{B227A944-FAFC-43E3-895A-64009C39AB38}" srcOrd="0" destOrd="0" parTransId="{D2A03957-C040-4AE0-8ABE-31F8E7943E98}" sibTransId="{8DCDA1E6-DD2F-47D2-8C4C-A97252FCE908}"/>
+    <dgm:cxn modelId="{F0F41D07-95C1-4DCF-9027-8C3CC8F5F902}" srcId="{91B8A679-1D94-424F-81EE-3A23C646A2C1}" destId="{7D73E623-82F4-4F30-BE74-DD840ED8E902}" srcOrd="1" destOrd="0" parTransId="{AE585E60-03E7-4CA2-BC39-C6F339F5F749}" sibTransId="{F27A028B-CF43-4250-B703-CD39430C4098}"/>
+    <dgm:cxn modelId="{7E833CA3-7302-4B85-8F7B-9E89A73B999B}" type="presOf" srcId="{91B8A679-1D94-424F-81EE-3A23C646A2C1}" destId="{6C5763D8-5E34-4D0A-95E3-1B68BF2ED282}" srcOrd="0" destOrd="0" presId="urn:microsoft.com/office/officeart/2005/8/layout/process1"/>
+    <dgm:cxn modelId="{87D5D7A1-990C-4703-B85F-77C42B86C5C6}" type="presOf" srcId="{8DCDA1E6-DD2F-47D2-8C4C-A97252FCE908}" destId="{642710ED-7D02-4D47-B8C8-3664D7FD45B5}" srcOrd="0" destOrd="0" presId="urn:microsoft.com/office/officeart/2005/8/layout/process1"/>
+    <dgm:cxn modelId="{8B235863-F4B8-4973-ABAE-FCFEA5FE845F}" srcId="{91B8A679-1D94-424F-81EE-3A23C646A2C1}" destId="{7A7E1AE3-3ABC-4C66-B75D-640446D0F977}" srcOrd="2" destOrd="0" parTransId="{999EA1E9-9AA9-42A5-B3DE-CEDF306BE8E5}" sibTransId="{5E6509DD-B751-4EF2-9F25-C288D6877607}"/>
+    <dgm:cxn modelId="{A59240E1-3DDD-4F88-BD3A-72A7567191C4}" type="presOf" srcId="{8DCDA1E6-DD2F-47D2-8C4C-A97252FCE908}" destId="{794645C6-04D8-4116-8A1D-81973D8AD792}" srcOrd="1" destOrd="0" presId="urn:microsoft.com/office/officeart/2005/8/layout/process1"/>
+    <dgm:cxn modelId="{C7E90BD8-083D-4EE1-8939-35806DC9D5F8}" type="presOf" srcId="{F27A028B-CF43-4250-B703-CD39430C4098}" destId="{E74D95E6-EF35-43D1-919D-28F3121EDF7D}" srcOrd="0" destOrd="0" presId="urn:microsoft.com/office/officeart/2005/8/layout/process1"/>
+    <dgm:cxn modelId="{10D1C499-92FE-4C27-8E4F-7F1CA4F404B4}" type="presOf" srcId="{7A7E1AE3-3ABC-4C66-B75D-640446D0F977}" destId="{40608270-2028-4523-A2F6-AECCC3EAF433}" srcOrd="0" destOrd="0" presId="urn:microsoft.com/office/officeart/2005/8/layout/process1"/>
+    <dgm:cxn modelId="{8050663E-9925-423A-8047-8B0D245CAE77}" type="presOf" srcId="{B227A944-FAFC-43E3-895A-64009C39AB38}" destId="{313F98D7-5C72-48E7-83C7-B1678599F232}" srcOrd="0" destOrd="0" presId="urn:microsoft.com/office/officeart/2005/8/layout/process1"/>
+    <dgm:cxn modelId="{722FD011-823B-45B5-9671-09EA2E3A1BE5}" type="presOf" srcId="{7D73E623-82F4-4F30-BE74-DD840ED8E902}" destId="{A86D75A4-0862-4AED-AAED-B10829E562A8}" srcOrd="0" destOrd="0" presId="urn:microsoft.com/office/officeart/2005/8/layout/process1"/>
+    <dgm:cxn modelId="{6AFF6716-5325-4175-9179-9DAE7BA44532}" type="presOf" srcId="{F27A028B-CF43-4250-B703-CD39430C4098}" destId="{BEDDD561-6A3C-48C0-822A-55DCBBD9B976}" srcOrd="1" destOrd="0" presId="urn:microsoft.com/office/officeart/2005/8/layout/process1"/>
+    <dgm:cxn modelId="{05FC1516-E6D7-4FCD-A5C7-2EBE4663F9B3}" type="presParOf" srcId="{6C5763D8-5E34-4D0A-95E3-1B68BF2ED282}" destId="{313F98D7-5C72-48E7-83C7-B1678599F232}" srcOrd="0" destOrd="0" presId="urn:microsoft.com/office/officeart/2005/8/layout/process1"/>
+    <dgm:cxn modelId="{EBCFD107-6290-439B-9BAB-3BA786450DA6}" type="presParOf" srcId="{6C5763D8-5E34-4D0A-95E3-1B68BF2ED282}" destId="{642710ED-7D02-4D47-B8C8-3664D7FD45B5}" srcOrd="1" destOrd="0" presId="urn:microsoft.com/office/officeart/2005/8/layout/process1"/>
+    <dgm:cxn modelId="{5CE08CB0-8843-44B0-8BA5-E77825391ABD}" type="presParOf" srcId="{642710ED-7D02-4D47-B8C8-3664D7FD45B5}" destId="{794645C6-04D8-4116-8A1D-81973D8AD792}" srcOrd="0" destOrd="0" presId="urn:microsoft.com/office/officeart/2005/8/layout/process1"/>
+    <dgm:cxn modelId="{DCBAAB16-A3F6-4780-B3C1-2888FA498309}" type="presParOf" srcId="{6C5763D8-5E34-4D0A-95E3-1B68BF2ED282}" destId="{A86D75A4-0862-4AED-AAED-B10829E562A8}" srcOrd="2" destOrd="0" presId="urn:microsoft.com/office/officeart/2005/8/layout/process1"/>
+    <dgm:cxn modelId="{25DA079C-311A-4A85-913E-F9A42B7B4D80}" type="presParOf" srcId="{6C5763D8-5E34-4D0A-95E3-1B68BF2ED282}" destId="{E74D95E6-EF35-43D1-919D-28F3121EDF7D}" srcOrd="3" destOrd="0" presId="urn:microsoft.com/office/officeart/2005/8/layout/process1"/>
+    <dgm:cxn modelId="{D7B6C2DA-D0A2-429F-96C8-B0A7B47161BD}" type="presParOf" srcId="{E74D95E6-EF35-43D1-919D-28F3121EDF7D}" destId="{BEDDD561-6A3C-48C0-822A-55DCBBD9B976}" srcOrd="0" destOrd="0" presId="urn:microsoft.com/office/officeart/2005/8/layout/process1"/>
+    <dgm:cxn modelId="{B8469E0C-EA08-4C47-86FA-61A514B9CED7}" type="presParOf" srcId="{6C5763D8-5E34-4D0A-95E3-1B68BF2ED282}" destId="{40608270-2028-4523-A2F6-AECCC3EAF433}" srcOrd="4" destOrd="0" presId="urn:microsoft.com/office/officeart/2005/8/layout/process1"/>
+  </dgm:cxnLst>
+  <dgm:bg/>
+  <dgm:whole/>
+  <dgm:extLst>
+    <a:ext uri="http://schemas.microsoft.com/office/drawing/2008/diagram">
+      <dsp:dataModelExt xmlns:dsp="http://schemas.microsoft.com/office/drawing/2008/diagram" relId="rId6" minVer="http://schemas.openxmlformats.org/drawingml/2006/diagram"/>
     </a:ext>
   </dgm:extLst>
 </dgm:dataModel>
@@ -3826,6 +4782,397 @@
       <dsp:txXfrm>
         <a:off x="6596296" y="3633287"/>
         <a:ext cx="313618" cy="429086"/>
+      </dsp:txXfrm>
+    </dsp:sp>
+  </dsp:spTree>
+</dsp:drawing>
+</file>
+
+<file path=ppt/diagrams/drawing3.xml><?xml version="1.0" encoding="utf-8"?>
+<dsp:drawing xmlns:dgm="http://schemas.openxmlformats.org/drawingml/2006/diagram" xmlns:dsp="http://schemas.microsoft.com/office/drawing/2008/diagram" xmlns:a="http://schemas.openxmlformats.org/drawingml/2006/main">
+  <dsp:spTree>
+    <dsp:nvGrpSpPr>
+      <dsp:cNvPr id="0" name=""/>
+      <dsp:cNvGrpSpPr/>
+    </dsp:nvGrpSpPr>
+    <dsp:grpSpPr/>
+    <dsp:sp modelId="{313F98D7-5C72-48E7-83C7-B1678599F232}">
+      <dsp:nvSpPr>
+        <dsp:cNvPr id="0" name=""/>
+        <dsp:cNvSpPr/>
+      </dsp:nvSpPr>
+      <dsp:spPr>
+        <a:xfrm>
+          <a:off x="5357" y="1551582"/>
+          <a:ext cx="1601390" cy="960834"/>
+        </a:xfrm>
+        <a:prstGeom prst="roundRect">
+          <a:avLst>
+            <a:gd name="adj" fmla="val 10000"/>
+          </a:avLst>
+        </a:prstGeom>
+        <a:solidFill>
+          <a:schemeClr val="accent1">
+            <a:hueOff val="0"/>
+            <a:satOff val="0"/>
+            <a:lumOff val="0"/>
+            <a:alphaOff val="0"/>
+          </a:schemeClr>
+        </a:solidFill>
+        <a:ln w="25400" cap="flat" cmpd="sng" algn="ctr">
+          <a:solidFill>
+            <a:schemeClr val="lt1">
+              <a:hueOff val="0"/>
+              <a:satOff val="0"/>
+              <a:lumOff val="0"/>
+              <a:alphaOff val="0"/>
+            </a:schemeClr>
+          </a:solidFill>
+          <a:prstDash val="solid"/>
+        </a:ln>
+        <a:effectLst/>
+      </dsp:spPr>
+      <dsp:style>
+        <a:lnRef idx="2">
+          <a:scrgbClr r="0" g="0" b="0"/>
+        </a:lnRef>
+        <a:fillRef idx="1">
+          <a:scrgbClr r="0" g="0" b="0"/>
+        </a:fillRef>
+        <a:effectRef idx="0">
+          <a:scrgbClr r="0" g="0" b="0"/>
+        </a:effectRef>
+        <a:fontRef idx="minor">
+          <a:schemeClr val="lt1"/>
+        </a:fontRef>
+      </dsp:style>
+      <dsp:txBody>
+        <a:bodyPr spcFirstLastPara="0" vert="horz" wrap="square" lIns="83820" tIns="83820" rIns="83820" bIns="83820" numCol="1" spcCol="1270" anchor="ctr" anchorCtr="0">
+          <a:noAutofit/>
+        </a:bodyPr>
+        <a:lstStyle/>
+        <a:p>
+          <a:pPr lvl="0" algn="ctr" defTabSz="977900">
+            <a:lnSpc>
+              <a:spcPct val="90000"/>
+            </a:lnSpc>
+            <a:spcBef>
+              <a:spcPct val="0"/>
+            </a:spcBef>
+            <a:spcAft>
+              <a:spcPct val="35000"/>
+            </a:spcAft>
+          </a:pPr>
+          <a:r>
+            <a:rPr lang="en-GB" sz="2200" kern="1200" dirty="0" smtClean="0"/>
+            <a:t>Genetic algorithm</a:t>
+          </a:r>
+          <a:endParaRPr lang="en-GB" sz="2200" kern="1200" dirty="0"/>
+        </a:p>
+      </dsp:txBody>
+      <dsp:txXfrm>
+        <a:off x="33499" y="1579724"/>
+        <a:ext cx="1545106" cy="904550"/>
+      </dsp:txXfrm>
+    </dsp:sp>
+    <dsp:sp modelId="{642710ED-7D02-4D47-B8C8-3664D7FD45B5}">
+      <dsp:nvSpPr>
+        <dsp:cNvPr id="0" name=""/>
+        <dsp:cNvSpPr/>
+      </dsp:nvSpPr>
+      <dsp:spPr>
+        <a:xfrm>
+          <a:off x="1766887" y="1833427"/>
+          <a:ext cx="339494" cy="397144"/>
+        </a:xfrm>
+        <a:prstGeom prst="rightArrow">
+          <a:avLst>
+            <a:gd name="adj1" fmla="val 60000"/>
+            <a:gd name="adj2" fmla="val 50000"/>
+          </a:avLst>
+        </a:prstGeom>
+        <a:solidFill>
+          <a:schemeClr val="accent1">
+            <a:tint val="60000"/>
+            <a:hueOff val="0"/>
+            <a:satOff val="0"/>
+            <a:lumOff val="0"/>
+            <a:alphaOff val="0"/>
+          </a:schemeClr>
+        </a:solidFill>
+        <a:ln>
+          <a:noFill/>
+        </a:ln>
+        <a:effectLst/>
+      </dsp:spPr>
+      <dsp:style>
+        <a:lnRef idx="0">
+          <a:scrgbClr r="0" g="0" b="0"/>
+        </a:lnRef>
+        <a:fillRef idx="1">
+          <a:scrgbClr r="0" g="0" b="0"/>
+        </a:fillRef>
+        <a:effectRef idx="0">
+          <a:scrgbClr r="0" g="0" b="0"/>
+        </a:effectRef>
+        <a:fontRef idx="minor">
+          <a:schemeClr val="lt1"/>
+        </a:fontRef>
+      </dsp:style>
+      <dsp:txBody>
+        <a:bodyPr spcFirstLastPara="0" vert="horz" wrap="square" lIns="0" tIns="0" rIns="0" bIns="0" numCol="1" spcCol="1270" anchor="ctr" anchorCtr="0">
+          <a:noAutofit/>
+        </a:bodyPr>
+        <a:lstStyle/>
+        <a:p>
+          <a:pPr lvl="0" algn="ctr" defTabSz="755650">
+            <a:lnSpc>
+              <a:spcPct val="90000"/>
+            </a:lnSpc>
+            <a:spcBef>
+              <a:spcPct val="0"/>
+            </a:spcBef>
+            <a:spcAft>
+              <a:spcPct val="35000"/>
+            </a:spcAft>
+          </a:pPr>
+          <a:endParaRPr lang="en-GB" sz="1700" kern="1200"/>
+        </a:p>
+      </dsp:txBody>
+      <dsp:txXfrm>
+        <a:off x="1766887" y="1912856"/>
+        <a:ext cx="237646" cy="238286"/>
+      </dsp:txXfrm>
+    </dsp:sp>
+    <dsp:sp modelId="{A86D75A4-0862-4AED-AAED-B10829E562A8}">
+      <dsp:nvSpPr>
+        <dsp:cNvPr id="0" name=""/>
+        <dsp:cNvSpPr/>
+      </dsp:nvSpPr>
+      <dsp:spPr>
+        <a:xfrm>
+          <a:off x="2247304" y="1551582"/>
+          <a:ext cx="1601390" cy="960834"/>
+        </a:xfrm>
+        <a:prstGeom prst="roundRect">
+          <a:avLst>
+            <a:gd name="adj" fmla="val 10000"/>
+          </a:avLst>
+        </a:prstGeom>
+        <a:solidFill>
+          <a:schemeClr val="accent1">
+            <a:hueOff val="0"/>
+            <a:satOff val="0"/>
+            <a:lumOff val="0"/>
+            <a:alphaOff val="0"/>
+          </a:schemeClr>
+        </a:solidFill>
+        <a:ln w="25400" cap="flat" cmpd="sng" algn="ctr">
+          <a:solidFill>
+            <a:schemeClr val="lt1">
+              <a:hueOff val="0"/>
+              <a:satOff val="0"/>
+              <a:lumOff val="0"/>
+              <a:alphaOff val="0"/>
+            </a:schemeClr>
+          </a:solidFill>
+          <a:prstDash val="solid"/>
+        </a:ln>
+        <a:effectLst/>
+      </dsp:spPr>
+      <dsp:style>
+        <a:lnRef idx="2">
+          <a:scrgbClr r="0" g="0" b="0"/>
+        </a:lnRef>
+        <a:fillRef idx="1">
+          <a:scrgbClr r="0" g="0" b="0"/>
+        </a:fillRef>
+        <a:effectRef idx="0">
+          <a:scrgbClr r="0" g="0" b="0"/>
+        </a:effectRef>
+        <a:fontRef idx="minor">
+          <a:schemeClr val="lt1"/>
+        </a:fontRef>
+      </dsp:style>
+      <dsp:txBody>
+        <a:bodyPr spcFirstLastPara="0" vert="horz" wrap="square" lIns="83820" tIns="83820" rIns="83820" bIns="83820" numCol="1" spcCol="1270" anchor="ctr" anchorCtr="0">
+          <a:noAutofit/>
+        </a:bodyPr>
+        <a:lstStyle/>
+        <a:p>
+          <a:pPr lvl="0" algn="ctr" defTabSz="977900">
+            <a:lnSpc>
+              <a:spcPct val="90000"/>
+            </a:lnSpc>
+            <a:spcBef>
+              <a:spcPct val="0"/>
+            </a:spcBef>
+            <a:spcAft>
+              <a:spcPct val="35000"/>
+            </a:spcAft>
+          </a:pPr>
+          <a:r>
+            <a:rPr lang="en-GB" sz="2200" kern="1200" dirty="0" smtClean="0"/>
+            <a:t>Solution conversion</a:t>
+          </a:r>
+          <a:endParaRPr lang="en-GB" sz="2200" kern="1200" dirty="0"/>
+        </a:p>
+      </dsp:txBody>
+      <dsp:txXfrm>
+        <a:off x="2275446" y="1579724"/>
+        <a:ext cx="1545106" cy="904550"/>
+      </dsp:txXfrm>
+    </dsp:sp>
+    <dsp:sp modelId="{E74D95E6-EF35-43D1-919D-28F3121EDF7D}">
+      <dsp:nvSpPr>
+        <dsp:cNvPr id="0" name=""/>
+        <dsp:cNvSpPr/>
+      </dsp:nvSpPr>
+      <dsp:spPr>
+        <a:xfrm>
+          <a:off x="4008834" y="1833427"/>
+          <a:ext cx="339494" cy="397144"/>
+        </a:xfrm>
+        <a:prstGeom prst="rightArrow">
+          <a:avLst>
+            <a:gd name="adj1" fmla="val 60000"/>
+            <a:gd name="adj2" fmla="val 50000"/>
+          </a:avLst>
+        </a:prstGeom>
+        <a:solidFill>
+          <a:schemeClr val="accent1">
+            <a:tint val="60000"/>
+            <a:hueOff val="0"/>
+            <a:satOff val="0"/>
+            <a:lumOff val="0"/>
+            <a:alphaOff val="0"/>
+          </a:schemeClr>
+        </a:solidFill>
+        <a:ln>
+          <a:noFill/>
+        </a:ln>
+        <a:effectLst/>
+      </dsp:spPr>
+      <dsp:style>
+        <a:lnRef idx="0">
+          <a:scrgbClr r="0" g="0" b="0"/>
+        </a:lnRef>
+        <a:fillRef idx="1">
+          <a:scrgbClr r="0" g="0" b="0"/>
+        </a:fillRef>
+        <a:effectRef idx="0">
+          <a:scrgbClr r="0" g="0" b="0"/>
+        </a:effectRef>
+        <a:fontRef idx="minor">
+          <a:schemeClr val="lt1"/>
+        </a:fontRef>
+      </dsp:style>
+      <dsp:txBody>
+        <a:bodyPr spcFirstLastPara="0" vert="horz" wrap="square" lIns="0" tIns="0" rIns="0" bIns="0" numCol="1" spcCol="1270" anchor="ctr" anchorCtr="0">
+          <a:noAutofit/>
+        </a:bodyPr>
+        <a:lstStyle/>
+        <a:p>
+          <a:pPr lvl="0" algn="ctr" defTabSz="755650">
+            <a:lnSpc>
+              <a:spcPct val="90000"/>
+            </a:lnSpc>
+            <a:spcBef>
+              <a:spcPct val="0"/>
+            </a:spcBef>
+            <a:spcAft>
+              <a:spcPct val="35000"/>
+            </a:spcAft>
+          </a:pPr>
+          <a:endParaRPr lang="en-GB" sz="1700" kern="1200"/>
+        </a:p>
+      </dsp:txBody>
+      <dsp:txXfrm>
+        <a:off x="4008834" y="1912856"/>
+        <a:ext cx="237646" cy="238286"/>
+      </dsp:txXfrm>
+    </dsp:sp>
+    <dsp:sp modelId="{40608270-2028-4523-A2F6-AECCC3EAF433}">
+      <dsp:nvSpPr>
+        <dsp:cNvPr id="0" name=""/>
+        <dsp:cNvSpPr/>
+      </dsp:nvSpPr>
+      <dsp:spPr>
+        <a:xfrm>
+          <a:off x="4489251" y="1551582"/>
+          <a:ext cx="1601390" cy="960834"/>
+        </a:xfrm>
+        <a:prstGeom prst="roundRect">
+          <a:avLst>
+            <a:gd name="adj" fmla="val 10000"/>
+          </a:avLst>
+        </a:prstGeom>
+        <a:solidFill>
+          <a:schemeClr val="accent1">
+            <a:hueOff val="0"/>
+            <a:satOff val="0"/>
+            <a:lumOff val="0"/>
+            <a:alphaOff val="0"/>
+          </a:schemeClr>
+        </a:solidFill>
+        <a:ln w="25400" cap="flat" cmpd="sng" algn="ctr">
+          <a:solidFill>
+            <a:schemeClr val="lt1">
+              <a:hueOff val="0"/>
+              <a:satOff val="0"/>
+              <a:lumOff val="0"/>
+              <a:alphaOff val="0"/>
+            </a:schemeClr>
+          </a:solidFill>
+          <a:prstDash val="solid"/>
+        </a:ln>
+        <a:effectLst/>
+      </dsp:spPr>
+      <dsp:style>
+        <a:lnRef idx="2">
+          <a:scrgbClr r="0" g="0" b="0"/>
+        </a:lnRef>
+        <a:fillRef idx="1">
+          <a:scrgbClr r="0" g="0" b="0"/>
+        </a:fillRef>
+        <a:effectRef idx="0">
+          <a:scrgbClr r="0" g="0" b="0"/>
+        </a:effectRef>
+        <a:fontRef idx="minor">
+          <a:schemeClr val="lt1"/>
+        </a:fontRef>
+      </dsp:style>
+      <dsp:txBody>
+        <a:bodyPr spcFirstLastPara="0" vert="horz" wrap="square" lIns="83820" tIns="83820" rIns="83820" bIns="83820" numCol="1" spcCol="1270" anchor="ctr" anchorCtr="0">
+          <a:noAutofit/>
+        </a:bodyPr>
+        <a:lstStyle/>
+        <a:p>
+          <a:pPr lvl="0" algn="ctr" defTabSz="977900">
+            <a:lnSpc>
+              <a:spcPct val="90000"/>
+            </a:lnSpc>
+            <a:spcBef>
+              <a:spcPct val="0"/>
+            </a:spcBef>
+            <a:spcAft>
+              <a:spcPct val="35000"/>
+            </a:spcAft>
+          </a:pPr>
+          <a:r>
+            <a:rPr lang="en-GB" sz="2200" kern="1200" dirty="0" err="1" smtClean="0"/>
+            <a:t>Tabu</a:t>
+          </a:r>
+          <a:r>
+            <a:rPr lang="en-GB" sz="2200" kern="1200" dirty="0" smtClean="0"/>
+            <a:t> Search</a:t>
+          </a:r>
+          <a:endParaRPr lang="en-GB" sz="2200" kern="1200" dirty="0"/>
+        </a:p>
+      </dsp:txBody>
+      <dsp:txXfrm>
+        <a:off x="4517393" y="1579724"/>
+        <a:ext cx="1545106" cy="904550"/>
       </dsp:txXfrm>
     </dsp:sp>
   </dsp:spTree>
@@ -5376,6 +6723,152 @@
 </dgm:layoutDef>
 </file>
 
+<file path=ppt/diagrams/layout3.xml><?xml version="1.0" encoding="utf-8"?>
+<dgm:layoutDef xmlns:dgm="http://schemas.openxmlformats.org/drawingml/2006/diagram" xmlns:a="http://schemas.openxmlformats.org/drawingml/2006/main" uniqueId="urn:microsoft.com/office/officeart/2005/8/layout/process1">
+  <dgm:title val=""/>
+  <dgm:desc val=""/>
+  <dgm:catLst>
+    <dgm:cat type="process" pri="1000"/>
+    <dgm:cat type="convert" pri="15000"/>
+  </dgm:catLst>
+  <dgm:sampData useDef="1">
+    <dgm:dataModel>
+      <dgm:ptLst/>
+      <dgm:bg/>
+      <dgm:whole/>
+    </dgm:dataModel>
+  </dgm:sampData>
+  <dgm:styleData>
+    <dgm:dataModel>
+      <dgm:ptLst>
+        <dgm:pt modelId="0" type="doc"/>
+        <dgm:pt modelId="1"/>
+        <dgm:pt modelId="2"/>
+      </dgm:ptLst>
+      <dgm:cxnLst>
+        <dgm:cxn modelId="3" srcId="0" destId="1" srcOrd="0" destOrd="0"/>
+        <dgm:cxn modelId="4" srcId="0" destId="2" srcOrd="1" destOrd="0"/>
+      </dgm:cxnLst>
+      <dgm:bg/>
+      <dgm:whole/>
+    </dgm:dataModel>
+  </dgm:styleData>
+  <dgm:clrData>
+    <dgm:dataModel>
+      <dgm:ptLst>
+        <dgm:pt modelId="0" type="doc"/>
+        <dgm:pt modelId="1"/>
+        <dgm:pt modelId="2"/>
+        <dgm:pt modelId="3"/>
+        <dgm:pt modelId="4"/>
+      </dgm:ptLst>
+      <dgm:cxnLst>
+        <dgm:cxn modelId="5" srcId="0" destId="1" srcOrd="0" destOrd="0"/>
+        <dgm:cxn modelId="6" srcId="0" destId="2" srcOrd="1" destOrd="0"/>
+        <dgm:cxn modelId="7" srcId="0" destId="3" srcOrd="2" destOrd="0"/>
+        <dgm:cxn modelId="8" srcId="0" destId="4" srcOrd="3" destOrd="0"/>
+      </dgm:cxnLst>
+      <dgm:bg/>
+      <dgm:whole/>
+    </dgm:dataModel>
+  </dgm:clrData>
+  <dgm:layoutNode name="Name0">
+    <dgm:varLst>
+      <dgm:dir/>
+      <dgm:resizeHandles val="exact"/>
+    </dgm:varLst>
+    <dgm:choose name="Name1">
+      <dgm:if name="Name2" func="var" arg="dir" op="equ" val="norm">
+        <dgm:alg type="lin"/>
+      </dgm:if>
+      <dgm:else name="Name3">
+        <dgm:alg type="lin">
+          <dgm:param type="linDir" val="fromR"/>
+        </dgm:alg>
+      </dgm:else>
+    </dgm:choose>
+    <dgm:shape xmlns:r="http://schemas.openxmlformats.org/officeDocument/2006/relationships" r:blip="">
+      <dgm:adjLst/>
+    </dgm:shape>
+    <dgm:presOf/>
+    <dgm:constrLst>
+      <dgm:constr type="w" for="ch" ptType="node" refType="w"/>
+      <dgm:constr type="h" for="ch" ptType="node" op="equ"/>
+      <dgm:constr type="primFontSz" for="ch" ptType="node" op="equ" val="65"/>
+      <dgm:constr type="w" for="ch" ptType="sibTrans" refType="w" refFor="ch" refPtType="node" op="equ" fact="0.4"/>
+      <dgm:constr type="h" for="ch" ptType="sibTrans" op="equ"/>
+      <dgm:constr type="primFontSz" for="des" forName="connectorText" op="equ" val="55"/>
+      <dgm:constr type="primFontSz" for="des" forName="connectorText" refType="primFontSz" refFor="ch" refPtType="node" op="lte" fact="0.8"/>
+    </dgm:constrLst>
+    <dgm:ruleLst/>
+    <dgm:forEach name="nodesForEach" axis="ch" ptType="node">
+      <dgm:layoutNode name="node">
+        <dgm:varLst>
+          <dgm:bulletEnabled val="1"/>
+        </dgm:varLst>
+        <dgm:alg type="tx"/>
+        <dgm:shape xmlns:r="http://schemas.openxmlformats.org/officeDocument/2006/relationships" type="roundRect" r:blip="">
+          <dgm:adjLst>
+            <dgm:adj idx="1" val="0.1"/>
+          </dgm:adjLst>
+        </dgm:shape>
+        <dgm:presOf axis="desOrSelf" ptType="node"/>
+        <dgm:constrLst>
+          <dgm:constr type="h" refType="w" fact="0.6"/>
+          <dgm:constr type="tMarg" refType="primFontSz" fact="0.3"/>
+          <dgm:constr type="bMarg" refType="primFontSz" fact="0.3"/>
+          <dgm:constr type="lMarg" refType="primFontSz" fact="0.3"/>
+          <dgm:constr type="rMarg" refType="primFontSz" fact="0.3"/>
+        </dgm:constrLst>
+        <dgm:ruleLst>
+          <dgm:rule type="primFontSz" val="18" fact="NaN" max="NaN"/>
+          <dgm:rule type="h" val="NaN" fact="1.5" max="NaN"/>
+          <dgm:rule type="primFontSz" val="5" fact="NaN" max="NaN"/>
+          <dgm:rule type="h" val="INF" fact="NaN" max="NaN"/>
+        </dgm:ruleLst>
+      </dgm:layoutNode>
+      <dgm:forEach name="sibTransForEach" axis="followSib" ptType="sibTrans" cnt="1">
+        <dgm:layoutNode name="sibTrans">
+          <dgm:alg type="conn">
+            <dgm:param type="begPts" val="auto"/>
+            <dgm:param type="endPts" val="auto"/>
+          </dgm:alg>
+          <dgm:shape xmlns:r="http://schemas.openxmlformats.org/officeDocument/2006/relationships" type="conn" r:blip="">
+            <dgm:adjLst/>
+          </dgm:shape>
+          <dgm:presOf axis="self"/>
+          <dgm:constrLst>
+            <dgm:constr type="h" refType="w" fact="0.62"/>
+            <dgm:constr type="connDist"/>
+            <dgm:constr type="begPad" refType="connDist" fact="0.25"/>
+            <dgm:constr type="endPad" refType="connDist" fact="0.22"/>
+          </dgm:constrLst>
+          <dgm:ruleLst/>
+          <dgm:layoutNode name="connectorText">
+            <dgm:alg type="tx">
+              <dgm:param type="autoTxRot" val="grav"/>
+            </dgm:alg>
+            <dgm:shape xmlns:r="http://schemas.openxmlformats.org/officeDocument/2006/relationships" type="conn" r:blip="" hideGeom="1">
+              <dgm:adjLst/>
+            </dgm:shape>
+            <dgm:presOf axis="self"/>
+            <dgm:constrLst>
+              <dgm:constr type="lMarg"/>
+              <dgm:constr type="rMarg"/>
+              <dgm:constr type="tMarg"/>
+              <dgm:constr type="bMarg"/>
+            </dgm:constrLst>
+            <dgm:ruleLst>
+              <dgm:rule type="primFontSz" val="5" fact="NaN" max="NaN"/>
+            </dgm:ruleLst>
+          </dgm:layoutNode>
+        </dgm:layoutNode>
+      </dgm:forEach>
+    </dgm:forEach>
+  </dgm:layoutNode>
+</dgm:layoutDef>
+</file>
+
 <file path=ppt/diagrams/quickStyle1.xml><?xml version="1.0" encoding="utf-8"?>
 <dgm:styleDef xmlns:dgm="http://schemas.openxmlformats.org/drawingml/2006/diagram" xmlns:a="http://schemas.openxmlformats.org/drawingml/2006/main" uniqueId="urn:microsoft.com/office/officeart/2005/8/quickstyle/simple1">
   <dgm:title val=""/>
@@ -6411,6 +7904,1040 @@
 </file>
 
 <file path=ppt/diagrams/quickStyle2.xml><?xml version="1.0" encoding="utf-8"?>
+<dgm:styleDef xmlns:dgm="http://schemas.openxmlformats.org/drawingml/2006/diagram" xmlns:a="http://schemas.openxmlformats.org/drawingml/2006/main" uniqueId="urn:microsoft.com/office/officeart/2005/8/quickstyle/simple1">
+  <dgm:title val=""/>
+  <dgm:desc val=""/>
+  <dgm:catLst>
+    <dgm:cat type="simple" pri="10100"/>
+  </dgm:catLst>
+  <dgm:scene3d>
+    <a:camera prst="orthographicFront"/>
+    <a:lightRig rig="threePt" dir="t"/>
+  </dgm:scene3d>
+  <dgm:styleLbl name="node0">
+    <dgm:scene3d>
+      <a:camera prst="orthographicFront"/>
+      <a:lightRig rig="threePt" dir="t"/>
+    </dgm:scene3d>
+    <dgm:sp3d/>
+    <dgm:txPr/>
+    <dgm:style>
+      <a:lnRef idx="2">
+        <a:scrgbClr r="0" g="0" b="0"/>
+      </a:lnRef>
+      <a:fillRef idx="1">
+        <a:scrgbClr r="0" g="0" b="0"/>
+      </a:fillRef>
+      <a:effectRef idx="0">
+        <a:scrgbClr r="0" g="0" b="0"/>
+      </a:effectRef>
+      <a:fontRef idx="minor">
+        <a:schemeClr val="lt1"/>
+      </a:fontRef>
+    </dgm:style>
+  </dgm:styleLbl>
+  <dgm:styleLbl name="lnNode1">
+    <dgm:scene3d>
+      <a:camera prst="orthographicFront"/>
+      <a:lightRig rig="threePt" dir="t"/>
+    </dgm:scene3d>
+    <dgm:sp3d/>
+    <dgm:txPr/>
+    <dgm:style>
+      <a:lnRef idx="2">
+        <a:scrgbClr r="0" g="0" b="0"/>
+      </a:lnRef>
+      <a:fillRef idx="1">
+        <a:scrgbClr r="0" g="0" b="0"/>
+      </a:fillRef>
+      <a:effectRef idx="0">
+        <a:scrgbClr r="0" g="0" b="0"/>
+      </a:effectRef>
+      <a:fontRef idx="minor">
+        <a:schemeClr val="lt1"/>
+      </a:fontRef>
+    </dgm:style>
+  </dgm:styleLbl>
+  <dgm:styleLbl name="vennNode1">
+    <dgm:scene3d>
+      <a:camera prst="orthographicFront"/>
+      <a:lightRig rig="threePt" dir="t"/>
+    </dgm:scene3d>
+    <dgm:sp3d/>
+    <dgm:txPr/>
+    <dgm:style>
+      <a:lnRef idx="2">
+        <a:scrgbClr r="0" g="0" b="0"/>
+      </a:lnRef>
+      <a:fillRef idx="1">
+        <a:scrgbClr r="0" g="0" b="0"/>
+      </a:fillRef>
+      <a:effectRef idx="0">
+        <a:scrgbClr r="0" g="0" b="0"/>
+      </a:effectRef>
+      <a:fontRef idx="minor">
+        <a:schemeClr val="tx1"/>
+      </a:fontRef>
+    </dgm:style>
+  </dgm:styleLbl>
+  <dgm:styleLbl name="alignNode1">
+    <dgm:scene3d>
+      <a:camera prst="orthographicFront"/>
+      <a:lightRig rig="threePt" dir="t"/>
+    </dgm:scene3d>
+    <dgm:sp3d/>
+    <dgm:txPr/>
+    <dgm:style>
+      <a:lnRef idx="2">
+        <a:scrgbClr r="0" g="0" b="0"/>
+      </a:lnRef>
+      <a:fillRef idx="1">
+        <a:scrgbClr r="0" g="0" b="0"/>
+      </a:fillRef>
+      <a:effectRef idx="0">
+        <a:scrgbClr r="0" g="0" b="0"/>
+      </a:effectRef>
+      <a:fontRef idx="minor">
+        <a:schemeClr val="lt1"/>
+      </a:fontRef>
+    </dgm:style>
+  </dgm:styleLbl>
+  <dgm:styleLbl name="node1">
+    <dgm:scene3d>
+      <a:camera prst="orthographicFront"/>
+      <a:lightRig rig="threePt" dir="t"/>
+    </dgm:scene3d>
+    <dgm:sp3d/>
+    <dgm:txPr/>
+    <dgm:style>
+      <a:lnRef idx="2">
+        <a:scrgbClr r="0" g="0" b="0"/>
+      </a:lnRef>
+      <a:fillRef idx="1">
+        <a:scrgbClr r="0" g="0" b="0"/>
+      </a:fillRef>
+      <a:effectRef idx="0">
+        <a:scrgbClr r="0" g="0" b="0"/>
+      </a:effectRef>
+      <a:fontRef idx="minor">
+        <a:schemeClr val="lt1"/>
+      </a:fontRef>
+    </dgm:style>
+  </dgm:styleLbl>
+  <dgm:styleLbl name="node2">
+    <dgm:scene3d>
+      <a:camera prst="orthographicFront"/>
+      <a:lightRig rig="threePt" dir="t"/>
+    </dgm:scene3d>
+    <dgm:sp3d/>
+    <dgm:txPr/>
+    <dgm:style>
+      <a:lnRef idx="2">
+        <a:scrgbClr r="0" g="0" b="0"/>
+      </a:lnRef>
+      <a:fillRef idx="1">
+        <a:scrgbClr r="0" g="0" b="0"/>
+      </a:fillRef>
+      <a:effectRef idx="0">
+        <a:scrgbClr r="0" g="0" b="0"/>
+      </a:effectRef>
+      <a:fontRef idx="minor">
+        <a:schemeClr val="lt1"/>
+      </a:fontRef>
+    </dgm:style>
+  </dgm:styleLbl>
+  <dgm:styleLbl name="node3">
+    <dgm:scene3d>
+      <a:camera prst="orthographicFront"/>
+      <a:lightRig rig="threePt" dir="t"/>
+    </dgm:scene3d>
+    <dgm:sp3d/>
+    <dgm:txPr/>
+    <dgm:style>
+      <a:lnRef idx="2">
+        <a:scrgbClr r="0" g="0" b="0"/>
+      </a:lnRef>
+      <a:fillRef idx="1">
+        <a:scrgbClr r="0" g="0" b="0"/>
+      </a:fillRef>
+      <a:effectRef idx="0">
+        <a:scrgbClr r="0" g="0" b="0"/>
+      </a:effectRef>
+      <a:fontRef idx="minor">
+        <a:schemeClr val="lt1"/>
+      </a:fontRef>
+    </dgm:style>
+  </dgm:styleLbl>
+  <dgm:styleLbl name="node4">
+    <dgm:scene3d>
+      <a:camera prst="orthographicFront"/>
+      <a:lightRig rig="threePt" dir="t"/>
+    </dgm:scene3d>
+    <dgm:sp3d/>
+    <dgm:txPr/>
+    <dgm:style>
+      <a:lnRef idx="2">
+        <a:scrgbClr r="0" g="0" b="0"/>
+      </a:lnRef>
+      <a:fillRef idx="1">
+        <a:scrgbClr r="0" g="0" b="0"/>
+      </a:fillRef>
+      <a:effectRef idx="0">
+        <a:scrgbClr r="0" g="0" b="0"/>
+      </a:effectRef>
+      <a:fontRef idx="minor">
+        <a:schemeClr val="lt1"/>
+      </a:fontRef>
+    </dgm:style>
+  </dgm:styleLbl>
+  <dgm:styleLbl name="fgImgPlace1">
+    <dgm:scene3d>
+      <a:camera prst="orthographicFront"/>
+      <a:lightRig rig="threePt" dir="t"/>
+    </dgm:scene3d>
+    <dgm:sp3d/>
+    <dgm:txPr/>
+    <dgm:style>
+      <a:lnRef idx="2">
+        <a:scrgbClr r="0" g="0" b="0"/>
+      </a:lnRef>
+      <a:fillRef idx="1">
+        <a:scrgbClr r="0" g="0" b="0"/>
+      </a:fillRef>
+      <a:effectRef idx="0">
+        <a:scrgbClr r="0" g="0" b="0"/>
+      </a:effectRef>
+      <a:fontRef idx="minor"/>
+    </dgm:style>
+  </dgm:styleLbl>
+  <dgm:styleLbl name="alignImgPlace1">
+    <dgm:scene3d>
+      <a:camera prst="orthographicFront"/>
+      <a:lightRig rig="threePt" dir="t"/>
+    </dgm:scene3d>
+    <dgm:sp3d/>
+    <dgm:txPr/>
+    <dgm:style>
+      <a:lnRef idx="2">
+        <a:scrgbClr r="0" g="0" b="0"/>
+      </a:lnRef>
+      <a:fillRef idx="1">
+        <a:scrgbClr r="0" g="0" b="0"/>
+      </a:fillRef>
+      <a:effectRef idx="0">
+        <a:scrgbClr r="0" g="0" b="0"/>
+      </a:effectRef>
+      <a:fontRef idx="minor"/>
+    </dgm:style>
+  </dgm:styleLbl>
+  <dgm:styleLbl name="bgImgPlace1">
+    <dgm:scene3d>
+      <a:camera prst="orthographicFront"/>
+      <a:lightRig rig="threePt" dir="t"/>
+    </dgm:scene3d>
+    <dgm:sp3d/>
+    <dgm:txPr/>
+    <dgm:style>
+      <a:lnRef idx="2">
+        <a:scrgbClr r="0" g="0" b="0"/>
+      </a:lnRef>
+      <a:fillRef idx="1">
+        <a:scrgbClr r="0" g="0" b="0"/>
+      </a:fillRef>
+      <a:effectRef idx="0">
+        <a:scrgbClr r="0" g="0" b="0"/>
+      </a:effectRef>
+      <a:fontRef idx="minor"/>
+    </dgm:style>
+  </dgm:styleLbl>
+  <dgm:styleLbl name="sibTrans2D1">
+    <dgm:scene3d>
+      <a:camera prst="orthographicFront"/>
+      <a:lightRig rig="threePt" dir="t"/>
+    </dgm:scene3d>
+    <dgm:sp3d/>
+    <dgm:txPr/>
+    <dgm:style>
+      <a:lnRef idx="0">
+        <a:scrgbClr r="0" g="0" b="0"/>
+      </a:lnRef>
+      <a:fillRef idx="1">
+        <a:scrgbClr r="0" g="0" b="0"/>
+      </a:fillRef>
+      <a:effectRef idx="0">
+        <a:scrgbClr r="0" g="0" b="0"/>
+      </a:effectRef>
+      <a:fontRef idx="minor">
+        <a:schemeClr val="lt1"/>
+      </a:fontRef>
+    </dgm:style>
+  </dgm:styleLbl>
+  <dgm:styleLbl name="fgSibTrans2D1">
+    <dgm:scene3d>
+      <a:camera prst="orthographicFront"/>
+      <a:lightRig rig="threePt" dir="t"/>
+    </dgm:scene3d>
+    <dgm:sp3d/>
+    <dgm:txPr/>
+    <dgm:style>
+      <a:lnRef idx="0">
+        <a:scrgbClr r="0" g="0" b="0"/>
+      </a:lnRef>
+      <a:fillRef idx="1">
+        <a:scrgbClr r="0" g="0" b="0"/>
+      </a:fillRef>
+      <a:effectRef idx="0">
+        <a:scrgbClr r="0" g="0" b="0"/>
+      </a:effectRef>
+      <a:fontRef idx="minor">
+        <a:schemeClr val="lt1"/>
+      </a:fontRef>
+    </dgm:style>
+  </dgm:styleLbl>
+  <dgm:styleLbl name="bgSibTrans2D1">
+    <dgm:scene3d>
+      <a:camera prst="orthographicFront"/>
+      <a:lightRig rig="threePt" dir="t"/>
+    </dgm:scene3d>
+    <dgm:sp3d/>
+    <dgm:txPr/>
+    <dgm:style>
+      <a:lnRef idx="0">
+        <a:scrgbClr r="0" g="0" b="0"/>
+      </a:lnRef>
+      <a:fillRef idx="1">
+        <a:scrgbClr r="0" g="0" b="0"/>
+      </a:fillRef>
+      <a:effectRef idx="0">
+        <a:scrgbClr r="0" g="0" b="0"/>
+      </a:effectRef>
+      <a:fontRef idx="minor">
+        <a:schemeClr val="lt1"/>
+      </a:fontRef>
+    </dgm:style>
+  </dgm:styleLbl>
+  <dgm:styleLbl name="sibTrans1D1">
+    <dgm:scene3d>
+      <a:camera prst="orthographicFront"/>
+      <a:lightRig rig="threePt" dir="t"/>
+    </dgm:scene3d>
+    <dgm:sp3d/>
+    <dgm:txPr/>
+    <dgm:style>
+      <a:lnRef idx="1">
+        <a:scrgbClr r="0" g="0" b="0"/>
+      </a:lnRef>
+      <a:fillRef idx="0">
+        <a:scrgbClr r="0" g="0" b="0"/>
+      </a:fillRef>
+      <a:effectRef idx="0">
+        <a:scrgbClr r="0" g="0" b="0"/>
+      </a:effectRef>
+      <a:fontRef idx="minor"/>
+    </dgm:style>
+  </dgm:styleLbl>
+  <dgm:styleLbl name="callout">
+    <dgm:scene3d>
+      <a:camera prst="orthographicFront"/>
+      <a:lightRig rig="threePt" dir="t"/>
+    </dgm:scene3d>
+    <dgm:sp3d/>
+    <dgm:txPr/>
+    <dgm:style>
+      <a:lnRef idx="2">
+        <a:scrgbClr r="0" g="0" b="0"/>
+      </a:lnRef>
+      <a:fillRef idx="1">
+        <a:scrgbClr r="0" g="0" b="0"/>
+      </a:fillRef>
+      <a:effectRef idx="0">
+        <a:scrgbClr r="0" g="0" b="0"/>
+      </a:effectRef>
+      <a:fontRef idx="minor"/>
+    </dgm:style>
+  </dgm:styleLbl>
+  <dgm:styleLbl name="asst0">
+    <dgm:scene3d>
+      <a:camera prst="orthographicFront"/>
+      <a:lightRig rig="threePt" dir="t"/>
+    </dgm:scene3d>
+    <dgm:sp3d/>
+    <dgm:txPr/>
+    <dgm:style>
+      <a:lnRef idx="2">
+        <a:scrgbClr r="0" g="0" b="0"/>
+      </a:lnRef>
+      <a:fillRef idx="1">
+        <a:scrgbClr r="0" g="0" b="0"/>
+      </a:fillRef>
+      <a:effectRef idx="0">
+        <a:scrgbClr r="0" g="0" b="0"/>
+      </a:effectRef>
+      <a:fontRef idx="minor">
+        <a:schemeClr val="lt1"/>
+      </a:fontRef>
+    </dgm:style>
+  </dgm:styleLbl>
+  <dgm:styleLbl name="asst1">
+    <dgm:scene3d>
+      <a:camera prst="orthographicFront"/>
+      <a:lightRig rig="threePt" dir="t"/>
+    </dgm:scene3d>
+    <dgm:sp3d/>
+    <dgm:txPr/>
+    <dgm:style>
+      <a:lnRef idx="2">
+        <a:scrgbClr r="0" g="0" b="0"/>
+      </a:lnRef>
+      <a:fillRef idx="1">
+        <a:scrgbClr r="0" g="0" b="0"/>
+      </a:fillRef>
+      <a:effectRef idx="0">
+        <a:scrgbClr r="0" g="0" b="0"/>
+      </a:effectRef>
+      <a:fontRef idx="minor">
+        <a:schemeClr val="lt1"/>
+      </a:fontRef>
+    </dgm:style>
+  </dgm:styleLbl>
+  <dgm:styleLbl name="asst2">
+    <dgm:scene3d>
+      <a:camera prst="orthographicFront"/>
+      <a:lightRig rig="threePt" dir="t"/>
+    </dgm:scene3d>
+    <dgm:sp3d/>
+    <dgm:txPr/>
+    <dgm:style>
+      <a:lnRef idx="2">
+        <a:scrgbClr r="0" g="0" b="0"/>
+      </a:lnRef>
+      <a:fillRef idx="1">
+        <a:scrgbClr r="0" g="0" b="0"/>
+      </a:fillRef>
+      <a:effectRef idx="0">
+        <a:scrgbClr r="0" g="0" b="0"/>
+      </a:effectRef>
+      <a:fontRef idx="minor">
+        <a:schemeClr val="lt1"/>
+      </a:fontRef>
+    </dgm:style>
+  </dgm:styleLbl>
+  <dgm:styleLbl name="asst3">
+    <dgm:scene3d>
+      <a:camera prst="orthographicFront"/>
+      <a:lightRig rig="threePt" dir="t"/>
+    </dgm:scene3d>
+    <dgm:sp3d/>
+    <dgm:txPr/>
+    <dgm:style>
+      <a:lnRef idx="2">
+        <a:scrgbClr r="0" g="0" b="0"/>
+      </a:lnRef>
+      <a:fillRef idx="1">
+        <a:scrgbClr r="0" g="0" b="0"/>
+      </a:fillRef>
+      <a:effectRef idx="0">
+        <a:scrgbClr r="0" g="0" b="0"/>
+      </a:effectRef>
+      <a:fontRef idx="minor">
+        <a:schemeClr val="lt1"/>
+      </a:fontRef>
+    </dgm:style>
+  </dgm:styleLbl>
+  <dgm:styleLbl name="asst4">
+    <dgm:scene3d>
+      <a:camera prst="orthographicFront"/>
+      <a:lightRig rig="threePt" dir="t"/>
+    </dgm:scene3d>
+    <dgm:sp3d/>
+    <dgm:txPr/>
+    <dgm:style>
+      <a:lnRef idx="2">
+        <a:scrgbClr r="0" g="0" b="0"/>
+      </a:lnRef>
+      <a:fillRef idx="1">
+        <a:scrgbClr r="0" g="0" b="0"/>
+      </a:fillRef>
+      <a:effectRef idx="0">
+        <a:scrgbClr r="0" g="0" b="0"/>
+      </a:effectRef>
+      <a:fontRef idx="minor">
+        <a:schemeClr val="lt1"/>
+      </a:fontRef>
+    </dgm:style>
+  </dgm:styleLbl>
+  <dgm:styleLbl name="parChTrans2D1">
+    <dgm:scene3d>
+      <a:camera prst="orthographicFront"/>
+      <a:lightRig rig="threePt" dir="t"/>
+    </dgm:scene3d>
+    <dgm:sp3d/>
+    <dgm:txPr/>
+    <dgm:style>
+      <a:lnRef idx="2">
+        <a:scrgbClr r="0" g="0" b="0"/>
+      </a:lnRef>
+      <a:fillRef idx="1">
+        <a:scrgbClr r="0" g="0" b="0"/>
+      </a:fillRef>
+      <a:effectRef idx="0">
+        <a:scrgbClr r="0" g="0" b="0"/>
+      </a:effectRef>
+      <a:fontRef idx="minor">
+        <a:schemeClr val="lt1"/>
+      </a:fontRef>
+    </dgm:style>
+  </dgm:styleLbl>
+  <dgm:styleLbl name="parChTrans2D2">
+    <dgm:scene3d>
+      <a:camera prst="orthographicFront"/>
+      <a:lightRig rig="threePt" dir="t"/>
+    </dgm:scene3d>
+    <dgm:sp3d/>
+    <dgm:txPr/>
+    <dgm:style>
+      <a:lnRef idx="2">
+        <a:scrgbClr r="0" g="0" b="0"/>
+      </a:lnRef>
+      <a:fillRef idx="1">
+        <a:scrgbClr r="0" g="0" b="0"/>
+      </a:fillRef>
+      <a:effectRef idx="0">
+        <a:scrgbClr r="0" g="0" b="0"/>
+      </a:effectRef>
+      <a:fontRef idx="minor">
+        <a:schemeClr val="lt1"/>
+      </a:fontRef>
+    </dgm:style>
+  </dgm:styleLbl>
+  <dgm:styleLbl name="parChTrans2D3">
+    <dgm:scene3d>
+      <a:camera prst="orthographicFront"/>
+      <a:lightRig rig="threePt" dir="t"/>
+    </dgm:scene3d>
+    <dgm:sp3d/>
+    <dgm:txPr/>
+    <dgm:style>
+      <a:lnRef idx="2">
+        <a:scrgbClr r="0" g="0" b="0"/>
+      </a:lnRef>
+      <a:fillRef idx="1">
+        <a:scrgbClr r="0" g="0" b="0"/>
+      </a:fillRef>
+      <a:effectRef idx="0">
+        <a:scrgbClr r="0" g="0" b="0"/>
+      </a:effectRef>
+      <a:fontRef idx="minor">
+        <a:schemeClr val="lt1"/>
+      </a:fontRef>
+    </dgm:style>
+  </dgm:styleLbl>
+  <dgm:styleLbl name="parChTrans2D4">
+    <dgm:scene3d>
+      <a:camera prst="orthographicFront"/>
+      <a:lightRig rig="threePt" dir="t"/>
+    </dgm:scene3d>
+    <dgm:sp3d/>
+    <dgm:txPr/>
+    <dgm:style>
+      <a:lnRef idx="2">
+        <a:scrgbClr r="0" g="0" b="0"/>
+      </a:lnRef>
+      <a:fillRef idx="1">
+        <a:scrgbClr r="0" g="0" b="0"/>
+      </a:fillRef>
+      <a:effectRef idx="0">
+        <a:scrgbClr r="0" g="0" b="0"/>
+      </a:effectRef>
+      <a:fontRef idx="minor">
+        <a:schemeClr val="lt1"/>
+      </a:fontRef>
+    </dgm:style>
+  </dgm:styleLbl>
+  <dgm:styleLbl name="parChTrans1D1">
+    <dgm:scene3d>
+      <a:camera prst="orthographicFront"/>
+      <a:lightRig rig="threePt" dir="t"/>
+    </dgm:scene3d>
+    <dgm:sp3d/>
+    <dgm:txPr/>
+    <dgm:style>
+      <a:lnRef idx="2">
+        <a:scrgbClr r="0" g="0" b="0"/>
+      </a:lnRef>
+      <a:fillRef idx="0">
+        <a:scrgbClr r="0" g="0" b="0"/>
+      </a:fillRef>
+      <a:effectRef idx="0">
+        <a:scrgbClr r="0" g="0" b="0"/>
+      </a:effectRef>
+      <a:fontRef idx="minor"/>
+    </dgm:style>
+  </dgm:styleLbl>
+  <dgm:styleLbl name="parChTrans1D2">
+    <dgm:scene3d>
+      <a:camera prst="orthographicFront"/>
+      <a:lightRig rig="threePt" dir="t"/>
+    </dgm:scene3d>
+    <dgm:sp3d/>
+    <dgm:txPr/>
+    <dgm:style>
+      <a:lnRef idx="2">
+        <a:scrgbClr r="0" g="0" b="0"/>
+      </a:lnRef>
+      <a:fillRef idx="0">
+        <a:scrgbClr r="0" g="0" b="0"/>
+      </a:fillRef>
+      <a:effectRef idx="0">
+        <a:scrgbClr r="0" g="0" b="0"/>
+      </a:effectRef>
+      <a:fontRef idx="minor"/>
+    </dgm:style>
+  </dgm:styleLbl>
+  <dgm:styleLbl name="parChTrans1D3">
+    <dgm:scene3d>
+      <a:camera prst="orthographicFront"/>
+      <a:lightRig rig="threePt" dir="t"/>
+    </dgm:scene3d>
+    <dgm:sp3d/>
+    <dgm:txPr/>
+    <dgm:style>
+      <a:lnRef idx="2">
+        <a:scrgbClr r="0" g="0" b="0"/>
+      </a:lnRef>
+      <a:fillRef idx="0">
+        <a:scrgbClr r="0" g="0" b="0"/>
+      </a:fillRef>
+      <a:effectRef idx="0">
+        <a:scrgbClr r="0" g="0" b="0"/>
+      </a:effectRef>
+      <a:fontRef idx="minor"/>
+    </dgm:style>
+  </dgm:styleLbl>
+  <dgm:styleLbl name="parChTrans1D4">
+    <dgm:scene3d>
+      <a:camera prst="orthographicFront"/>
+      <a:lightRig rig="threePt" dir="t"/>
+    </dgm:scene3d>
+    <dgm:sp3d/>
+    <dgm:txPr/>
+    <dgm:style>
+      <a:lnRef idx="2">
+        <a:scrgbClr r="0" g="0" b="0"/>
+      </a:lnRef>
+      <a:fillRef idx="0">
+        <a:scrgbClr r="0" g="0" b="0"/>
+      </a:fillRef>
+      <a:effectRef idx="0">
+        <a:scrgbClr r="0" g="0" b="0"/>
+      </a:effectRef>
+      <a:fontRef idx="minor"/>
+    </dgm:style>
+  </dgm:styleLbl>
+  <dgm:styleLbl name="fgAcc1">
+    <dgm:scene3d>
+      <a:camera prst="orthographicFront"/>
+      <a:lightRig rig="threePt" dir="t"/>
+    </dgm:scene3d>
+    <dgm:sp3d/>
+    <dgm:txPr/>
+    <dgm:style>
+      <a:lnRef idx="2">
+        <a:scrgbClr r="0" g="0" b="0"/>
+      </a:lnRef>
+      <a:fillRef idx="1">
+        <a:scrgbClr r="0" g="0" b="0"/>
+      </a:fillRef>
+      <a:effectRef idx="0">
+        <a:scrgbClr r="0" g="0" b="0"/>
+      </a:effectRef>
+      <a:fontRef idx="minor"/>
+    </dgm:style>
+  </dgm:styleLbl>
+  <dgm:styleLbl name="conFgAcc1">
+    <dgm:scene3d>
+      <a:camera prst="orthographicFront"/>
+      <a:lightRig rig="threePt" dir="t"/>
+    </dgm:scene3d>
+    <dgm:sp3d/>
+    <dgm:txPr/>
+    <dgm:style>
+      <a:lnRef idx="2">
+        <a:scrgbClr r="0" g="0" b="0"/>
+      </a:lnRef>
+      <a:fillRef idx="1">
+        <a:scrgbClr r="0" g="0" b="0"/>
+      </a:fillRef>
+      <a:effectRef idx="0">
+        <a:scrgbClr r="0" g="0" b="0"/>
+      </a:effectRef>
+      <a:fontRef idx="minor"/>
+    </dgm:style>
+  </dgm:styleLbl>
+  <dgm:styleLbl name="alignAcc1">
+    <dgm:scene3d>
+      <a:camera prst="orthographicFront"/>
+      <a:lightRig rig="threePt" dir="t"/>
+    </dgm:scene3d>
+    <dgm:sp3d/>
+    <dgm:txPr/>
+    <dgm:style>
+      <a:lnRef idx="2">
+        <a:scrgbClr r="0" g="0" b="0"/>
+      </a:lnRef>
+      <a:fillRef idx="1">
+        <a:scrgbClr r="0" g="0" b="0"/>
+      </a:fillRef>
+      <a:effectRef idx="0">
+        <a:scrgbClr r="0" g="0" b="0"/>
+      </a:effectRef>
+      <a:fontRef idx="minor"/>
+    </dgm:style>
+  </dgm:styleLbl>
+  <dgm:styleLbl name="trAlignAcc1">
+    <dgm:scene3d>
+      <a:camera prst="orthographicFront"/>
+      <a:lightRig rig="threePt" dir="t"/>
+    </dgm:scene3d>
+    <dgm:sp3d/>
+    <dgm:txPr/>
+    <dgm:style>
+      <a:lnRef idx="1">
+        <a:scrgbClr r="0" g="0" b="0"/>
+      </a:lnRef>
+      <a:fillRef idx="1">
+        <a:scrgbClr r="0" g="0" b="0"/>
+      </a:fillRef>
+      <a:effectRef idx="0">
+        <a:scrgbClr r="0" g="0" b="0"/>
+      </a:effectRef>
+      <a:fontRef idx="minor"/>
+    </dgm:style>
+  </dgm:styleLbl>
+  <dgm:styleLbl name="bgAcc1">
+    <dgm:scene3d>
+      <a:camera prst="orthographicFront"/>
+      <a:lightRig rig="threePt" dir="t"/>
+    </dgm:scene3d>
+    <dgm:sp3d/>
+    <dgm:txPr/>
+    <dgm:style>
+      <a:lnRef idx="2">
+        <a:scrgbClr r="0" g="0" b="0"/>
+      </a:lnRef>
+      <a:fillRef idx="1">
+        <a:scrgbClr r="0" g="0" b="0"/>
+      </a:fillRef>
+      <a:effectRef idx="0">
+        <a:scrgbClr r="0" g="0" b="0"/>
+      </a:effectRef>
+      <a:fontRef idx="minor"/>
+    </dgm:style>
+  </dgm:styleLbl>
+  <dgm:styleLbl name="solidFgAcc1">
+    <dgm:scene3d>
+      <a:camera prst="orthographicFront"/>
+      <a:lightRig rig="threePt" dir="t"/>
+    </dgm:scene3d>
+    <dgm:sp3d/>
+    <dgm:txPr/>
+    <dgm:style>
+      <a:lnRef idx="2">
+        <a:scrgbClr r="0" g="0" b="0"/>
+      </a:lnRef>
+      <a:fillRef idx="1">
+        <a:scrgbClr r="0" g="0" b="0"/>
+      </a:fillRef>
+      <a:effectRef idx="0">
+        <a:scrgbClr r="0" g="0" b="0"/>
+      </a:effectRef>
+      <a:fontRef idx="minor"/>
+    </dgm:style>
+  </dgm:styleLbl>
+  <dgm:styleLbl name="solidAlignAcc1">
+    <dgm:scene3d>
+      <a:camera prst="orthographicFront"/>
+      <a:lightRig rig="threePt" dir="t"/>
+    </dgm:scene3d>
+    <dgm:sp3d/>
+    <dgm:txPr/>
+    <dgm:style>
+      <a:lnRef idx="2">
+        <a:scrgbClr r="0" g="0" b="0"/>
+      </a:lnRef>
+      <a:fillRef idx="1">
+        <a:scrgbClr r="0" g="0" b="0"/>
+      </a:fillRef>
+      <a:effectRef idx="0">
+        <a:scrgbClr r="0" g="0" b="0"/>
+      </a:effectRef>
+      <a:fontRef idx="minor"/>
+    </dgm:style>
+  </dgm:styleLbl>
+  <dgm:styleLbl name="solidBgAcc1">
+    <dgm:scene3d>
+      <a:camera prst="orthographicFront"/>
+      <a:lightRig rig="threePt" dir="t"/>
+    </dgm:scene3d>
+    <dgm:sp3d/>
+    <dgm:txPr/>
+    <dgm:style>
+      <a:lnRef idx="2">
+        <a:scrgbClr r="0" g="0" b="0"/>
+      </a:lnRef>
+      <a:fillRef idx="1">
+        <a:scrgbClr r="0" g="0" b="0"/>
+      </a:fillRef>
+      <a:effectRef idx="0">
+        <a:scrgbClr r="0" g="0" b="0"/>
+      </a:effectRef>
+      <a:fontRef idx="minor"/>
+    </dgm:style>
+  </dgm:styleLbl>
+  <dgm:styleLbl name="fgAccFollowNode1">
+    <dgm:scene3d>
+      <a:camera prst="orthographicFront"/>
+      <a:lightRig rig="threePt" dir="t"/>
+    </dgm:scene3d>
+    <dgm:sp3d/>
+    <dgm:txPr/>
+    <dgm:style>
+      <a:lnRef idx="2">
+        <a:scrgbClr r="0" g="0" b="0"/>
+      </a:lnRef>
+      <a:fillRef idx="1">
+        <a:scrgbClr r="0" g="0" b="0"/>
+      </a:fillRef>
+      <a:effectRef idx="0">
+        <a:scrgbClr r="0" g="0" b="0"/>
+      </a:effectRef>
+      <a:fontRef idx="minor"/>
+    </dgm:style>
+  </dgm:styleLbl>
+  <dgm:styleLbl name="alignAccFollowNode1">
+    <dgm:scene3d>
+      <a:camera prst="orthographicFront"/>
+      <a:lightRig rig="threePt" dir="t"/>
+    </dgm:scene3d>
+    <dgm:sp3d/>
+    <dgm:txPr/>
+    <dgm:style>
+      <a:lnRef idx="2">
+        <a:scrgbClr r="0" g="0" b="0"/>
+      </a:lnRef>
+      <a:fillRef idx="1">
+        <a:scrgbClr r="0" g="0" b="0"/>
+      </a:fillRef>
+      <a:effectRef idx="0">
+        <a:scrgbClr r="0" g="0" b="0"/>
+      </a:effectRef>
+      <a:fontRef idx="minor"/>
+    </dgm:style>
+  </dgm:styleLbl>
+  <dgm:styleLbl name="bgAccFollowNode1">
+    <dgm:scene3d>
+      <a:camera prst="orthographicFront"/>
+      <a:lightRig rig="threePt" dir="t"/>
+    </dgm:scene3d>
+    <dgm:sp3d/>
+    <dgm:txPr/>
+    <dgm:style>
+      <a:lnRef idx="2">
+        <a:scrgbClr r="0" g="0" b="0"/>
+      </a:lnRef>
+      <a:fillRef idx="1">
+        <a:scrgbClr r="0" g="0" b="0"/>
+      </a:fillRef>
+      <a:effectRef idx="0">
+        <a:scrgbClr r="0" g="0" b="0"/>
+      </a:effectRef>
+      <a:fontRef idx="minor"/>
+    </dgm:style>
+  </dgm:styleLbl>
+  <dgm:styleLbl name="fgAcc0">
+    <dgm:scene3d>
+      <a:camera prst="orthographicFront"/>
+      <a:lightRig rig="threePt" dir="t"/>
+    </dgm:scene3d>
+    <dgm:sp3d/>
+    <dgm:txPr/>
+    <dgm:style>
+      <a:lnRef idx="2">
+        <a:scrgbClr r="0" g="0" b="0"/>
+      </a:lnRef>
+      <a:fillRef idx="1">
+        <a:scrgbClr r="0" g="0" b="0"/>
+      </a:fillRef>
+      <a:effectRef idx="0">
+        <a:scrgbClr r="0" g="0" b="0"/>
+      </a:effectRef>
+      <a:fontRef idx="minor"/>
+    </dgm:style>
+  </dgm:styleLbl>
+  <dgm:styleLbl name="fgAcc2">
+    <dgm:scene3d>
+      <a:camera prst="orthographicFront"/>
+      <a:lightRig rig="threePt" dir="t"/>
+    </dgm:scene3d>
+    <dgm:sp3d/>
+    <dgm:txPr/>
+    <dgm:style>
+      <a:lnRef idx="2">
+        <a:scrgbClr r="0" g="0" b="0"/>
+      </a:lnRef>
+      <a:fillRef idx="1">
+        <a:scrgbClr r="0" g="0" b="0"/>
+      </a:fillRef>
+      <a:effectRef idx="0">
+        <a:scrgbClr r="0" g="0" b="0"/>
+      </a:effectRef>
+      <a:fontRef idx="minor"/>
+    </dgm:style>
+  </dgm:styleLbl>
+  <dgm:styleLbl name="fgAcc3">
+    <dgm:scene3d>
+      <a:camera prst="orthographicFront"/>
+      <a:lightRig rig="threePt" dir="t"/>
+    </dgm:scene3d>
+    <dgm:sp3d/>
+    <dgm:txPr/>
+    <dgm:style>
+      <a:lnRef idx="2">
+        <a:scrgbClr r="0" g="0" b="0"/>
+      </a:lnRef>
+      <a:fillRef idx="1">
+        <a:scrgbClr r="0" g="0" b="0"/>
+      </a:fillRef>
+      <a:effectRef idx="0">
+        <a:scrgbClr r="0" g="0" b="0"/>
+      </a:effectRef>
+      <a:fontRef idx="minor"/>
+    </dgm:style>
+  </dgm:styleLbl>
+  <dgm:styleLbl name="fgAcc4">
+    <dgm:scene3d>
+      <a:camera prst="orthographicFront"/>
+      <a:lightRig rig="threePt" dir="t"/>
+    </dgm:scene3d>
+    <dgm:sp3d/>
+    <dgm:txPr/>
+    <dgm:style>
+      <a:lnRef idx="2">
+        <a:scrgbClr r="0" g="0" b="0"/>
+      </a:lnRef>
+      <a:fillRef idx="1">
+        <a:scrgbClr r="0" g="0" b="0"/>
+      </a:fillRef>
+      <a:effectRef idx="0">
+        <a:scrgbClr r="0" g="0" b="0"/>
+      </a:effectRef>
+      <a:fontRef idx="minor"/>
+    </dgm:style>
+  </dgm:styleLbl>
+  <dgm:styleLbl name="bgShp">
+    <dgm:scene3d>
+      <a:camera prst="orthographicFront"/>
+      <a:lightRig rig="threePt" dir="t"/>
+    </dgm:scene3d>
+    <dgm:sp3d/>
+    <dgm:txPr/>
+    <dgm:style>
+      <a:lnRef idx="0">
+        <a:scrgbClr r="0" g="0" b="0"/>
+      </a:lnRef>
+      <a:fillRef idx="1">
+        <a:scrgbClr r="0" g="0" b="0"/>
+      </a:fillRef>
+      <a:effectRef idx="0">
+        <a:scrgbClr r="0" g="0" b="0"/>
+      </a:effectRef>
+      <a:fontRef idx="minor"/>
+    </dgm:style>
+  </dgm:styleLbl>
+  <dgm:styleLbl name="dkBgShp">
+    <dgm:scene3d>
+      <a:camera prst="orthographicFront"/>
+      <a:lightRig rig="threePt" dir="t"/>
+    </dgm:scene3d>
+    <dgm:sp3d/>
+    <dgm:txPr/>
+    <dgm:style>
+      <a:lnRef idx="0">
+        <a:scrgbClr r="0" g="0" b="0"/>
+      </a:lnRef>
+      <a:fillRef idx="1">
+        <a:scrgbClr r="0" g="0" b="0"/>
+      </a:fillRef>
+      <a:effectRef idx="0">
+        <a:scrgbClr r="0" g="0" b="0"/>
+      </a:effectRef>
+      <a:fontRef idx="minor"/>
+    </dgm:style>
+  </dgm:styleLbl>
+  <dgm:styleLbl name="trBgShp">
+    <dgm:scene3d>
+      <a:camera prst="orthographicFront"/>
+      <a:lightRig rig="threePt" dir="t"/>
+    </dgm:scene3d>
+    <dgm:sp3d/>
+    <dgm:txPr/>
+    <dgm:style>
+      <a:lnRef idx="0">
+        <a:scrgbClr r="0" g="0" b="0"/>
+      </a:lnRef>
+      <a:fillRef idx="1">
+        <a:scrgbClr r="0" g="0" b="0"/>
+      </a:fillRef>
+      <a:effectRef idx="0">
+        <a:scrgbClr r="0" g="0" b="0"/>
+      </a:effectRef>
+      <a:fontRef idx="minor"/>
+    </dgm:style>
+  </dgm:styleLbl>
+  <dgm:styleLbl name="fgShp">
+    <dgm:scene3d>
+      <a:camera prst="orthographicFront"/>
+      <a:lightRig rig="threePt" dir="t"/>
+    </dgm:scene3d>
+    <dgm:sp3d/>
+    <dgm:txPr/>
+    <dgm:style>
+      <a:lnRef idx="2">
+        <a:scrgbClr r="0" g="0" b="0"/>
+      </a:lnRef>
+      <a:fillRef idx="1">
+        <a:scrgbClr r="0" g="0" b="0"/>
+      </a:fillRef>
+      <a:effectRef idx="0">
+        <a:scrgbClr r="0" g="0" b="0"/>
+      </a:effectRef>
+      <a:fontRef idx="minor"/>
+    </dgm:style>
+  </dgm:styleLbl>
+  <dgm:styleLbl name="revTx">
+    <dgm:scene3d>
+      <a:camera prst="orthographicFront"/>
+      <a:lightRig rig="threePt" dir="t"/>
+    </dgm:scene3d>
+    <dgm:sp3d/>
+    <dgm:txPr/>
+    <dgm:style>
+      <a:lnRef idx="0">
+        <a:scrgbClr r="0" g="0" b="0"/>
+      </a:lnRef>
+      <a:fillRef idx="0">
+        <a:scrgbClr r="0" g="0" b="0"/>
+      </a:fillRef>
+      <a:effectRef idx="0">
+        <a:scrgbClr r="0" g="0" b="0"/>
+      </a:effectRef>
+      <a:fontRef idx="minor"/>
+    </dgm:style>
+  </dgm:styleLbl>
+</dgm:styleDef>
+</file>
+
+<file path=ppt/diagrams/quickStyle3.xml><?xml version="1.0" encoding="utf-8"?>
 <dgm:styleDef xmlns:dgm="http://schemas.openxmlformats.org/drawingml/2006/diagram" xmlns:a="http://schemas.openxmlformats.org/drawingml/2006/main" uniqueId="urn:microsoft.com/office/officeart/2005/8/quickstyle/simple1">
   <dgm:title val=""/>
   <dgm:desc val=""/>
@@ -13529,6 +16056,13 @@
   <p:clrMapOvr>
     <a:masterClrMapping/>
   </p:clrMapOvr>
+  <p:timing>
+    <p:tnLst>
+      <p:par>
+        <p:cTn id="1" dur="indefinite" restart="never" nodeType="tmRoot"/>
+      </p:par>
+    </p:tnLst>
+  </p:timing>
 </p:sld>
 </file>
 
@@ -13601,6 +16135,13 @@
   <p:clrMapOvr>
     <a:masterClrMapping/>
   </p:clrMapOvr>
+  <p:timing>
+    <p:tnLst>
+      <p:par>
+        <p:cTn id="1" dur="indefinite" restart="never" nodeType="tmRoot"/>
+      </p:par>
+    </p:tnLst>
+  </p:timing>
 </p:sld>
 </file>
 
@@ -13667,10 +16208,58 @@
           <a:bodyPr/>
           <a:lstStyle/>
           <a:p>
-            <a:endParaRPr lang="en-GB"/>
+            <a:r>
+              <a:rPr lang="en-GB" dirty="0" smtClean="0"/>
+              <a:t>When the </a:t>
+            </a:r>
+            <a:r>
+              <a:rPr lang="en-GB" dirty="0" err="1" smtClean="0"/>
+              <a:t>tabu</a:t>
+            </a:r>
+            <a:r>
+              <a:rPr lang="en-GB" dirty="0" smtClean="0"/>
+              <a:t> search starts, it takes as initial solution the best chromosome found by the genetic algorithm.</a:t>
+            </a:r>
+          </a:p>
+          <a:p>
+            <a:r>
+              <a:rPr lang="en-GB" dirty="0" smtClean="0"/>
+              <a:t>The chromosome is then converted into a suitable initial solution for the </a:t>
+            </a:r>
+            <a:r>
+              <a:rPr lang="en-GB" dirty="0" err="1" smtClean="0"/>
+              <a:t>tabu</a:t>
+            </a:r>
+            <a:r>
+              <a:rPr lang="en-GB" dirty="0" smtClean="0"/>
+              <a:t> search algorithm.</a:t>
+            </a:r>
+            <a:endParaRPr lang="en-GB" dirty="0"/>
           </a:p>
         </p:txBody>
       </p:sp>
+      <p:graphicFrame>
+        <p:nvGraphicFramePr>
+          <p:cNvPr id="4" name="Diagramma 3"/>
+          <p:cNvGraphicFramePr/>
+          <p:nvPr>
+            <p:extLst>
+              <p:ext uri="{D42A27DB-BD31-4B8C-83A1-F6EECF244321}">
+                <p14:modId xmlns:p14="http://schemas.microsoft.com/office/powerpoint/2010/main" val="3114073721"/>
+              </p:ext>
+            </p:extLst>
+          </p:nvPr>
+        </p:nvGraphicFramePr>
+        <p:xfrm>
+          <a:off x="1259632" y="2924944"/>
+          <a:ext cx="6096000" cy="4064000"/>
+        </p:xfrm>
+        <a:graphic>
+          <a:graphicData uri="http://schemas.openxmlformats.org/drawingml/2006/diagram">
+            <dgm:relIds xmlns:dgm="http://schemas.openxmlformats.org/drawingml/2006/diagram" xmlns:r="http://schemas.openxmlformats.org/officeDocument/2006/relationships" r:dm="rId2" r:lo="rId3" r:qs="rId4" r:cs="rId5"/>
+          </a:graphicData>
+        </a:graphic>
+      </p:graphicFrame>
     </p:spTree>
     <p:extLst>
       <p:ext uri="{BB962C8B-B14F-4D97-AF65-F5344CB8AC3E}">
@@ -13681,6 +16270,13 @@
   <p:clrMapOvr>
     <a:masterClrMapping/>
   </p:clrMapOvr>
+  <p:timing>
+    <p:tnLst>
+      <p:par>
+        <p:cTn id="1" dur="indefinite" restart="never" nodeType="tmRoot"/>
+      </p:par>
+    </p:tnLst>
+  </p:timing>
 </p:sld>
 </file>
 
@@ -14225,6 +16821,13 @@
   <p:clrMapOvr>
     <a:masterClrMapping/>
   </p:clrMapOvr>
+  <p:timing>
+    <p:tnLst>
+      <p:par>
+        <p:cTn id="1" dur="indefinite" restart="never" nodeType="tmRoot"/>
+      </p:par>
+    </p:tnLst>
+  </p:timing>
 </p:sld>
 </file>
 
@@ -14297,6 +16900,13 @@
   <p:clrMapOvr>
     <a:masterClrMapping/>
   </p:clrMapOvr>
+  <p:timing>
+    <p:tnLst>
+      <p:par>
+        <p:cTn id="1" dur="indefinite" restart="never" nodeType="tmRoot"/>
+      </p:par>
+    </p:tnLst>
+  </p:timing>
 </p:sld>
 </file>
 
@@ -14629,20 +17239,12 @@
               <a:t>Local </a:t>
             </a:r>
             <a:r>
-              <a:rPr lang="it-IT" dirty="0" err="1" smtClean="0"/>
-              <a:t>search</a:t>
-            </a:r>
-            <a:r>
-              <a:rPr lang="it-IT" dirty="0"/>
-              <a:t> </a:t>
-            </a:r>
-            <a:r>
-              <a:rPr lang="it-IT" dirty="0" err="1" smtClean="0"/>
-              <a:t>that</a:t>
+              <a:rPr lang="it-IT" smtClean="0"/>
+              <a:t>search </a:t>
             </a:r>
             <a:r>
               <a:rPr lang="it-IT" dirty="0" smtClean="0"/>
-              <a:t> – Tabu </a:t>
+              <a:t>– Tabu </a:t>
             </a:r>
             <a:r>
               <a:rPr lang="it-IT" dirty="0" err="1" smtClean="0"/>
@@ -15303,6 +17905,13 @@
   <p:clrMapOvr>
     <a:masterClrMapping/>
   </p:clrMapOvr>
+  <p:timing>
+    <p:tnLst>
+      <p:par>
+        <p:cTn id="1" dur="indefinite" restart="never" nodeType="tmRoot"/>
+      </p:par>
+    </p:tnLst>
+  </p:timing>
 </p:sld>
 </file>
 
@@ -15397,6 +18006,13 @@
   <p:clrMapOvr>
     <a:masterClrMapping/>
   </p:clrMapOvr>
+  <p:timing>
+    <p:tnLst>
+      <p:par>
+        <p:cTn id="1" dur="indefinite" restart="never" nodeType="tmRoot"/>
+      </p:par>
+    </p:tnLst>
+  </p:timing>
 </p:sld>
 </file>
 
